--- a/resources/ISSM2020Figs.pptx
+++ b/resources/ISSM2020Figs.pptx
@@ -5,13 +5,14 @@
     <p:sldMasterId id="2147483828" r:id="rId1"/>
   </p:sldMasterIdLst>
   <p:notesMasterIdLst>
-    <p:notesMasterId r:id="rId3"/>
+    <p:notesMasterId r:id="rId4"/>
   </p:notesMasterIdLst>
   <p:handoutMasterIdLst>
-    <p:handoutMasterId r:id="rId4"/>
+    <p:handoutMasterId r:id="rId5"/>
   </p:handoutMasterIdLst>
   <p:sldIdLst>
     <p:sldId id="354" r:id="rId2"/>
+    <p:sldId id="355" r:id="rId3"/>
   </p:sldIdLst>
   <p:sldSz cx="9144000" cy="6858000" type="screen4x3"/>
   <p:notesSz cx="6858000" cy="9144000"/>
@@ -211,7 +212,7 @@
           <a:p>
             <a:fld id="{87B1E067-8CD6-47D2-8022-8E53E4BB7437}" type="datetimeFigureOut">
               <a:rPr lang="en-GB" smtClean="0"/>
-              <a:t>07/07/2020</a:t>
+              <a:t>19/07/2020</a:t>
             </a:fld>
             <a:endParaRPr lang="en-GB"/>
           </a:p>
@@ -377,7 +378,7 @@
           <a:p>
             <a:fld id="{71BD2418-2684-45EC-AEF4-BE55BBAB5B4F}" type="datetimeFigureOut">
               <a:rPr lang="en-GB" smtClean="0"/>
-              <a:t>07/07/2020</a:t>
+              <a:t>19/07/2020</a:t>
             </a:fld>
             <a:endParaRPr lang="en-GB"/>
           </a:p>
@@ -827,7 +828,7 @@
           <a:p>
             <a:fld id="{69EC26FC-4149-4381-B200-0ACC926D0C10}" type="datetime1">
               <a:rPr lang="en-GB" smtClean="0"/>
-              <a:t>07/07/2020</a:t>
+              <a:t>19/07/2020</a:t>
             </a:fld>
             <a:endParaRPr lang="en-GB"/>
           </a:p>
@@ -1001,7 +1002,7 @@
           <a:p>
             <a:fld id="{77675063-8333-41A8-A131-A42E0F0649C6}" type="datetime1">
               <a:rPr lang="en-GB" smtClean="0"/>
-              <a:t>07/07/2020</a:t>
+              <a:t>19/07/2020</a:t>
             </a:fld>
             <a:endParaRPr lang="en-GB"/>
           </a:p>
@@ -1185,7 +1186,7 @@
           <a:p>
             <a:fld id="{99167A15-39CA-42AA-A3F4-D4AAF34DD1E5}" type="datetime1">
               <a:rPr lang="en-GB" smtClean="0"/>
-              <a:t>07/07/2020</a:t>
+              <a:t>19/07/2020</a:t>
             </a:fld>
             <a:endParaRPr lang="en-GB"/>
           </a:p>
@@ -1359,7 +1360,7 @@
           <a:p>
             <a:fld id="{1A87AFF6-4C91-482D-BDF5-223514DB0B0D}" type="datetime1">
               <a:rPr lang="en-GB" smtClean="0"/>
-              <a:t>07/07/2020</a:t>
+              <a:t>19/07/2020</a:t>
             </a:fld>
             <a:endParaRPr lang="en-GB"/>
           </a:p>
@@ -1609,7 +1610,7 @@
           <a:p>
             <a:fld id="{A945ADE7-28FF-42C7-B167-7DC7A77ED2F3}" type="datetime1">
               <a:rPr lang="en-GB" smtClean="0"/>
-              <a:t>07/07/2020</a:t>
+              <a:t>19/07/2020</a:t>
             </a:fld>
             <a:endParaRPr lang="en-GB"/>
           </a:p>
@@ -1901,7 +1902,7 @@
           <a:p>
             <a:fld id="{092EA350-1E2E-41EE-BD8A-FB0D72F078C3}" type="datetime1">
               <a:rPr lang="en-GB" smtClean="0"/>
-              <a:t>07/07/2020</a:t>
+              <a:t>19/07/2020</a:t>
             </a:fld>
             <a:endParaRPr lang="en-GB"/>
           </a:p>
@@ -2327,7 +2328,7 @@
           <a:p>
             <a:fld id="{F8F1314B-6929-4AD1-B5B4-312DAFF8489C}" type="datetime1">
               <a:rPr lang="en-GB" smtClean="0"/>
-              <a:t>07/07/2020</a:t>
+              <a:t>19/07/2020</a:t>
             </a:fld>
             <a:endParaRPr lang="en-GB"/>
           </a:p>
@@ -2449,7 +2450,7 @@
           <a:p>
             <a:fld id="{CF5B218E-BA98-4F08-AFAD-55E0F9C51274}" type="datetime1">
               <a:rPr lang="en-GB" smtClean="0"/>
-              <a:t>07/07/2020</a:t>
+              <a:t>19/07/2020</a:t>
             </a:fld>
             <a:endParaRPr lang="en-GB"/>
           </a:p>
@@ -2548,7 +2549,7 @@
           <a:p>
             <a:fld id="{8AF6CE76-28A1-4CD7-9645-E1D020974391}" type="datetime1">
               <a:rPr lang="en-GB" smtClean="0"/>
-              <a:t>07/07/2020</a:t>
+              <a:t>19/07/2020</a:t>
             </a:fld>
             <a:endParaRPr lang="en-GB"/>
           </a:p>
@@ -2829,7 +2830,7 @@
           <a:p>
             <a:fld id="{BADBD3C4-D885-44D5-BC36-8CDC16C4E35A}" type="datetime1">
               <a:rPr lang="en-GB" smtClean="0"/>
-              <a:t>07/07/2020</a:t>
+              <a:t>19/07/2020</a:t>
             </a:fld>
             <a:endParaRPr lang="en-GB"/>
           </a:p>
@@ -3086,7 +3087,7 @@
           <a:p>
             <a:fld id="{D0C37988-22DC-4746-8A43-E6C6BF5D65EE}" type="datetime1">
               <a:rPr lang="en-GB" smtClean="0"/>
-              <a:t>07/07/2020</a:t>
+              <a:t>19/07/2020</a:t>
             </a:fld>
             <a:endParaRPr lang="en-GB"/>
           </a:p>
@@ -3303,7 +3304,7 @@
           <a:p>
             <a:fld id="{5A18A74E-3BE8-4B6E-81A4-95A392C53EA5}" type="datetime1">
               <a:rPr lang="en-GB" smtClean="0"/>
-              <a:t>07/07/2020</a:t>
+              <a:t>19/07/2020</a:t>
             </a:fld>
             <a:endParaRPr lang="en-GB"/>
           </a:p>
@@ -7989,6 +7990,4705 @@
 </p:sld>
 </file>
 
+<file path=ppt/slides/slide2.xml><?xml version="1.0" encoding="utf-8"?>
+<p:sld xmlns:a="http://schemas.openxmlformats.org/drawingml/2006/main" xmlns:r="http://schemas.openxmlformats.org/officeDocument/2006/relationships" xmlns:p="http://schemas.openxmlformats.org/presentationml/2006/main">
+  <p:cSld>
+    <p:spTree>
+      <p:nvGrpSpPr>
+        <p:cNvPr id="1" name=""/>
+        <p:cNvGrpSpPr/>
+        <p:nvPr/>
+      </p:nvGrpSpPr>
+      <p:grpSpPr>
+        <a:xfrm>
+          <a:off x="0" y="0"/>
+          <a:ext cx="0" cy="0"/>
+          <a:chOff x="0" y="0"/>
+          <a:chExt cx="0" cy="0"/>
+        </a:xfrm>
+      </p:grpSpPr>
+      <p:sp>
+        <p:nvSpPr>
+          <p:cNvPr id="107" name="Triangolo isoscele 106">
+            <a:extLst>
+              <a:ext uri="{FF2B5EF4-FFF2-40B4-BE49-F238E27FC236}">
+                <a16:creationId xmlns:a16="http://schemas.microsoft.com/office/drawing/2014/main" id="{3D7A7583-B5B4-4791-8400-4C73A1B197B9}"/>
+              </a:ext>
+            </a:extLst>
+          </p:cNvPr>
+          <p:cNvSpPr/>
+          <p:nvPr/>
+        </p:nvSpPr>
+        <p:spPr>
+          <a:xfrm rot="5400000" flipH="1">
+            <a:off x="2464879" y="1144403"/>
+            <a:ext cx="86434" cy="139263"/>
+          </a:xfrm>
+          <a:prstGeom prst="triangle">
+            <a:avLst/>
+          </a:prstGeom>
+          <a:solidFill>
+            <a:schemeClr val="bg1"/>
+          </a:solidFill>
+          <a:ln/>
+        </p:spPr>
+        <p:style>
+          <a:lnRef idx="1">
+            <a:schemeClr val="accent5"/>
+          </a:lnRef>
+          <a:fillRef idx="2">
+            <a:schemeClr val="accent5"/>
+          </a:fillRef>
+          <a:effectRef idx="1">
+            <a:schemeClr val="accent5"/>
+          </a:effectRef>
+          <a:fontRef idx="minor">
+            <a:schemeClr val="dk1"/>
+          </a:fontRef>
+        </p:style>
+        <p:txBody>
+          <a:bodyPr rtlCol="0" anchor="ctr"/>
+          <a:lstStyle/>
+          <a:p>
+            <a:pPr algn="ctr"/>
+            <a:endParaRPr lang="en-GB" sz="1200"/>
+          </a:p>
+        </p:txBody>
+      </p:sp>
+      <p:grpSp>
+        <p:nvGrpSpPr>
+          <p:cNvPr id="4" name="Gruppo 3">
+            <a:extLst>
+              <a:ext uri="{FF2B5EF4-FFF2-40B4-BE49-F238E27FC236}">
+                <a16:creationId xmlns:a16="http://schemas.microsoft.com/office/drawing/2014/main" id="{BC35B80A-B446-4CE8-B17F-77FFDF4F6C4A}"/>
+              </a:ext>
+            </a:extLst>
+          </p:cNvPr>
+          <p:cNvGrpSpPr/>
+          <p:nvPr/>
+        </p:nvGrpSpPr>
+        <p:grpSpPr>
+          <a:xfrm>
+            <a:off x="3590303" y="2796589"/>
+            <a:ext cx="5437602" cy="3626017"/>
+            <a:chOff x="3815997" y="3059550"/>
+            <a:chExt cx="5437602" cy="3626017"/>
+          </a:xfrm>
+        </p:grpSpPr>
+        <p:sp>
+          <p:nvSpPr>
+            <p:cNvPr id="5" name="Rettangolo arrotondato 44">
+              <a:extLst>
+                <a:ext uri="{FF2B5EF4-FFF2-40B4-BE49-F238E27FC236}">
+                  <a16:creationId xmlns:a16="http://schemas.microsoft.com/office/drawing/2014/main" id="{83938788-B149-41EC-82AC-D4C86CA1905F}"/>
+                </a:ext>
+              </a:extLst>
+            </p:cNvPr>
+            <p:cNvSpPr/>
+            <p:nvPr/>
+          </p:nvSpPr>
+          <p:spPr>
+            <a:xfrm>
+              <a:off x="5926336" y="3481992"/>
+              <a:ext cx="3038152" cy="2899336"/>
+            </a:xfrm>
+            <a:prstGeom prst="roundRect">
+              <a:avLst/>
+            </a:prstGeom>
+            <a:solidFill>
+              <a:srgbClr val="CCFFCC"/>
+            </a:solidFill>
+          </p:spPr>
+          <p:style>
+            <a:lnRef idx="2">
+              <a:schemeClr val="accent1">
+                <a:shade val="50000"/>
+              </a:schemeClr>
+            </a:lnRef>
+            <a:fillRef idx="1">
+              <a:schemeClr val="accent1"/>
+            </a:fillRef>
+            <a:effectRef idx="0">
+              <a:schemeClr val="accent1"/>
+            </a:effectRef>
+            <a:fontRef idx="minor">
+              <a:schemeClr val="lt1"/>
+            </a:fontRef>
+          </p:style>
+          <p:txBody>
+            <a:bodyPr rtlCol="0" anchor="ctr"/>
+            <a:lstStyle/>
+            <a:p>
+              <a:pPr algn="ctr"/>
+              <a:endParaRPr lang="en-GB"/>
+            </a:p>
+          </p:txBody>
+        </p:sp>
+        <p:sp>
+          <p:nvSpPr>
+            <p:cNvPr id="6" name="Rettangolo arrotondato 3">
+              <a:extLst>
+                <a:ext uri="{FF2B5EF4-FFF2-40B4-BE49-F238E27FC236}">
+                  <a16:creationId xmlns:a16="http://schemas.microsoft.com/office/drawing/2014/main" id="{2D2ADFFC-29CD-4CF0-B872-1DC872D1B544}"/>
+                </a:ext>
+              </a:extLst>
+            </p:cNvPr>
+            <p:cNvSpPr/>
+            <p:nvPr/>
+          </p:nvSpPr>
+          <p:spPr>
+            <a:xfrm>
+              <a:off x="6346955" y="5428292"/>
+              <a:ext cx="881175" cy="776894"/>
+            </a:xfrm>
+            <a:prstGeom prst="roundRect">
+              <a:avLst/>
+            </a:prstGeom>
+            <a:solidFill>
+              <a:srgbClr val="FFFF00"/>
+            </a:solidFill>
+          </p:spPr>
+          <p:style>
+            <a:lnRef idx="2">
+              <a:schemeClr val="accent1">
+                <a:shade val="50000"/>
+              </a:schemeClr>
+            </a:lnRef>
+            <a:fillRef idx="1">
+              <a:schemeClr val="accent1"/>
+            </a:fillRef>
+            <a:effectRef idx="0">
+              <a:schemeClr val="accent1"/>
+            </a:effectRef>
+            <a:fontRef idx="minor">
+              <a:schemeClr val="lt1"/>
+            </a:fontRef>
+          </p:style>
+          <p:txBody>
+            <a:bodyPr rtlCol="0" anchor="ctr"/>
+            <a:lstStyle/>
+            <a:p>
+              <a:pPr algn="ctr"/>
+              <a:endParaRPr lang="en-GB"/>
+            </a:p>
+          </p:txBody>
+        </p:sp>
+        <p:sp>
+          <p:nvSpPr>
+            <p:cNvPr id="7" name="Rettangolo arrotondato 4">
+              <a:extLst>
+                <a:ext uri="{FF2B5EF4-FFF2-40B4-BE49-F238E27FC236}">
+                  <a16:creationId xmlns:a16="http://schemas.microsoft.com/office/drawing/2014/main" id="{8A230774-6B27-4E72-8FED-D30899765222}"/>
+                </a:ext>
+              </a:extLst>
+            </p:cNvPr>
+            <p:cNvSpPr/>
+            <p:nvPr/>
+          </p:nvSpPr>
+          <p:spPr>
+            <a:xfrm>
+              <a:off x="7229763" y="5416498"/>
+              <a:ext cx="1169863" cy="776894"/>
+            </a:xfrm>
+            <a:prstGeom prst="roundRect">
+              <a:avLst/>
+            </a:prstGeom>
+            <a:solidFill>
+              <a:srgbClr val="FFFF00"/>
+            </a:solidFill>
+          </p:spPr>
+          <p:style>
+            <a:lnRef idx="2">
+              <a:schemeClr val="accent1">
+                <a:shade val="50000"/>
+              </a:schemeClr>
+            </a:lnRef>
+            <a:fillRef idx="1">
+              <a:schemeClr val="accent1"/>
+            </a:fillRef>
+            <a:effectRef idx="0">
+              <a:schemeClr val="accent1"/>
+            </a:effectRef>
+            <a:fontRef idx="minor">
+              <a:schemeClr val="lt1"/>
+            </a:fontRef>
+          </p:style>
+          <p:txBody>
+            <a:bodyPr rtlCol="0" anchor="ctr"/>
+            <a:lstStyle/>
+            <a:p>
+              <a:pPr algn="ctr"/>
+              <a:endParaRPr lang="en-GB"/>
+            </a:p>
+          </p:txBody>
+        </p:sp>
+        <p:grpSp>
+          <p:nvGrpSpPr>
+            <p:cNvPr id="8" name="Gruppo 7">
+              <a:extLst>
+                <a:ext uri="{FF2B5EF4-FFF2-40B4-BE49-F238E27FC236}">
+                  <a16:creationId xmlns:a16="http://schemas.microsoft.com/office/drawing/2014/main" id="{00FE61C7-3DD9-48C7-97DB-AFBE7A34F626}"/>
+                </a:ext>
+              </a:extLst>
+            </p:cNvPr>
+            <p:cNvGrpSpPr/>
+            <p:nvPr/>
+          </p:nvGrpSpPr>
+          <p:grpSpPr>
+            <a:xfrm>
+              <a:off x="7814850" y="5441267"/>
+              <a:ext cx="512661" cy="451653"/>
+              <a:chOff x="2441713" y="1277482"/>
+              <a:chExt cx="812663" cy="763297"/>
+            </a:xfrm>
+          </p:grpSpPr>
+          <p:sp>
+            <p:nvSpPr>
+              <p:cNvPr id="45" name="Parallelogramma 44">
+                <a:extLst>
+                  <a:ext uri="{FF2B5EF4-FFF2-40B4-BE49-F238E27FC236}">
+                    <a16:creationId xmlns:a16="http://schemas.microsoft.com/office/drawing/2014/main" id="{5704D6FB-1828-4076-BB90-DF2E3446F47E}"/>
+                  </a:ext>
+                </a:extLst>
+              </p:cNvPr>
+              <p:cNvSpPr/>
+              <p:nvPr/>
+            </p:nvSpPr>
+            <p:spPr>
+              <a:xfrm flipV="1">
+                <a:off x="2897719" y="1707426"/>
+                <a:ext cx="356657" cy="288677"/>
+              </a:xfrm>
+              <a:prstGeom prst="parallelogram">
+                <a:avLst/>
+              </a:prstGeom>
+              <a:solidFill>
+                <a:srgbClr val="FFCCFF"/>
+              </a:solidFill>
+              <a:ln/>
+            </p:spPr>
+            <p:style>
+              <a:lnRef idx="1">
+                <a:schemeClr val="accent5"/>
+              </a:lnRef>
+              <a:fillRef idx="2">
+                <a:schemeClr val="accent5"/>
+              </a:fillRef>
+              <a:effectRef idx="1">
+                <a:schemeClr val="accent5"/>
+              </a:effectRef>
+              <a:fontRef idx="minor">
+                <a:schemeClr val="dk1"/>
+              </a:fontRef>
+            </p:style>
+            <p:txBody>
+              <a:bodyPr rtlCol="0" anchor="ctr"/>
+              <a:lstStyle/>
+              <a:p>
+                <a:pPr algn="ctr"/>
+                <a:endParaRPr lang="en-GB" sz="1200">
+                  <a:solidFill>
+                    <a:schemeClr val="dk1"/>
+                  </a:solidFill>
+                </a:endParaRPr>
+              </a:p>
+            </p:txBody>
+          </p:sp>
+          <p:sp>
+            <p:nvSpPr>
+              <p:cNvPr id="46" name="Ovale 45">
+                <a:extLst>
+                  <a:ext uri="{FF2B5EF4-FFF2-40B4-BE49-F238E27FC236}">
+                    <a16:creationId xmlns:a16="http://schemas.microsoft.com/office/drawing/2014/main" id="{3EED4166-440A-4218-AC8B-2D47E61A684C}"/>
+                  </a:ext>
+                </a:extLst>
+              </p:cNvPr>
+              <p:cNvSpPr/>
+              <p:nvPr/>
+            </p:nvSpPr>
+            <p:spPr>
+              <a:xfrm>
+                <a:off x="2441713" y="1320699"/>
+                <a:ext cx="749721" cy="720080"/>
+              </a:xfrm>
+              <a:prstGeom prst="ellipse">
+                <a:avLst/>
+              </a:prstGeom>
+              <a:solidFill>
+                <a:srgbClr val="FFCCFF"/>
+              </a:solidFill>
+              <a:ln/>
+            </p:spPr>
+            <p:style>
+              <a:lnRef idx="1">
+                <a:schemeClr val="accent5"/>
+              </a:lnRef>
+              <a:fillRef idx="2">
+                <a:schemeClr val="accent5"/>
+              </a:fillRef>
+              <a:effectRef idx="1">
+                <a:schemeClr val="accent5"/>
+              </a:effectRef>
+              <a:fontRef idx="minor">
+                <a:schemeClr val="dk1"/>
+              </a:fontRef>
+            </p:style>
+            <p:txBody>
+              <a:bodyPr rtlCol="0" anchor="ctr"/>
+              <a:lstStyle/>
+              <a:p>
+                <a:pPr algn="ctr"/>
+                <a:r>
+                  <a:rPr lang="en-GB" sz="1200" dirty="0"/>
+                  <a:t> </a:t>
+                </a:r>
+              </a:p>
+            </p:txBody>
+          </p:sp>
+          <p:sp>
+            <p:nvSpPr>
+              <p:cNvPr id="47" name="Triangolo isoscele 46">
+                <a:extLst>
+                  <a:ext uri="{FF2B5EF4-FFF2-40B4-BE49-F238E27FC236}">
+                    <a16:creationId xmlns:a16="http://schemas.microsoft.com/office/drawing/2014/main" id="{00FC83A4-65DC-4462-8771-4FFCA968A103}"/>
+                  </a:ext>
+                </a:extLst>
+              </p:cNvPr>
+              <p:cNvSpPr/>
+              <p:nvPr/>
+            </p:nvSpPr>
+            <p:spPr>
+              <a:xfrm rot="16200000">
+                <a:off x="2749151" y="1251067"/>
+                <a:ext cx="86434" cy="139263"/>
+              </a:xfrm>
+              <a:prstGeom prst="triangle">
+                <a:avLst/>
+              </a:prstGeom>
+              <a:solidFill>
+                <a:srgbClr val="FF0000"/>
+              </a:solidFill>
+              <a:ln/>
+            </p:spPr>
+            <p:style>
+              <a:lnRef idx="1">
+                <a:schemeClr val="accent5"/>
+              </a:lnRef>
+              <a:fillRef idx="2">
+                <a:schemeClr val="accent5"/>
+              </a:fillRef>
+              <a:effectRef idx="1">
+                <a:schemeClr val="accent5"/>
+              </a:effectRef>
+              <a:fontRef idx="minor">
+                <a:schemeClr val="dk1"/>
+              </a:fontRef>
+            </p:style>
+            <p:txBody>
+              <a:bodyPr rtlCol="0" anchor="ctr"/>
+              <a:lstStyle/>
+              <a:p>
+                <a:pPr algn="ctr"/>
+                <a:endParaRPr lang="en-GB" sz="1200">
+                  <a:solidFill>
+                    <a:schemeClr val="dk1"/>
+                  </a:solidFill>
+                </a:endParaRPr>
+              </a:p>
+            </p:txBody>
+          </p:sp>
+        </p:grpSp>
+        <p:grpSp>
+          <p:nvGrpSpPr>
+            <p:cNvPr id="9" name="Gruppo 8">
+              <a:extLst>
+                <a:ext uri="{FF2B5EF4-FFF2-40B4-BE49-F238E27FC236}">
+                  <a16:creationId xmlns:a16="http://schemas.microsoft.com/office/drawing/2014/main" id="{F7BAE42A-A95A-4224-9F86-62A2B88A58E7}"/>
+                </a:ext>
+              </a:extLst>
+            </p:cNvPr>
+            <p:cNvGrpSpPr/>
+            <p:nvPr/>
+          </p:nvGrpSpPr>
+          <p:grpSpPr>
+            <a:xfrm>
+              <a:off x="6249747" y="3515325"/>
+              <a:ext cx="1696867" cy="1234655"/>
+              <a:chOff x="2460219" y="2004003"/>
+              <a:chExt cx="1696867" cy="1234655"/>
+            </a:xfrm>
+          </p:grpSpPr>
+          <p:sp>
+            <p:nvSpPr>
+              <p:cNvPr id="39" name="Triangolo isoscele 38">
+                <a:extLst>
+                  <a:ext uri="{FF2B5EF4-FFF2-40B4-BE49-F238E27FC236}">
+                    <a16:creationId xmlns:a16="http://schemas.microsoft.com/office/drawing/2014/main" id="{65216DB4-73B1-48C3-9760-2285CCA2FFD2}"/>
+                  </a:ext>
+                </a:extLst>
+              </p:cNvPr>
+              <p:cNvSpPr/>
+              <p:nvPr/>
+            </p:nvSpPr>
+            <p:spPr>
+              <a:xfrm rot="5400000">
+                <a:off x="3220535" y="2242777"/>
+                <a:ext cx="998084" cy="875019"/>
+              </a:xfrm>
+              <a:prstGeom prst="triangle">
+                <a:avLst/>
+              </a:prstGeom>
+              <a:solidFill>
+                <a:srgbClr val="CCFF66"/>
+              </a:solidFill>
+              <a:ln/>
+            </p:spPr>
+            <p:style>
+              <a:lnRef idx="1">
+                <a:schemeClr val="accent5"/>
+              </a:lnRef>
+              <a:fillRef idx="2">
+                <a:schemeClr val="accent5"/>
+              </a:fillRef>
+              <a:effectRef idx="1">
+                <a:schemeClr val="accent5"/>
+              </a:effectRef>
+              <a:fontRef idx="minor">
+                <a:schemeClr val="dk1"/>
+              </a:fontRef>
+            </p:style>
+            <p:txBody>
+              <a:bodyPr rtlCol="0" anchor="ctr"/>
+              <a:lstStyle/>
+              <a:p>
+                <a:pPr algn="ctr"/>
+                <a:endParaRPr lang="en-GB" sz="1200">
+                  <a:solidFill>
+                    <a:schemeClr val="dk1"/>
+                  </a:solidFill>
+                </a:endParaRPr>
+              </a:p>
+            </p:txBody>
+          </p:sp>
+          <p:grpSp>
+            <p:nvGrpSpPr>
+              <p:cNvPr id="40" name="Gruppo 82">
+                <a:extLst>
+                  <a:ext uri="{FF2B5EF4-FFF2-40B4-BE49-F238E27FC236}">
+                    <a16:creationId xmlns:a16="http://schemas.microsoft.com/office/drawing/2014/main" id="{A372EAAB-4D9C-4760-BE2A-2EB3CF9014F3}"/>
+                  </a:ext>
+                </a:extLst>
+              </p:cNvPr>
+              <p:cNvGrpSpPr/>
+              <p:nvPr/>
+            </p:nvGrpSpPr>
+            <p:grpSpPr>
+              <a:xfrm>
+                <a:off x="2460219" y="2004003"/>
+                <a:ext cx="1409184" cy="1234655"/>
+                <a:chOff x="1194666" y="2417771"/>
+                <a:chExt cx="866156" cy="763297"/>
+              </a:xfrm>
+            </p:grpSpPr>
+            <p:sp>
+              <p:nvSpPr>
+                <p:cNvPr id="42" name="Ovale 38">
+                  <a:extLst>
+                    <a:ext uri="{FF2B5EF4-FFF2-40B4-BE49-F238E27FC236}">
+                      <a16:creationId xmlns:a16="http://schemas.microsoft.com/office/drawing/2014/main" id="{3796468D-5BB5-4886-B9EB-3C90139CB2D4}"/>
+                    </a:ext>
+                  </a:extLst>
+                </p:cNvPr>
+                <p:cNvSpPr/>
+                <p:nvPr/>
+              </p:nvSpPr>
+              <p:spPr>
+                <a:xfrm>
+                  <a:off x="1311101" y="2460988"/>
+                  <a:ext cx="749721" cy="720080"/>
+                </a:xfrm>
+                <a:prstGeom prst="ellipse">
+                  <a:avLst/>
+                </a:prstGeom>
+                <a:solidFill>
+                  <a:srgbClr val="FFCCFF"/>
+                </a:solidFill>
+                <a:ln/>
+              </p:spPr>
+              <p:style>
+                <a:lnRef idx="1">
+                  <a:schemeClr val="accent5"/>
+                </a:lnRef>
+                <a:fillRef idx="2">
+                  <a:schemeClr val="accent5"/>
+                </a:fillRef>
+                <a:effectRef idx="1">
+                  <a:schemeClr val="accent5"/>
+                </a:effectRef>
+                <a:fontRef idx="minor">
+                  <a:schemeClr val="dk1"/>
+                </a:fontRef>
+              </p:style>
+              <p:txBody>
+                <a:bodyPr rtlCol="0" anchor="ctr"/>
+                <a:lstStyle/>
+                <a:p>
+                  <a:pPr algn="ctr"/>
+                  <a:r>
+                    <a:rPr lang="en-GB" sz="1200" dirty="0"/>
+                    <a:t> </a:t>
+                  </a:r>
+                </a:p>
+              </p:txBody>
+            </p:sp>
+            <p:sp>
+              <p:nvSpPr>
+                <p:cNvPr id="43" name="Rettangolo 39">
+                  <a:extLst>
+                    <a:ext uri="{FF2B5EF4-FFF2-40B4-BE49-F238E27FC236}">
+                      <a16:creationId xmlns:a16="http://schemas.microsoft.com/office/drawing/2014/main" id="{07E0BEF9-3FFE-42A2-9BF9-CB48D6080099}"/>
+                    </a:ext>
+                  </a:extLst>
+                </p:cNvPr>
+                <p:cNvSpPr/>
+                <p:nvPr/>
+              </p:nvSpPr>
+              <p:spPr>
+                <a:xfrm>
+                  <a:off x="1194666" y="2699711"/>
+                  <a:ext cx="281433" cy="211952"/>
+                </a:xfrm>
+                <a:prstGeom prst="rect">
+                  <a:avLst/>
+                </a:prstGeom>
+                <a:solidFill>
+                  <a:srgbClr val="FFCCFF"/>
+                </a:solidFill>
+                <a:ln/>
+              </p:spPr>
+              <p:style>
+                <a:lnRef idx="1">
+                  <a:schemeClr val="accent5"/>
+                </a:lnRef>
+                <a:fillRef idx="2">
+                  <a:schemeClr val="accent5"/>
+                </a:fillRef>
+                <a:effectRef idx="1">
+                  <a:schemeClr val="accent5"/>
+                </a:effectRef>
+                <a:fontRef idx="minor">
+                  <a:schemeClr val="dk1"/>
+                </a:fontRef>
+              </p:style>
+              <p:txBody>
+                <a:bodyPr rtlCol="0" anchor="ctr"/>
+                <a:lstStyle/>
+                <a:p>
+                  <a:pPr algn="ctr"/>
+                  <a:endParaRPr lang="en-GB" sz="1200"/>
+                </a:p>
+              </p:txBody>
+            </p:sp>
+            <p:sp>
+              <p:nvSpPr>
+                <p:cNvPr id="44" name="Triangolo isoscele 42">
+                  <a:extLst>
+                    <a:ext uri="{FF2B5EF4-FFF2-40B4-BE49-F238E27FC236}">
+                      <a16:creationId xmlns:a16="http://schemas.microsoft.com/office/drawing/2014/main" id="{800BBDD0-6941-4950-9B11-368B7654D2F0}"/>
+                    </a:ext>
+                  </a:extLst>
+                </p:cNvPr>
+                <p:cNvSpPr/>
+                <p:nvPr/>
+              </p:nvSpPr>
+              <p:spPr>
+                <a:xfrm rot="16200000">
+                  <a:off x="1618539" y="2391356"/>
+                  <a:ext cx="86434" cy="139263"/>
+                </a:xfrm>
+                <a:prstGeom prst="triangle">
+                  <a:avLst/>
+                </a:prstGeom>
+                <a:solidFill>
+                  <a:srgbClr val="FF0000"/>
+                </a:solidFill>
+                <a:ln/>
+              </p:spPr>
+              <p:style>
+                <a:lnRef idx="1">
+                  <a:schemeClr val="accent5"/>
+                </a:lnRef>
+                <a:fillRef idx="2">
+                  <a:schemeClr val="accent5"/>
+                </a:fillRef>
+                <a:effectRef idx="1">
+                  <a:schemeClr val="accent5"/>
+                </a:effectRef>
+                <a:fontRef idx="minor">
+                  <a:schemeClr val="dk1"/>
+                </a:fontRef>
+              </p:style>
+              <p:txBody>
+                <a:bodyPr rtlCol="0" anchor="ctr"/>
+                <a:lstStyle/>
+                <a:p>
+                  <a:pPr algn="ctr"/>
+                  <a:endParaRPr lang="en-GB" sz="1200">
+                    <a:solidFill>
+                      <a:schemeClr val="dk1"/>
+                    </a:solidFill>
+                  </a:endParaRPr>
+                </a:p>
+              </p:txBody>
+            </p:sp>
+          </p:grpSp>
+          <p:sp>
+            <p:nvSpPr>
+              <p:cNvPr id="41" name="Rettangolo 40">
+                <a:extLst>
+                  <a:ext uri="{FF2B5EF4-FFF2-40B4-BE49-F238E27FC236}">
+                    <a16:creationId xmlns:a16="http://schemas.microsoft.com/office/drawing/2014/main" id="{232F48B9-9190-4F11-B09F-835BD4AC2C1D}"/>
+                  </a:ext>
+                </a:extLst>
+              </p:cNvPr>
+              <p:cNvSpPr/>
+              <p:nvPr/>
+            </p:nvSpPr>
+            <p:spPr>
+              <a:xfrm>
+                <a:off x="2697729" y="2458538"/>
+                <a:ext cx="1044838" cy="369332"/>
+              </a:xfrm>
+              <a:prstGeom prst="rect">
+                <a:avLst/>
+              </a:prstGeom>
+            </p:spPr>
+            <p:txBody>
+              <a:bodyPr wrap="none">
+                <a:spAutoFit/>
+              </a:bodyPr>
+              <a:lstStyle/>
+              <a:p>
+                <a:r>
+                  <a:rPr lang="en-GB" dirty="0" err="1"/>
+                  <a:t>basicrobot</a:t>
+                </a:r>
+                <a:endParaRPr lang="en-GB" dirty="0"/>
+              </a:p>
+            </p:txBody>
+          </p:sp>
+        </p:grpSp>
+        <p:grpSp>
+          <p:nvGrpSpPr>
+            <p:cNvPr id="11" name="Gruppo 10">
+              <a:extLst>
+                <a:ext uri="{FF2B5EF4-FFF2-40B4-BE49-F238E27FC236}">
+                  <a16:creationId xmlns:a16="http://schemas.microsoft.com/office/drawing/2014/main" id="{4FBE9A9A-EAD2-4766-8427-03DEFE2C9398}"/>
+                </a:ext>
+              </a:extLst>
+            </p:cNvPr>
+            <p:cNvGrpSpPr/>
+            <p:nvPr/>
+          </p:nvGrpSpPr>
+          <p:grpSpPr>
+            <a:xfrm>
+              <a:off x="3815997" y="3115897"/>
+              <a:ext cx="2071183" cy="1494330"/>
+              <a:chOff x="3061567" y="2931210"/>
+              <a:chExt cx="2071183" cy="1494330"/>
+            </a:xfrm>
+          </p:grpSpPr>
+          <p:cxnSp>
+            <p:nvCxnSpPr>
+              <p:cNvPr id="37" name="Connettore 1 20">
+                <a:extLst>
+                  <a:ext uri="{FF2B5EF4-FFF2-40B4-BE49-F238E27FC236}">
+                    <a16:creationId xmlns:a16="http://schemas.microsoft.com/office/drawing/2014/main" id="{B39DDB11-D65F-40E8-BACC-9848217020DF}"/>
+                  </a:ext>
+                </a:extLst>
+              </p:cNvPr>
+              <p:cNvCxnSpPr>
+                <a:cxnSpLocks/>
+              </p:cNvCxnSpPr>
+              <p:nvPr/>
+            </p:nvCxnSpPr>
+            <p:spPr>
+              <a:xfrm>
+                <a:off x="3104784" y="4407746"/>
+                <a:ext cx="2027966" cy="17794"/>
+              </a:xfrm>
+              <a:prstGeom prst="line">
+                <a:avLst/>
+              </a:prstGeom>
+              <a:ln>
+                <a:prstDash val="dash"/>
+              </a:ln>
+            </p:spPr>
+            <p:style>
+              <a:lnRef idx="1">
+                <a:schemeClr val="accent1"/>
+              </a:lnRef>
+              <a:fillRef idx="0">
+                <a:schemeClr val="accent1"/>
+              </a:fillRef>
+              <a:effectRef idx="0">
+                <a:schemeClr val="accent1"/>
+              </a:effectRef>
+              <a:fontRef idx="minor">
+                <a:schemeClr val="tx1"/>
+              </a:fontRef>
+            </p:style>
+          </p:cxnSp>
+          <p:sp>
+            <p:nvSpPr>
+              <p:cNvPr id="38" name="Triangolo isoscele 37">
+                <a:extLst>
+                  <a:ext uri="{FF2B5EF4-FFF2-40B4-BE49-F238E27FC236}">
+                    <a16:creationId xmlns:a16="http://schemas.microsoft.com/office/drawing/2014/main" id="{3A1CE9B1-971D-4D01-B65E-2C59A1A95973}"/>
+                  </a:ext>
+                </a:extLst>
+              </p:cNvPr>
+              <p:cNvSpPr/>
+              <p:nvPr/>
+            </p:nvSpPr>
+            <p:spPr>
+              <a:xfrm>
+                <a:off x="3061567" y="2931210"/>
+                <a:ext cx="86434" cy="139263"/>
+              </a:xfrm>
+              <a:prstGeom prst="triangle">
+                <a:avLst/>
+              </a:prstGeom>
+              <a:solidFill>
+                <a:schemeClr val="bg1"/>
+              </a:solidFill>
+              <a:ln/>
+            </p:spPr>
+            <p:style>
+              <a:lnRef idx="1">
+                <a:schemeClr val="accent5"/>
+              </a:lnRef>
+              <a:fillRef idx="2">
+                <a:schemeClr val="accent5"/>
+              </a:fillRef>
+              <a:effectRef idx="1">
+                <a:schemeClr val="accent5"/>
+              </a:effectRef>
+              <a:fontRef idx="minor">
+                <a:schemeClr val="dk1"/>
+              </a:fontRef>
+            </p:style>
+            <p:txBody>
+              <a:bodyPr rtlCol="0" anchor="ctr"/>
+              <a:lstStyle/>
+              <a:p>
+                <a:pPr algn="ctr"/>
+                <a:endParaRPr lang="en-GB" sz="1200"/>
+              </a:p>
+            </p:txBody>
+          </p:sp>
+        </p:grpSp>
+        <p:grpSp>
+          <p:nvGrpSpPr>
+            <p:cNvPr id="13" name="Gruppo 12">
+              <a:extLst>
+                <a:ext uri="{FF2B5EF4-FFF2-40B4-BE49-F238E27FC236}">
+                  <a16:creationId xmlns:a16="http://schemas.microsoft.com/office/drawing/2014/main" id="{055F9E63-AA5C-49F8-B081-8F756E35B70D}"/>
+                </a:ext>
+              </a:extLst>
+            </p:cNvPr>
+            <p:cNvGrpSpPr/>
+            <p:nvPr/>
+          </p:nvGrpSpPr>
+          <p:grpSpPr>
+            <a:xfrm>
+              <a:off x="4665117" y="3059550"/>
+              <a:ext cx="1241054" cy="1315119"/>
+              <a:chOff x="4161021" y="3021594"/>
+              <a:chExt cx="1241054" cy="1315119"/>
+            </a:xfrm>
+          </p:grpSpPr>
+          <p:sp>
+            <p:nvSpPr>
+              <p:cNvPr id="35" name="Triangolo isoscele 34">
+                <a:extLst>
+                  <a:ext uri="{FF2B5EF4-FFF2-40B4-BE49-F238E27FC236}">
+                    <a16:creationId xmlns:a16="http://schemas.microsoft.com/office/drawing/2014/main" id="{FAC204F2-DE6B-4DA9-A3CB-75CF02B2B157}"/>
+                  </a:ext>
+                </a:extLst>
+              </p:cNvPr>
+              <p:cNvSpPr/>
+              <p:nvPr/>
+            </p:nvSpPr>
+            <p:spPr>
+              <a:xfrm rot="5400000" flipH="1">
+                <a:off x="5289227" y="4223864"/>
+                <a:ext cx="86434" cy="139263"/>
+              </a:xfrm>
+              <a:prstGeom prst="triangle">
+                <a:avLst/>
+              </a:prstGeom>
+              <a:solidFill>
+                <a:schemeClr val="bg1"/>
+              </a:solidFill>
+              <a:ln/>
+            </p:spPr>
+            <p:style>
+              <a:lnRef idx="1">
+                <a:schemeClr val="accent5"/>
+              </a:lnRef>
+              <a:fillRef idx="2">
+                <a:schemeClr val="accent5"/>
+              </a:fillRef>
+              <a:effectRef idx="1">
+                <a:schemeClr val="accent5"/>
+              </a:effectRef>
+              <a:fontRef idx="minor">
+                <a:schemeClr val="dk1"/>
+              </a:fontRef>
+            </p:style>
+            <p:txBody>
+              <a:bodyPr rtlCol="0" anchor="ctr"/>
+              <a:lstStyle/>
+              <a:p>
+                <a:pPr algn="ctr"/>
+                <a:endParaRPr lang="en-GB" sz="1200"/>
+              </a:p>
+            </p:txBody>
+          </p:sp>
+          <p:cxnSp>
+            <p:nvCxnSpPr>
+              <p:cNvPr id="36" name="Connettore 1 25">
+                <a:extLst>
+                  <a:ext uri="{FF2B5EF4-FFF2-40B4-BE49-F238E27FC236}">
+                    <a16:creationId xmlns:a16="http://schemas.microsoft.com/office/drawing/2014/main" id="{E11DAB20-B96C-40F6-AB45-52B6A5AA371A}"/>
+                  </a:ext>
+                </a:extLst>
+              </p:cNvPr>
+              <p:cNvCxnSpPr>
+                <a:cxnSpLocks/>
+              </p:cNvCxnSpPr>
+              <p:nvPr/>
+            </p:nvCxnSpPr>
+            <p:spPr>
+              <a:xfrm>
+                <a:off x="4161021" y="3021594"/>
+                <a:ext cx="0" cy="1279642"/>
+              </a:xfrm>
+              <a:prstGeom prst="line">
+                <a:avLst/>
+              </a:prstGeom>
+            </p:spPr>
+            <p:style>
+              <a:lnRef idx="1">
+                <a:schemeClr val="accent1"/>
+              </a:lnRef>
+              <a:fillRef idx="0">
+                <a:schemeClr val="accent1"/>
+              </a:fillRef>
+              <a:effectRef idx="0">
+                <a:schemeClr val="accent1"/>
+              </a:effectRef>
+              <a:fontRef idx="minor">
+                <a:schemeClr val="tx1"/>
+              </a:fontRef>
+            </p:style>
+          </p:cxnSp>
+        </p:grpSp>
+        <p:grpSp>
+          <p:nvGrpSpPr>
+            <p:cNvPr id="16" name="Gruppo 15">
+              <a:extLst>
+                <a:ext uri="{FF2B5EF4-FFF2-40B4-BE49-F238E27FC236}">
+                  <a16:creationId xmlns:a16="http://schemas.microsoft.com/office/drawing/2014/main" id="{02EC17F9-72AD-4EC4-AD60-22D8DF48C2BF}"/>
+                </a:ext>
+              </a:extLst>
+            </p:cNvPr>
+            <p:cNvGrpSpPr/>
+            <p:nvPr/>
+          </p:nvGrpSpPr>
+          <p:grpSpPr>
+            <a:xfrm>
+              <a:off x="6643199" y="5441267"/>
+              <a:ext cx="558683" cy="519971"/>
+              <a:chOff x="4403491" y="4276791"/>
+              <a:chExt cx="749721" cy="720080"/>
+            </a:xfrm>
+          </p:grpSpPr>
+          <p:sp>
+            <p:nvSpPr>
+              <p:cNvPr id="30" name="Ovale 33">
+                <a:extLst>
+                  <a:ext uri="{FF2B5EF4-FFF2-40B4-BE49-F238E27FC236}">
+                    <a16:creationId xmlns:a16="http://schemas.microsoft.com/office/drawing/2014/main" id="{6C633138-8313-4A8F-8D6C-73B255934794}"/>
+                  </a:ext>
+                </a:extLst>
+              </p:cNvPr>
+              <p:cNvSpPr/>
+              <p:nvPr/>
+            </p:nvSpPr>
+            <p:spPr>
+              <a:xfrm>
+                <a:off x="4403491" y="4276791"/>
+                <a:ext cx="749721" cy="720080"/>
+              </a:xfrm>
+              <a:prstGeom prst="ellipse">
+                <a:avLst/>
+              </a:prstGeom>
+              <a:ln/>
+            </p:spPr>
+            <p:style>
+              <a:lnRef idx="1">
+                <a:schemeClr val="accent5"/>
+              </a:lnRef>
+              <a:fillRef idx="2">
+                <a:schemeClr val="accent5"/>
+              </a:fillRef>
+              <a:effectRef idx="1">
+                <a:schemeClr val="accent5"/>
+              </a:effectRef>
+              <a:fontRef idx="minor">
+                <a:schemeClr val="dk1"/>
+              </a:fontRef>
+            </p:style>
+            <p:txBody>
+              <a:bodyPr rtlCol="0" anchor="ctr"/>
+              <a:lstStyle/>
+              <a:p>
+                <a:pPr algn="ctr"/>
+                <a:r>
+                  <a:rPr lang="en-GB" sz="1200" dirty="0"/>
+                  <a:t> </a:t>
+                </a:r>
+              </a:p>
+            </p:txBody>
+          </p:sp>
+          <p:cxnSp>
+            <p:nvCxnSpPr>
+              <p:cNvPr id="31" name="Connettore 2 126">
+                <a:extLst>
+                  <a:ext uri="{FF2B5EF4-FFF2-40B4-BE49-F238E27FC236}">
+                    <a16:creationId xmlns:a16="http://schemas.microsoft.com/office/drawing/2014/main" id="{1DD3D1A6-7DCF-416E-8BF0-B916DCCE4F70}"/>
+                  </a:ext>
+                </a:extLst>
+              </p:cNvPr>
+              <p:cNvCxnSpPr/>
+              <p:nvPr/>
+            </p:nvCxnSpPr>
+            <p:spPr>
+              <a:xfrm flipH="1">
+                <a:off x="4764885" y="4403661"/>
+                <a:ext cx="13466" cy="393101"/>
+              </a:xfrm>
+              <a:prstGeom prst="straightConnector1">
+                <a:avLst/>
+              </a:prstGeom>
+              <a:ln>
+                <a:solidFill>
+                  <a:srgbClr val="C00000"/>
+                </a:solidFill>
+                <a:prstDash val="lgDash"/>
+                <a:tailEnd type="arrow"/>
+              </a:ln>
+            </p:spPr>
+            <p:style>
+              <a:lnRef idx="1">
+                <a:schemeClr val="accent1"/>
+              </a:lnRef>
+              <a:fillRef idx="0">
+                <a:schemeClr val="accent1"/>
+              </a:fillRef>
+              <a:effectRef idx="0">
+                <a:schemeClr val="accent1"/>
+              </a:effectRef>
+              <a:fontRef idx="minor">
+                <a:schemeClr val="tx1"/>
+              </a:fontRef>
+            </p:style>
+          </p:cxnSp>
+        </p:grpSp>
+        <p:sp>
+          <p:nvSpPr>
+            <p:cNvPr id="17" name="Ovale 33">
+              <a:extLst>
+                <a:ext uri="{FF2B5EF4-FFF2-40B4-BE49-F238E27FC236}">
+                  <a16:creationId xmlns:a16="http://schemas.microsoft.com/office/drawing/2014/main" id="{81EF468E-ED76-4E48-879D-CE7F8DF7CAE4}"/>
+                </a:ext>
+              </a:extLst>
+            </p:cNvPr>
+            <p:cNvSpPr/>
+            <p:nvPr/>
+          </p:nvSpPr>
+          <p:spPr>
+            <a:xfrm>
+              <a:off x="6822033" y="4749980"/>
+              <a:ext cx="749721" cy="720080"/>
+            </a:xfrm>
+            <a:prstGeom prst="ellipse">
+              <a:avLst/>
+            </a:prstGeom>
+            <a:ln/>
+          </p:spPr>
+          <p:style>
+            <a:lnRef idx="1">
+              <a:schemeClr val="accent5"/>
+            </a:lnRef>
+            <a:fillRef idx="2">
+              <a:schemeClr val="accent5"/>
+            </a:fillRef>
+            <a:effectRef idx="1">
+              <a:schemeClr val="accent5"/>
+            </a:effectRef>
+            <a:fontRef idx="minor">
+              <a:schemeClr val="dk1"/>
+            </a:fontRef>
+          </p:style>
+          <p:txBody>
+            <a:bodyPr rtlCol="0" anchor="ctr"/>
+            <a:lstStyle/>
+            <a:p>
+              <a:pPr algn="ctr"/>
+              <a:r>
+                <a:rPr lang="en-GB" sz="1200" dirty="0"/>
+                <a:t> </a:t>
+              </a:r>
+            </a:p>
+          </p:txBody>
+        </p:sp>
+        <p:sp>
+          <p:nvSpPr>
+            <p:cNvPr id="18" name="Rettangolo 17">
+              <a:extLst>
+                <a:ext uri="{FF2B5EF4-FFF2-40B4-BE49-F238E27FC236}">
+                  <a16:creationId xmlns:a16="http://schemas.microsoft.com/office/drawing/2014/main" id="{EFA95247-8566-4FA0-9884-B31656211BC4}"/>
+                </a:ext>
+              </a:extLst>
+            </p:cNvPr>
+            <p:cNvSpPr/>
+            <p:nvPr/>
+          </p:nvSpPr>
+          <p:spPr>
+            <a:xfrm>
+              <a:off x="6926933" y="4890295"/>
+              <a:ext cx="1314655" cy="338554"/>
+            </a:xfrm>
+            <a:prstGeom prst="rect">
+              <a:avLst/>
+            </a:prstGeom>
+          </p:spPr>
+          <p:txBody>
+            <a:bodyPr wrap="none">
+              <a:spAutoFit/>
+            </a:bodyPr>
+            <a:lstStyle/>
+            <a:p>
+              <a:r>
+                <a:rPr lang="en-GB" sz="1600" dirty="0" err="1"/>
+                <a:t>robotSupport</a:t>
+              </a:r>
+              <a:endParaRPr lang="en-GB" sz="1600" dirty="0"/>
+            </a:p>
+          </p:txBody>
+        </p:sp>
+        <p:sp>
+          <p:nvSpPr>
+            <p:cNvPr id="19" name="Rettangolo 18">
+              <a:extLst>
+                <a:ext uri="{FF2B5EF4-FFF2-40B4-BE49-F238E27FC236}">
+                  <a16:creationId xmlns:a16="http://schemas.microsoft.com/office/drawing/2014/main" id="{F8528205-DF48-4185-92C9-95081ABD0445}"/>
+                </a:ext>
+              </a:extLst>
+            </p:cNvPr>
+            <p:cNvSpPr/>
+            <p:nvPr/>
+          </p:nvSpPr>
+          <p:spPr>
+            <a:xfrm>
+              <a:off x="5725037" y="5503077"/>
+              <a:ext cx="1285929" cy="215444"/>
+            </a:xfrm>
+            <a:prstGeom prst="rect">
+              <a:avLst/>
+            </a:prstGeom>
+          </p:spPr>
+          <p:txBody>
+            <a:bodyPr wrap="none">
+              <a:spAutoFit/>
+            </a:bodyPr>
+            <a:lstStyle/>
+            <a:p>
+              <a:r>
+                <a:rPr lang="en-GB" sz="800" dirty="0" err="1">
+                  <a:latin typeface="Arial" panose="020B0604020202020204" pitchFamily="34" charset="0"/>
+                  <a:cs typeface="Arial" panose="020B0604020202020204" pitchFamily="34" charset="0"/>
+                </a:rPr>
+                <a:t>virtualRobotSupportQak</a:t>
+              </a:r>
+              <a:endParaRPr lang="en-GB" sz="800" dirty="0">
+                <a:latin typeface="Arial" panose="020B0604020202020204" pitchFamily="34" charset="0"/>
+                <a:cs typeface="Arial" panose="020B0604020202020204" pitchFamily="34" charset="0"/>
+              </a:endParaRPr>
+            </a:p>
+          </p:txBody>
+        </p:sp>
+        <p:sp>
+          <p:nvSpPr>
+            <p:cNvPr id="20" name="Rectangle 5">
+              <a:extLst>
+                <a:ext uri="{FF2B5EF4-FFF2-40B4-BE49-F238E27FC236}">
+                  <a16:creationId xmlns:a16="http://schemas.microsoft.com/office/drawing/2014/main" id="{E73FAF9B-546F-4043-BDA8-D90FBAE67E0A}"/>
+                </a:ext>
+              </a:extLst>
+            </p:cNvPr>
+            <p:cNvSpPr>
+              <a:spLocks noChangeArrowheads="1"/>
+            </p:cNvSpPr>
+            <p:nvPr/>
+          </p:nvSpPr>
+          <p:spPr bwMode="auto">
+            <a:xfrm>
+              <a:off x="5926336" y="5872663"/>
+              <a:ext cx="716863" cy="215444"/>
+            </a:xfrm>
+            <a:prstGeom prst="rect">
+              <a:avLst/>
+            </a:prstGeom>
+            <a:noFill/>
+          </p:spPr>
+          <p:txBody>
+            <a:bodyPr wrap="none" rtlCol="0">
+              <a:spAutoFit/>
+            </a:bodyPr>
+            <a:lstStyle/>
+            <a:p>
+              <a:r>
+                <a:rPr lang="en-US" altLang="en-US" sz="800" dirty="0">
+                  <a:latin typeface="Arial" panose="020B0604020202020204" pitchFamily="34" charset="0"/>
+                  <a:cs typeface="Arial" panose="020B0604020202020204" pitchFamily="34" charset="0"/>
+                </a:rPr>
+                <a:t>TCP socket</a:t>
+              </a:r>
+            </a:p>
+          </p:txBody>
+        </p:sp>
+        <p:sp>
+          <p:nvSpPr>
+            <p:cNvPr id="21" name="Ovale 33">
+              <a:extLst>
+                <a:ext uri="{FF2B5EF4-FFF2-40B4-BE49-F238E27FC236}">
+                  <a16:creationId xmlns:a16="http://schemas.microsoft.com/office/drawing/2014/main" id="{5A2AD3D4-8DA1-4356-9479-80EE6D3FEE4C}"/>
+                </a:ext>
+              </a:extLst>
+            </p:cNvPr>
+            <p:cNvSpPr/>
+            <p:nvPr/>
+          </p:nvSpPr>
+          <p:spPr>
+            <a:xfrm>
+              <a:off x="6444215" y="5823727"/>
+              <a:ext cx="312930" cy="275021"/>
+            </a:xfrm>
+            <a:prstGeom prst="ellipse">
+              <a:avLst/>
+            </a:prstGeom>
+            <a:ln/>
+          </p:spPr>
+          <p:style>
+            <a:lnRef idx="1">
+              <a:schemeClr val="accent5"/>
+            </a:lnRef>
+            <a:fillRef idx="2">
+              <a:schemeClr val="accent5"/>
+            </a:fillRef>
+            <a:effectRef idx="1">
+              <a:schemeClr val="accent5"/>
+            </a:effectRef>
+            <a:fontRef idx="minor">
+              <a:schemeClr val="dk1"/>
+            </a:fontRef>
+          </p:style>
+          <p:txBody>
+            <a:bodyPr rtlCol="0" anchor="ctr"/>
+            <a:lstStyle/>
+            <a:p>
+              <a:pPr algn="ctr"/>
+              <a:r>
+                <a:rPr lang="en-GB" sz="1200" dirty="0"/>
+                <a:t> </a:t>
+              </a:r>
+            </a:p>
+          </p:txBody>
+        </p:sp>
+        <p:sp>
+          <p:nvSpPr>
+            <p:cNvPr id="22" name="Ovale 33">
+              <a:extLst>
+                <a:ext uri="{FF2B5EF4-FFF2-40B4-BE49-F238E27FC236}">
+                  <a16:creationId xmlns:a16="http://schemas.microsoft.com/office/drawing/2014/main" id="{C7D4D737-8F49-4131-926A-3463DA4C29AF}"/>
+                </a:ext>
+              </a:extLst>
+            </p:cNvPr>
+            <p:cNvSpPr/>
+            <p:nvPr/>
+          </p:nvSpPr>
+          <p:spPr>
+            <a:xfrm>
+              <a:off x="7278154" y="5457755"/>
+              <a:ext cx="461901" cy="469630"/>
+            </a:xfrm>
+            <a:prstGeom prst="ellipse">
+              <a:avLst/>
+            </a:prstGeom>
+            <a:ln/>
+          </p:spPr>
+          <p:style>
+            <a:lnRef idx="1">
+              <a:schemeClr val="accent5"/>
+            </a:lnRef>
+            <a:fillRef idx="2">
+              <a:schemeClr val="accent5"/>
+            </a:fillRef>
+            <a:effectRef idx="1">
+              <a:schemeClr val="accent5"/>
+            </a:effectRef>
+            <a:fontRef idx="minor">
+              <a:schemeClr val="dk1"/>
+            </a:fontRef>
+          </p:style>
+          <p:txBody>
+            <a:bodyPr rtlCol="0" anchor="ctr"/>
+            <a:lstStyle/>
+            <a:p>
+              <a:pPr algn="ctr"/>
+              <a:r>
+                <a:rPr lang="en-GB" sz="1200" dirty="0"/>
+                <a:t> </a:t>
+              </a:r>
+            </a:p>
+          </p:txBody>
+        </p:sp>
+        <p:sp>
+          <p:nvSpPr>
+            <p:cNvPr id="23" name="Rettangolo 22">
+              <a:extLst>
+                <a:ext uri="{FF2B5EF4-FFF2-40B4-BE49-F238E27FC236}">
+                  <a16:creationId xmlns:a16="http://schemas.microsoft.com/office/drawing/2014/main" id="{A59CF6FB-56E6-40EE-8D91-641904AB21B6}"/>
+                </a:ext>
+              </a:extLst>
+            </p:cNvPr>
+            <p:cNvSpPr/>
+            <p:nvPr/>
+          </p:nvSpPr>
+          <p:spPr>
+            <a:xfrm>
+              <a:off x="7159713" y="5536312"/>
+              <a:ext cx="776175" cy="215444"/>
+            </a:xfrm>
+            <a:prstGeom prst="rect">
+              <a:avLst/>
+            </a:prstGeom>
+          </p:spPr>
+          <p:txBody>
+            <a:bodyPr wrap="none">
+              <a:spAutoFit/>
+            </a:bodyPr>
+            <a:lstStyle/>
+            <a:p>
+              <a:r>
+                <a:rPr lang="en-GB" sz="800" dirty="0" err="1">
+                  <a:latin typeface="Arial" panose="020B0604020202020204" pitchFamily="34" charset="0"/>
+                  <a:cs typeface="Arial" panose="020B0604020202020204" pitchFamily="34" charset="0"/>
+                </a:rPr>
+                <a:t>mbotSupport</a:t>
+              </a:r>
+              <a:endParaRPr lang="en-GB" sz="800" dirty="0">
+                <a:latin typeface="Arial" panose="020B0604020202020204" pitchFamily="34" charset="0"/>
+                <a:cs typeface="Arial" panose="020B0604020202020204" pitchFamily="34" charset="0"/>
+              </a:endParaRPr>
+            </a:p>
+          </p:txBody>
+        </p:sp>
+        <p:sp>
+          <p:nvSpPr>
+            <p:cNvPr id="24" name="Ovale 33">
+              <a:extLst>
+                <a:ext uri="{FF2B5EF4-FFF2-40B4-BE49-F238E27FC236}">
+                  <a16:creationId xmlns:a16="http://schemas.microsoft.com/office/drawing/2014/main" id="{E04AB12D-095B-41DC-8FC9-C4434E1C886E}"/>
+                </a:ext>
+              </a:extLst>
+            </p:cNvPr>
+            <p:cNvSpPr/>
+            <p:nvPr/>
+          </p:nvSpPr>
+          <p:spPr>
+            <a:xfrm>
+              <a:off x="7658931" y="5892920"/>
+              <a:ext cx="312930" cy="275021"/>
+            </a:xfrm>
+            <a:prstGeom prst="ellipse">
+              <a:avLst/>
+            </a:prstGeom>
+            <a:ln/>
+          </p:spPr>
+          <p:style>
+            <a:lnRef idx="1">
+              <a:schemeClr val="accent5"/>
+            </a:lnRef>
+            <a:fillRef idx="2">
+              <a:schemeClr val="accent5"/>
+            </a:fillRef>
+            <a:effectRef idx="1">
+              <a:schemeClr val="accent5"/>
+            </a:effectRef>
+            <a:fontRef idx="minor">
+              <a:schemeClr val="dk1"/>
+            </a:fontRef>
+          </p:style>
+          <p:txBody>
+            <a:bodyPr rtlCol="0" anchor="ctr"/>
+            <a:lstStyle/>
+            <a:p>
+              <a:pPr algn="ctr"/>
+              <a:r>
+                <a:rPr lang="en-GB" sz="1200" dirty="0"/>
+                <a:t> </a:t>
+              </a:r>
+            </a:p>
+          </p:txBody>
+        </p:sp>
+        <p:sp>
+          <p:nvSpPr>
+            <p:cNvPr id="25" name="Rectangle 5">
+              <a:extLst>
+                <a:ext uri="{FF2B5EF4-FFF2-40B4-BE49-F238E27FC236}">
+                  <a16:creationId xmlns:a16="http://schemas.microsoft.com/office/drawing/2014/main" id="{DDCCBECF-F576-44F8-846B-B0ACE58993E4}"/>
+                </a:ext>
+              </a:extLst>
+            </p:cNvPr>
+            <p:cNvSpPr>
+              <a:spLocks noChangeArrowheads="1"/>
+            </p:cNvSpPr>
+            <p:nvPr/>
+          </p:nvSpPr>
+          <p:spPr bwMode="auto">
+            <a:xfrm>
+              <a:off x="7658931" y="5931782"/>
+              <a:ext cx="447558" cy="215444"/>
+            </a:xfrm>
+            <a:prstGeom prst="rect">
+              <a:avLst/>
+            </a:prstGeom>
+            <a:noFill/>
+          </p:spPr>
+          <p:txBody>
+            <a:bodyPr wrap="none" rtlCol="0">
+              <a:spAutoFit/>
+            </a:bodyPr>
+            <a:lstStyle/>
+            <a:p>
+              <a:r>
+                <a:rPr lang="en-US" altLang="en-US" sz="800" dirty="0">
+                  <a:latin typeface="Arial" panose="020B0604020202020204" pitchFamily="34" charset="0"/>
+                  <a:cs typeface="Arial" panose="020B0604020202020204" pitchFamily="34" charset="0"/>
+                </a:rPr>
+                <a:t>Serial</a:t>
+              </a:r>
+            </a:p>
+          </p:txBody>
+        </p:sp>
+        <p:sp>
+          <p:nvSpPr>
+            <p:cNvPr id="26" name="Rettangolo 25">
+              <a:extLst>
+                <a:ext uri="{FF2B5EF4-FFF2-40B4-BE49-F238E27FC236}">
+                  <a16:creationId xmlns:a16="http://schemas.microsoft.com/office/drawing/2014/main" id="{00BB7E94-025F-4936-8537-24A4A7CE0DA3}"/>
+                </a:ext>
+              </a:extLst>
+            </p:cNvPr>
+            <p:cNvSpPr/>
+            <p:nvPr/>
+          </p:nvSpPr>
+          <p:spPr>
+            <a:xfrm>
+              <a:off x="7932403" y="5466838"/>
+              <a:ext cx="1321196" cy="215444"/>
+            </a:xfrm>
+            <a:prstGeom prst="rect">
+              <a:avLst/>
+            </a:prstGeom>
+            <a:noFill/>
+          </p:spPr>
+          <p:txBody>
+            <a:bodyPr wrap="none" rtlCol="0">
+              <a:spAutoFit/>
+            </a:bodyPr>
+            <a:lstStyle/>
+            <a:p>
+              <a:r>
+                <a:rPr lang="en-GB" sz="800" dirty="0" err="1">
+                  <a:latin typeface="Arial" panose="020B0604020202020204" pitchFamily="34" charset="0"/>
+                  <a:cs typeface="Arial" panose="020B0604020202020204" pitchFamily="34" charset="0"/>
+                </a:rPr>
+                <a:t>robotDataSourceArduino</a:t>
+              </a:r>
+              <a:endParaRPr lang="en-GB" sz="800" dirty="0">
+                <a:latin typeface="Arial" panose="020B0604020202020204" pitchFamily="34" charset="0"/>
+                <a:cs typeface="Arial" panose="020B0604020202020204" pitchFamily="34" charset="0"/>
+              </a:endParaRPr>
+            </a:p>
+          </p:txBody>
+        </p:sp>
+        <p:sp>
+          <p:nvSpPr>
+            <p:cNvPr id="27" name="Rettangolo 26">
+              <a:extLst>
+                <a:ext uri="{FF2B5EF4-FFF2-40B4-BE49-F238E27FC236}">
+                  <a16:creationId xmlns:a16="http://schemas.microsoft.com/office/drawing/2014/main" id="{42C923BD-D57E-4DDE-9A47-3A61B7E3655A}"/>
+                </a:ext>
+              </a:extLst>
+            </p:cNvPr>
+            <p:cNvSpPr/>
+            <p:nvPr/>
+          </p:nvSpPr>
+          <p:spPr>
+            <a:xfrm>
+              <a:off x="7882710" y="3222421"/>
+              <a:ext cx="1001747" cy="457200"/>
+            </a:xfrm>
+            <a:prstGeom prst="rect">
+              <a:avLst/>
+            </a:prstGeom>
+          </p:spPr>
+          <p:style>
+            <a:lnRef idx="1">
+              <a:schemeClr val="accent3"/>
+            </a:lnRef>
+            <a:fillRef idx="2">
+              <a:schemeClr val="accent3"/>
+            </a:fillRef>
+            <a:effectRef idx="1">
+              <a:schemeClr val="accent3"/>
+            </a:effectRef>
+            <a:fontRef idx="minor">
+              <a:schemeClr val="dk1"/>
+            </a:fontRef>
+          </p:style>
+          <p:txBody>
+            <a:bodyPr rtlCol="0" anchor="ctr"/>
+            <a:lstStyle/>
+            <a:p>
+              <a:pPr algn="ctr"/>
+              <a:r>
+                <a:rPr lang="it-IT" dirty="0"/>
+                <a:t>8020</a:t>
+              </a:r>
+              <a:endParaRPr lang="en-GB" dirty="0"/>
+            </a:p>
+          </p:txBody>
+        </p:sp>
+        <p:sp>
+          <p:nvSpPr>
+            <p:cNvPr id="28" name="Rettangolo 27">
+              <a:extLst>
+                <a:ext uri="{FF2B5EF4-FFF2-40B4-BE49-F238E27FC236}">
+                  <a16:creationId xmlns:a16="http://schemas.microsoft.com/office/drawing/2014/main" id="{05805301-2CBB-47D2-8ED9-AA892A23222D}"/>
+                </a:ext>
+              </a:extLst>
+            </p:cNvPr>
+            <p:cNvSpPr/>
+            <p:nvPr/>
+          </p:nvSpPr>
+          <p:spPr>
+            <a:xfrm>
+              <a:off x="6484156" y="6228367"/>
+              <a:ext cx="1922512" cy="457200"/>
+            </a:xfrm>
+            <a:prstGeom prst="rect">
+              <a:avLst/>
+            </a:prstGeom>
+            <a:solidFill>
+              <a:srgbClr val="FFFF99"/>
+            </a:solidFill>
+          </p:spPr>
+          <p:style>
+            <a:lnRef idx="1">
+              <a:schemeClr val="accent1"/>
+            </a:lnRef>
+            <a:fillRef idx="2">
+              <a:schemeClr val="accent1"/>
+            </a:fillRef>
+            <a:effectRef idx="1">
+              <a:schemeClr val="accent1"/>
+            </a:effectRef>
+            <a:fontRef idx="minor">
+              <a:schemeClr val="dk1"/>
+            </a:fontRef>
+          </p:style>
+          <p:txBody>
+            <a:bodyPr rtlCol="0" anchor="ctr"/>
+            <a:lstStyle/>
+            <a:p>
+              <a:pPr algn="ctr"/>
+              <a:r>
+                <a:rPr lang="en-GB" dirty="0" err="1"/>
+                <a:t>ctxbasicrobot</a:t>
+              </a:r>
+              <a:endParaRPr lang="en-GB" dirty="0">
+                <a:solidFill>
+                  <a:schemeClr val="tx1"/>
+                </a:solidFill>
+              </a:endParaRPr>
+            </a:p>
+          </p:txBody>
+        </p:sp>
+      </p:grpSp>
+      <p:grpSp>
+        <p:nvGrpSpPr>
+          <p:cNvPr id="48" name="Gruppo 47">
+            <a:extLst>
+              <a:ext uri="{FF2B5EF4-FFF2-40B4-BE49-F238E27FC236}">
+                <a16:creationId xmlns:a16="http://schemas.microsoft.com/office/drawing/2014/main" id="{C19CC479-F4E9-4314-BA11-758CEE641E1E}"/>
+              </a:ext>
+            </a:extLst>
+          </p:cNvPr>
+          <p:cNvGrpSpPr/>
+          <p:nvPr/>
+        </p:nvGrpSpPr>
+        <p:grpSpPr>
+          <a:xfrm>
+            <a:off x="120980" y="569441"/>
+            <a:ext cx="8906922" cy="2455748"/>
+            <a:chOff x="527808" y="1369800"/>
+            <a:chExt cx="8906922" cy="2455748"/>
+          </a:xfrm>
+        </p:grpSpPr>
+        <p:sp>
+          <p:nvSpPr>
+            <p:cNvPr id="49" name="Rettangolo arrotondato 3">
+              <a:extLst>
+                <a:ext uri="{FF2B5EF4-FFF2-40B4-BE49-F238E27FC236}">
+                  <a16:creationId xmlns:a16="http://schemas.microsoft.com/office/drawing/2014/main" id="{B923C003-5168-42BA-92DA-88ECF6778CE6}"/>
+                </a:ext>
+              </a:extLst>
+            </p:cNvPr>
+            <p:cNvSpPr/>
+            <p:nvPr/>
+          </p:nvSpPr>
+          <p:spPr>
+            <a:xfrm>
+              <a:off x="527808" y="1549820"/>
+              <a:ext cx="8906922" cy="2016224"/>
+            </a:xfrm>
+            <a:prstGeom prst="roundRect">
+              <a:avLst/>
+            </a:prstGeom>
+            <a:solidFill>
+              <a:srgbClr val="CCFFCC"/>
+            </a:solidFill>
+          </p:spPr>
+          <p:style>
+            <a:lnRef idx="2">
+              <a:schemeClr val="accent1">
+                <a:shade val="50000"/>
+              </a:schemeClr>
+            </a:lnRef>
+            <a:fillRef idx="1">
+              <a:schemeClr val="accent1"/>
+            </a:fillRef>
+            <a:effectRef idx="0">
+              <a:schemeClr val="accent1"/>
+            </a:effectRef>
+            <a:fontRef idx="minor">
+              <a:schemeClr val="lt1"/>
+            </a:fontRef>
+          </p:style>
+          <p:txBody>
+            <a:bodyPr rot="0" spcFirstLastPara="0" vertOverflow="overflow" horzOverflow="overflow" vert="horz" wrap="square" lIns="91440" tIns="45720" rIns="91440" bIns="45720" numCol="1" spcCol="0" rtlCol="0" fromWordArt="0" anchor="ctr" anchorCtr="0" forceAA="0" compatLnSpc="1">
+              <a:prstTxWarp prst="textNoShape">
+                <a:avLst/>
+              </a:prstTxWarp>
+              <a:noAutofit/>
+            </a:bodyPr>
+            <a:lstStyle/>
+            <a:p>
+              <a:pPr algn="ctr"/>
+              <a:endParaRPr lang="it-IT">
+                <a:solidFill>
+                  <a:schemeClr val="lt1"/>
+                </a:solidFill>
+              </a:endParaRPr>
+            </a:p>
+          </p:txBody>
+        </p:sp>
+        <p:sp>
+          <p:nvSpPr>
+            <p:cNvPr id="50" name="Rettangolo 11">
+              <a:extLst>
+                <a:ext uri="{FF2B5EF4-FFF2-40B4-BE49-F238E27FC236}">
+                  <a16:creationId xmlns:a16="http://schemas.microsoft.com/office/drawing/2014/main" id="{383CC4A9-CE0A-4720-973D-9659000D0AA6}"/>
+                </a:ext>
+              </a:extLst>
+            </p:cNvPr>
+            <p:cNvSpPr/>
+            <p:nvPr/>
+          </p:nvSpPr>
+          <p:spPr>
+            <a:xfrm>
+              <a:off x="727963" y="3368348"/>
+              <a:ext cx="1922512" cy="457200"/>
+            </a:xfrm>
+            <a:prstGeom prst="rect">
+              <a:avLst/>
+            </a:prstGeom>
+            <a:solidFill>
+              <a:srgbClr val="FFFF99"/>
+            </a:solidFill>
+          </p:spPr>
+          <p:style>
+            <a:lnRef idx="1">
+              <a:schemeClr val="accent1"/>
+            </a:lnRef>
+            <a:fillRef idx="2">
+              <a:schemeClr val="accent1"/>
+            </a:fillRef>
+            <a:effectRef idx="1">
+              <a:schemeClr val="accent1"/>
+            </a:effectRef>
+            <a:fontRef idx="minor">
+              <a:schemeClr val="dk1"/>
+            </a:fontRef>
+          </p:style>
+          <p:txBody>
+            <a:bodyPr rtlCol="0" anchor="ctr"/>
+            <a:lstStyle/>
+            <a:p>
+              <a:pPr algn="ctr"/>
+              <a:r>
+                <a:rPr lang="en-GB" dirty="0" err="1"/>
+                <a:t>ctxtearoom</a:t>
+              </a:r>
+              <a:endParaRPr lang="en-GB" dirty="0">
+                <a:solidFill>
+                  <a:schemeClr val="tx1"/>
+                </a:solidFill>
+              </a:endParaRPr>
+            </a:p>
+          </p:txBody>
+        </p:sp>
+        <p:grpSp>
+          <p:nvGrpSpPr>
+            <p:cNvPr id="51" name="Gruppo 44">
+              <a:extLst>
+                <a:ext uri="{FF2B5EF4-FFF2-40B4-BE49-F238E27FC236}">
+                  <a16:creationId xmlns:a16="http://schemas.microsoft.com/office/drawing/2014/main" id="{144BAD91-6384-4D55-B20C-060B0178345D}"/>
+                </a:ext>
+              </a:extLst>
+            </p:cNvPr>
+            <p:cNvGrpSpPr/>
+            <p:nvPr/>
+          </p:nvGrpSpPr>
+          <p:grpSpPr>
+            <a:xfrm>
+              <a:off x="2345862" y="1926394"/>
+              <a:ext cx="1696861" cy="1234655"/>
+              <a:chOff x="3966376" y="2004003"/>
+              <a:chExt cx="1696861" cy="1234655"/>
+            </a:xfrm>
+          </p:grpSpPr>
+          <p:sp>
+            <p:nvSpPr>
+              <p:cNvPr id="61" name="Triangolo isoscele 45">
+                <a:extLst>
+                  <a:ext uri="{FF2B5EF4-FFF2-40B4-BE49-F238E27FC236}">
+                    <a16:creationId xmlns:a16="http://schemas.microsoft.com/office/drawing/2014/main" id="{206448AB-96DA-44B5-8260-80A9E9F0890B}"/>
+                  </a:ext>
+                </a:extLst>
+              </p:cNvPr>
+              <p:cNvSpPr/>
+              <p:nvPr/>
+            </p:nvSpPr>
+            <p:spPr>
+              <a:xfrm rot="5400000">
+                <a:off x="4726686" y="2242777"/>
+                <a:ext cx="998084" cy="875019"/>
+              </a:xfrm>
+              <a:prstGeom prst="triangle">
+                <a:avLst/>
+              </a:prstGeom>
+              <a:solidFill>
+                <a:srgbClr val="CCFF66"/>
+              </a:solidFill>
+              <a:ln/>
+            </p:spPr>
+            <p:style>
+              <a:lnRef idx="1">
+                <a:schemeClr val="accent5"/>
+              </a:lnRef>
+              <a:fillRef idx="2">
+                <a:schemeClr val="accent5"/>
+              </a:fillRef>
+              <a:effectRef idx="1">
+                <a:schemeClr val="accent5"/>
+              </a:effectRef>
+              <a:fontRef idx="minor">
+                <a:schemeClr val="dk1"/>
+              </a:fontRef>
+            </p:style>
+            <p:txBody>
+              <a:bodyPr rtlCol="0" anchor="ctr"/>
+              <a:lstStyle/>
+              <a:p>
+                <a:pPr algn="ctr"/>
+                <a:endParaRPr lang="en-GB" sz="1200">
+                  <a:solidFill>
+                    <a:schemeClr val="dk1"/>
+                  </a:solidFill>
+                </a:endParaRPr>
+              </a:p>
+            </p:txBody>
+          </p:sp>
+          <p:grpSp>
+            <p:nvGrpSpPr>
+              <p:cNvPr id="62" name="Gruppo 82">
+                <a:extLst>
+                  <a:ext uri="{FF2B5EF4-FFF2-40B4-BE49-F238E27FC236}">
+                    <a16:creationId xmlns:a16="http://schemas.microsoft.com/office/drawing/2014/main" id="{9DEC8258-2582-4AA0-9EE3-BC3D22F712DA}"/>
+                  </a:ext>
+                </a:extLst>
+              </p:cNvPr>
+              <p:cNvGrpSpPr/>
+              <p:nvPr/>
+            </p:nvGrpSpPr>
+            <p:grpSpPr>
+              <a:xfrm>
+                <a:off x="3966376" y="2004003"/>
+                <a:ext cx="1409180" cy="1234655"/>
+                <a:chOff x="2120427" y="2417771"/>
+                <a:chExt cx="866152" cy="763297"/>
+              </a:xfrm>
+            </p:grpSpPr>
+            <p:sp>
+              <p:nvSpPr>
+                <p:cNvPr id="64" name="Ovale 38">
+                  <a:extLst>
+                    <a:ext uri="{FF2B5EF4-FFF2-40B4-BE49-F238E27FC236}">
+                      <a16:creationId xmlns:a16="http://schemas.microsoft.com/office/drawing/2014/main" id="{34630462-9805-489C-B2D1-3DBA8D510510}"/>
+                    </a:ext>
+                  </a:extLst>
+                </p:cNvPr>
+                <p:cNvSpPr/>
+                <p:nvPr/>
+              </p:nvSpPr>
+              <p:spPr>
+                <a:xfrm>
+                  <a:off x="2236858" y="2460988"/>
+                  <a:ext cx="749721" cy="720080"/>
+                </a:xfrm>
+                <a:prstGeom prst="ellipse">
+                  <a:avLst/>
+                </a:prstGeom>
+                <a:solidFill>
+                  <a:srgbClr val="FFCCFF"/>
+                </a:solidFill>
+                <a:ln/>
+              </p:spPr>
+              <p:style>
+                <a:lnRef idx="1">
+                  <a:schemeClr val="accent5"/>
+                </a:lnRef>
+                <a:fillRef idx="2">
+                  <a:schemeClr val="accent5"/>
+                </a:fillRef>
+                <a:effectRef idx="1">
+                  <a:schemeClr val="accent5"/>
+                </a:effectRef>
+                <a:fontRef idx="minor">
+                  <a:schemeClr val="dk1"/>
+                </a:fontRef>
+              </p:style>
+              <p:txBody>
+                <a:bodyPr rtlCol="0" anchor="ctr"/>
+                <a:lstStyle/>
+                <a:p>
+                  <a:pPr algn="ctr"/>
+                  <a:r>
+                    <a:rPr lang="en-GB" sz="1200" dirty="0"/>
+                    <a:t> </a:t>
+                  </a:r>
+                </a:p>
+              </p:txBody>
+            </p:sp>
+            <p:sp>
+              <p:nvSpPr>
+                <p:cNvPr id="65" name="Rettangolo 39">
+                  <a:extLst>
+                    <a:ext uri="{FF2B5EF4-FFF2-40B4-BE49-F238E27FC236}">
+                      <a16:creationId xmlns:a16="http://schemas.microsoft.com/office/drawing/2014/main" id="{D6B95D0E-43AD-4DBD-A321-15C72421B4B1}"/>
+                    </a:ext>
+                  </a:extLst>
+                </p:cNvPr>
+                <p:cNvSpPr/>
+                <p:nvPr/>
+              </p:nvSpPr>
+              <p:spPr>
+                <a:xfrm>
+                  <a:off x="2120427" y="2699711"/>
+                  <a:ext cx="281433" cy="211952"/>
+                </a:xfrm>
+                <a:prstGeom prst="rect">
+                  <a:avLst/>
+                </a:prstGeom>
+                <a:solidFill>
+                  <a:srgbClr val="FFCCFF"/>
+                </a:solidFill>
+                <a:ln/>
+              </p:spPr>
+              <p:style>
+                <a:lnRef idx="1">
+                  <a:schemeClr val="accent5"/>
+                </a:lnRef>
+                <a:fillRef idx="2">
+                  <a:schemeClr val="accent5"/>
+                </a:fillRef>
+                <a:effectRef idx="1">
+                  <a:schemeClr val="accent5"/>
+                </a:effectRef>
+                <a:fontRef idx="minor">
+                  <a:schemeClr val="dk1"/>
+                </a:fontRef>
+              </p:style>
+              <p:txBody>
+                <a:bodyPr rtlCol="0" anchor="ctr"/>
+                <a:lstStyle/>
+                <a:p>
+                  <a:pPr algn="ctr"/>
+                  <a:endParaRPr lang="en-GB" sz="1200"/>
+                </a:p>
+              </p:txBody>
+            </p:sp>
+            <p:sp>
+              <p:nvSpPr>
+                <p:cNvPr id="66" name="Triangolo isoscele 42">
+                  <a:extLst>
+                    <a:ext uri="{FF2B5EF4-FFF2-40B4-BE49-F238E27FC236}">
+                      <a16:creationId xmlns:a16="http://schemas.microsoft.com/office/drawing/2014/main" id="{EC6AB80B-AC8E-453A-830B-6925FEBFEE56}"/>
+                    </a:ext>
+                  </a:extLst>
+                </p:cNvPr>
+                <p:cNvSpPr/>
+                <p:nvPr/>
+              </p:nvSpPr>
+              <p:spPr>
+                <a:xfrm rot="16200000">
+                  <a:off x="2544300" y="2391356"/>
+                  <a:ext cx="86434" cy="139263"/>
+                </a:xfrm>
+                <a:prstGeom prst="triangle">
+                  <a:avLst/>
+                </a:prstGeom>
+                <a:solidFill>
+                  <a:srgbClr val="FF0000"/>
+                </a:solidFill>
+                <a:ln/>
+              </p:spPr>
+              <p:style>
+                <a:lnRef idx="1">
+                  <a:schemeClr val="accent5"/>
+                </a:lnRef>
+                <a:fillRef idx="2">
+                  <a:schemeClr val="accent5"/>
+                </a:fillRef>
+                <a:effectRef idx="1">
+                  <a:schemeClr val="accent5"/>
+                </a:effectRef>
+                <a:fontRef idx="minor">
+                  <a:schemeClr val="dk1"/>
+                </a:fontRef>
+              </p:style>
+              <p:txBody>
+                <a:bodyPr rtlCol="0" anchor="ctr"/>
+                <a:lstStyle/>
+                <a:p>
+                  <a:pPr algn="ctr"/>
+                  <a:endParaRPr lang="en-GB" sz="1200">
+                    <a:solidFill>
+                      <a:schemeClr val="dk1"/>
+                    </a:solidFill>
+                  </a:endParaRPr>
+                </a:p>
+              </p:txBody>
+            </p:sp>
+          </p:grpSp>
+          <p:sp>
+            <p:nvSpPr>
+              <p:cNvPr id="63" name="Rettangolo 47">
+                <a:extLst>
+                  <a:ext uri="{FF2B5EF4-FFF2-40B4-BE49-F238E27FC236}">
+                    <a16:creationId xmlns:a16="http://schemas.microsoft.com/office/drawing/2014/main" id="{9CC3BBA5-C4AB-42DD-BFD2-08A42B55894A}"/>
+                  </a:ext>
+                </a:extLst>
+              </p:cNvPr>
+              <p:cNvSpPr/>
+              <p:nvPr/>
+            </p:nvSpPr>
+            <p:spPr>
+              <a:xfrm>
+                <a:off x="4217391" y="2458538"/>
+                <a:ext cx="1069524" cy="369332"/>
+              </a:xfrm>
+              <a:prstGeom prst="rect">
+                <a:avLst/>
+              </a:prstGeom>
+            </p:spPr>
+            <p:txBody>
+              <a:bodyPr wrap="none">
+                <a:spAutoFit/>
+              </a:bodyPr>
+              <a:lstStyle/>
+              <a:p>
+                <a:r>
+                  <a:rPr lang="en-GB" dirty="0" err="1"/>
+                  <a:t>smartbell</a:t>
+                </a:r>
+                <a:endParaRPr lang="en-GB" dirty="0"/>
+              </a:p>
+            </p:txBody>
+          </p:sp>
+        </p:grpSp>
+        <p:sp>
+          <p:nvSpPr>
+            <p:cNvPr id="52" name="Rettangolo 12">
+              <a:extLst>
+                <a:ext uri="{FF2B5EF4-FFF2-40B4-BE49-F238E27FC236}">
+                  <a16:creationId xmlns:a16="http://schemas.microsoft.com/office/drawing/2014/main" id="{E793CA95-290E-45E5-8CDE-86CEE59918A3}"/>
+                </a:ext>
+              </a:extLst>
+            </p:cNvPr>
+            <p:cNvSpPr/>
+            <p:nvPr/>
+          </p:nvSpPr>
+          <p:spPr>
+            <a:xfrm>
+              <a:off x="1993257" y="1369800"/>
+              <a:ext cx="864096" cy="360040"/>
+            </a:xfrm>
+            <a:prstGeom prst="rect">
+              <a:avLst/>
+            </a:prstGeom>
+          </p:spPr>
+          <p:style>
+            <a:lnRef idx="1">
+              <a:schemeClr val="accent3"/>
+            </a:lnRef>
+            <a:fillRef idx="2">
+              <a:schemeClr val="accent3"/>
+            </a:fillRef>
+            <a:effectRef idx="1">
+              <a:schemeClr val="accent3"/>
+            </a:effectRef>
+            <a:fontRef idx="minor">
+              <a:schemeClr val="dk1"/>
+            </a:fontRef>
+          </p:style>
+          <p:txBody>
+            <a:bodyPr rot="0" spcFirstLastPara="0" vertOverflow="overflow" horzOverflow="overflow" vert="horz" wrap="square" lIns="91440" tIns="45720" rIns="91440" bIns="45720" numCol="1" spcCol="0" rtlCol="0" fromWordArt="0" anchor="ctr" anchorCtr="0" forceAA="0" compatLnSpc="1">
+              <a:prstTxWarp prst="textNoShape">
+                <a:avLst/>
+              </a:prstTxWarp>
+              <a:noAutofit/>
+            </a:bodyPr>
+            <a:lstStyle/>
+            <a:p>
+              <a:pPr algn="ctr"/>
+              <a:r>
+                <a:rPr lang="it-IT" dirty="0"/>
+                <a:t>8040</a:t>
+              </a:r>
+            </a:p>
+          </p:txBody>
+        </p:sp>
+        <p:grpSp>
+          <p:nvGrpSpPr>
+            <p:cNvPr id="53" name="Gruppo 44">
+              <a:extLst>
+                <a:ext uri="{FF2B5EF4-FFF2-40B4-BE49-F238E27FC236}">
+                  <a16:creationId xmlns:a16="http://schemas.microsoft.com/office/drawing/2014/main" id="{8C10729E-8B13-4377-BE3F-B35A946F628B}"/>
+                </a:ext>
+              </a:extLst>
+            </p:cNvPr>
+            <p:cNvGrpSpPr/>
+            <p:nvPr/>
+          </p:nvGrpSpPr>
+          <p:grpSpPr>
+            <a:xfrm>
+              <a:off x="4074049" y="1926394"/>
+              <a:ext cx="1696866" cy="1234655"/>
+              <a:chOff x="3643435" y="2004003"/>
+              <a:chExt cx="1696866" cy="1234655"/>
+            </a:xfrm>
+          </p:grpSpPr>
+          <p:sp>
+            <p:nvSpPr>
+              <p:cNvPr id="55" name="Triangolo isoscele 45">
+                <a:extLst>
+                  <a:ext uri="{FF2B5EF4-FFF2-40B4-BE49-F238E27FC236}">
+                    <a16:creationId xmlns:a16="http://schemas.microsoft.com/office/drawing/2014/main" id="{502B3E82-5BA2-4F34-8241-7C0759281391}"/>
+                  </a:ext>
+                </a:extLst>
+              </p:cNvPr>
+              <p:cNvSpPr/>
+              <p:nvPr/>
+            </p:nvSpPr>
+            <p:spPr>
+              <a:xfrm rot="5400000">
+                <a:off x="4403750" y="2242777"/>
+                <a:ext cx="998084" cy="875019"/>
+              </a:xfrm>
+              <a:prstGeom prst="triangle">
+                <a:avLst/>
+              </a:prstGeom>
+              <a:solidFill>
+                <a:srgbClr val="CCFF66"/>
+              </a:solidFill>
+              <a:ln/>
+            </p:spPr>
+            <p:style>
+              <a:lnRef idx="1">
+                <a:schemeClr val="accent5"/>
+              </a:lnRef>
+              <a:fillRef idx="2">
+                <a:schemeClr val="accent5"/>
+              </a:fillRef>
+              <a:effectRef idx="1">
+                <a:schemeClr val="accent5"/>
+              </a:effectRef>
+              <a:fontRef idx="minor">
+                <a:schemeClr val="dk1"/>
+              </a:fontRef>
+            </p:style>
+            <p:txBody>
+              <a:bodyPr rtlCol="0" anchor="ctr"/>
+              <a:lstStyle/>
+              <a:p>
+                <a:pPr algn="ctr"/>
+                <a:endParaRPr lang="en-GB" sz="1200">
+                  <a:solidFill>
+                    <a:schemeClr val="dk1"/>
+                  </a:solidFill>
+                </a:endParaRPr>
+              </a:p>
+            </p:txBody>
+          </p:sp>
+          <p:grpSp>
+            <p:nvGrpSpPr>
+              <p:cNvPr id="56" name="Gruppo 82">
+                <a:extLst>
+                  <a:ext uri="{FF2B5EF4-FFF2-40B4-BE49-F238E27FC236}">
+                    <a16:creationId xmlns:a16="http://schemas.microsoft.com/office/drawing/2014/main" id="{4A7676F6-8886-41B1-A9C6-D67A4903D89C}"/>
+                  </a:ext>
+                </a:extLst>
+              </p:cNvPr>
+              <p:cNvGrpSpPr/>
+              <p:nvPr/>
+            </p:nvGrpSpPr>
+            <p:grpSpPr>
+              <a:xfrm>
+                <a:off x="3643435" y="2004003"/>
+                <a:ext cx="1409185" cy="1234655"/>
+                <a:chOff x="1921933" y="2417771"/>
+                <a:chExt cx="866156" cy="763297"/>
+              </a:xfrm>
+            </p:grpSpPr>
+            <p:sp>
+              <p:nvSpPr>
+                <p:cNvPr id="58" name="Ovale 38">
+                  <a:extLst>
+                    <a:ext uri="{FF2B5EF4-FFF2-40B4-BE49-F238E27FC236}">
+                      <a16:creationId xmlns:a16="http://schemas.microsoft.com/office/drawing/2014/main" id="{F2781237-297D-4C01-B49C-CF2613C846BF}"/>
+                    </a:ext>
+                  </a:extLst>
+                </p:cNvPr>
+                <p:cNvSpPr/>
+                <p:nvPr/>
+              </p:nvSpPr>
+              <p:spPr>
+                <a:xfrm>
+                  <a:off x="2038368" y="2460988"/>
+                  <a:ext cx="749721" cy="720080"/>
+                </a:xfrm>
+                <a:prstGeom prst="ellipse">
+                  <a:avLst/>
+                </a:prstGeom>
+                <a:solidFill>
+                  <a:srgbClr val="FFCCFF"/>
+                </a:solidFill>
+                <a:ln/>
+              </p:spPr>
+              <p:style>
+                <a:lnRef idx="1">
+                  <a:schemeClr val="accent5"/>
+                </a:lnRef>
+                <a:fillRef idx="2">
+                  <a:schemeClr val="accent5"/>
+                </a:fillRef>
+                <a:effectRef idx="1">
+                  <a:schemeClr val="accent5"/>
+                </a:effectRef>
+                <a:fontRef idx="minor">
+                  <a:schemeClr val="dk1"/>
+                </a:fontRef>
+              </p:style>
+              <p:txBody>
+                <a:bodyPr rtlCol="0" anchor="ctr"/>
+                <a:lstStyle/>
+                <a:p>
+                  <a:pPr algn="ctr"/>
+                  <a:r>
+                    <a:rPr lang="en-GB" sz="1200" dirty="0"/>
+                    <a:t> </a:t>
+                  </a:r>
+                </a:p>
+              </p:txBody>
+            </p:sp>
+            <p:sp>
+              <p:nvSpPr>
+                <p:cNvPr id="59" name="Rettangolo 39">
+                  <a:extLst>
+                    <a:ext uri="{FF2B5EF4-FFF2-40B4-BE49-F238E27FC236}">
+                      <a16:creationId xmlns:a16="http://schemas.microsoft.com/office/drawing/2014/main" id="{AD30AFC5-6452-43B1-8FA9-BF3C88096EC5}"/>
+                    </a:ext>
+                  </a:extLst>
+                </p:cNvPr>
+                <p:cNvSpPr/>
+                <p:nvPr/>
+              </p:nvSpPr>
+              <p:spPr>
+                <a:xfrm>
+                  <a:off x="1921933" y="2699711"/>
+                  <a:ext cx="281433" cy="211952"/>
+                </a:xfrm>
+                <a:prstGeom prst="rect">
+                  <a:avLst/>
+                </a:prstGeom>
+                <a:solidFill>
+                  <a:srgbClr val="FFCCFF"/>
+                </a:solidFill>
+                <a:ln/>
+              </p:spPr>
+              <p:style>
+                <a:lnRef idx="1">
+                  <a:schemeClr val="accent5"/>
+                </a:lnRef>
+                <a:fillRef idx="2">
+                  <a:schemeClr val="accent5"/>
+                </a:fillRef>
+                <a:effectRef idx="1">
+                  <a:schemeClr val="accent5"/>
+                </a:effectRef>
+                <a:fontRef idx="minor">
+                  <a:schemeClr val="dk1"/>
+                </a:fontRef>
+              </p:style>
+              <p:txBody>
+                <a:bodyPr rtlCol="0" anchor="ctr"/>
+                <a:lstStyle/>
+                <a:p>
+                  <a:pPr algn="ctr"/>
+                  <a:endParaRPr lang="en-GB" sz="1200"/>
+                </a:p>
+              </p:txBody>
+            </p:sp>
+            <p:sp>
+              <p:nvSpPr>
+                <p:cNvPr id="60" name="Triangolo isoscele 42">
+                  <a:extLst>
+                    <a:ext uri="{FF2B5EF4-FFF2-40B4-BE49-F238E27FC236}">
+                      <a16:creationId xmlns:a16="http://schemas.microsoft.com/office/drawing/2014/main" id="{BF2032C5-9CE7-4C13-A5B8-069ECAB30232}"/>
+                    </a:ext>
+                  </a:extLst>
+                </p:cNvPr>
+                <p:cNvSpPr/>
+                <p:nvPr/>
+              </p:nvSpPr>
+              <p:spPr>
+                <a:xfrm rot="16200000">
+                  <a:off x="2345807" y="2391356"/>
+                  <a:ext cx="86434" cy="139263"/>
+                </a:xfrm>
+                <a:prstGeom prst="triangle">
+                  <a:avLst/>
+                </a:prstGeom>
+                <a:solidFill>
+                  <a:srgbClr val="FF0000"/>
+                </a:solidFill>
+                <a:ln/>
+              </p:spPr>
+              <p:style>
+                <a:lnRef idx="1">
+                  <a:schemeClr val="accent5"/>
+                </a:lnRef>
+                <a:fillRef idx="2">
+                  <a:schemeClr val="accent5"/>
+                </a:fillRef>
+                <a:effectRef idx="1">
+                  <a:schemeClr val="accent5"/>
+                </a:effectRef>
+                <a:fontRef idx="minor">
+                  <a:schemeClr val="dk1"/>
+                </a:fontRef>
+              </p:style>
+              <p:txBody>
+                <a:bodyPr rtlCol="0" anchor="ctr"/>
+                <a:lstStyle/>
+                <a:p>
+                  <a:pPr algn="ctr"/>
+                  <a:endParaRPr lang="en-GB" sz="1200">
+                    <a:solidFill>
+                      <a:schemeClr val="dk1"/>
+                    </a:solidFill>
+                  </a:endParaRPr>
+                </a:p>
+              </p:txBody>
+            </p:sp>
+          </p:grpSp>
+          <p:sp>
+            <p:nvSpPr>
+              <p:cNvPr id="57" name="Rettangolo 47">
+                <a:extLst>
+                  <a:ext uri="{FF2B5EF4-FFF2-40B4-BE49-F238E27FC236}">
+                    <a16:creationId xmlns:a16="http://schemas.microsoft.com/office/drawing/2014/main" id="{0F8015B3-B566-4291-B26A-E494EE953544}"/>
+                  </a:ext>
+                </a:extLst>
+              </p:cNvPr>
+              <p:cNvSpPr/>
+              <p:nvPr/>
+            </p:nvSpPr>
+            <p:spPr>
+              <a:xfrm>
+                <a:off x="3819725" y="2458538"/>
+                <a:ext cx="1261627" cy="369332"/>
+              </a:xfrm>
+              <a:prstGeom prst="rect">
+                <a:avLst/>
+              </a:prstGeom>
+            </p:spPr>
+            <p:txBody>
+              <a:bodyPr wrap="none">
+                <a:spAutoFit/>
+              </a:bodyPr>
+              <a:lstStyle/>
+              <a:p>
+                <a:r>
+                  <a:rPr lang="en-GB" dirty="0" err="1"/>
+                  <a:t>waitermind</a:t>
+                </a:r>
+                <a:endParaRPr lang="en-GB" dirty="0"/>
+              </a:p>
+            </p:txBody>
+          </p:sp>
+        </p:grpSp>
+      </p:grpSp>
+      <p:grpSp>
+        <p:nvGrpSpPr>
+          <p:cNvPr id="67" name="Gruppo 66">
+            <a:extLst>
+              <a:ext uri="{FF2B5EF4-FFF2-40B4-BE49-F238E27FC236}">
+                <a16:creationId xmlns:a16="http://schemas.microsoft.com/office/drawing/2014/main" id="{F23F14B6-A979-4409-ACBF-B529AC31FD47}"/>
+              </a:ext>
+            </a:extLst>
+          </p:cNvPr>
+          <p:cNvGrpSpPr/>
+          <p:nvPr/>
+        </p:nvGrpSpPr>
+        <p:grpSpPr>
+          <a:xfrm>
+            <a:off x="404838" y="4182065"/>
+            <a:ext cx="2535093" cy="2455748"/>
+            <a:chOff x="527810" y="1369800"/>
+            <a:chExt cx="2535093" cy="2455748"/>
+          </a:xfrm>
+        </p:grpSpPr>
+        <p:sp>
+          <p:nvSpPr>
+            <p:cNvPr id="68" name="Rettangolo arrotondato 3">
+              <a:extLst>
+                <a:ext uri="{FF2B5EF4-FFF2-40B4-BE49-F238E27FC236}">
+                  <a16:creationId xmlns:a16="http://schemas.microsoft.com/office/drawing/2014/main" id="{55FE77E1-5FEE-4CBF-B96C-B100BA36DC1F}"/>
+                </a:ext>
+              </a:extLst>
+            </p:cNvPr>
+            <p:cNvSpPr/>
+            <p:nvPr/>
+          </p:nvSpPr>
+          <p:spPr>
+            <a:xfrm>
+              <a:off x="527810" y="1549820"/>
+              <a:ext cx="2535093" cy="2016224"/>
+            </a:xfrm>
+            <a:prstGeom prst="roundRect">
+              <a:avLst/>
+            </a:prstGeom>
+            <a:solidFill>
+              <a:srgbClr val="CCFFCC"/>
+            </a:solidFill>
+          </p:spPr>
+          <p:style>
+            <a:lnRef idx="2">
+              <a:schemeClr val="accent1">
+                <a:shade val="50000"/>
+              </a:schemeClr>
+            </a:lnRef>
+            <a:fillRef idx="1">
+              <a:schemeClr val="accent1"/>
+            </a:fillRef>
+            <a:effectRef idx="0">
+              <a:schemeClr val="accent1"/>
+            </a:effectRef>
+            <a:fontRef idx="minor">
+              <a:schemeClr val="lt1"/>
+            </a:fontRef>
+          </p:style>
+          <p:txBody>
+            <a:bodyPr rot="0" spcFirstLastPara="0" vertOverflow="overflow" horzOverflow="overflow" vert="horz" wrap="square" lIns="91440" tIns="45720" rIns="91440" bIns="45720" numCol="1" spcCol="0" rtlCol="0" fromWordArt="0" anchor="ctr" anchorCtr="0" forceAA="0" compatLnSpc="1">
+              <a:prstTxWarp prst="textNoShape">
+                <a:avLst/>
+              </a:prstTxWarp>
+              <a:noAutofit/>
+            </a:bodyPr>
+            <a:lstStyle/>
+            <a:p>
+              <a:pPr algn="ctr"/>
+              <a:endParaRPr lang="it-IT" dirty="0">
+                <a:solidFill>
+                  <a:schemeClr val="lt1"/>
+                </a:solidFill>
+              </a:endParaRPr>
+            </a:p>
+          </p:txBody>
+        </p:sp>
+        <p:sp>
+          <p:nvSpPr>
+            <p:cNvPr id="69" name="Rettangolo 11">
+              <a:extLst>
+                <a:ext uri="{FF2B5EF4-FFF2-40B4-BE49-F238E27FC236}">
+                  <a16:creationId xmlns:a16="http://schemas.microsoft.com/office/drawing/2014/main" id="{07706EB2-2058-499A-90C8-81F4537DF1C3}"/>
+                </a:ext>
+              </a:extLst>
+            </p:cNvPr>
+            <p:cNvSpPr/>
+            <p:nvPr/>
+          </p:nvSpPr>
+          <p:spPr>
+            <a:xfrm>
+              <a:off x="727963" y="3368348"/>
+              <a:ext cx="1922512" cy="457200"/>
+            </a:xfrm>
+            <a:prstGeom prst="rect">
+              <a:avLst/>
+            </a:prstGeom>
+            <a:solidFill>
+              <a:srgbClr val="FFFF99"/>
+            </a:solidFill>
+          </p:spPr>
+          <p:style>
+            <a:lnRef idx="1">
+              <a:schemeClr val="accent1"/>
+            </a:lnRef>
+            <a:fillRef idx="2">
+              <a:schemeClr val="accent1"/>
+            </a:fillRef>
+            <a:effectRef idx="1">
+              <a:schemeClr val="accent1"/>
+            </a:effectRef>
+            <a:fontRef idx="minor">
+              <a:schemeClr val="dk1"/>
+            </a:fontRef>
+          </p:style>
+          <p:txBody>
+            <a:bodyPr rtlCol="0" anchor="ctr"/>
+            <a:lstStyle/>
+            <a:p>
+              <a:pPr algn="ctr"/>
+              <a:r>
+                <a:rPr lang="en-GB" dirty="0" err="1"/>
+                <a:t>ctxclient</a:t>
+              </a:r>
+              <a:endParaRPr lang="en-GB" dirty="0">
+                <a:solidFill>
+                  <a:schemeClr val="tx1"/>
+                </a:solidFill>
+              </a:endParaRPr>
+            </a:p>
+          </p:txBody>
+        </p:sp>
+        <p:sp>
+          <p:nvSpPr>
+            <p:cNvPr id="71" name="Rettangolo 12">
+              <a:extLst>
+                <a:ext uri="{FF2B5EF4-FFF2-40B4-BE49-F238E27FC236}">
+                  <a16:creationId xmlns:a16="http://schemas.microsoft.com/office/drawing/2014/main" id="{4224D32A-E5CC-47AB-9895-AF450F925C56}"/>
+                </a:ext>
+              </a:extLst>
+            </p:cNvPr>
+            <p:cNvSpPr/>
+            <p:nvPr/>
+          </p:nvSpPr>
+          <p:spPr>
+            <a:xfrm>
+              <a:off x="1993257" y="1369800"/>
+              <a:ext cx="864096" cy="360040"/>
+            </a:xfrm>
+            <a:prstGeom prst="rect">
+              <a:avLst/>
+            </a:prstGeom>
+          </p:spPr>
+          <p:style>
+            <a:lnRef idx="1">
+              <a:schemeClr val="accent3"/>
+            </a:lnRef>
+            <a:fillRef idx="2">
+              <a:schemeClr val="accent3"/>
+            </a:fillRef>
+            <a:effectRef idx="1">
+              <a:schemeClr val="accent3"/>
+            </a:effectRef>
+            <a:fontRef idx="minor">
+              <a:schemeClr val="dk1"/>
+            </a:fontRef>
+          </p:style>
+          <p:txBody>
+            <a:bodyPr rot="0" spcFirstLastPara="0" vertOverflow="overflow" horzOverflow="overflow" vert="horz" wrap="square" lIns="91440" tIns="45720" rIns="91440" bIns="45720" numCol="1" spcCol="0" rtlCol="0" fromWordArt="0" anchor="ctr" anchorCtr="0" forceAA="0" compatLnSpc="1">
+              <a:prstTxWarp prst="textNoShape">
+                <a:avLst/>
+              </a:prstTxWarp>
+              <a:noAutofit/>
+            </a:bodyPr>
+            <a:lstStyle/>
+            <a:p>
+              <a:pPr algn="ctr"/>
+              <a:r>
+                <a:rPr lang="it-IT" dirty="0"/>
+                <a:t>8060</a:t>
+              </a:r>
+            </a:p>
+          </p:txBody>
+        </p:sp>
+        <p:grpSp>
+          <p:nvGrpSpPr>
+            <p:cNvPr id="72" name="Gruppo 44">
+              <a:extLst>
+                <a:ext uri="{FF2B5EF4-FFF2-40B4-BE49-F238E27FC236}">
+                  <a16:creationId xmlns:a16="http://schemas.microsoft.com/office/drawing/2014/main" id="{E4205AF1-1F5E-40D9-B443-AA853D89819A}"/>
+                </a:ext>
+              </a:extLst>
+            </p:cNvPr>
+            <p:cNvGrpSpPr/>
+            <p:nvPr/>
+          </p:nvGrpSpPr>
+          <p:grpSpPr>
+            <a:xfrm>
+              <a:off x="858023" y="1878769"/>
+              <a:ext cx="1696866" cy="1234659"/>
+              <a:chOff x="427409" y="1956378"/>
+              <a:chExt cx="1696866" cy="1234659"/>
+            </a:xfrm>
+          </p:grpSpPr>
+          <p:sp>
+            <p:nvSpPr>
+              <p:cNvPr id="74" name="Triangolo isoscele 45">
+                <a:extLst>
+                  <a:ext uri="{FF2B5EF4-FFF2-40B4-BE49-F238E27FC236}">
+                    <a16:creationId xmlns:a16="http://schemas.microsoft.com/office/drawing/2014/main" id="{253B2458-00C8-4841-BC79-55BCC83C9889}"/>
+                  </a:ext>
+                </a:extLst>
+              </p:cNvPr>
+              <p:cNvSpPr/>
+              <p:nvPr/>
+            </p:nvSpPr>
+            <p:spPr>
+              <a:xfrm rot="5400000">
+                <a:off x="1187724" y="2195151"/>
+                <a:ext cx="998084" cy="875019"/>
+              </a:xfrm>
+              <a:prstGeom prst="triangle">
+                <a:avLst/>
+              </a:prstGeom>
+              <a:solidFill>
+                <a:srgbClr val="CCFF66"/>
+              </a:solidFill>
+              <a:ln/>
+            </p:spPr>
+            <p:style>
+              <a:lnRef idx="1">
+                <a:schemeClr val="accent5"/>
+              </a:lnRef>
+              <a:fillRef idx="2">
+                <a:schemeClr val="accent5"/>
+              </a:fillRef>
+              <a:effectRef idx="1">
+                <a:schemeClr val="accent5"/>
+              </a:effectRef>
+              <a:fontRef idx="minor">
+                <a:schemeClr val="dk1"/>
+              </a:fontRef>
+            </p:style>
+            <p:txBody>
+              <a:bodyPr rtlCol="0" anchor="ctr"/>
+              <a:lstStyle/>
+              <a:p>
+                <a:pPr algn="ctr"/>
+                <a:endParaRPr lang="en-GB" sz="1200">
+                  <a:solidFill>
+                    <a:schemeClr val="dk1"/>
+                  </a:solidFill>
+                </a:endParaRPr>
+              </a:p>
+            </p:txBody>
+          </p:sp>
+          <p:grpSp>
+            <p:nvGrpSpPr>
+              <p:cNvPr id="75" name="Gruppo 82">
+                <a:extLst>
+                  <a:ext uri="{FF2B5EF4-FFF2-40B4-BE49-F238E27FC236}">
+                    <a16:creationId xmlns:a16="http://schemas.microsoft.com/office/drawing/2014/main" id="{634102E8-8F85-4650-8821-E43796141765}"/>
+                  </a:ext>
+                </a:extLst>
+              </p:cNvPr>
+              <p:cNvGrpSpPr/>
+              <p:nvPr/>
+            </p:nvGrpSpPr>
+            <p:grpSpPr>
+              <a:xfrm>
+                <a:off x="427409" y="1956378"/>
+                <a:ext cx="1409184" cy="1234659"/>
+                <a:chOff x="-54802" y="2388326"/>
+                <a:chExt cx="866156" cy="763299"/>
+              </a:xfrm>
+            </p:grpSpPr>
+            <p:sp>
+              <p:nvSpPr>
+                <p:cNvPr id="77" name="Ovale 38">
+                  <a:extLst>
+                    <a:ext uri="{FF2B5EF4-FFF2-40B4-BE49-F238E27FC236}">
+                      <a16:creationId xmlns:a16="http://schemas.microsoft.com/office/drawing/2014/main" id="{7E8892B6-0C91-44C0-B620-E9505AFD6F3F}"/>
+                    </a:ext>
+                  </a:extLst>
+                </p:cNvPr>
+                <p:cNvSpPr/>
+                <p:nvPr/>
+              </p:nvSpPr>
+              <p:spPr>
+                <a:xfrm>
+                  <a:off x="61633" y="2431545"/>
+                  <a:ext cx="749721" cy="720080"/>
+                </a:xfrm>
+                <a:prstGeom prst="ellipse">
+                  <a:avLst/>
+                </a:prstGeom>
+                <a:solidFill>
+                  <a:srgbClr val="FFCCFF"/>
+                </a:solidFill>
+                <a:ln/>
+              </p:spPr>
+              <p:style>
+                <a:lnRef idx="1">
+                  <a:schemeClr val="accent5"/>
+                </a:lnRef>
+                <a:fillRef idx="2">
+                  <a:schemeClr val="accent5"/>
+                </a:fillRef>
+                <a:effectRef idx="1">
+                  <a:schemeClr val="accent5"/>
+                </a:effectRef>
+                <a:fontRef idx="minor">
+                  <a:schemeClr val="dk1"/>
+                </a:fontRef>
+              </p:style>
+              <p:txBody>
+                <a:bodyPr rtlCol="0" anchor="ctr"/>
+                <a:lstStyle/>
+                <a:p>
+                  <a:pPr algn="ctr"/>
+                  <a:r>
+                    <a:rPr lang="en-GB" sz="1200" dirty="0"/>
+                    <a:t> </a:t>
+                  </a:r>
+                </a:p>
+              </p:txBody>
+            </p:sp>
+            <p:sp>
+              <p:nvSpPr>
+                <p:cNvPr id="78" name="Rettangolo 39">
+                  <a:extLst>
+                    <a:ext uri="{FF2B5EF4-FFF2-40B4-BE49-F238E27FC236}">
+                      <a16:creationId xmlns:a16="http://schemas.microsoft.com/office/drawing/2014/main" id="{0F0B6CCD-7C30-48E5-81D7-7AF15B3659A2}"/>
+                    </a:ext>
+                  </a:extLst>
+                </p:cNvPr>
+                <p:cNvSpPr/>
+                <p:nvPr/>
+              </p:nvSpPr>
+              <p:spPr>
+                <a:xfrm>
+                  <a:off x="-54802" y="2670266"/>
+                  <a:ext cx="281433" cy="211952"/>
+                </a:xfrm>
+                <a:prstGeom prst="rect">
+                  <a:avLst/>
+                </a:prstGeom>
+                <a:solidFill>
+                  <a:srgbClr val="FFCCFF"/>
+                </a:solidFill>
+                <a:ln/>
+              </p:spPr>
+              <p:style>
+                <a:lnRef idx="1">
+                  <a:schemeClr val="accent5"/>
+                </a:lnRef>
+                <a:fillRef idx="2">
+                  <a:schemeClr val="accent5"/>
+                </a:fillRef>
+                <a:effectRef idx="1">
+                  <a:schemeClr val="accent5"/>
+                </a:effectRef>
+                <a:fontRef idx="minor">
+                  <a:schemeClr val="dk1"/>
+                </a:fontRef>
+              </p:style>
+              <p:txBody>
+                <a:bodyPr rtlCol="0" anchor="ctr"/>
+                <a:lstStyle/>
+                <a:p>
+                  <a:pPr algn="ctr"/>
+                  <a:endParaRPr lang="en-GB" sz="1200"/>
+                </a:p>
+              </p:txBody>
+            </p:sp>
+            <p:sp>
+              <p:nvSpPr>
+                <p:cNvPr id="79" name="Triangolo isoscele 42">
+                  <a:extLst>
+                    <a:ext uri="{FF2B5EF4-FFF2-40B4-BE49-F238E27FC236}">
+                      <a16:creationId xmlns:a16="http://schemas.microsoft.com/office/drawing/2014/main" id="{72CCB7CA-644F-47C3-8A36-3FC00D04D61C}"/>
+                    </a:ext>
+                  </a:extLst>
+                </p:cNvPr>
+                <p:cNvSpPr/>
+                <p:nvPr/>
+              </p:nvSpPr>
+              <p:spPr>
+                <a:xfrm rot="16200000">
+                  <a:off x="369071" y="2361911"/>
+                  <a:ext cx="86434" cy="139263"/>
+                </a:xfrm>
+                <a:prstGeom prst="triangle">
+                  <a:avLst/>
+                </a:prstGeom>
+                <a:solidFill>
+                  <a:srgbClr val="FF0000"/>
+                </a:solidFill>
+                <a:ln/>
+              </p:spPr>
+              <p:style>
+                <a:lnRef idx="1">
+                  <a:schemeClr val="accent5"/>
+                </a:lnRef>
+                <a:fillRef idx="2">
+                  <a:schemeClr val="accent5"/>
+                </a:fillRef>
+                <a:effectRef idx="1">
+                  <a:schemeClr val="accent5"/>
+                </a:effectRef>
+                <a:fontRef idx="minor">
+                  <a:schemeClr val="dk1"/>
+                </a:fontRef>
+              </p:style>
+              <p:txBody>
+                <a:bodyPr rtlCol="0" anchor="ctr"/>
+                <a:lstStyle/>
+                <a:p>
+                  <a:pPr algn="ctr"/>
+                  <a:endParaRPr lang="en-GB" sz="1200">
+                    <a:solidFill>
+                      <a:schemeClr val="dk1"/>
+                    </a:solidFill>
+                  </a:endParaRPr>
+                </a:p>
+              </p:txBody>
+            </p:sp>
+          </p:grpSp>
+          <p:sp>
+            <p:nvSpPr>
+              <p:cNvPr id="76" name="Rettangolo 47">
+                <a:extLst>
+                  <a:ext uri="{FF2B5EF4-FFF2-40B4-BE49-F238E27FC236}">
+                    <a16:creationId xmlns:a16="http://schemas.microsoft.com/office/drawing/2014/main" id="{1EA7EE23-ED2B-4E13-A174-34EFBB401936}"/>
+                  </a:ext>
+                </a:extLst>
+              </p:cNvPr>
+              <p:cNvSpPr/>
+              <p:nvPr/>
+            </p:nvSpPr>
+            <p:spPr>
+              <a:xfrm>
+                <a:off x="899096" y="2410442"/>
+                <a:ext cx="700320" cy="369332"/>
+              </a:xfrm>
+              <a:prstGeom prst="rect">
+                <a:avLst/>
+              </a:prstGeom>
+            </p:spPr>
+            <p:txBody>
+              <a:bodyPr wrap="none">
+                <a:spAutoFit/>
+              </a:bodyPr>
+              <a:lstStyle/>
+              <a:p>
+                <a:r>
+                  <a:rPr lang="en-GB" dirty="0"/>
+                  <a:t>client</a:t>
+                </a:r>
+              </a:p>
+            </p:txBody>
+          </p:sp>
+        </p:grpSp>
+      </p:grpSp>
+      <p:cxnSp>
+        <p:nvCxnSpPr>
+          <p:cNvPr id="86" name="Connettore 1 25">
+            <a:extLst>
+              <a:ext uri="{FF2B5EF4-FFF2-40B4-BE49-F238E27FC236}">
+                <a16:creationId xmlns:a16="http://schemas.microsoft.com/office/drawing/2014/main" id="{31C1E447-C805-42BA-A377-0270114040AE}"/>
+              </a:ext>
+            </a:extLst>
+          </p:cNvPr>
+          <p:cNvCxnSpPr>
+            <a:cxnSpLocks/>
+          </p:cNvCxnSpPr>
+          <p:nvPr/>
+        </p:nvCxnSpPr>
+        <p:spPr>
+          <a:xfrm flipV="1">
+            <a:off x="1231835" y="3106709"/>
+            <a:ext cx="0" cy="1186387"/>
+          </a:xfrm>
+          <a:prstGeom prst="line">
+            <a:avLst/>
+          </a:prstGeom>
+        </p:spPr>
+        <p:style>
+          <a:lnRef idx="1">
+            <a:schemeClr val="accent1"/>
+          </a:lnRef>
+          <a:fillRef idx="0">
+            <a:schemeClr val="accent1"/>
+          </a:fillRef>
+          <a:effectRef idx="0">
+            <a:schemeClr val="accent1"/>
+          </a:effectRef>
+          <a:fontRef idx="minor">
+            <a:schemeClr val="tx1"/>
+          </a:fontRef>
+        </p:style>
+      </p:cxnSp>
+      <p:sp>
+        <p:nvSpPr>
+          <p:cNvPr id="89" name="Triangolo isoscele 88">
+            <a:extLst>
+              <a:ext uri="{FF2B5EF4-FFF2-40B4-BE49-F238E27FC236}">
+                <a16:creationId xmlns:a16="http://schemas.microsoft.com/office/drawing/2014/main" id="{4810139B-92C2-4E56-90C8-D901472EA410}"/>
+              </a:ext>
+            </a:extLst>
+          </p:cNvPr>
+          <p:cNvSpPr/>
+          <p:nvPr/>
+        </p:nvSpPr>
+        <p:spPr>
+          <a:xfrm flipH="1">
+            <a:off x="1195957" y="3063422"/>
+            <a:ext cx="86434" cy="139263"/>
+          </a:xfrm>
+          <a:prstGeom prst="triangle">
+            <a:avLst/>
+          </a:prstGeom>
+          <a:solidFill>
+            <a:schemeClr val="bg1"/>
+          </a:solidFill>
+          <a:ln/>
+        </p:spPr>
+        <p:style>
+          <a:lnRef idx="1">
+            <a:schemeClr val="accent5"/>
+          </a:lnRef>
+          <a:fillRef idx="2">
+            <a:schemeClr val="accent5"/>
+          </a:fillRef>
+          <a:effectRef idx="1">
+            <a:schemeClr val="accent5"/>
+          </a:effectRef>
+          <a:fontRef idx="minor">
+            <a:schemeClr val="dk1"/>
+          </a:fontRef>
+        </p:style>
+        <p:txBody>
+          <a:bodyPr rtlCol="0" anchor="ctr"/>
+          <a:lstStyle/>
+          <a:p>
+            <a:pPr algn="ctr"/>
+            <a:endParaRPr lang="en-GB" sz="1200"/>
+          </a:p>
+        </p:txBody>
+      </p:sp>
+      <p:cxnSp>
+        <p:nvCxnSpPr>
+          <p:cNvPr id="90" name="Connettore 1 20">
+            <a:extLst>
+              <a:ext uri="{FF2B5EF4-FFF2-40B4-BE49-F238E27FC236}">
+                <a16:creationId xmlns:a16="http://schemas.microsoft.com/office/drawing/2014/main" id="{AF6F4C71-E65D-4388-B19E-C5D34D20978C}"/>
+              </a:ext>
+            </a:extLst>
+          </p:cNvPr>
+          <p:cNvCxnSpPr>
+            <a:cxnSpLocks/>
+          </p:cNvCxnSpPr>
+          <p:nvPr/>
+        </p:nvCxnSpPr>
+        <p:spPr>
+          <a:xfrm flipV="1">
+            <a:off x="1031758" y="3077887"/>
+            <a:ext cx="11705" cy="1132926"/>
+          </a:xfrm>
+          <a:prstGeom prst="line">
+            <a:avLst/>
+          </a:prstGeom>
+          <a:ln>
+            <a:prstDash val="dash"/>
+          </a:ln>
+        </p:spPr>
+        <p:style>
+          <a:lnRef idx="1">
+            <a:schemeClr val="accent1"/>
+          </a:lnRef>
+          <a:fillRef idx="0">
+            <a:schemeClr val="accent1"/>
+          </a:fillRef>
+          <a:effectRef idx="0">
+            <a:schemeClr val="accent1"/>
+          </a:effectRef>
+          <a:fontRef idx="minor">
+            <a:schemeClr val="tx1"/>
+          </a:fontRef>
+        </p:style>
+      </p:cxnSp>
+      <p:sp>
+        <p:nvSpPr>
+          <p:cNvPr id="91" name="Triangolo isoscele 90">
+            <a:extLst>
+              <a:ext uri="{FF2B5EF4-FFF2-40B4-BE49-F238E27FC236}">
+                <a16:creationId xmlns:a16="http://schemas.microsoft.com/office/drawing/2014/main" id="{1C586239-9948-440F-9784-28DA8C77956C}"/>
+              </a:ext>
+            </a:extLst>
+          </p:cNvPr>
+          <p:cNvSpPr/>
+          <p:nvPr/>
+        </p:nvSpPr>
+        <p:spPr>
+          <a:xfrm rot="10800000">
+            <a:off x="988680" y="4153833"/>
+            <a:ext cx="86434" cy="139263"/>
+          </a:xfrm>
+          <a:prstGeom prst="triangle">
+            <a:avLst/>
+          </a:prstGeom>
+          <a:solidFill>
+            <a:schemeClr val="bg1"/>
+          </a:solidFill>
+          <a:ln/>
+        </p:spPr>
+        <p:style>
+          <a:lnRef idx="1">
+            <a:schemeClr val="accent5"/>
+          </a:lnRef>
+          <a:fillRef idx="2">
+            <a:schemeClr val="accent5"/>
+          </a:fillRef>
+          <a:effectRef idx="1">
+            <a:schemeClr val="accent5"/>
+          </a:effectRef>
+          <a:fontRef idx="minor">
+            <a:schemeClr val="dk1"/>
+          </a:fontRef>
+        </p:style>
+        <p:txBody>
+          <a:bodyPr rtlCol="0" anchor="ctr"/>
+          <a:lstStyle/>
+          <a:p>
+            <a:pPr algn="ctr"/>
+            <a:endParaRPr lang="en-GB" sz="1200"/>
+          </a:p>
+        </p:txBody>
+      </p:sp>
+      <p:sp>
+        <p:nvSpPr>
+          <p:cNvPr id="108" name="Triangolo isoscele 45">
+            <a:extLst>
+              <a:ext uri="{FF2B5EF4-FFF2-40B4-BE49-F238E27FC236}">
+                <a16:creationId xmlns:a16="http://schemas.microsoft.com/office/drawing/2014/main" id="{0186883E-C08A-47A2-A0B8-F954A064FE70}"/>
+              </a:ext>
+            </a:extLst>
+          </p:cNvPr>
+          <p:cNvSpPr/>
+          <p:nvPr/>
+        </p:nvSpPr>
+        <p:spPr>
+          <a:xfrm rot="5400000">
+            <a:off x="6340427" y="1373475"/>
+            <a:ext cx="998084" cy="875019"/>
+          </a:xfrm>
+          <a:prstGeom prst="triangle">
+            <a:avLst/>
+          </a:prstGeom>
+          <a:solidFill>
+            <a:srgbClr val="CCFF66"/>
+          </a:solidFill>
+          <a:ln/>
+        </p:spPr>
+        <p:style>
+          <a:lnRef idx="1">
+            <a:schemeClr val="accent5"/>
+          </a:lnRef>
+          <a:fillRef idx="2">
+            <a:schemeClr val="accent5"/>
+          </a:fillRef>
+          <a:effectRef idx="1">
+            <a:schemeClr val="accent5"/>
+          </a:effectRef>
+          <a:fontRef idx="minor">
+            <a:schemeClr val="dk1"/>
+          </a:fontRef>
+        </p:style>
+        <p:txBody>
+          <a:bodyPr rtlCol="0" anchor="ctr"/>
+          <a:lstStyle/>
+          <a:p>
+            <a:pPr algn="ctr"/>
+            <a:endParaRPr lang="en-GB" sz="1200">
+              <a:solidFill>
+                <a:schemeClr val="dk1"/>
+              </a:solidFill>
+            </a:endParaRPr>
+          </a:p>
+        </p:txBody>
+      </p:sp>
+      <p:sp>
+        <p:nvSpPr>
+          <p:cNvPr id="109" name="Ovale 38">
+            <a:extLst>
+              <a:ext uri="{FF2B5EF4-FFF2-40B4-BE49-F238E27FC236}">
+                <a16:creationId xmlns:a16="http://schemas.microsoft.com/office/drawing/2014/main" id="{40ED0478-D247-4C31-9830-B25482326C31}"/>
+              </a:ext>
+            </a:extLst>
+          </p:cNvPr>
+          <p:cNvSpPr/>
+          <p:nvPr/>
+        </p:nvSpPr>
+        <p:spPr>
+          <a:xfrm>
+            <a:off x="5769545" y="1204610"/>
+            <a:ext cx="1219751" cy="1164751"/>
+          </a:xfrm>
+          <a:prstGeom prst="ellipse">
+            <a:avLst/>
+          </a:prstGeom>
+          <a:solidFill>
+            <a:srgbClr val="FFCCFF"/>
+          </a:solidFill>
+          <a:ln/>
+        </p:spPr>
+        <p:style>
+          <a:lnRef idx="1">
+            <a:schemeClr val="accent5"/>
+          </a:lnRef>
+          <a:fillRef idx="2">
+            <a:schemeClr val="accent5"/>
+          </a:fillRef>
+          <a:effectRef idx="1">
+            <a:schemeClr val="accent5"/>
+          </a:effectRef>
+          <a:fontRef idx="minor">
+            <a:schemeClr val="dk1"/>
+          </a:fontRef>
+        </p:style>
+        <p:txBody>
+          <a:bodyPr rtlCol="0" anchor="ctr"/>
+          <a:lstStyle/>
+          <a:p>
+            <a:pPr algn="ctr"/>
+            <a:r>
+              <a:rPr lang="en-GB" sz="1200" dirty="0"/>
+              <a:t> </a:t>
+            </a:r>
+          </a:p>
+        </p:txBody>
+      </p:sp>
+      <p:sp>
+        <p:nvSpPr>
+          <p:cNvPr id="110" name="Rettangolo 39">
+            <a:extLst>
+              <a:ext uri="{FF2B5EF4-FFF2-40B4-BE49-F238E27FC236}">
+                <a16:creationId xmlns:a16="http://schemas.microsoft.com/office/drawing/2014/main" id="{211CFC95-F277-48A8-A894-DD24A35A1571}"/>
+              </a:ext>
+            </a:extLst>
+          </p:cNvPr>
+          <p:cNvSpPr/>
+          <p:nvPr/>
+        </p:nvSpPr>
+        <p:spPr>
+          <a:xfrm>
+            <a:off x="5580112" y="1590748"/>
+            <a:ext cx="457875" cy="342839"/>
+          </a:xfrm>
+          <a:prstGeom prst="rect">
+            <a:avLst/>
+          </a:prstGeom>
+          <a:solidFill>
+            <a:srgbClr val="FFCCFF"/>
+          </a:solidFill>
+          <a:ln/>
+        </p:spPr>
+        <p:style>
+          <a:lnRef idx="1">
+            <a:schemeClr val="accent5"/>
+          </a:lnRef>
+          <a:fillRef idx="2">
+            <a:schemeClr val="accent5"/>
+          </a:fillRef>
+          <a:effectRef idx="1">
+            <a:schemeClr val="accent5"/>
+          </a:effectRef>
+          <a:fontRef idx="minor">
+            <a:schemeClr val="dk1"/>
+          </a:fontRef>
+        </p:style>
+        <p:txBody>
+          <a:bodyPr rtlCol="0" anchor="ctr"/>
+          <a:lstStyle/>
+          <a:p>
+            <a:pPr algn="ctr"/>
+            <a:endParaRPr lang="en-GB" sz="1200"/>
+          </a:p>
+        </p:txBody>
+      </p:sp>
+      <p:sp>
+        <p:nvSpPr>
+          <p:cNvPr id="111" name="Triangolo isoscele 42">
+            <a:extLst>
+              <a:ext uri="{FF2B5EF4-FFF2-40B4-BE49-F238E27FC236}">
+                <a16:creationId xmlns:a16="http://schemas.microsoft.com/office/drawing/2014/main" id="{DADF66A4-B785-49F5-A8CD-A46B56D197F2}"/>
+              </a:ext>
+            </a:extLst>
+          </p:cNvPr>
+          <p:cNvSpPr/>
+          <p:nvPr/>
+        </p:nvSpPr>
+        <p:spPr>
+          <a:xfrm rot="16200000">
+            <a:off x="6270135" y="1091320"/>
+            <a:ext cx="139810" cy="226573"/>
+          </a:xfrm>
+          <a:prstGeom prst="triangle">
+            <a:avLst/>
+          </a:prstGeom>
+          <a:solidFill>
+            <a:srgbClr val="FF0000"/>
+          </a:solidFill>
+          <a:ln/>
+        </p:spPr>
+        <p:style>
+          <a:lnRef idx="1">
+            <a:schemeClr val="accent5"/>
+          </a:lnRef>
+          <a:fillRef idx="2">
+            <a:schemeClr val="accent5"/>
+          </a:fillRef>
+          <a:effectRef idx="1">
+            <a:schemeClr val="accent5"/>
+          </a:effectRef>
+          <a:fontRef idx="minor">
+            <a:schemeClr val="dk1"/>
+          </a:fontRef>
+        </p:style>
+        <p:txBody>
+          <a:bodyPr rtlCol="0" anchor="ctr"/>
+          <a:lstStyle/>
+          <a:p>
+            <a:pPr algn="ctr"/>
+            <a:endParaRPr lang="en-GB" sz="1200">
+              <a:solidFill>
+                <a:schemeClr val="dk1"/>
+              </a:solidFill>
+            </a:endParaRPr>
+          </a:p>
+        </p:txBody>
+      </p:sp>
+      <p:sp>
+        <p:nvSpPr>
+          <p:cNvPr id="112" name="Rettangolo 47">
+            <a:extLst>
+              <a:ext uri="{FF2B5EF4-FFF2-40B4-BE49-F238E27FC236}">
+                <a16:creationId xmlns:a16="http://schemas.microsoft.com/office/drawing/2014/main" id="{F7AF52AA-26A2-4CA6-85E6-DFD767BA301D}"/>
+              </a:ext>
+            </a:extLst>
+          </p:cNvPr>
+          <p:cNvSpPr/>
+          <p:nvPr/>
+        </p:nvSpPr>
+        <p:spPr>
+          <a:xfrm>
+            <a:off x="5632987" y="1577501"/>
+            <a:ext cx="1414105" cy="369332"/>
+          </a:xfrm>
+          <a:prstGeom prst="rect">
+            <a:avLst/>
+          </a:prstGeom>
+        </p:spPr>
+        <p:txBody>
+          <a:bodyPr wrap="none">
+            <a:spAutoFit/>
+          </a:bodyPr>
+          <a:lstStyle/>
+          <a:p>
+            <a:r>
+              <a:rPr lang="en-GB" dirty="0" err="1"/>
+              <a:t>waiterengine</a:t>
+            </a:r>
+            <a:endParaRPr lang="en-GB" dirty="0"/>
+          </a:p>
+        </p:txBody>
+      </p:sp>
+      <p:cxnSp>
+        <p:nvCxnSpPr>
+          <p:cNvPr id="116" name="Connettore 1 25">
+            <a:extLst>
+              <a:ext uri="{FF2B5EF4-FFF2-40B4-BE49-F238E27FC236}">
+                <a16:creationId xmlns:a16="http://schemas.microsoft.com/office/drawing/2014/main" id="{7D7DAC85-7FD7-4E03-9AD8-0C1DE0B36B70}"/>
+              </a:ext>
+            </a:extLst>
+          </p:cNvPr>
+          <p:cNvCxnSpPr>
+            <a:cxnSpLocks/>
+          </p:cNvCxnSpPr>
+          <p:nvPr/>
+        </p:nvCxnSpPr>
+        <p:spPr>
+          <a:xfrm>
+            <a:off x="4480169" y="4077072"/>
+            <a:ext cx="1027935" cy="0"/>
+          </a:xfrm>
+          <a:prstGeom prst="line">
+            <a:avLst/>
+          </a:prstGeom>
+        </p:spPr>
+        <p:style>
+          <a:lnRef idx="1">
+            <a:schemeClr val="accent1"/>
+          </a:lnRef>
+          <a:fillRef idx="0">
+            <a:schemeClr val="accent1"/>
+          </a:fillRef>
+          <a:effectRef idx="0">
+            <a:schemeClr val="accent1"/>
+          </a:effectRef>
+          <a:fontRef idx="minor">
+            <a:schemeClr val="tx1"/>
+          </a:fontRef>
+        </p:style>
+      </p:cxnSp>
+      <p:sp>
+        <p:nvSpPr>
+          <p:cNvPr id="126" name="Triangolo isoscele 45">
+            <a:extLst>
+              <a:ext uri="{FF2B5EF4-FFF2-40B4-BE49-F238E27FC236}">
+                <a16:creationId xmlns:a16="http://schemas.microsoft.com/office/drawing/2014/main" id="{68F5B5C1-6B6A-4EC0-B9F1-45ED47C44F0B}"/>
+              </a:ext>
+            </a:extLst>
+          </p:cNvPr>
+          <p:cNvSpPr/>
+          <p:nvPr/>
+        </p:nvSpPr>
+        <p:spPr>
+          <a:xfrm rot="5400000">
+            <a:off x="8062052" y="1373475"/>
+            <a:ext cx="998084" cy="875019"/>
+          </a:xfrm>
+          <a:prstGeom prst="triangle">
+            <a:avLst/>
+          </a:prstGeom>
+          <a:solidFill>
+            <a:srgbClr val="CCFF66"/>
+          </a:solidFill>
+          <a:ln/>
+        </p:spPr>
+        <p:style>
+          <a:lnRef idx="1">
+            <a:schemeClr val="accent5"/>
+          </a:lnRef>
+          <a:fillRef idx="2">
+            <a:schemeClr val="accent5"/>
+          </a:fillRef>
+          <a:effectRef idx="1">
+            <a:schemeClr val="accent5"/>
+          </a:effectRef>
+          <a:fontRef idx="minor">
+            <a:schemeClr val="dk1"/>
+          </a:fontRef>
+        </p:style>
+        <p:txBody>
+          <a:bodyPr rtlCol="0" anchor="ctr"/>
+          <a:lstStyle/>
+          <a:p>
+            <a:pPr algn="ctr"/>
+            <a:endParaRPr lang="en-GB" sz="1200">
+              <a:solidFill>
+                <a:schemeClr val="dk1"/>
+              </a:solidFill>
+            </a:endParaRPr>
+          </a:p>
+        </p:txBody>
+      </p:sp>
+      <p:sp>
+        <p:nvSpPr>
+          <p:cNvPr id="127" name="Ovale 38">
+            <a:extLst>
+              <a:ext uri="{FF2B5EF4-FFF2-40B4-BE49-F238E27FC236}">
+                <a16:creationId xmlns:a16="http://schemas.microsoft.com/office/drawing/2014/main" id="{842F7F26-5AF6-4E56-A94C-640D29817A8F}"/>
+              </a:ext>
+            </a:extLst>
+          </p:cNvPr>
+          <p:cNvSpPr/>
+          <p:nvPr/>
+        </p:nvSpPr>
+        <p:spPr>
+          <a:xfrm>
+            <a:off x="7491170" y="1204610"/>
+            <a:ext cx="1219751" cy="1164751"/>
+          </a:xfrm>
+          <a:prstGeom prst="ellipse">
+            <a:avLst/>
+          </a:prstGeom>
+          <a:solidFill>
+            <a:srgbClr val="FFCCFF"/>
+          </a:solidFill>
+          <a:ln/>
+        </p:spPr>
+        <p:style>
+          <a:lnRef idx="1">
+            <a:schemeClr val="accent5"/>
+          </a:lnRef>
+          <a:fillRef idx="2">
+            <a:schemeClr val="accent5"/>
+          </a:fillRef>
+          <a:effectRef idx="1">
+            <a:schemeClr val="accent5"/>
+          </a:effectRef>
+          <a:fontRef idx="minor">
+            <a:schemeClr val="dk1"/>
+          </a:fontRef>
+        </p:style>
+        <p:txBody>
+          <a:bodyPr rtlCol="0" anchor="ctr"/>
+          <a:lstStyle/>
+          <a:p>
+            <a:pPr algn="ctr"/>
+            <a:r>
+              <a:rPr lang="en-GB" sz="1200" dirty="0"/>
+              <a:t> </a:t>
+            </a:r>
+          </a:p>
+        </p:txBody>
+      </p:sp>
+      <p:sp>
+        <p:nvSpPr>
+          <p:cNvPr id="128" name="Rettangolo 39">
+            <a:extLst>
+              <a:ext uri="{FF2B5EF4-FFF2-40B4-BE49-F238E27FC236}">
+                <a16:creationId xmlns:a16="http://schemas.microsoft.com/office/drawing/2014/main" id="{5BB11D14-3CE3-46D8-A1EF-40113D3702EF}"/>
+              </a:ext>
+            </a:extLst>
+          </p:cNvPr>
+          <p:cNvSpPr/>
+          <p:nvPr/>
+        </p:nvSpPr>
+        <p:spPr>
+          <a:xfrm>
+            <a:off x="7301737" y="1590748"/>
+            <a:ext cx="457875" cy="342839"/>
+          </a:xfrm>
+          <a:prstGeom prst="rect">
+            <a:avLst/>
+          </a:prstGeom>
+          <a:solidFill>
+            <a:srgbClr val="FFCCFF"/>
+          </a:solidFill>
+          <a:ln/>
+        </p:spPr>
+        <p:style>
+          <a:lnRef idx="1">
+            <a:schemeClr val="accent5"/>
+          </a:lnRef>
+          <a:fillRef idx="2">
+            <a:schemeClr val="accent5"/>
+          </a:fillRef>
+          <a:effectRef idx="1">
+            <a:schemeClr val="accent5"/>
+          </a:effectRef>
+          <a:fontRef idx="minor">
+            <a:schemeClr val="dk1"/>
+          </a:fontRef>
+        </p:style>
+        <p:txBody>
+          <a:bodyPr rtlCol="0" anchor="ctr"/>
+          <a:lstStyle/>
+          <a:p>
+            <a:pPr algn="ctr"/>
+            <a:endParaRPr lang="en-GB" sz="1200"/>
+          </a:p>
+        </p:txBody>
+      </p:sp>
+      <p:sp>
+        <p:nvSpPr>
+          <p:cNvPr id="129" name="Triangolo isoscele 42">
+            <a:extLst>
+              <a:ext uri="{FF2B5EF4-FFF2-40B4-BE49-F238E27FC236}">
+                <a16:creationId xmlns:a16="http://schemas.microsoft.com/office/drawing/2014/main" id="{159DF195-F349-42C7-907F-B47D86A1A514}"/>
+              </a:ext>
+            </a:extLst>
+          </p:cNvPr>
+          <p:cNvSpPr/>
+          <p:nvPr/>
+        </p:nvSpPr>
+        <p:spPr>
+          <a:xfrm rot="16200000">
+            <a:off x="7991760" y="1091320"/>
+            <a:ext cx="139810" cy="226573"/>
+          </a:xfrm>
+          <a:prstGeom prst="triangle">
+            <a:avLst/>
+          </a:prstGeom>
+          <a:solidFill>
+            <a:srgbClr val="FF0000"/>
+          </a:solidFill>
+          <a:ln/>
+        </p:spPr>
+        <p:style>
+          <a:lnRef idx="1">
+            <a:schemeClr val="accent5"/>
+          </a:lnRef>
+          <a:fillRef idx="2">
+            <a:schemeClr val="accent5"/>
+          </a:fillRef>
+          <a:effectRef idx="1">
+            <a:schemeClr val="accent5"/>
+          </a:effectRef>
+          <a:fontRef idx="minor">
+            <a:schemeClr val="dk1"/>
+          </a:fontRef>
+        </p:style>
+        <p:txBody>
+          <a:bodyPr rtlCol="0" anchor="ctr"/>
+          <a:lstStyle/>
+          <a:p>
+            <a:pPr algn="ctr"/>
+            <a:endParaRPr lang="en-GB" sz="1200">
+              <a:solidFill>
+                <a:schemeClr val="dk1"/>
+              </a:solidFill>
+            </a:endParaRPr>
+          </a:p>
+        </p:txBody>
+      </p:sp>
+      <p:sp>
+        <p:nvSpPr>
+          <p:cNvPr id="130" name="Rettangolo 47">
+            <a:extLst>
+              <a:ext uri="{FF2B5EF4-FFF2-40B4-BE49-F238E27FC236}">
+                <a16:creationId xmlns:a16="http://schemas.microsoft.com/office/drawing/2014/main" id="{BF8F33C2-F590-430B-8BDB-003A2C513513}"/>
+              </a:ext>
+            </a:extLst>
+          </p:cNvPr>
+          <p:cNvSpPr/>
+          <p:nvPr/>
+        </p:nvSpPr>
+        <p:spPr>
+          <a:xfrm>
+            <a:off x="7585972" y="1602319"/>
+            <a:ext cx="914033" cy="369332"/>
+          </a:xfrm>
+          <a:prstGeom prst="rect">
+            <a:avLst/>
+          </a:prstGeom>
+        </p:spPr>
+        <p:txBody>
+          <a:bodyPr wrap="none">
+            <a:spAutoFit/>
+          </a:bodyPr>
+          <a:lstStyle/>
+          <a:p>
+            <a:r>
+              <a:rPr lang="en-GB" dirty="0"/>
+              <a:t>barman</a:t>
+            </a:r>
+          </a:p>
+        </p:txBody>
+      </p:sp>
+      <p:cxnSp>
+        <p:nvCxnSpPr>
+          <p:cNvPr id="134" name="Connettore 1 20">
+            <a:extLst>
+              <a:ext uri="{FF2B5EF4-FFF2-40B4-BE49-F238E27FC236}">
+                <a16:creationId xmlns:a16="http://schemas.microsoft.com/office/drawing/2014/main" id="{AC0E456D-B1A5-4F2C-8E1E-D80E0093DBDB}"/>
+              </a:ext>
+            </a:extLst>
+          </p:cNvPr>
+          <p:cNvCxnSpPr>
+            <a:cxnSpLocks/>
+          </p:cNvCxnSpPr>
+          <p:nvPr/>
+        </p:nvCxnSpPr>
+        <p:spPr>
+          <a:xfrm flipH="1">
+            <a:off x="3627674" y="3025189"/>
+            <a:ext cx="3031" cy="1281349"/>
+          </a:xfrm>
+          <a:prstGeom prst="line">
+            <a:avLst/>
+          </a:prstGeom>
+          <a:ln>
+            <a:prstDash val="dash"/>
+          </a:ln>
+        </p:spPr>
+        <p:style>
+          <a:lnRef idx="1">
+            <a:schemeClr val="accent1"/>
+          </a:lnRef>
+          <a:fillRef idx="0">
+            <a:schemeClr val="accent1"/>
+          </a:fillRef>
+          <a:effectRef idx="0">
+            <a:schemeClr val="accent1"/>
+          </a:effectRef>
+          <a:fontRef idx="minor">
+            <a:schemeClr val="tx1"/>
+          </a:fontRef>
+        </p:style>
+      </p:cxnSp>
+      <p:cxnSp>
+        <p:nvCxnSpPr>
+          <p:cNvPr id="92" name="Connettore 2 91">
+            <a:extLst>
+              <a:ext uri="{FF2B5EF4-FFF2-40B4-BE49-F238E27FC236}">
+                <a16:creationId xmlns:a16="http://schemas.microsoft.com/office/drawing/2014/main" id="{BBF24CB6-AE33-4C64-9823-16F98D10F27F}"/>
+              </a:ext>
+            </a:extLst>
+          </p:cNvPr>
+          <p:cNvCxnSpPr>
+            <a:cxnSpLocks/>
+          </p:cNvCxnSpPr>
+          <p:nvPr/>
+        </p:nvCxnSpPr>
+        <p:spPr>
+          <a:xfrm flipV="1">
+            <a:off x="1753422" y="3106709"/>
+            <a:ext cx="0" cy="1145521"/>
+          </a:xfrm>
+          <a:prstGeom prst="straightConnector1">
+            <a:avLst/>
+          </a:prstGeom>
+          <a:ln>
+            <a:prstDash val="lgDash"/>
+            <a:tailEnd type="arrow"/>
+          </a:ln>
+        </p:spPr>
+        <p:style>
+          <a:lnRef idx="1">
+            <a:schemeClr val="accent1"/>
+          </a:lnRef>
+          <a:fillRef idx="0">
+            <a:schemeClr val="accent1"/>
+          </a:fillRef>
+          <a:effectRef idx="0">
+            <a:schemeClr val="accent1"/>
+          </a:effectRef>
+          <a:fontRef idx="minor">
+            <a:schemeClr val="tx1"/>
+          </a:fontRef>
+        </p:style>
+      </p:cxnSp>
+      <p:grpSp>
+        <p:nvGrpSpPr>
+          <p:cNvPr id="99" name="Gruppo 98">
+            <a:extLst>
+              <a:ext uri="{FF2B5EF4-FFF2-40B4-BE49-F238E27FC236}">
+                <a16:creationId xmlns:a16="http://schemas.microsoft.com/office/drawing/2014/main" id="{E7C51A67-EDC9-4936-97C5-EB39827CB678}"/>
+              </a:ext>
+            </a:extLst>
+          </p:cNvPr>
+          <p:cNvGrpSpPr/>
+          <p:nvPr/>
+        </p:nvGrpSpPr>
+        <p:grpSpPr>
+          <a:xfrm>
+            <a:off x="5009198" y="1128738"/>
+            <a:ext cx="787334" cy="86434"/>
+            <a:chOff x="3452446" y="4176616"/>
+            <a:chExt cx="787334" cy="86434"/>
+          </a:xfrm>
+        </p:grpSpPr>
+        <p:sp>
+          <p:nvSpPr>
+            <p:cNvPr id="100" name="Triangolo isoscele 99">
+              <a:extLst>
+                <a:ext uri="{FF2B5EF4-FFF2-40B4-BE49-F238E27FC236}">
+                  <a16:creationId xmlns:a16="http://schemas.microsoft.com/office/drawing/2014/main" id="{40E899B4-91B0-4BB3-B1B1-46D8A2C2F17E}"/>
+                </a:ext>
+              </a:extLst>
+            </p:cNvPr>
+            <p:cNvSpPr/>
+            <p:nvPr/>
+          </p:nvSpPr>
+          <p:spPr>
+            <a:xfrm rot="5400000" flipH="1">
+              <a:off x="4126932" y="4150201"/>
+              <a:ext cx="86434" cy="139263"/>
+            </a:xfrm>
+            <a:prstGeom prst="triangle">
+              <a:avLst/>
+            </a:prstGeom>
+            <a:solidFill>
+              <a:schemeClr val="bg1"/>
+            </a:solidFill>
+            <a:ln/>
+          </p:spPr>
+          <p:style>
+            <a:lnRef idx="1">
+              <a:schemeClr val="accent5"/>
+            </a:lnRef>
+            <a:fillRef idx="2">
+              <a:schemeClr val="accent5"/>
+            </a:fillRef>
+            <a:effectRef idx="1">
+              <a:schemeClr val="accent5"/>
+            </a:effectRef>
+            <a:fontRef idx="minor">
+              <a:schemeClr val="dk1"/>
+            </a:fontRef>
+          </p:style>
+          <p:txBody>
+            <a:bodyPr rtlCol="0" anchor="ctr"/>
+            <a:lstStyle/>
+            <a:p>
+              <a:pPr algn="ctr"/>
+              <a:endParaRPr lang="en-GB" sz="1200"/>
+            </a:p>
+          </p:txBody>
+        </p:sp>
+        <p:cxnSp>
+          <p:nvCxnSpPr>
+            <p:cNvPr id="101" name="Connettore 1 74">
+              <a:extLst>
+                <a:ext uri="{FF2B5EF4-FFF2-40B4-BE49-F238E27FC236}">
+                  <a16:creationId xmlns:a16="http://schemas.microsoft.com/office/drawing/2014/main" id="{C1418329-24BD-42E8-AA7B-2718DF8F8BF4}"/>
+                </a:ext>
+              </a:extLst>
+            </p:cNvPr>
+            <p:cNvCxnSpPr>
+              <a:endCxn id="100" idx="3"/>
+            </p:cNvCxnSpPr>
+            <p:nvPr/>
+          </p:nvCxnSpPr>
+          <p:spPr>
+            <a:xfrm>
+              <a:off x="3452446" y="4219627"/>
+              <a:ext cx="648072" cy="206"/>
+            </a:xfrm>
+            <a:prstGeom prst="line">
+              <a:avLst/>
+            </a:prstGeom>
+          </p:spPr>
+          <p:style>
+            <a:lnRef idx="1">
+              <a:schemeClr val="accent1"/>
+            </a:lnRef>
+            <a:fillRef idx="0">
+              <a:schemeClr val="accent1"/>
+            </a:fillRef>
+            <a:effectRef idx="0">
+              <a:schemeClr val="accent1"/>
+            </a:effectRef>
+            <a:fontRef idx="minor">
+              <a:schemeClr val="tx1"/>
+            </a:fontRef>
+          </p:style>
+        </p:cxnSp>
+      </p:grpSp>
+      <p:grpSp>
+        <p:nvGrpSpPr>
+          <p:cNvPr id="102" name="Gruppo 101">
+            <a:extLst>
+              <a:ext uri="{FF2B5EF4-FFF2-40B4-BE49-F238E27FC236}">
+                <a16:creationId xmlns:a16="http://schemas.microsoft.com/office/drawing/2014/main" id="{03BB52C7-2A3E-44C2-893B-3941B85EBD16}"/>
+              </a:ext>
+            </a:extLst>
+          </p:cNvPr>
+          <p:cNvGrpSpPr/>
+          <p:nvPr/>
+        </p:nvGrpSpPr>
+        <p:grpSpPr>
+          <a:xfrm>
+            <a:off x="5049295" y="1417250"/>
+            <a:ext cx="666895" cy="86434"/>
+            <a:chOff x="4592177" y="4419530"/>
+            <a:chExt cx="666895" cy="86434"/>
+          </a:xfrm>
+        </p:grpSpPr>
+        <p:cxnSp>
+          <p:nvCxnSpPr>
+            <p:cNvPr id="103" name="Connettore 1 76">
+              <a:extLst>
+                <a:ext uri="{FF2B5EF4-FFF2-40B4-BE49-F238E27FC236}">
+                  <a16:creationId xmlns:a16="http://schemas.microsoft.com/office/drawing/2014/main" id="{98BEDA3E-3D9A-448B-9A4E-CDC0CE65C34D}"/>
+                </a:ext>
+              </a:extLst>
+            </p:cNvPr>
+            <p:cNvCxnSpPr/>
+            <p:nvPr/>
+          </p:nvCxnSpPr>
+          <p:spPr>
+            <a:xfrm>
+              <a:off x="4611000" y="4462747"/>
+              <a:ext cx="648072" cy="0"/>
+            </a:xfrm>
+            <a:prstGeom prst="line">
+              <a:avLst/>
+            </a:prstGeom>
+            <a:ln>
+              <a:prstDash val="dash"/>
+            </a:ln>
+          </p:spPr>
+          <p:style>
+            <a:lnRef idx="1">
+              <a:schemeClr val="accent1"/>
+            </a:lnRef>
+            <a:fillRef idx="0">
+              <a:schemeClr val="accent1"/>
+            </a:fillRef>
+            <a:effectRef idx="0">
+              <a:schemeClr val="accent1"/>
+            </a:effectRef>
+            <a:fontRef idx="minor">
+              <a:schemeClr val="tx1"/>
+            </a:fontRef>
+          </p:style>
+        </p:cxnSp>
+        <p:sp>
+          <p:nvSpPr>
+            <p:cNvPr id="104" name="Triangolo isoscele 103">
+              <a:extLst>
+                <a:ext uri="{FF2B5EF4-FFF2-40B4-BE49-F238E27FC236}">
+                  <a16:creationId xmlns:a16="http://schemas.microsoft.com/office/drawing/2014/main" id="{E031926D-83B2-45E2-AE58-AA5F422C3E92}"/>
+                </a:ext>
+              </a:extLst>
+            </p:cNvPr>
+            <p:cNvSpPr/>
+            <p:nvPr/>
+          </p:nvSpPr>
+          <p:spPr>
+            <a:xfrm rot="16200000">
+              <a:off x="4618592" y="4393115"/>
+              <a:ext cx="86434" cy="139263"/>
+            </a:xfrm>
+            <a:prstGeom prst="triangle">
+              <a:avLst/>
+            </a:prstGeom>
+            <a:solidFill>
+              <a:schemeClr val="bg1"/>
+            </a:solidFill>
+            <a:ln/>
+          </p:spPr>
+          <p:style>
+            <a:lnRef idx="1">
+              <a:schemeClr val="accent5"/>
+            </a:lnRef>
+            <a:fillRef idx="2">
+              <a:schemeClr val="accent5"/>
+            </a:fillRef>
+            <a:effectRef idx="1">
+              <a:schemeClr val="accent5"/>
+            </a:effectRef>
+            <a:fontRef idx="minor">
+              <a:schemeClr val="dk1"/>
+            </a:fontRef>
+          </p:style>
+          <p:txBody>
+            <a:bodyPr rtlCol="0" anchor="ctr"/>
+            <a:lstStyle/>
+            <a:p>
+              <a:pPr algn="ctr"/>
+              <a:endParaRPr lang="en-GB" sz="1200"/>
+            </a:p>
+          </p:txBody>
+        </p:sp>
+      </p:grpSp>
+      <p:cxnSp>
+        <p:nvCxnSpPr>
+          <p:cNvPr id="105" name="Connettore 2 104">
+            <a:extLst>
+              <a:ext uri="{FF2B5EF4-FFF2-40B4-BE49-F238E27FC236}">
+                <a16:creationId xmlns:a16="http://schemas.microsoft.com/office/drawing/2014/main" id="{5C5EF24C-2870-433B-8760-BA9721235F80}"/>
+              </a:ext>
+            </a:extLst>
+          </p:cNvPr>
+          <p:cNvCxnSpPr/>
+          <p:nvPr/>
+        </p:nvCxnSpPr>
+        <p:spPr>
+          <a:xfrm>
+            <a:off x="5004048" y="2132856"/>
+            <a:ext cx="783259" cy="0"/>
+          </a:xfrm>
+          <a:prstGeom prst="straightConnector1">
+            <a:avLst/>
+          </a:prstGeom>
+          <a:ln>
+            <a:prstDash val="lgDash"/>
+            <a:tailEnd type="arrow"/>
+          </a:ln>
+        </p:spPr>
+        <p:style>
+          <a:lnRef idx="1">
+            <a:schemeClr val="accent1"/>
+          </a:lnRef>
+          <a:fillRef idx="0">
+            <a:schemeClr val="accent1"/>
+          </a:fillRef>
+          <a:effectRef idx="0">
+            <a:schemeClr val="accent1"/>
+          </a:effectRef>
+          <a:fontRef idx="minor">
+            <a:schemeClr val="tx1"/>
+          </a:fontRef>
+        </p:style>
+      </p:cxnSp>
+      <p:cxnSp>
+        <p:nvCxnSpPr>
+          <p:cNvPr id="118" name="Connettore 2 117">
+            <a:extLst>
+              <a:ext uri="{FF2B5EF4-FFF2-40B4-BE49-F238E27FC236}">
+                <a16:creationId xmlns:a16="http://schemas.microsoft.com/office/drawing/2014/main" id="{F8177A06-2454-4B6B-92DA-EED7F30123BE}"/>
+              </a:ext>
+            </a:extLst>
+          </p:cNvPr>
+          <p:cNvCxnSpPr>
+            <a:cxnSpLocks/>
+          </p:cNvCxnSpPr>
+          <p:nvPr/>
+        </p:nvCxnSpPr>
+        <p:spPr>
+          <a:xfrm>
+            <a:off x="4606294" y="2441454"/>
+            <a:ext cx="3293392" cy="12373"/>
+          </a:xfrm>
+          <a:prstGeom prst="straightConnector1">
+            <a:avLst/>
+          </a:prstGeom>
+          <a:ln>
+            <a:prstDash val="lgDash"/>
+            <a:tailEnd type="arrow"/>
+          </a:ln>
+        </p:spPr>
+        <p:style>
+          <a:lnRef idx="1">
+            <a:schemeClr val="accent1"/>
+          </a:lnRef>
+          <a:fillRef idx="0">
+            <a:schemeClr val="accent1"/>
+          </a:fillRef>
+          <a:effectRef idx="0">
+            <a:schemeClr val="accent1"/>
+          </a:effectRef>
+          <a:fontRef idx="minor">
+            <a:schemeClr val="tx1"/>
+          </a:fontRef>
+        </p:style>
+      </p:cxnSp>
+      <p:cxnSp>
+        <p:nvCxnSpPr>
+          <p:cNvPr id="120" name="Connettore 2 119">
+            <a:extLst>
+              <a:ext uri="{FF2B5EF4-FFF2-40B4-BE49-F238E27FC236}">
+                <a16:creationId xmlns:a16="http://schemas.microsoft.com/office/drawing/2014/main" id="{0201EBEE-D5CB-41EC-A2EF-01235283C2C7}"/>
+              </a:ext>
+            </a:extLst>
+          </p:cNvPr>
+          <p:cNvCxnSpPr>
+            <a:cxnSpLocks/>
+          </p:cNvCxnSpPr>
+          <p:nvPr/>
+        </p:nvCxnSpPr>
+        <p:spPr>
+          <a:xfrm flipH="1" flipV="1">
+            <a:off x="4572000" y="2564124"/>
+            <a:ext cx="3292925" cy="9517"/>
+          </a:xfrm>
+          <a:prstGeom prst="straightConnector1">
+            <a:avLst/>
+          </a:prstGeom>
+          <a:ln>
+            <a:prstDash val="lgDash"/>
+            <a:tailEnd type="arrow"/>
+          </a:ln>
+        </p:spPr>
+        <p:style>
+          <a:lnRef idx="1">
+            <a:schemeClr val="accent1"/>
+          </a:lnRef>
+          <a:fillRef idx="0">
+            <a:schemeClr val="accent1"/>
+          </a:fillRef>
+          <a:effectRef idx="0">
+            <a:schemeClr val="accent1"/>
+          </a:effectRef>
+          <a:fontRef idx="minor">
+            <a:schemeClr val="tx1"/>
+          </a:fontRef>
+        </p:style>
+      </p:cxnSp>
+      <p:grpSp>
+        <p:nvGrpSpPr>
+          <p:cNvPr id="150" name="Gruppo 149">
+            <a:extLst>
+              <a:ext uri="{FF2B5EF4-FFF2-40B4-BE49-F238E27FC236}">
+                <a16:creationId xmlns:a16="http://schemas.microsoft.com/office/drawing/2014/main" id="{541BB2D0-8E95-4726-989F-7CB2E2BDD683}"/>
+              </a:ext>
+            </a:extLst>
+          </p:cNvPr>
+          <p:cNvGrpSpPr/>
+          <p:nvPr/>
+        </p:nvGrpSpPr>
+        <p:grpSpPr>
+          <a:xfrm>
+            <a:off x="3208602" y="1090863"/>
+            <a:ext cx="787334" cy="86434"/>
+            <a:chOff x="3452446" y="4176616"/>
+            <a:chExt cx="787334" cy="86434"/>
+          </a:xfrm>
+        </p:grpSpPr>
+        <p:sp>
+          <p:nvSpPr>
+            <p:cNvPr id="151" name="Triangolo isoscele 150">
+              <a:extLst>
+                <a:ext uri="{FF2B5EF4-FFF2-40B4-BE49-F238E27FC236}">
+                  <a16:creationId xmlns:a16="http://schemas.microsoft.com/office/drawing/2014/main" id="{58A6645D-E146-4339-B375-2E87C50040C5}"/>
+                </a:ext>
+              </a:extLst>
+            </p:cNvPr>
+            <p:cNvSpPr/>
+            <p:nvPr/>
+          </p:nvSpPr>
+          <p:spPr>
+            <a:xfrm rot="5400000" flipH="1">
+              <a:off x="4126932" y="4150201"/>
+              <a:ext cx="86434" cy="139263"/>
+            </a:xfrm>
+            <a:prstGeom prst="triangle">
+              <a:avLst/>
+            </a:prstGeom>
+            <a:solidFill>
+              <a:schemeClr val="bg1"/>
+            </a:solidFill>
+            <a:ln/>
+          </p:spPr>
+          <p:style>
+            <a:lnRef idx="1">
+              <a:schemeClr val="accent5"/>
+            </a:lnRef>
+            <a:fillRef idx="2">
+              <a:schemeClr val="accent5"/>
+            </a:fillRef>
+            <a:effectRef idx="1">
+              <a:schemeClr val="accent5"/>
+            </a:effectRef>
+            <a:fontRef idx="minor">
+              <a:schemeClr val="dk1"/>
+            </a:fontRef>
+          </p:style>
+          <p:txBody>
+            <a:bodyPr rtlCol="0" anchor="ctr"/>
+            <a:lstStyle/>
+            <a:p>
+              <a:pPr algn="ctr"/>
+              <a:endParaRPr lang="en-GB" sz="1200"/>
+            </a:p>
+          </p:txBody>
+        </p:sp>
+        <p:cxnSp>
+          <p:nvCxnSpPr>
+            <p:cNvPr id="152" name="Connettore 1 74">
+              <a:extLst>
+                <a:ext uri="{FF2B5EF4-FFF2-40B4-BE49-F238E27FC236}">
+                  <a16:creationId xmlns:a16="http://schemas.microsoft.com/office/drawing/2014/main" id="{4EB0D786-2BFE-4AA4-A083-EEDE6D66BA02}"/>
+                </a:ext>
+              </a:extLst>
+            </p:cNvPr>
+            <p:cNvCxnSpPr>
+              <a:endCxn id="151" idx="3"/>
+            </p:cNvCxnSpPr>
+            <p:nvPr/>
+          </p:nvCxnSpPr>
+          <p:spPr>
+            <a:xfrm>
+              <a:off x="3452446" y="4219627"/>
+              <a:ext cx="648072" cy="206"/>
+            </a:xfrm>
+            <a:prstGeom prst="line">
+              <a:avLst/>
+            </a:prstGeom>
+          </p:spPr>
+          <p:style>
+            <a:lnRef idx="1">
+              <a:schemeClr val="accent1"/>
+            </a:lnRef>
+            <a:fillRef idx="0">
+              <a:schemeClr val="accent1"/>
+            </a:fillRef>
+            <a:effectRef idx="0">
+              <a:schemeClr val="accent1"/>
+            </a:effectRef>
+            <a:fontRef idx="minor">
+              <a:schemeClr val="tx1"/>
+            </a:fontRef>
+          </p:style>
+        </p:cxnSp>
+      </p:grpSp>
+      <p:grpSp>
+        <p:nvGrpSpPr>
+          <p:cNvPr id="153" name="Gruppo 152">
+            <a:extLst>
+              <a:ext uri="{FF2B5EF4-FFF2-40B4-BE49-F238E27FC236}">
+                <a16:creationId xmlns:a16="http://schemas.microsoft.com/office/drawing/2014/main" id="{62D460A9-61A5-4129-95CE-A2842F26D120}"/>
+              </a:ext>
+            </a:extLst>
+          </p:cNvPr>
+          <p:cNvGrpSpPr/>
+          <p:nvPr/>
+        </p:nvGrpSpPr>
+        <p:grpSpPr>
+          <a:xfrm>
+            <a:off x="3248699" y="1379375"/>
+            <a:ext cx="666895" cy="86434"/>
+            <a:chOff x="4592177" y="4419530"/>
+            <a:chExt cx="666895" cy="86434"/>
+          </a:xfrm>
+        </p:grpSpPr>
+        <p:cxnSp>
+          <p:nvCxnSpPr>
+            <p:cNvPr id="154" name="Connettore 1 76">
+              <a:extLst>
+                <a:ext uri="{FF2B5EF4-FFF2-40B4-BE49-F238E27FC236}">
+                  <a16:creationId xmlns:a16="http://schemas.microsoft.com/office/drawing/2014/main" id="{177B2193-64F0-424F-B63C-A23D136FD357}"/>
+                </a:ext>
+              </a:extLst>
+            </p:cNvPr>
+            <p:cNvCxnSpPr/>
+            <p:nvPr/>
+          </p:nvCxnSpPr>
+          <p:spPr>
+            <a:xfrm>
+              <a:off x="4611000" y="4462747"/>
+              <a:ext cx="648072" cy="0"/>
+            </a:xfrm>
+            <a:prstGeom prst="line">
+              <a:avLst/>
+            </a:prstGeom>
+            <a:ln>
+              <a:prstDash val="dash"/>
+            </a:ln>
+          </p:spPr>
+          <p:style>
+            <a:lnRef idx="1">
+              <a:schemeClr val="accent1"/>
+            </a:lnRef>
+            <a:fillRef idx="0">
+              <a:schemeClr val="accent1"/>
+            </a:fillRef>
+            <a:effectRef idx="0">
+              <a:schemeClr val="accent1"/>
+            </a:effectRef>
+            <a:fontRef idx="minor">
+              <a:schemeClr val="tx1"/>
+            </a:fontRef>
+          </p:style>
+        </p:cxnSp>
+        <p:sp>
+          <p:nvSpPr>
+            <p:cNvPr id="155" name="Triangolo isoscele 154">
+              <a:extLst>
+                <a:ext uri="{FF2B5EF4-FFF2-40B4-BE49-F238E27FC236}">
+                  <a16:creationId xmlns:a16="http://schemas.microsoft.com/office/drawing/2014/main" id="{D5F848F4-F5B7-4F5B-8AA9-EEAA881F34EE}"/>
+                </a:ext>
+              </a:extLst>
+            </p:cNvPr>
+            <p:cNvSpPr/>
+            <p:nvPr/>
+          </p:nvSpPr>
+          <p:spPr>
+            <a:xfrm rot="16200000">
+              <a:off x="4618592" y="4393115"/>
+              <a:ext cx="86434" cy="139263"/>
+            </a:xfrm>
+            <a:prstGeom prst="triangle">
+              <a:avLst/>
+            </a:prstGeom>
+            <a:solidFill>
+              <a:schemeClr val="bg1"/>
+            </a:solidFill>
+            <a:ln/>
+          </p:spPr>
+          <p:style>
+            <a:lnRef idx="1">
+              <a:schemeClr val="accent5"/>
+            </a:lnRef>
+            <a:fillRef idx="2">
+              <a:schemeClr val="accent5"/>
+            </a:fillRef>
+            <a:effectRef idx="1">
+              <a:schemeClr val="accent5"/>
+            </a:effectRef>
+            <a:fontRef idx="minor">
+              <a:schemeClr val="dk1"/>
+            </a:fontRef>
+          </p:style>
+          <p:txBody>
+            <a:bodyPr rtlCol="0" anchor="ctr"/>
+            <a:lstStyle/>
+            <a:p>
+              <a:pPr algn="ctr"/>
+              <a:endParaRPr lang="en-GB" sz="1200"/>
+            </a:p>
+          </p:txBody>
+        </p:sp>
+      </p:grpSp>
+      <p:sp>
+        <p:nvSpPr>
+          <p:cNvPr id="2" name="Triangolo isoscele 45">
+            <a:extLst>
+              <a:ext uri="{FF2B5EF4-FFF2-40B4-BE49-F238E27FC236}">
+                <a16:creationId xmlns:a16="http://schemas.microsoft.com/office/drawing/2014/main" id="{97ECAE60-B7E4-4F64-8C20-403298F91C6E}"/>
+              </a:ext>
+            </a:extLst>
+          </p:cNvPr>
+          <p:cNvSpPr/>
+          <p:nvPr/>
+        </p:nvSpPr>
+        <p:spPr>
+          <a:xfrm rot="5400000">
+            <a:off x="939827" y="1358108"/>
+            <a:ext cx="998084" cy="875019"/>
+          </a:xfrm>
+          <a:prstGeom prst="triangle">
+            <a:avLst/>
+          </a:prstGeom>
+          <a:solidFill>
+            <a:srgbClr val="CCFF66"/>
+          </a:solidFill>
+          <a:ln/>
+        </p:spPr>
+        <p:style>
+          <a:lnRef idx="1">
+            <a:schemeClr val="accent5"/>
+          </a:lnRef>
+          <a:fillRef idx="2">
+            <a:schemeClr val="accent5"/>
+          </a:fillRef>
+          <a:effectRef idx="1">
+            <a:schemeClr val="accent5"/>
+          </a:effectRef>
+          <a:fontRef idx="minor">
+            <a:schemeClr val="dk1"/>
+          </a:fontRef>
+        </p:style>
+        <p:txBody>
+          <a:bodyPr rtlCol="0" anchor="ctr"/>
+          <a:lstStyle/>
+          <a:p>
+            <a:pPr algn="ctr"/>
+            <a:endParaRPr lang="en-GB" sz="1200">
+              <a:solidFill>
+                <a:schemeClr val="dk1"/>
+              </a:solidFill>
+            </a:endParaRPr>
+          </a:p>
+        </p:txBody>
+      </p:sp>
+      <p:sp>
+        <p:nvSpPr>
+          <p:cNvPr id="3" name="Ovale 38">
+            <a:extLst>
+              <a:ext uri="{FF2B5EF4-FFF2-40B4-BE49-F238E27FC236}">
+                <a16:creationId xmlns:a16="http://schemas.microsoft.com/office/drawing/2014/main" id="{36CCACCD-B7CA-41C1-87E9-649D69E8B2D3}"/>
+              </a:ext>
+            </a:extLst>
+          </p:cNvPr>
+          <p:cNvSpPr/>
+          <p:nvPr/>
+        </p:nvSpPr>
+        <p:spPr>
+          <a:xfrm>
+            <a:off x="368945" y="1189239"/>
+            <a:ext cx="1219752" cy="1164750"/>
+          </a:xfrm>
+          <a:prstGeom prst="ellipse">
+            <a:avLst/>
+          </a:prstGeom>
+          <a:solidFill>
+            <a:srgbClr val="FFCCFF"/>
+          </a:solidFill>
+          <a:ln/>
+        </p:spPr>
+        <p:style>
+          <a:lnRef idx="1">
+            <a:schemeClr val="accent5"/>
+          </a:lnRef>
+          <a:fillRef idx="2">
+            <a:schemeClr val="accent5"/>
+          </a:fillRef>
+          <a:effectRef idx="1">
+            <a:schemeClr val="accent5"/>
+          </a:effectRef>
+          <a:fontRef idx="minor">
+            <a:schemeClr val="dk1"/>
+          </a:fontRef>
+        </p:style>
+        <p:txBody>
+          <a:bodyPr rtlCol="0" anchor="ctr"/>
+          <a:lstStyle/>
+          <a:p>
+            <a:pPr algn="ctr"/>
+            <a:r>
+              <a:rPr lang="en-GB" sz="1200" dirty="0"/>
+              <a:t> </a:t>
+            </a:r>
+          </a:p>
+        </p:txBody>
+      </p:sp>
+      <p:sp>
+        <p:nvSpPr>
+          <p:cNvPr id="10" name="Rettangolo 39">
+            <a:extLst>
+              <a:ext uri="{FF2B5EF4-FFF2-40B4-BE49-F238E27FC236}">
+                <a16:creationId xmlns:a16="http://schemas.microsoft.com/office/drawing/2014/main" id="{6525DCC6-0B24-4CF6-BCD7-DD17146883CA}"/>
+              </a:ext>
+            </a:extLst>
+          </p:cNvPr>
+          <p:cNvSpPr/>
+          <p:nvPr/>
+        </p:nvSpPr>
+        <p:spPr>
+          <a:xfrm>
+            <a:off x="179512" y="1575380"/>
+            <a:ext cx="457875" cy="342838"/>
+          </a:xfrm>
+          <a:prstGeom prst="rect">
+            <a:avLst/>
+          </a:prstGeom>
+          <a:solidFill>
+            <a:srgbClr val="FFCCFF"/>
+          </a:solidFill>
+          <a:ln/>
+        </p:spPr>
+        <p:style>
+          <a:lnRef idx="1">
+            <a:schemeClr val="accent5"/>
+          </a:lnRef>
+          <a:fillRef idx="2">
+            <a:schemeClr val="accent5"/>
+          </a:fillRef>
+          <a:effectRef idx="1">
+            <a:schemeClr val="accent5"/>
+          </a:effectRef>
+          <a:fontRef idx="minor">
+            <a:schemeClr val="dk1"/>
+          </a:fontRef>
+        </p:style>
+        <p:txBody>
+          <a:bodyPr rtlCol="0" anchor="ctr"/>
+          <a:lstStyle/>
+          <a:p>
+            <a:pPr algn="ctr"/>
+            <a:endParaRPr lang="en-GB" sz="1200"/>
+          </a:p>
+        </p:txBody>
+      </p:sp>
+      <p:sp>
+        <p:nvSpPr>
+          <p:cNvPr id="12" name="Triangolo isoscele 42">
+            <a:extLst>
+              <a:ext uri="{FF2B5EF4-FFF2-40B4-BE49-F238E27FC236}">
+                <a16:creationId xmlns:a16="http://schemas.microsoft.com/office/drawing/2014/main" id="{A6AF89CC-D021-40BD-94B1-4527B95012D3}"/>
+              </a:ext>
+            </a:extLst>
+          </p:cNvPr>
+          <p:cNvSpPr/>
+          <p:nvPr/>
+        </p:nvSpPr>
+        <p:spPr>
+          <a:xfrm rot="16200000">
+            <a:off x="869537" y="1075952"/>
+            <a:ext cx="139809" cy="226573"/>
+          </a:xfrm>
+          <a:prstGeom prst="triangle">
+            <a:avLst/>
+          </a:prstGeom>
+          <a:solidFill>
+            <a:srgbClr val="FF0000"/>
+          </a:solidFill>
+          <a:ln/>
+        </p:spPr>
+        <p:style>
+          <a:lnRef idx="1">
+            <a:schemeClr val="accent5"/>
+          </a:lnRef>
+          <a:fillRef idx="2">
+            <a:schemeClr val="accent5"/>
+          </a:fillRef>
+          <a:effectRef idx="1">
+            <a:schemeClr val="accent5"/>
+          </a:effectRef>
+          <a:fontRef idx="minor">
+            <a:schemeClr val="dk1"/>
+          </a:fontRef>
+        </p:style>
+        <p:txBody>
+          <a:bodyPr rtlCol="0" anchor="ctr"/>
+          <a:lstStyle/>
+          <a:p>
+            <a:pPr algn="ctr"/>
+            <a:endParaRPr lang="en-GB" sz="1200">
+              <a:solidFill>
+                <a:schemeClr val="dk1"/>
+              </a:solidFill>
+            </a:endParaRPr>
+          </a:p>
+        </p:txBody>
+      </p:sp>
+      <p:sp>
+        <p:nvSpPr>
+          <p:cNvPr id="14" name="Rettangolo 47">
+            <a:extLst>
+              <a:ext uri="{FF2B5EF4-FFF2-40B4-BE49-F238E27FC236}">
+                <a16:creationId xmlns:a16="http://schemas.microsoft.com/office/drawing/2014/main" id="{32EE7D8C-E584-48CD-853E-4F8699C67D7C}"/>
+              </a:ext>
+            </a:extLst>
+          </p:cNvPr>
+          <p:cNvSpPr/>
+          <p:nvPr/>
+        </p:nvSpPr>
+        <p:spPr>
+          <a:xfrm>
+            <a:off x="430532" y="1573869"/>
+            <a:ext cx="1213409" cy="646331"/>
+          </a:xfrm>
+          <a:prstGeom prst="rect">
+            <a:avLst/>
+          </a:prstGeom>
+        </p:spPr>
+        <p:txBody>
+          <a:bodyPr wrap="none">
+            <a:spAutoFit/>
+          </a:bodyPr>
+          <a:lstStyle/>
+          <a:p>
+            <a:r>
+              <a:rPr lang="en-GB" dirty="0"/>
+              <a:t>Tearoom</a:t>
+            </a:r>
+          </a:p>
+          <a:p>
+            <a:r>
+              <a:rPr lang="en-GB" dirty="0" err="1"/>
+              <a:t>globalstate</a:t>
+            </a:r>
+            <a:endParaRPr lang="en-GB" dirty="0"/>
+          </a:p>
+        </p:txBody>
+      </p:sp>
+      <p:cxnSp>
+        <p:nvCxnSpPr>
+          <p:cNvPr id="161" name="Connettore 2 160">
+            <a:extLst>
+              <a:ext uri="{FF2B5EF4-FFF2-40B4-BE49-F238E27FC236}">
+                <a16:creationId xmlns:a16="http://schemas.microsoft.com/office/drawing/2014/main" id="{F705AF19-69A4-492D-B980-C9B4197A3D51}"/>
+              </a:ext>
+            </a:extLst>
+          </p:cNvPr>
+          <p:cNvCxnSpPr>
+            <a:cxnSpLocks/>
+          </p:cNvCxnSpPr>
+          <p:nvPr/>
+        </p:nvCxnSpPr>
+        <p:spPr>
+          <a:xfrm flipH="1">
+            <a:off x="1173971" y="2420888"/>
+            <a:ext cx="3049982" cy="0"/>
+          </a:xfrm>
+          <a:prstGeom prst="straightConnector1">
+            <a:avLst/>
+          </a:prstGeom>
+          <a:ln>
+            <a:prstDash val="lgDash"/>
+            <a:tailEnd type="arrow"/>
+          </a:ln>
+        </p:spPr>
+        <p:style>
+          <a:lnRef idx="1">
+            <a:schemeClr val="accent1"/>
+          </a:lnRef>
+          <a:fillRef idx="0">
+            <a:schemeClr val="accent1"/>
+          </a:fillRef>
+          <a:effectRef idx="0">
+            <a:schemeClr val="accent1"/>
+          </a:effectRef>
+          <a:fontRef idx="minor">
+            <a:schemeClr val="tx1"/>
+          </a:fontRef>
+        </p:style>
+      </p:cxnSp>
+      <p:cxnSp>
+        <p:nvCxnSpPr>
+          <p:cNvPr id="162" name="Connettore 2 161">
+            <a:extLst>
+              <a:ext uri="{FF2B5EF4-FFF2-40B4-BE49-F238E27FC236}">
+                <a16:creationId xmlns:a16="http://schemas.microsoft.com/office/drawing/2014/main" id="{AB16F9C6-2350-4F75-B014-D75C6B3E8DED}"/>
+              </a:ext>
+            </a:extLst>
+          </p:cNvPr>
+          <p:cNvCxnSpPr>
+            <a:cxnSpLocks/>
+          </p:cNvCxnSpPr>
+          <p:nvPr/>
+        </p:nvCxnSpPr>
+        <p:spPr>
+          <a:xfrm>
+            <a:off x="1194398" y="2519490"/>
+            <a:ext cx="3119466" cy="0"/>
+          </a:xfrm>
+          <a:prstGeom prst="straightConnector1">
+            <a:avLst/>
+          </a:prstGeom>
+          <a:ln>
+            <a:prstDash val="lgDash"/>
+            <a:tailEnd type="arrow"/>
+          </a:ln>
+        </p:spPr>
+        <p:style>
+          <a:lnRef idx="1">
+            <a:schemeClr val="accent1"/>
+          </a:lnRef>
+          <a:fillRef idx="0">
+            <a:schemeClr val="accent1"/>
+          </a:fillRef>
+          <a:effectRef idx="0">
+            <a:schemeClr val="accent1"/>
+          </a:effectRef>
+          <a:fontRef idx="minor">
+            <a:schemeClr val="tx1"/>
+          </a:fontRef>
+        </p:style>
+      </p:cxnSp>
+    </p:spTree>
+    <p:extLst>
+      <p:ext uri="{BB962C8B-B14F-4D97-AF65-F5344CB8AC3E}">
+        <p14:creationId xmlns:p14="http://schemas.microsoft.com/office/powerpoint/2010/main" val="3365032267"/>
+      </p:ext>
+    </p:extLst>
+  </p:cSld>
+  <p:clrMapOvr>
+    <a:masterClrMapping/>
+  </p:clrMapOvr>
+  <p:timing>
+    <p:tnLst>
+      <p:par>
+        <p:cTn id="1" dur="indefinite" restart="never" nodeType="tmRoot">
+          <p:childTnLst>
+            <p:seq concurrent="1" nextAc="seek">
+              <p:cTn id="2" dur="indefinite" nodeType="mainSeq">
+                <p:childTnLst>
+                  <p:par>
+                    <p:cTn id="3" fill="hold">
+                      <p:stCondLst>
+                        <p:cond delay="indefinite"/>
+                        <p:cond evt="onBegin" delay="0">
+                          <p:tn val="2"/>
+                        </p:cond>
+                      </p:stCondLst>
+                      <p:childTnLst>
+                        <p:par>
+                          <p:cTn id="4" fill="hold">
+                            <p:stCondLst>
+                              <p:cond delay="0"/>
+                            </p:stCondLst>
+                            <p:childTnLst>
+                              <p:par>
+                                <p:cTn id="5" presetID="2" presetClass="entr" presetSubtype="4" fill="hold" nodeType="withEffect">
+                                  <p:stCondLst>
+                                    <p:cond delay="0"/>
+                                  </p:stCondLst>
+                                  <p:childTnLst>
+                                    <p:set>
+                                      <p:cBhvr>
+                                        <p:cTn id="6" dur="1" fill="hold">
+                                          <p:stCondLst>
+                                            <p:cond delay="0"/>
+                                          </p:stCondLst>
+                                        </p:cTn>
+                                        <p:tgtEl>
+                                          <p:spTgt spid="4"/>
+                                        </p:tgtEl>
+                                        <p:attrNameLst>
+                                          <p:attrName>style.visibility</p:attrName>
+                                        </p:attrNameLst>
+                                      </p:cBhvr>
+                                      <p:to>
+                                        <p:strVal val="visible"/>
+                                      </p:to>
+                                    </p:set>
+                                    <p:anim calcmode="lin" valueType="num">
+                                      <p:cBhvr additive="base">
+                                        <p:cTn id="7" dur="500" fill="hold"/>
+                                        <p:tgtEl>
+                                          <p:spTgt spid="4"/>
+                                        </p:tgtEl>
+                                        <p:attrNameLst>
+                                          <p:attrName>ppt_x</p:attrName>
+                                        </p:attrNameLst>
+                                      </p:cBhvr>
+                                      <p:tavLst>
+                                        <p:tav tm="0">
+                                          <p:val>
+                                            <p:strVal val="#ppt_x"/>
+                                          </p:val>
+                                        </p:tav>
+                                        <p:tav tm="100000">
+                                          <p:val>
+                                            <p:strVal val="#ppt_x"/>
+                                          </p:val>
+                                        </p:tav>
+                                      </p:tavLst>
+                                    </p:anim>
+                                    <p:anim calcmode="lin" valueType="num">
+                                      <p:cBhvr additive="base">
+                                        <p:cTn id="8" dur="500" fill="hold"/>
+                                        <p:tgtEl>
+                                          <p:spTgt spid="4"/>
+                                        </p:tgtEl>
+                                        <p:attrNameLst>
+                                          <p:attrName>ppt_y</p:attrName>
+                                        </p:attrNameLst>
+                                      </p:cBhvr>
+                                      <p:tavLst>
+                                        <p:tav tm="0">
+                                          <p:val>
+                                            <p:strVal val="1+#ppt_h/2"/>
+                                          </p:val>
+                                        </p:tav>
+                                        <p:tav tm="100000">
+                                          <p:val>
+                                            <p:strVal val="#ppt_y"/>
+                                          </p:val>
+                                        </p:tav>
+                                      </p:tavLst>
+                                    </p:anim>
+                                  </p:childTnLst>
+                                </p:cTn>
+                              </p:par>
+                              <p:par>
+                                <p:cTn id="9" presetID="2" presetClass="entr" presetSubtype="4" fill="hold" nodeType="withEffect">
+                                  <p:stCondLst>
+                                    <p:cond delay="0"/>
+                                  </p:stCondLst>
+                                  <p:childTnLst>
+                                    <p:set>
+                                      <p:cBhvr>
+                                        <p:cTn id="10" dur="1" fill="hold">
+                                          <p:stCondLst>
+                                            <p:cond delay="0"/>
+                                          </p:stCondLst>
+                                        </p:cTn>
+                                        <p:tgtEl>
+                                          <p:spTgt spid="48"/>
+                                        </p:tgtEl>
+                                        <p:attrNameLst>
+                                          <p:attrName>style.visibility</p:attrName>
+                                        </p:attrNameLst>
+                                      </p:cBhvr>
+                                      <p:to>
+                                        <p:strVal val="visible"/>
+                                      </p:to>
+                                    </p:set>
+                                    <p:anim calcmode="lin" valueType="num">
+                                      <p:cBhvr additive="base">
+                                        <p:cTn id="11" dur="500" fill="hold"/>
+                                        <p:tgtEl>
+                                          <p:spTgt spid="48"/>
+                                        </p:tgtEl>
+                                        <p:attrNameLst>
+                                          <p:attrName>ppt_x</p:attrName>
+                                        </p:attrNameLst>
+                                      </p:cBhvr>
+                                      <p:tavLst>
+                                        <p:tav tm="0">
+                                          <p:val>
+                                            <p:strVal val="#ppt_x"/>
+                                          </p:val>
+                                        </p:tav>
+                                        <p:tav tm="100000">
+                                          <p:val>
+                                            <p:strVal val="#ppt_x"/>
+                                          </p:val>
+                                        </p:tav>
+                                      </p:tavLst>
+                                    </p:anim>
+                                    <p:anim calcmode="lin" valueType="num">
+                                      <p:cBhvr additive="base">
+                                        <p:cTn id="12" dur="500" fill="hold"/>
+                                        <p:tgtEl>
+                                          <p:spTgt spid="48"/>
+                                        </p:tgtEl>
+                                        <p:attrNameLst>
+                                          <p:attrName>ppt_y</p:attrName>
+                                        </p:attrNameLst>
+                                      </p:cBhvr>
+                                      <p:tavLst>
+                                        <p:tav tm="0">
+                                          <p:val>
+                                            <p:strVal val="1+#ppt_h/2"/>
+                                          </p:val>
+                                        </p:tav>
+                                        <p:tav tm="100000">
+                                          <p:val>
+                                            <p:strVal val="#ppt_y"/>
+                                          </p:val>
+                                        </p:tav>
+                                      </p:tavLst>
+                                    </p:anim>
+                                  </p:childTnLst>
+                                </p:cTn>
+                              </p:par>
+                              <p:par>
+                                <p:cTn id="13" presetID="2" presetClass="entr" presetSubtype="4" fill="hold" nodeType="withEffect">
+                                  <p:stCondLst>
+                                    <p:cond delay="0"/>
+                                  </p:stCondLst>
+                                  <p:childTnLst>
+                                    <p:set>
+                                      <p:cBhvr>
+                                        <p:cTn id="14" dur="1" fill="hold">
+                                          <p:stCondLst>
+                                            <p:cond delay="0"/>
+                                          </p:stCondLst>
+                                        </p:cTn>
+                                        <p:tgtEl>
+                                          <p:spTgt spid="67"/>
+                                        </p:tgtEl>
+                                        <p:attrNameLst>
+                                          <p:attrName>style.visibility</p:attrName>
+                                        </p:attrNameLst>
+                                      </p:cBhvr>
+                                      <p:to>
+                                        <p:strVal val="visible"/>
+                                      </p:to>
+                                    </p:set>
+                                    <p:anim calcmode="lin" valueType="num">
+                                      <p:cBhvr additive="base">
+                                        <p:cTn id="15" dur="500" fill="hold"/>
+                                        <p:tgtEl>
+                                          <p:spTgt spid="67"/>
+                                        </p:tgtEl>
+                                        <p:attrNameLst>
+                                          <p:attrName>ppt_x</p:attrName>
+                                        </p:attrNameLst>
+                                      </p:cBhvr>
+                                      <p:tavLst>
+                                        <p:tav tm="0">
+                                          <p:val>
+                                            <p:strVal val="#ppt_x"/>
+                                          </p:val>
+                                        </p:tav>
+                                        <p:tav tm="100000">
+                                          <p:val>
+                                            <p:strVal val="#ppt_x"/>
+                                          </p:val>
+                                        </p:tav>
+                                      </p:tavLst>
+                                    </p:anim>
+                                    <p:anim calcmode="lin" valueType="num">
+                                      <p:cBhvr additive="base">
+                                        <p:cTn id="16" dur="500" fill="hold"/>
+                                        <p:tgtEl>
+                                          <p:spTgt spid="67"/>
+                                        </p:tgtEl>
+                                        <p:attrNameLst>
+                                          <p:attrName>ppt_y</p:attrName>
+                                        </p:attrNameLst>
+                                      </p:cBhvr>
+                                      <p:tavLst>
+                                        <p:tav tm="0">
+                                          <p:val>
+                                            <p:strVal val="1+#ppt_h/2"/>
+                                          </p:val>
+                                        </p:tav>
+                                        <p:tav tm="100000">
+                                          <p:val>
+                                            <p:strVal val="#ppt_y"/>
+                                          </p:val>
+                                        </p:tav>
+                                      </p:tavLst>
+                                    </p:anim>
+                                  </p:childTnLst>
+                                </p:cTn>
+                              </p:par>
+                            </p:childTnLst>
+                          </p:cTn>
+                        </p:par>
+                      </p:childTnLst>
+                    </p:cTn>
+                  </p:par>
+                </p:childTnLst>
+              </p:cTn>
+              <p:prevCondLst>
+                <p:cond evt="onPrev" delay="0">
+                  <p:tgtEl>
+                    <p:sldTgt/>
+                  </p:tgtEl>
+                </p:cond>
+              </p:prevCondLst>
+              <p:nextCondLst>
+                <p:cond evt="onNext" delay="0">
+                  <p:tgtEl>
+                    <p:sldTgt/>
+                  </p:tgtEl>
+                </p:cond>
+              </p:nextCondLst>
+            </p:seq>
+          </p:childTnLst>
+        </p:cTn>
+      </p:par>
+    </p:tnLst>
+  </p:timing>
+</p:sld>
+</file>
+
 <file path=ppt/theme/theme1.xml><?xml version="1.0" encoding="utf-8"?>
 <a:theme xmlns:a="http://schemas.openxmlformats.org/drawingml/2006/main" name="Tema di Office">
   <a:themeElements>

--- a/resources/ISSM2020Figs.pptx
+++ b/resources/ISSM2020Figs.pptx
@@ -5,14 +5,15 @@
     <p:sldMasterId id="2147483828" r:id="rId1"/>
   </p:sldMasterIdLst>
   <p:notesMasterIdLst>
-    <p:notesMasterId r:id="rId4"/>
+    <p:notesMasterId r:id="rId5"/>
   </p:notesMasterIdLst>
   <p:handoutMasterIdLst>
-    <p:handoutMasterId r:id="rId5"/>
+    <p:handoutMasterId r:id="rId6"/>
   </p:handoutMasterIdLst>
   <p:sldIdLst>
     <p:sldId id="354" r:id="rId2"/>
     <p:sldId id="355" r:id="rId3"/>
+    <p:sldId id="356" r:id="rId4"/>
   </p:sldIdLst>
   <p:sldSz cx="9144000" cy="6858000" type="screen4x3"/>
   <p:notesSz cx="6858000" cy="9144000"/>
@@ -212,7 +213,7 @@
           <a:p>
             <a:fld id="{87B1E067-8CD6-47D2-8022-8E53E4BB7437}" type="datetimeFigureOut">
               <a:rPr lang="en-GB" smtClean="0"/>
-              <a:t>19/07/2020</a:t>
+              <a:t>21/07/2020</a:t>
             </a:fld>
             <a:endParaRPr lang="en-GB"/>
           </a:p>
@@ -378,7 +379,7 @@
           <a:p>
             <a:fld id="{71BD2418-2684-45EC-AEF4-BE55BBAB5B4F}" type="datetimeFigureOut">
               <a:rPr lang="en-GB" smtClean="0"/>
-              <a:t>19/07/2020</a:t>
+              <a:t>21/07/2020</a:t>
             </a:fld>
             <a:endParaRPr lang="en-GB"/>
           </a:p>
@@ -828,7 +829,7 @@
           <a:p>
             <a:fld id="{69EC26FC-4149-4381-B200-0ACC926D0C10}" type="datetime1">
               <a:rPr lang="en-GB" smtClean="0"/>
-              <a:t>19/07/2020</a:t>
+              <a:t>21/07/2020</a:t>
             </a:fld>
             <a:endParaRPr lang="en-GB"/>
           </a:p>
@@ -1002,7 +1003,7 @@
           <a:p>
             <a:fld id="{77675063-8333-41A8-A131-A42E0F0649C6}" type="datetime1">
               <a:rPr lang="en-GB" smtClean="0"/>
-              <a:t>19/07/2020</a:t>
+              <a:t>21/07/2020</a:t>
             </a:fld>
             <a:endParaRPr lang="en-GB"/>
           </a:p>
@@ -1186,7 +1187,7 @@
           <a:p>
             <a:fld id="{99167A15-39CA-42AA-A3F4-D4AAF34DD1E5}" type="datetime1">
               <a:rPr lang="en-GB" smtClean="0"/>
-              <a:t>19/07/2020</a:t>
+              <a:t>21/07/2020</a:t>
             </a:fld>
             <a:endParaRPr lang="en-GB"/>
           </a:p>
@@ -1360,7 +1361,7 @@
           <a:p>
             <a:fld id="{1A87AFF6-4C91-482D-BDF5-223514DB0B0D}" type="datetime1">
               <a:rPr lang="en-GB" smtClean="0"/>
-              <a:t>19/07/2020</a:t>
+              <a:t>21/07/2020</a:t>
             </a:fld>
             <a:endParaRPr lang="en-GB"/>
           </a:p>
@@ -1610,7 +1611,7 @@
           <a:p>
             <a:fld id="{A945ADE7-28FF-42C7-B167-7DC7A77ED2F3}" type="datetime1">
               <a:rPr lang="en-GB" smtClean="0"/>
-              <a:t>19/07/2020</a:t>
+              <a:t>21/07/2020</a:t>
             </a:fld>
             <a:endParaRPr lang="en-GB"/>
           </a:p>
@@ -1902,7 +1903,7 @@
           <a:p>
             <a:fld id="{092EA350-1E2E-41EE-BD8A-FB0D72F078C3}" type="datetime1">
               <a:rPr lang="en-GB" smtClean="0"/>
-              <a:t>19/07/2020</a:t>
+              <a:t>21/07/2020</a:t>
             </a:fld>
             <a:endParaRPr lang="en-GB"/>
           </a:p>
@@ -2328,7 +2329,7 @@
           <a:p>
             <a:fld id="{F8F1314B-6929-4AD1-B5B4-312DAFF8489C}" type="datetime1">
               <a:rPr lang="en-GB" smtClean="0"/>
-              <a:t>19/07/2020</a:t>
+              <a:t>21/07/2020</a:t>
             </a:fld>
             <a:endParaRPr lang="en-GB"/>
           </a:p>
@@ -2450,7 +2451,7 @@
           <a:p>
             <a:fld id="{CF5B218E-BA98-4F08-AFAD-55E0F9C51274}" type="datetime1">
               <a:rPr lang="en-GB" smtClean="0"/>
-              <a:t>19/07/2020</a:t>
+              <a:t>21/07/2020</a:t>
             </a:fld>
             <a:endParaRPr lang="en-GB"/>
           </a:p>
@@ -2549,7 +2550,7 @@
           <a:p>
             <a:fld id="{8AF6CE76-28A1-4CD7-9645-E1D020974391}" type="datetime1">
               <a:rPr lang="en-GB" smtClean="0"/>
-              <a:t>19/07/2020</a:t>
+              <a:t>21/07/2020</a:t>
             </a:fld>
             <a:endParaRPr lang="en-GB"/>
           </a:p>
@@ -2830,7 +2831,7 @@
           <a:p>
             <a:fld id="{BADBD3C4-D885-44D5-BC36-8CDC16C4E35A}" type="datetime1">
               <a:rPr lang="en-GB" smtClean="0"/>
-              <a:t>19/07/2020</a:t>
+              <a:t>21/07/2020</a:t>
             </a:fld>
             <a:endParaRPr lang="en-GB"/>
           </a:p>
@@ -3087,7 +3088,7 @@
           <a:p>
             <a:fld id="{D0C37988-22DC-4746-8A43-E6C6BF5D65EE}" type="datetime1">
               <a:rPr lang="en-GB" smtClean="0"/>
-              <a:t>19/07/2020</a:t>
+              <a:t>21/07/2020</a:t>
             </a:fld>
             <a:endParaRPr lang="en-GB"/>
           </a:p>
@@ -3304,7 +3305,7 @@
           <a:p>
             <a:fld id="{5A18A74E-3BE8-4B6E-81A4-95A392C53EA5}" type="datetime1">
               <a:rPr lang="en-GB" smtClean="0"/>
-              <a:t>19/07/2020</a:t>
+              <a:t>21/07/2020</a:t>
             </a:fld>
             <a:endParaRPr lang="en-GB"/>
           </a:p>
@@ -8057,6 +8058,3056 @@
       </p:sp>
       <p:grpSp>
         <p:nvGrpSpPr>
+          <p:cNvPr id="48" name="Gruppo 47">
+            <a:extLst>
+              <a:ext uri="{FF2B5EF4-FFF2-40B4-BE49-F238E27FC236}">
+                <a16:creationId xmlns:a16="http://schemas.microsoft.com/office/drawing/2014/main" id="{C19CC479-F4E9-4314-BA11-758CEE641E1E}"/>
+              </a:ext>
+            </a:extLst>
+          </p:cNvPr>
+          <p:cNvGrpSpPr/>
+          <p:nvPr/>
+        </p:nvGrpSpPr>
+        <p:grpSpPr>
+          <a:xfrm>
+            <a:off x="120980" y="569441"/>
+            <a:ext cx="8906922" cy="4437566"/>
+            <a:chOff x="527808" y="1369800"/>
+            <a:chExt cx="8906922" cy="4437566"/>
+          </a:xfrm>
+        </p:grpSpPr>
+        <p:sp>
+          <p:nvSpPr>
+            <p:cNvPr id="49" name="Rettangolo arrotondato 3">
+              <a:extLst>
+                <a:ext uri="{FF2B5EF4-FFF2-40B4-BE49-F238E27FC236}">
+                  <a16:creationId xmlns:a16="http://schemas.microsoft.com/office/drawing/2014/main" id="{B923C003-5168-42BA-92DA-88ECF6778CE6}"/>
+                </a:ext>
+              </a:extLst>
+            </p:cNvPr>
+            <p:cNvSpPr/>
+            <p:nvPr/>
+          </p:nvSpPr>
+          <p:spPr>
+            <a:xfrm>
+              <a:off x="527808" y="1549818"/>
+              <a:ext cx="8906922" cy="4035319"/>
+            </a:xfrm>
+            <a:prstGeom prst="roundRect">
+              <a:avLst/>
+            </a:prstGeom>
+            <a:solidFill>
+              <a:srgbClr val="CCFFCC"/>
+            </a:solidFill>
+          </p:spPr>
+          <p:style>
+            <a:lnRef idx="2">
+              <a:schemeClr val="accent1">
+                <a:shade val="50000"/>
+              </a:schemeClr>
+            </a:lnRef>
+            <a:fillRef idx="1">
+              <a:schemeClr val="accent1"/>
+            </a:fillRef>
+            <a:effectRef idx="0">
+              <a:schemeClr val="accent1"/>
+            </a:effectRef>
+            <a:fontRef idx="minor">
+              <a:schemeClr val="lt1"/>
+            </a:fontRef>
+          </p:style>
+          <p:txBody>
+            <a:bodyPr rot="0" spcFirstLastPara="0" vertOverflow="overflow" horzOverflow="overflow" vert="horz" wrap="square" lIns="91440" tIns="45720" rIns="91440" bIns="45720" numCol="1" spcCol="0" rtlCol="0" fromWordArt="0" anchor="ctr" anchorCtr="0" forceAA="0" compatLnSpc="1">
+              <a:prstTxWarp prst="textNoShape">
+                <a:avLst/>
+              </a:prstTxWarp>
+              <a:noAutofit/>
+            </a:bodyPr>
+            <a:lstStyle/>
+            <a:p>
+              <a:pPr algn="ctr"/>
+              <a:endParaRPr lang="it-IT">
+                <a:solidFill>
+                  <a:schemeClr val="lt1"/>
+                </a:solidFill>
+              </a:endParaRPr>
+            </a:p>
+          </p:txBody>
+        </p:sp>
+        <p:sp>
+          <p:nvSpPr>
+            <p:cNvPr id="50" name="Rettangolo 11">
+              <a:extLst>
+                <a:ext uri="{FF2B5EF4-FFF2-40B4-BE49-F238E27FC236}">
+                  <a16:creationId xmlns:a16="http://schemas.microsoft.com/office/drawing/2014/main" id="{383CC4A9-CE0A-4720-973D-9659000D0AA6}"/>
+                </a:ext>
+              </a:extLst>
+            </p:cNvPr>
+            <p:cNvSpPr/>
+            <p:nvPr/>
+          </p:nvSpPr>
+          <p:spPr>
+            <a:xfrm>
+              <a:off x="1107515" y="5350166"/>
+              <a:ext cx="1922512" cy="457200"/>
+            </a:xfrm>
+            <a:prstGeom prst="rect">
+              <a:avLst/>
+            </a:prstGeom>
+            <a:solidFill>
+              <a:srgbClr val="FFFF99"/>
+            </a:solidFill>
+          </p:spPr>
+          <p:style>
+            <a:lnRef idx="1">
+              <a:schemeClr val="accent1"/>
+            </a:lnRef>
+            <a:fillRef idx="2">
+              <a:schemeClr val="accent1"/>
+            </a:fillRef>
+            <a:effectRef idx="1">
+              <a:schemeClr val="accent1"/>
+            </a:effectRef>
+            <a:fontRef idx="minor">
+              <a:schemeClr val="dk1"/>
+            </a:fontRef>
+          </p:style>
+          <p:txBody>
+            <a:bodyPr rtlCol="0" anchor="ctr"/>
+            <a:lstStyle/>
+            <a:p>
+              <a:pPr algn="ctr"/>
+              <a:r>
+                <a:rPr lang="en-GB" dirty="0" err="1"/>
+                <a:t>ctxtearoom</a:t>
+              </a:r>
+              <a:endParaRPr lang="en-GB" dirty="0">
+                <a:solidFill>
+                  <a:schemeClr val="tx1"/>
+                </a:solidFill>
+              </a:endParaRPr>
+            </a:p>
+          </p:txBody>
+        </p:sp>
+        <p:grpSp>
+          <p:nvGrpSpPr>
+            <p:cNvPr id="51" name="Gruppo 44">
+              <a:extLst>
+                <a:ext uri="{FF2B5EF4-FFF2-40B4-BE49-F238E27FC236}">
+                  <a16:creationId xmlns:a16="http://schemas.microsoft.com/office/drawing/2014/main" id="{144BAD91-6384-4D55-B20C-060B0178345D}"/>
+                </a:ext>
+              </a:extLst>
+            </p:cNvPr>
+            <p:cNvGrpSpPr/>
+            <p:nvPr/>
+          </p:nvGrpSpPr>
+          <p:grpSpPr>
+            <a:xfrm>
+              <a:off x="752193" y="3773313"/>
+              <a:ext cx="1696860" cy="1234657"/>
+              <a:chOff x="2372707" y="3850922"/>
+              <a:chExt cx="1696860" cy="1234657"/>
+            </a:xfrm>
+          </p:grpSpPr>
+          <p:sp>
+            <p:nvSpPr>
+              <p:cNvPr id="61" name="Triangolo isoscele 45">
+                <a:extLst>
+                  <a:ext uri="{FF2B5EF4-FFF2-40B4-BE49-F238E27FC236}">
+                    <a16:creationId xmlns:a16="http://schemas.microsoft.com/office/drawing/2014/main" id="{206448AB-96DA-44B5-8260-80A9E9F0890B}"/>
+                  </a:ext>
+                </a:extLst>
+              </p:cNvPr>
+              <p:cNvSpPr/>
+              <p:nvPr/>
+            </p:nvSpPr>
+            <p:spPr>
+              <a:xfrm rot="5400000">
+                <a:off x="3133016" y="4089695"/>
+                <a:ext cx="998084" cy="875019"/>
+              </a:xfrm>
+              <a:prstGeom prst="triangle">
+                <a:avLst/>
+              </a:prstGeom>
+              <a:solidFill>
+                <a:srgbClr val="CCFF66"/>
+              </a:solidFill>
+              <a:ln/>
+            </p:spPr>
+            <p:style>
+              <a:lnRef idx="1">
+                <a:schemeClr val="accent5"/>
+              </a:lnRef>
+              <a:fillRef idx="2">
+                <a:schemeClr val="accent5"/>
+              </a:fillRef>
+              <a:effectRef idx="1">
+                <a:schemeClr val="accent5"/>
+              </a:effectRef>
+              <a:fontRef idx="minor">
+                <a:schemeClr val="dk1"/>
+              </a:fontRef>
+            </p:style>
+            <p:txBody>
+              <a:bodyPr rtlCol="0" anchor="ctr"/>
+              <a:lstStyle/>
+              <a:p>
+                <a:pPr algn="ctr"/>
+                <a:endParaRPr lang="en-GB" sz="1200">
+                  <a:solidFill>
+                    <a:schemeClr val="dk1"/>
+                  </a:solidFill>
+                </a:endParaRPr>
+              </a:p>
+            </p:txBody>
+          </p:sp>
+          <p:grpSp>
+            <p:nvGrpSpPr>
+              <p:cNvPr id="62" name="Gruppo 82">
+                <a:extLst>
+                  <a:ext uri="{FF2B5EF4-FFF2-40B4-BE49-F238E27FC236}">
+                    <a16:creationId xmlns:a16="http://schemas.microsoft.com/office/drawing/2014/main" id="{9DEC8258-2582-4AA0-9EE3-BC3D22F712DA}"/>
+                  </a:ext>
+                </a:extLst>
+              </p:cNvPr>
+              <p:cNvGrpSpPr/>
+              <p:nvPr/>
+            </p:nvGrpSpPr>
+            <p:grpSpPr>
+              <a:xfrm>
+                <a:off x="2372707" y="3850922"/>
+                <a:ext cx="1409180" cy="1234657"/>
+                <a:chOff x="1140879" y="3559585"/>
+                <a:chExt cx="866152" cy="763298"/>
+              </a:xfrm>
+            </p:grpSpPr>
+            <p:sp>
+              <p:nvSpPr>
+                <p:cNvPr id="64" name="Ovale 38">
+                  <a:extLst>
+                    <a:ext uri="{FF2B5EF4-FFF2-40B4-BE49-F238E27FC236}">
+                      <a16:creationId xmlns:a16="http://schemas.microsoft.com/office/drawing/2014/main" id="{34630462-9805-489C-B2D1-3DBA8D510510}"/>
+                    </a:ext>
+                  </a:extLst>
+                </p:cNvPr>
+                <p:cNvSpPr/>
+                <p:nvPr/>
+              </p:nvSpPr>
+              <p:spPr>
+                <a:xfrm>
+                  <a:off x="1257310" y="3602803"/>
+                  <a:ext cx="749721" cy="720080"/>
+                </a:xfrm>
+                <a:prstGeom prst="ellipse">
+                  <a:avLst/>
+                </a:prstGeom>
+                <a:solidFill>
+                  <a:srgbClr val="FFCCFF"/>
+                </a:solidFill>
+                <a:ln/>
+              </p:spPr>
+              <p:style>
+                <a:lnRef idx="1">
+                  <a:schemeClr val="accent5"/>
+                </a:lnRef>
+                <a:fillRef idx="2">
+                  <a:schemeClr val="accent5"/>
+                </a:fillRef>
+                <a:effectRef idx="1">
+                  <a:schemeClr val="accent5"/>
+                </a:effectRef>
+                <a:fontRef idx="minor">
+                  <a:schemeClr val="dk1"/>
+                </a:fontRef>
+              </p:style>
+              <p:txBody>
+                <a:bodyPr rtlCol="0" anchor="ctr"/>
+                <a:lstStyle/>
+                <a:p>
+                  <a:pPr algn="ctr"/>
+                  <a:r>
+                    <a:rPr lang="en-GB" sz="1200" dirty="0"/>
+                    <a:t> </a:t>
+                  </a:r>
+                </a:p>
+              </p:txBody>
+            </p:sp>
+            <p:sp>
+              <p:nvSpPr>
+                <p:cNvPr id="65" name="Rettangolo 39">
+                  <a:extLst>
+                    <a:ext uri="{FF2B5EF4-FFF2-40B4-BE49-F238E27FC236}">
+                      <a16:creationId xmlns:a16="http://schemas.microsoft.com/office/drawing/2014/main" id="{D6B95D0E-43AD-4DBD-A321-15C72421B4B1}"/>
+                    </a:ext>
+                  </a:extLst>
+                </p:cNvPr>
+                <p:cNvSpPr/>
+                <p:nvPr/>
+              </p:nvSpPr>
+              <p:spPr>
+                <a:xfrm>
+                  <a:off x="1140879" y="3841524"/>
+                  <a:ext cx="281433" cy="211952"/>
+                </a:xfrm>
+                <a:prstGeom prst="rect">
+                  <a:avLst/>
+                </a:prstGeom>
+                <a:solidFill>
+                  <a:srgbClr val="FFCCFF"/>
+                </a:solidFill>
+                <a:ln/>
+              </p:spPr>
+              <p:style>
+                <a:lnRef idx="1">
+                  <a:schemeClr val="accent5"/>
+                </a:lnRef>
+                <a:fillRef idx="2">
+                  <a:schemeClr val="accent5"/>
+                </a:fillRef>
+                <a:effectRef idx="1">
+                  <a:schemeClr val="accent5"/>
+                </a:effectRef>
+                <a:fontRef idx="minor">
+                  <a:schemeClr val="dk1"/>
+                </a:fontRef>
+              </p:style>
+              <p:txBody>
+                <a:bodyPr rtlCol="0" anchor="ctr"/>
+                <a:lstStyle/>
+                <a:p>
+                  <a:pPr algn="ctr"/>
+                  <a:endParaRPr lang="en-GB" sz="1200"/>
+                </a:p>
+              </p:txBody>
+            </p:sp>
+            <p:sp>
+              <p:nvSpPr>
+                <p:cNvPr id="66" name="Triangolo isoscele 42">
+                  <a:extLst>
+                    <a:ext uri="{FF2B5EF4-FFF2-40B4-BE49-F238E27FC236}">
+                      <a16:creationId xmlns:a16="http://schemas.microsoft.com/office/drawing/2014/main" id="{EC6AB80B-AC8E-453A-830B-6925FEBFEE56}"/>
+                    </a:ext>
+                  </a:extLst>
+                </p:cNvPr>
+                <p:cNvSpPr/>
+                <p:nvPr/>
+              </p:nvSpPr>
+              <p:spPr>
+                <a:xfrm rot="16200000">
+                  <a:off x="1564752" y="3533170"/>
+                  <a:ext cx="86434" cy="139263"/>
+                </a:xfrm>
+                <a:prstGeom prst="triangle">
+                  <a:avLst/>
+                </a:prstGeom>
+                <a:solidFill>
+                  <a:srgbClr val="FF0000"/>
+                </a:solidFill>
+                <a:ln/>
+              </p:spPr>
+              <p:style>
+                <a:lnRef idx="1">
+                  <a:schemeClr val="accent5"/>
+                </a:lnRef>
+                <a:fillRef idx="2">
+                  <a:schemeClr val="accent5"/>
+                </a:fillRef>
+                <a:effectRef idx="1">
+                  <a:schemeClr val="accent5"/>
+                </a:effectRef>
+                <a:fontRef idx="minor">
+                  <a:schemeClr val="dk1"/>
+                </a:fontRef>
+              </p:style>
+              <p:txBody>
+                <a:bodyPr rtlCol="0" anchor="ctr"/>
+                <a:lstStyle/>
+                <a:p>
+                  <a:pPr algn="ctr"/>
+                  <a:endParaRPr lang="en-GB" sz="1200">
+                    <a:solidFill>
+                      <a:schemeClr val="dk1"/>
+                    </a:solidFill>
+                  </a:endParaRPr>
+                </a:p>
+              </p:txBody>
+            </p:sp>
+          </p:grpSp>
+          <p:sp>
+            <p:nvSpPr>
+              <p:cNvPr id="63" name="Rettangolo 47">
+                <a:extLst>
+                  <a:ext uri="{FF2B5EF4-FFF2-40B4-BE49-F238E27FC236}">
+                    <a16:creationId xmlns:a16="http://schemas.microsoft.com/office/drawing/2014/main" id="{9CC3BBA5-C4AB-42DD-BFD2-08A42B55894A}"/>
+                  </a:ext>
+                </a:extLst>
+              </p:cNvPr>
+              <p:cNvSpPr/>
+              <p:nvPr/>
+            </p:nvSpPr>
+            <p:spPr>
+              <a:xfrm>
+                <a:off x="2623721" y="4305456"/>
+                <a:ext cx="1069524" cy="369332"/>
+              </a:xfrm>
+              <a:prstGeom prst="rect">
+                <a:avLst/>
+              </a:prstGeom>
+            </p:spPr>
+            <p:txBody>
+              <a:bodyPr wrap="none">
+                <a:spAutoFit/>
+              </a:bodyPr>
+              <a:lstStyle/>
+              <a:p>
+                <a:r>
+                  <a:rPr lang="en-GB" dirty="0" err="1"/>
+                  <a:t>smartbell</a:t>
+                </a:r>
+                <a:endParaRPr lang="en-GB" dirty="0"/>
+              </a:p>
+            </p:txBody>
+          </p:sp>
+        </p:grpSp>
+        <p:sp>
+          <p:nvSpPr>
+            <p:cNvPr id="52" name="Rettangolo 12">
+              <a:extLst>
+                <a:ext uri="{FF2B5EF4-FFF2-40B4-BE49-F238E27FC236}">
+                  <a16:creationId xmlns:a16="http://schemas.microsoft.com/office/drawing/2014/main" id="{E793CA95-290E-45E5-8CDE-86CEE59918A3}"/>
+                </a:ext>
+              </a:extLst>
+            </p:cNvPr>
+            <p:cNvSpPr/>
+            <p:nvPr/>
+          </p:nvSpPr>
+          <p:spPr>
+            <a:xfrm>
+              <a:off x="1993257" y="1369800"/>
+              <a:ext cx="864096" cy="360040"/>
+            </a:xfrm>
+            <a:prstGeom prst="rect">
+              <a:avLst/>
+            </a:prstGeom>
+          </p:spPr>
+          <p:style>
+            <a:lnRef idx="1">
+              <a:schemeClr val="accent3"/>
+            </a:lnRef>
+            <a:fillRef idx="2">
+              <a:schemeClr val="accent3"/>
+            </a:fillRef>
+            <a:effectRef idx="1">
+              <a:schemeClr val="accent3"/>
+            </a:effectRef>
+            <a:fontRef idx="minor">
+              <a:schemeClr val="dk1"/>
+            </a:fontRef>
+          </p:style>
+          <p:txBody>
+            <a:bodyPr rot="0" spcFirstLastPara="0" vertOverflow="overflow" horzOverflow="overflow" vert="horz" wrap="square" lIns="91440" tIns="45720" rIns="91440" bIns="45720" numCol="1" spcCol="0" rtlCol="0" fromWordArt="0" anchor="ctr" anchorCtr="0" forceAA="0" compatLnSpc="1">
+              <a:prstTxWarp prst="textNoShape">
+                <a:avLst/>
+              </a:prstTxWarp>
+              <a:noAutofit/>
+            </a:bodyPr>
+            <a:lstStyle/>
+            <a:p>
+              <a:pPr algn="ctr"/>
+              <a:r>
+                <a:rPr lang="it-IT" dirty="0"/>
+                <a:t>8040</a:t>
+              </a:r>
+            </a:p>
+          </p:txBody>
+        </p:sp>
+        <p:grpSp>
+          <p:nvGrpSpPr>
+            <p:cNvPr id="53" name="Gruppo 44">
+              <a:extLst>
+                <a:ext uri="{FF2B5EF4-FFF2-40B4-BE49-F238E27FC236}">
+                  <a16:creationId xmlns:a16="http://schemas.microsoft.com/office/drawing/2014/main" id="{8C10729E-8B13-4377-BE3F-B35A946F628B}"/>
+                </a:ext>
+              </a:extLst>
+            </p:cNvPr>
+            <p:cNvGrpSpPr/>
+            <p:nvPr/>
+          </p:nvGrpSpPr>
+          <p:grpSpPr>
+            <a:xfrm>
+              <a:off x="2734110" y="3774825"/>
+              <a:ext cx="1696864" cy="1234655"/>
+              <a:chOff x="2303496" y="3852434"/>
+              <a:chExt cx="1696864" cy="1234655"/>
+            </a:xfrm>
+          </p:grpSpPr>
+          <p:sp>
+            <p:nvSpPr>
+              <p:cNvPr id="55" name="Triangolo isoscele 45">
+                <a:extLst>
+                  <a:ext uri="{FF2B5EF4-FFF2-40B4-BE49-F238E27FC236}">
+                    <a16:creationId xmlns:a16="http://schemas.microsoft.com/office/drawing/2014/main" id="{502B3E82-5BA2-4F34-8241-7C0759281391}"/>
+                  </a:ext>
+                </a:extLst>
+              </p:cNvPr>
+              <p:cNvSpPr/>
+              <p:nvPr/>
+            </p:nvSpPr>
+            <p:spPr>
+              <a:xfrm rot="5400000">
+                <a:off x="3063809" y="4091207"/>
+                <a:ext cx="998084" cy="875019"/>
+              </a:xfrm>
+              <a:prstGeom prst="triangle">
+                <a:avLst/>
+              </a:prstGeom>
+              <a:solidFill>
+                <a:srgbClr val="CCFF66"/>
+              </a:solidFill>
+              <a:ln/>
+            </p:spPr>
+            <p:style>
+              <a:lnRef idx="1">
+                <a:schemeClr val="accent5"/>
+              </a:lnRef>
+              <a:fillRef idx="2">
+                <a:schemeClr val="accent5"/>
+              </a:fillRef>
+              <a:effectRef idx="1">
+                <a:schemeClr val="accent5"/>
+              </a:effectRef>
+              <a:fontRef idx="minor">
+                <a:schemeClr val="dk1"/>
+              </a:fontRef>
+            </p:style>
+            <p:txBody>
+              <a:bodyPr rtlCol="0" anchor="ctr"/>
+              <a:lstStyle/>
+              <a:p>
+                <a:pPr algn="ctr"/>
+                <a:endParaRPr lang="en-GB" sz="1200">
+                  <a:solidFill>
+                    <a:schemeClr val="dk1"/>
+                  </a:solidFill>
+                </a:endParaRPr>
+              </a:p>
+            </p:txBody>
+          </p:sp>
+          <p:grpSp>
+            <p:nvGrpSpPr>
+              <p:cNvPr id="56" name="Gruppo 82">
+                <a:extLst>
+                  <a:ext uri="{FF2B5EF4-FFF2-40B4-BE49-F238E27FC236}">
+                    <a16:creationId xmlns:a16="http://schemas.microsoft.com/office/drawing/2014/main" id="{4A7676F6-8886-41B1-A9C6-D67A4903D89C}"/>
+                  </a:ext>
+                </a:extLst>
+              </p:cNvPr>
+              <p:cNvGrpSpPr/>
+              <p:nvPr/>
+            </p:nvGrpSpPr>
+            <p:grpSpPr>
+              <a:xfrm>
+                <a:off x="2303496" y="3852434"/>
+                <a:ext cx="1409185" cy="1234655"/>
+                <a:chOff x="1098339" y="3560521"/>
+                <a:chExt cx="866155" cy="763297"/>
+              </a:xfrm>
+            </p:grpSpPr>
+            <p:sp>
+              <p:nvSpPr>
+                <p:cNvPr id="58" name="Ovale 38">
+                  <a:extLst>
+                    <a:ext uri="{FF2B5EF4-FFF2-40B4-BE49-F238E27FC236}">
+                      <a16:creationId xmlns:a16="http://schemas.microsoft.com/office/drawing/2014/main" id="{F2781237-297D-4C01-B49C-CF2613C846BF}"/>
+                    </a:ext>
+                  </a:extLst>
+                </p:cNvPr>
+                <p:cNvSpPr/>
+                <p:nvPr/>
+              </p:nvSpPr>
+              <p:spPr>
+                <a:xfrm>
+                  <a:off x="1214773" y="3603738"/>
+                  <a:ext cx="749721" cy="720080"/>
+                </a:xfrm>
+                <a:prstGeom prst="ellipse">
+                  <a:avLst/>
+                </a:prstGeom>
+                <a:solidFill>
+                  <a:srgbClr val="FFCCFF"/>
+                </a:solidFill>
+                <a:ln/>
+              </p:spPr>
+              <p:style>
+                <a:lnRef idx="1">
+                  <a:schemeClr val="accent5"/>
+                </a:lnRef>
+                <a:fillRef idx="2">
+                  <a:schemeClr val="accent5"/>
+                </a:fillRef>
+                <a:effectRef idx="1">
+                  <a:schemeClr val="accent5"/>
+                </a:effectRef>
+                <a:fontRef idx="minor">
+                  <a:schemeClr val="dk1"/>
+                </a:fontRef>
+              </p:style>
+              <p:txBody>
+                <a:bodyPr rtlCol="0" anchor="ctr"/>
+                <a:lstStyle/>
+                <a:p>
+                  <a:pPr algn="ctr"/>
+                  <a:r>
+                    <a:rPr lang="en-GB" sz="1200" dirty="0"/>
+                    <a:t> </a:t>
+                  </a:r>
+                </a:p>
+              </p:txBody>
+            </p:sp>
+            <p:sp>
+              <p:nvSpPr>
+                <p:cNvPr id="59" name="Rettangolo 39">
+                  <a:extLst>
+                    <a:ext uri="{FF2B5EF4-FFF2-40B4-BE49-F238E27FC236}">
+                      <a16:creationId xmlns:a16="http://schemas.microsoft.com/office/drawing/2014/main" id="{AD30AFC5-6452-43B1-8FA9-BF3C88096EC5}"/>
+                    </a:ext>
+                  </a:extLst>
+                </p:cNvPr>
+                <p:cNvSpPr/>
+                <p:nvPr/>
+              </p:nvSpPr>
+              <p:spPr>
+                <a:xfrm>
+                  <a:off x="1098339" y="3842459"/>
+                  <a:ext cx="281433" cy="211952"/>
+                </a:xfrm>
+                <a:prstGeom prst="rect">
+                  <a:avLst/>
+                </a:prstGeom>
+                <a:solidFill>
+                  <a:srgbClr val="FFCCFF"/>
+                </a:solidFill>
+                <a:ln/>
+              </p:spPr>
+              <p:style>
+                <a:lnRef idx="1">
+                  <a:schemeClr val="accent5"/>
+                </a:lnRef>
+                <a:fillRef idx="2">
+                  <a:schemeClr val="accent5"/>
+                </a:fillRef>
+                <a:effectRef idx="1">
+                  <a:schemeClr val="accent5"/>
+                </a:effectRef>
+                <a:fontRef idx="minor">
+                  <a:schemeClr val="dk1"/>
+                </a:fontRef>
+              </p:style>
+              <p:txBody>
+                <a:bodyPr rtlCol="0" anchor="ctr"/>
+                <a:lstStyle/>
+                <a:p>
+                  <a:pPr algn="ctr"/>
+                  <a:endParaRPr lang="en-GB" sz="1200"/>
+                </a:p>
+              </p:txBody>
+            </p:sp>
+            <p:sp>
+              <p:nvSpPr>
+                <p:cNvPr id="60" name="Triangolo isoscele 42">
+                  <a:extLst>
+                    <a:ext uri="{FF2B5EF4-FFF2-40B4-BE49-F238E27FC236}">
+                      <a16:creationId xmlns:a16="http://schemas.microsoft.com/office/drawing/2014/main" id="{BF2032C5-9CE7-4C13-A5B8-069ECAB30232}"/>
+                    </a:ext>
+                  </a:extLst>
+                </p:cNvPr>
+                <p:cNvSpPr/>
+                <p:nvPr/>
+              </p:nvSpPr>
+              <p:spPr>
+                <a:xfrm rot="16200000">
+                  <a:off x="1522213" y="3534106"/>
+                  <a:ext cx="86434" cy="139263"/>
+                </a:xfrm>
+                <a:prstGeom prst="triangle">
+                  <a:avLst/>
+                </a:prstGeom>
+                <a:solidFill>
+                  <a:srgbClr val="FF0000"/>
+                </a:solidFill>
+                <a:ln/>
+              </p:spPr>
+              <p:style>
+                <a:lnRef idx="1">
+                  <a:schemeClr val="accent5"/>
+                </a:lnRef>
+                <a:fillRef idx="2">
+                  <a:schemeClr val="accent5"/>
+                </a:fillRef>
+                <a:effectRef idx="1">
+                  <a:schemeClr val="accent5"/>
+                </a:effectRef>
+                <a:fontRef idx="minor">
+                  <a:schemeClr val="dk1"/>
+                </a:fontRef>
+              </p:style>
+              <p:txBody>
+                <a:bodyPr rtlCol="0" anchor="ctr"/>
+                <a:lstStyle/>
+                <a:p>
+                  <a:pPr algn="ctr"/>
+                  <a:endParaRPr lang="en-GB" sz="1200">
+                    <a:solidFill>
+                      <a:schemeClr val="dk1"/>
+                    </a:solidFill>
+                  </a:endParaRPr>
+                </a:p>
+              </p:txBody>
+            </p:sp>
+          </p:grpSp>
+          <p:sp>
+            <p:nvSpPr>
+              <p:cNvPr id="57" name="Rettangolo 47">
+                <a:extLst>
+                  <a:ext uri="{FF2B5EF4-FFF2-40B4-BE49-F238E27FC236}">
+                    <a16:creationId xmlns:a16="http://schemas.microsoft.com/office/drawing/2014/main" id="{0F8015B3-B566-4291-B26A-E494EE953544}"/>
+                  </a:ext>
+                </a:extLst>
+              </p:cNvPr>
+              <p:cNvSpPr/>
+              <p:nvPr/>
+            </p:nvSpPr>
+            <p:spPr>
+              <a:xfrm>
+                <a:off x="2479784" y="4306968"/>
+                <a:ext cx="1261627" cy="369332"/>
+              </a:xfrm>
+              <a:prstGeom prst="rect">
+                <a:avLst/>
+              </a:prstGeom>
+            </p:spPr>
+            <p:txBody>
+              <a:bodyPr wrap="none">
+                <a:spAutoFit/>
+              </a:bodyPr>
+              <a:lstStyle/>
+              <a:p>
+                <a:r>
+                  <a:rPr lang="en-GB" dirty="0" err="1"/>
+                  <a:t>waitermind</a:t>
+                </a:r>
+                <a:endParaRPr lang="en-GB" dirty="0"/>
+              </a:p>
+            </p:txBody>
+          </p:sp>
+        </p:grpSp>
+      </p:grpSp>
+      <p:sp>
+        <p:nvSpPr>
+          <p:cNvPr id="108" name="Triangolo isoscele 45">
+            <a:extLst>
+              <a:ext uri="{FF2B5EF4-FFF2-40B4-BE49-F238E27FC236}">
+                <a16:creationId xmlns:a16="http://schemas.microsoft.com/office/drawing/2014/main" id="{0186883E-C08A-47A2-A0B8-F954A064FE70}"/>
+              </a:ext>
+            </a:extLst>
+          </p:cNvPr>
+          <p:cNvSpPr/>
+          <p:nvPr/>
+        </p:nvSpPr>
+        <p:spPr>
+          <a:xfrm rot="5400000">
+            <a:off x="5893298" y="3208359"/>
+            <a:ext cx="998084" cy="875019"/>
+          </a:xfrm>
+          <a:prstGeom prst="triangle">
+            <a:avLst/>
+          </a:prstGeom>
+          <a:solidFill>
+            <a:srgbClr val="CCFF66"/>
+          </a:solidFill>
+          <a:ln/>
+        </p:spPr>
+        <p:style>
+          <a:lnRef idx="1">
+            <a:schemeClr val="accent5"/>
+          </a:lnRef>
+          <a:fillRef idx="2">
+            <a:schemeClr val="accent5"/>
+          </a:fillRef>
+          <a:effectRef idx="1">
+            <a:schemeClr val="accent5"/>
+          </a:effectRef>
+          <a:fontRef idx="minor">
+            <a:schemeClr val="dk1"/>
+          </a:fontRef>
+        </p:style>
+        <p:txBody>
+          <a:bodyPr rtlCol="0" anchor="ctr"/>
+          <a:lstStyle/>
+          <a:p>
+            <a:pPr algn="ctr"/>
+            <a:endParaRPr lang="en-GB" sz="1200">
+              <a:solidFill>
+                <a:schemeClr val="dk1"/>
+              </a:solidFill>
+            </a:endParaRPr>
+          </a:p>
+        </p:txBody>
+      </p:sp>
+      <p:sp>
+        <p:nvSpPr>
+          <p:cNvPr id="109" name="Ovale 38">
+            <a:extLst>
+              <a:ext uri="{FF2B5EF4-FFF2-40B4-BE49-F238E27FC236}">
+                <a16:creationId xmlns:a16="http://schemas.microsoft.com/office/drawing/2014/main" id="{40ED0478-D247-4C31-9830-B25482326C31}"/>
+              </a:ext>
+            </a:extLst>
+          </p:cNvPr>
+          <p:cNvSpPr/>
+          <p:nvPr/>
+        </p:nvSpPr>
+        <p:spPr>
+          <a:xfrm>
+            <a:off x="5322416" y="3039494"/>
+            <a:ext cx="1219751" cy="1164751"/>
+          </a:xfrm>
+          <a:prstGeom prst="ellipse">
+            <a:avLst/>
+          </a:prstGeom>
+          <a:solidFill>
+            <a:srgbClr val="FFCCFF"/>
+          </a:solidFill>
+          <a:ln/>
+        </p:spPr>
+        <p:style>
+          <a:lnRef idx="1">
+            <a:schemeClr val="accent5"/>
+          </a:lnRef>
+          <a:fillRef idx="2">
+            <a:schemeClr val="accent5"/>
+          </a:fillRef>
+          <a:effectRef idx="1">
+            <a:schemeClr val="accent5"/>
+          </a:effectRef>
+          <a:fontRef idx="minor">
+            <a:schemeClr val="dk1"/>
+          </a:fontRef>
+        </p:style>
+        <p:txBody>
+          <a:bodyPr rtlCol="0" anchor="ctr"/>
+          <a:lstStyle/>
+          <a:p>
+            <a:pPr algn="ctr"/>
+            <a:r>
+              <a:rPr lang="en-GB" sz="1200" dirty="0"/>
+              <a:t> </a:t>
+            </a:r>
+          </a:p>
+        </p:txBody>
+      </p:sp>
+      <p:sp>
+        <p:nvSpPr>
+          <p:cNvPr id="110" name="Rettangolo 39">
+            <a:extLst>
+              <a:ext uri="{FF2B5EF4-FFF2-40B4-BE49-F238E27FC236}">
+                <a16:creationId xmlns:a16="http://schemas.microsoft.com/office/drawing/2014/main" id="{211CFC95-F277-48A8-A894-DD24A35A1571}"/>
+              </a:ext>
+            </a:extLst>
+          </p:cNvPr>
+          <p:cNvSpPr/>
+          <p:nvPr/>
+        </p:nvSpPr>
+        <p:spPr>
+          <a:xfrm>
+            <a:off x="5132983" y="3425632"/>
+            <a:ext cx="457875" cy="342839"/>
+          </a:xfrm>
+          <a:prstGeom prst="rect">
+            <a:avLst/>
+          </a:prstGeom>
+          <a:solidFill>
+            <a:srgbClr val="FFCCFF"/>
+          </a:solidFill>
+          <a:ln/>
+        </p:spPr>
+        <p:style>
+          <a:lnRef idx="1">
+            <a:schemeClr val="accent5"/>
+          </a:lnRef>
+          <a:fillRef idx="2">
+            <a:schemeClr val="accent5"/>
+          </a:fillRef>
+          <a:effectRef idx="1">
+            <a:schemeClr val="accent5"/>
+          </a:effectRef>
+          <a:fontRef idx="minor">
+            <a:schemeClr val="dk1"/>
+          </a:fontRef>
+        </p:style>
+        <p:txBody>
+          <a:bodyPr rtlCol="0" anchor="ctr"/>
+          <a:lstStyle/>
+          <a:p>
+            <a:pPr algn="ctr"/>
+            <a:endParaRPr lang="en-GB" sz="1200"/>
+          </a:p>
+        </p:txBody>
+      </p:sp>
+      <p:sp>
+        <p:nvSpPr>
+          <p:cNvPr id="111" name="Triangolo isoscele 42">
+            <a:extLst>
+              <a:ext uri="{FF2B5EF4-FFF2-40B4-BE49-F238E27FC236}">
+                <a16:creationId xmlns:a16="http://schemas.microsoft.com/office/drawing/2014/main" id="{DADF66A4-B785-49F5-A8CD-A46B56D197F2}"/>
+              </a:ext>
+            </a:extLst>
+          </p:cNvPr>
+          <p:cNvSpPr/>
+          <p:nvPr/>
+        </p:nvSpPr>
+        <p:spPr>
+          <a:xfrm rot="16200000">
+            <a:off x="5823006" y="2926204"/>
+            <a:ext cx="139810" cy="226573"/>
+          </a:xfrm>
+          <a:prstGeom prst="triangle">
+            <a:avLst/>
+          </a:prstGeom>
+          <a:solidFill>
+            <a:srgbClr val="FF0000"/>
+          </a:solidFill>
+          <a:ln/>
+        </p:spPr>
+        <p:style>
+          <a:lnRef idx="1">
+            <a:schemeClr val="accent5"/>
+          </a:lnRef>
+          <a:fillRef idx="2">
+            <a:schemeClr val="accent5"/>
+          </a:fillRef>
+          <a:effectRef idx="1">
+            <a:schemeClr val="accent5"/>
+          </a:effectRef>
+          <a:fontRef idx="minor">
+            <a:schemeClr val="dk1"/>
+          </a:fontRef>
+        </p:style>
+        <p:txBody>
+          <a:bodyPr rtlCol="0" anchor="ctr"/>
+          <a:lstStyle/>
+          <a:p>
+            <a:pPr algn="ctr"/>
+            <a:endParaRPr lang="en-GB" sz="1200">
+              <a:solidFill>
+                <a:schemeClr val="dk1"/>
+              </a:solidFill>
+            </a:endParaRPr>
+          </a:p>
+        </p:txBody>
+      </p:sp>
+      <p:sp>
+        <p:nvSpPr>
+          <p:cNvPr id="112" name="Rettangolo 47">
+            <a:extLst>
+              <a:ext uri="{FF2B5EF4-FFF2-40B4-BE49-F238E27FC236}">
+                <a16:creationId xmlns:a16="http://schemas.microsoft.com/office/drawing/2014/main" id="{F7AF52AA-26A2-4CA6-85E6-DFD767BA301D}"/>
+              </a:ext>
+            </a:extLst>
+          </p:cNvPr>
+          <p:cNvSpPr/>
+          <p:nvPr/>
+        </p:nvSpPr>
+        <p:spPr>
+          <a:xfrm>
+            <a:off x="5185858" y="3412385"/>
+            <a:ext cx="1414105" cy="369332"/>
+          </a:xfrm>
+          <a:prstGeom prst="rect">
+            <a:avLst/>
+          </a:prstGeom>
+        </p:spPr>
+        <p:txBody>
+          <a:bodyPr wrap="none">
+            <a:spAutoFit/>
+          </a:bodyPr>
+          <a:lstStyle/>
+          <a:p>
+            <a:r>
+              <a:rPr lang="en-GB" dirty="0" err="1"/>
+              <a:t>waiterengine</a:t>
+            </a:r>
+            <a:endParaRPr lang="en-GB" dirty="0"/>
+          </a:p>
+        </p:txBody>
+      </p:sp>
+      <p:sp>
+        <p:nvSpPr>
+          <p:cNvPr id="126" name="Triangolo isoscele 45">
+            <a:extLst>
+              <a:ext uri="{FF2B5EF4-FFF2-40B4-BE49-F238E27FC236}">
+                <a16:creationId xmlns:a16="http://schemas.microsoft.com/office/drawing/2014/main" id="{68F5B5C1-6B6A-4EC0-B9F1-45ED47C44F0B}"/>
+              </a:ext>
+            </a:extLst>
+          </p:cNvPr>
+          <p:cNvSpPr/>
+          <p:nvPr/>
+        </p:nvSpPr>
+        <p:spPr>
+          <a:xfrm rot="5400000">
+            <a:off x="7740010" y="3234665"/>
+            <a:ext cx="998084" cy="875019"/>
+          </a:xfrm>
+          <a:prstGeom prst="triangle">
+            <a:avLst/>
+          </a:prstGeom>
+          <a:solidFill>
+            <a:srgbClr val="CCFF66"/>
+          </a:solidFill>
+          <a:ln/>
+        </p:spPr>
+        <p:style>
+          <a:lnRef idx="1">
+            <a:schemeClr val="accent5"/>
+          </a:lnRef>
+          <a:fillRef idx="2">
+            <a:schemeClr val="accent5"/>
+          </a:fillRef>
+          <a:effectRef idx="1">
+            <a:schemeClr val="accent5"/>
+          </a:effectRef>
+          <a:fontRef idx="minor">
+            <a:schemeClr val="dk1"/>
+          </a:fontRef>
+        </p:style>
+        <p:txBody>
+          <a:bodyPr rtlCol="0" anchor="ctr"/>
+          <a:lstStyle/>
+          <a:p>
+            <a:pPr algn="ctr"/>
+            <a:endParaRPr lang="en-GB" sz="1200">
+              <a:solidFill>
+                <a:schemeClr val="dk1"/>
+              </a:solidFill>
+            </a:endParaRPr>
+          </a:p>
+        </p:txBody>
+      </p:sp>
+      <p:sp>
+        <p:nvSpPr>
+          <p:cNvPr id="127" name="Ovale 38">
+            <a:extLst>
+              <a:ext uri="{FF2B5EF4-FFF2-40B4-BE49-F238E27FC236}">
+                <a16:creationId xmlns:a16="http://schemas.microsoft.com/office/drawing/2014/main" id="{842F7F26-5AF6-4E56-A94C-640D29817A8F}"/>
+              </a:ext>
+            </a:extLst>
+          </p:cNvPr>
+          <p:cNvSpPr/>
+          <p:nvPr/>
+        </p:nvSpPr>
+        <p:spPr>
+          <a:xfrm>
+            <a:off x="7169128" y="3065800"/>
+            <a:ext cx="1219751" cy="1164751"/>
+          </a:xfrm>
+          <a:prstGeom prst="ellipse">
+            <a:avLst/>
+          </a:prstGeom>
+          <a:solidFill>
+            <a:srgbClr val="FFCCFF"/>
+          </a:solidFill>
+          <a:ln/>
+        </p:spPr>
+        <p:style>
+          <a:lnRef idx="1">
+            <a:schemeClr val="accent5"/>
+          </a:lnRef>
+          <a:fillRef idx="2">
+            <a:schemeClr val="accent5"/>
+          </a:fillRef>
+          <a:effectRef idx="1">
+            <a:schemeClr val="accent5"/>
+          </a:effectRef>
+          <a:fontRef idx="minor">
+            <a:schemeClr val="dk1"/>
+          </a:fontRef>
+        </p:style>
+        <p:txBody>
+          <a:bodyPr rtlCol="0" anchor="ctr"/>
+          <a:lstStyle/>
+          <a:p>
+            <a:pPr algn="ctr"/>
+            <a:r>
+              <a:rPr lang="en-GB" sz="1200" dirty="0"/>
+              <a:t> </a:t>
+            </a:r>
+          </a:p>
+        </p:txBody>
+      </p:sp>
+      <p:sp>
+        <p:nvSpPr>
+          <p:cNvPr id="128" name="Rettangolo 39">
+            <a:extLst>
+              <a:ext uri="{FF2B5EF4-FFF2-40B4-BE49-F238E27FC236}">
+                <a16:creationId xmlns:a16="http://schemas.microsoft.com/office/drawing/2014/main" id="{5BB11D14-3CE3-46D8-A1EF-40113D3702EF}"/>
+              </a:ext>
+            </a:extLst>
+          </p:cNvPr>
+          <p:cNvSpPr/>
+          <p:nvPr/>
+        </p:nvSpPr>
+        <p:spPr>
+          <a:xfrm>
+            <a:off x="6979695" y="3451938"/>
+            <a:ext cx="457875" cy="342839"/>
+          </a:xfrm>
+          <a:prstGeom prst="rect">
+            <a:avLst/>
+          </a:prstGeom>
+          <a:solidFill>
+            <a:srgbClr val="FFCCFF"/>
+          </a:solidFill>
+          <a:ln/>
+        </p:spPr>
+        <p:style>
+          <a:lnRef idx="1">
+            <a:schemeClr val="accent5"/>
+          </a:lnRef>
+          <a:fillRef idx="2">
+            <a:schemeClr val="accent5"/>
+          </a:fillRef>
+          <a:effectRef idx="1">
+            <a:schemeClr val="accent5"/>
+          </a:effectRef>
+          <a:fontRef idx="minor">
+            <a:schemeClr val="dk1"/>
+          </a:fontRef>
+        </p:style>
+        <p:txBody>
+          <a:bodyPr rtlCol="0" anchor="ctr"/>
+          <a:lstStyle/>
+          <a:p>
+            <a:pPr algn="ctr"/>
+            <a:endParaRPr lang="en-GB" sz="1200"/>
+          </a:p>
+        </p:txBody>
+      </p:sp>
+      <p:sp>
+        <p:nvSpPr>
+          <p:cNvPr id="129" name="Triangolo isoscele 42">
+            <a:extLst>
+              <a:ext uri="{FF2B5EF4-FFF2-40B4-BE49-F238E27FC236}">
+                <a16:creationId xmlns:a16="http://schemas.microsoft.com/office/drawing/2014/main" id="{159DF195-F349-42C7-907F-B47D86A1A514}"/>
+              </a:ext>
+            </a:extLst>
+          </p:cNvPr>
+          <p:cNvSpPr/>
+          <p:nvPr/>
+        </p:nvSpPr>
+        <p:spPr>
+          <a:xfrm rot="16200000">
+            <a:off x="7669718" y="2952510"/>
+            <a:ext cx="139810" cy="226573"/>
+          </a:xfrm>
+          <a:prstGeom prst="triangle">
+            <a:avLst/>
+          </a:prstGeom>
+          <a:solidFill>
+            <a:srgbClr val="FF0000"/>
+          </a:solidFill>
+          <a:ln/>
+        </p:spPr>
+        <p:style>
+          <a:lnRef idx="1">
+            <a:schemeClr val="accent5"/>
+          </a:lnRef>
+          <a:fillRef idx="2">
+            <a:schemeClr val="accent5"/>
+          </a:fillRef>
+          <a:effectRef idx="1">
+            <a:schemeClr val="accent5"/>
+          </a:effectRef>
+          <a:fontRef idx="minor">
+            <a:schemeClr val="dk1"/>
+          </a:fontRef>
+        </p:style>
+        <p:txBody>
+          <a:bodyPr rtlCol="0" anchor="ctr"/>
+          <a:lstStyle/>
+          <a:p>
+            <a:pPr algn="ctr"/>
+            <a:endParaRPr lang="en-GB" sz="1200">
+              <a:solidFill>
+                <a:schemeClr val="dk1"/>
+              </a:solidFill>
+            </a:endParaRPr>
+          </a:p>
+        </p:txBody>
+      </p:sp>
+      <p:sp>
+        <p:nvSpPr>
+          <p:cNvPr id="130" name="Rettangolo 47">
+            <a:extLst>
+              <a:ext uri="{FF2B5EF4-FFF2-40B4-BE49-F238E27FC236}">
+                <a16:creationId xmlns:a16="http://schemas.microsoft.com/office/drawing/2014/main" id="{BF8F33C2-F590-430B-8BDB-003A2C513513}"/>
+              </a:ext>
+            </a:extLst>
+          </p:cNvPr>
+          <p:cNvSpPr/>
+          <p:nvPr/>
+        </p:nvSpPr>
+        <p:spPr>
+          <a:xfrm>
+            <a:off x="7263930" y="3463509"/>
+            <a:ext cx="914033" cy="369332"/>
+          </a:xfrm>
+          <a:prstGeom prst="rect">
+            <a:avLst/>
+          </a:prstGeom>
+        </p:spPr>
+        <p:txBody>
+          <a:bodyPr wrap="none">
+            <a:spAutoFit/>
+          </a:bodyPr>
+          <a:lstStyle/>
+          <a:p>
+            <a:r>
+              <a:rPr lang="en-GB" dirty="0"/>
+              <a:t>barman</a:t>
+            </a:r>
+          </a:p>
+        </p:txBody>
+      </p:sp>
+      <p:grpSp>
+        <p:nvGrpSpPr>
+          <p:cNvPr id="99" name="Gruppo 98">
+            <a:extLst>
+              <a:ext uri="{FF2B5EF4-FFF2-40B4-BE49-F238E27FC236}">
+                <a16:creationId xmlns:a16="http://schemas.microsoft.com/office/drawing/2014/main" id="{E7C51A67-EDC9-4936-97C5-EB39827CB678}"/>
+              </a:ext>
+            </a:extLst>
+          </p:cNvPr>
+          <p:cNvGrpSpPr/>
+          <p:nvPr/>
+        </p:nvGrpSpPr>
+        <p:grpSpPr>
+          <a:xfrm>
+            <a:off x="4247652" y="3095413"/>
+            <a:ext cx="787334" cy="86434"/>
+            <a:chOff x="3452446" y="4176616"/>
+            <a:chExt cx="787334" cy="86434"/>
+          </a:xfrm>
+        </p:grpSpPr>
+        <p:sp>
+          <p:nvSpPr>
+            <p:cNvPr id="100" name="Triangolo isoscele 99">
+              <a:extLst>
+                <a:ext uri="{FF2B5EF4-FFF2-40B4-BE49-F238E27FC236}">
+                  <a16:creationId xmlns:a16="http://schemas.microsoft.com/office/drawing/2014/main" id="{40E899B4-91B0-4BB3-B1B1-46D8A2C2F17E}"/>
+                </a:ext>
+              </a:extLst>
+            </p:cNvPr>
+            <p:cNvSpPr/>
+            <p:nvPr/>
+          </p:nvSpPr>
+          <p:spPr>
+            <a:xfrm rot="5400000" flipH="1">
+              <a:off x="4126932" y="4150201"/>
+              <a:ext cx="86434" cy="139263"/>
+            </a:xfrm>
+            <a:prstGeom prst="triangle">
+              <a:avLst/>
+            </a:prstGeom>
+            <a:solidFill>
+              <a:schemeClr val="bg1"/>
+            </a:solidFill>
+            <a:ln/>
+          </p:spPr>
+          <p:style>
+            <a:lnRef idx="1">
+              <a:schemeClr val="accent5"/>
+            </a:lnRef>
+            <a:fillRef idx="2">
+              <a:schemeClr val="accent5"/>
+            </a:fillRef>
+            <a:effectRef idx="1">
+              <a:schemeClr val="accent5"/>
+            </a:effectRef>
+            <a:fontRef idx="minor">
+              <a:schemeClr val="dk1"/>
+            </a:fontRef>
+          </p:style>
+          <p:txBody>
+            <a:bodyPr rtlCol="0" anchor="ctr"/>
+            <a:lstStyle/>
+            <a:p>
+              <a:pPr algn="ctr"/>
+              <a:endParaRPr lang="en-GB" sz="1200"/>
+            </a:p>
+          </p:txBody>
+        </p:sp>
+        <p:cxnSp>
+          <p:nvCxnSpPr>
+            <p:cNvPr id="101" name="Connettore 1 74">
+              <a:extLst>
+                <a:ext uri="{FF2B5EF4-FFF2-40B4-BE49-F238E27FC236}">
+                  <a16:creationId xmlns:a16="http://schemas.microsoft.com/office/drawing/2014/main" id="{C1418329-24BD-42E8-AA7B-2718DF8F8BF4}"/>
+                </a:ext>
+              </a:extLst>
+            </p:cNvPr>
+            <p:cNvCxnSpPr>
+              <a:endCxn id="100" idx="3"/>
+            </p:cNvCxnSpPr>
+            <p:nvPr/>
+          </p:nvCxnSpPr>
+          <p:spPr>
+            <a:xfrm>
+              <a:off x="3452446" y="4219627"/>
+              <a:ext cx="648072" cy="206"/>
+            </a:xfrm>
+            <a:prstGeom prst="line">
+              <a:avLst/>
+            </a:prstGeom>
+          </p:spPr>
+          <p:style>
+            <a:lnRef idx="1">
+              <a:schemeClr val="accent1"/>
+            </a:lnRef>
+            <a:fillRef idx="0">
+              <a:schemeClr val="accent1"/>
+            </a:fillRef>
+            <a:effectRef idx="0">
+              <a:schemeClr val="accent1"/>
+            </a:effectRef>
+            <a:fontRef idx="minor">
+              <a:schemeClr val="tx1"/>
+            </a:fontRef>
+          </p:style>
+        </p:cxnSp>
+      </p:grpSp>
+      <p:grpSp>
+        <p:nvGrpSpPr>
+          <p:cNvPr id="102" name="Gruppo 101">
+            <a:extLst>
+              <a:ext uri="{FF2B5EF4-FFF2-40B4-BE49-F238E27FC236}">
+                <a16:creationId xmlns:a16="http://schemas.microsoft.com/office/drawing/2014/main" id="{03BB52C7-2A3E-44C2-893B-3941B85EBD16}"/>
+              </a:ext>
+            </a:extLst>
+          </p:cNvPr>
+          <p:cNvGrpSpPr/>
+          <p:nvPr/>
+        </p:nvGrpSpPr>
+        <p:grpSpPr>
+          <a:xfrm>
+            <a:off x="4287749" y="3383925"/>
+            <a:ext cx="666895" cy="86434"/>
+            <a:chOff x="4592177" y="4419530"/>
+            <a:chExt cx="666895" cy="86434"/>
+          </a:xfrm>
+        </p:grpSpPr>
+        <p:cxnSp>
+          <p:nvCxnSpPr>
+            <p:cNvPr id="103" name="Connettore 1 76">
+              <a:extLst>
+                <a:ext uri="{FF2B5EF4-FFF2-40B4-BE49-F238E27FC236}">
+                  <a16:creationId xmlns:a16="http://schemas.microsoft.com/office/drawing/2014/main" id="{98BEDA3E-3D9A-448B-9A4E-CDC0CE65C34D}"/>
+                </a:ext>
+              </a:extLst>
+            </p:cNvPr>
+            <p:cNvCxnSpPr/>
+            <p:nvPr/>
+          </p:nvCxnSpPr>
+          <p:spPr>
+            <a:xfrm>
+              <a:off x="4611000" y="4462747"/>
+              <a:ext cx="648072" cy="0"/>
+            </a:xfrm>
+            <a:prstGeom prst="line">
+              <a:avLst/>
+            </a:prstGeom>
+            <a:ln>
+              <a:prstDash val="dash"/>
+            </a:ln>
+          </p:spPr>
+          <p:style>
+            <a:lnRef idx="1">
+              <a:schemeClr val="accent1"/>
+            </a:lnRef>
+            <a:fillRef idx="0">
+              <a:schemeClr val="accent1"/>
+            </a:fillRef>
+            <a:effectRef idx="0">
+              <a:schemeClr val="accent1"/>
+            </a:effectRef>
+            <a:fontRef idx="minor">
+              <a:schemeClr val="tx1"/>
+            </a:fontRef>
+          </p:style>
+        </p:cxnSp>
+        <p:sp>
+          <p:nvSpPr>
+            <p:cNvPr id="104" name="Triangolo isoscele 103">
+              <a:extLst>
+                <a:ext uri="{FF2B5EF4-FFF2-40B4-BE49-F238E27FC236}">
+                  <a16:creationId xmlns:a16="http://schemas.microsoft.com/office/drawing/2014/main" id="{E031926D-83B2-45E2-AE58-AA5F422C3E92}"/>
+                </a:ext>
+              </a:extLst>
+            </p:cNvPr>
+            <p:cNvSpPr/>
+            <p:nvPr/>
+          </p:nvSpPr>
+          <p:spPr>
+            <a:xfrm rot="16200000">
+              <a:off x="4618592" y="4393115"/>
+              <a:ext cx="86434" cy="139263"/>
+            </a:xfrm>
+            <a:prstGeom prst="triangle">
+              <a:avLst/>
+            </a:prstGeom>
+            <a:solidFill>
+              <a:schemeClr val="bg1"/>
+            </a:solidFill>
+            <a:ln/>
+          </p:spPr>
+          <p:style>
+            <a:lnRef idx="1">
+              <a:schemeClr val="accent5"/>
+            </a:lnRef>
+            <a:fillRef idx="2">
+              <a:schemeClr val="accent5"/>
+            </a:fillRef>
+            <a:effectRef idx="1">
+              <a:schemeClr val="accent5"/>
+            </a:effectRef>
+            <a:fontRef idx="minor">
+              <a:schemeClr val="dk1"/>
+            </a:fontRef>
+          </p:style>
+          <p:txBody>
+            <a:bodyPr rtlCol="0" anchor="ctr"/>
+            <a:lstStyle/>
+            <a:p>
+              <a:pPr algn="ctr"/>
+              <a:endParaRPr lang="en-GB" sz="1200"/>
+            </a:p>
+          </p:txBody>
+        </p:sp>
+      </p:grpSp>
+      <p:cxnSp>
+        <p:nvCxnSpPr>
+          <p:cNvPr id="105" name="Connettore 2 104">
+            <a:extLst>
+              <a:ext uri="{FF2B5EF4-FFF2-40B4-BE49-F238E27FC236}">
+                <a16:creationId xmlns:a16="http://schemas.microsoft.com/office/drawing/2014/main" id="{5C5EF24C-2870-433B-8760-BA9721235F80}"/>
+              </a:ext>
+            </a:extLst>
+          </p:cNvPr>
+          <p:cNvCxnSpPr/>
+          <p:nvPr/>
+        </p:nvCxnSpPr>
+        <p:spPr>
+          <a:xfrm>
+            <a:off x="4287749" y="3933056"/>
+            <a:ext cx="783259" cy="0"/>
+          </a:xfrm>
+          <a:prstGeom prst="straightConnector1">
+            <a:avLst/>
+          </a:prstGeom>
+          <a:ln>
+            <a:prstDash val="lgDash"/>
+            <a:tailEnd type="arrow"/>
+          </a:ln>
+        </p:spPr>
+        <p:style>
+          <a:lnRef idx="1">
+            <a:schemeClr val="accent1"/>
+          </a:lnRef>
+          <a:fillRef idx="0">
+            <a:schemeClr val="accent1"/>
+          </a:fillRef>
+          <a:effectRef idx="0">
+            <a:schemeClr val="accent1"/>
+          </a:effectRef>
+          <a:fontRef idx="minor">
+            <a:schemeClr val="tx1"/>
+          </a:fontRef>
+        </p:style>
+      </p:cxnSp>
+      <p:cxnSp>
+        <p:nvCxnSpPr>
+          <p:cNvPr id="118" name="Connettore 2 117">
+            <a:extLst>
+              <a:ext uri="{FF2B5EF4-FFF2-40B4-BE49-F238E27FC236}">
+                <a16:creationId xmlns:a16="http://schemas.microsoft.com/office/drawing/2014/main" id="{F8177A06-2454-4B6B-92DA-EED7F30123BE}"/>
+              </a:ext>
+            </a:extLst>
+          </p:cNvPr>
+          <p:cNvCxnSpPr>
+            <a:cxnSpLocks/>
+          </p:cNvCxnSpPr>
+          <p:nvPr/>
+        </p:nvCxnSpPr>
+        <p:spPr>
+          <a:xfrm>
+            <a:off x="3200499" y="4356818"/>
+            <a:ext cx="4664893" cy="19245"/>
+          </a:xfrm>
+          <a:prstGeom prst="straightConnector1">
+            <a:avLst/>
+          </a:prstGeom>
+          <a:ln>
+            <a:prstDash val="lgDash"/>
+            <a:tailEnd type="arrow"/>
+          </a:ln>
+        </p:spPr>
+        <p:style>
+          <a:lnRef idx="1">
+            <a:schemeClr val="accent1"/>
+          </a:lnRef>
+          <a:fillRef idx="0">
+            <a:schemeClr val="accent1"/>
+          </a:fillRef>
+          <a:effectRef idx="0">
+            <a:schemeClr val="accent1"/>
+          </a:effectRef>
+          <a:fontRef idx="minor">
+            <a:schemeClr val="tx1"/>
+          </a:fontRef>
+        </p:style>
+      </p:cxnSp>
+      <p:cxnSp>
+        <p:nvCxnSpPr>
+          <p:cNvPr id="120" name="Connettore 2 119">
+            <a:extLst>
+              <a:ext uri="{FF2B5EF4-FFF2-40B4-BE49-F238E27FC236}">
+                <a16:creationId xmlns:a16="http://schemas.microsoft.com/office/drawing/2014/main" id="{0201EBEE-D5CB-41EC-A2EF-01235283C2C7}"/>
+              </a:ext>
+            </a:extLst>
+          </p:cNvPr>
+          <p:cNvCxnSpPr>
+            <a:cxnSpLocks/>
+          </p:cNvCxnSpPr>
+          <p:nvPr/>
+        </p:nvCxnSpPr>
+        <p:spPr>
+          <a:xfrm flipH="1" flipV="1">
+            <a:off x="3200499" y="4482456"/>
+            <a:ext cx="4630133" cy="13421"/>
+          </a:xfrm>
+          <a:prstGeom prst="straightConnector1">
+            <a:avLst/>
+          </a:prstGeom>
+          <a:ln>
+            <a:prstDash val="lgDash"/>
+            <a:tailEnd type="arrow"/>
+          </a:ln>
+        </p:spPr>
+        <p:style>
+          <a:lnRef idx="1">
+            <a:schemeClr val="accent1"/>
+          </a:lnRef>
+          <a:fillRef idx="0">
+            <a:schemeClr val="accent1"/>
+          </a:fillRef>
+          <a:effectRef idx="0">
+            <a:schemeClr val="accent1"/>
+          </a:effectRef>
+          <a:fontRef idx="minor">
+            <a:schemeClr val="tx1"/>
+          </a:fontRef>
+        </p:style>
+      </p:cxnSp>
+      <p:grpSp>
+        <p:nvGrpSpPr>
+          <p:cNvPr id="150" name="Gruppo 149">
+            <a:extLst>
+              <a:ext uri="{FF2B5EF4-FFF2-40B4-BE49-F238E27FC236}">
+                <a16:creationId xmlns:a16="http://schemas.microsoft.com/office/drawing/2014/main" id="{541BB2D0-8E95-4726-989F-7CB2E2BDD683}"/>
+              </a:ext>
+            </a:extLst>
+          </p:cNvPr>
+          <p:cNvGrpSpPr/>
+          <p:nvPr/>
+        </p:nvGrpSpPr>
+        <p:grpSpPr>
+          <a:xfrm>
+            <a:off x="1661943" y="2942547"/>
+            <a:ext cx="787334" cy="86434"/>
+            <a:chOff x="3452446" y="4176616"/>
+            <a:chExt cx="787334" cy="86434"/>
+          </a:xfrm>
+        </p:grpSpPr>
+        <p:sp>
+          <p:nvSpPr>
+            <p:cNvPr id="151" name="Triangolo isoscele 150">
+              <a:extLst>
+                <a:ext uri="{FF2B5EF4-FFF2-40B4-BE49-F238E27FC236}">
+                  <a16:creationId xmlns:a16="http://schemas.microsoft.com/office/drawing/2014/main" id="{58A6645D-E146-4339-B375-2E87C50040C5}"/>
+                </a:ext>
+              </a:extLst>
+            </p:cNvPr>
+            <p:cNvSpPr/>
+            <p:nvPr/>
+          </p:nvSpPr>
+          <p:spPr>
+            <a:xfrm rot="5400000" flipH="1">
+              <a:off x="4126932" y="4150201"/>
+              <a:ext cx="86434" cy="139263"/>
+            </a:xfrm>
+            <a:prstGeom prst="triangle">
+              <a:avLst/>
+            </a:prstGeom>
+            <a:solidFill>
+              <a:schemeClr val="bg1"/>
+            </a:solidFill>
+            <a:ln/>
+          </p:spPr>
+          <p:style>
+            <a:lnRef idx="1">
+              <a:schemeClr val="accent5"/>
+            </a:lnRef>
+            <a:fillRef idx="2">
+              <a:schemeClr val="accent5"/>
+            </a:fillRef>
+            <a:effectRef idx="1">
+              <a:schemeClr val="accent5"/>
+            </a:effectRef>
+            <a:fontRef idx="minor">
+              <a:schemeClr val="dk1"/>
+            </a:fontRef>
+          </p:style>
+          <p:txBody>
+            <a:bodyPr rtlCol="0" anchor="ctr"/>
+            <a:lstStyle/>
+            <a:p>
+              <a:pPr algn="ctr"/>
+              <a:endParaRPr lang="en-GB" sz="1200"/>
+            </a:p>
+          </p:txBody>
+        </p:sp>
+        <p:cxnSp>
+          <p:nvCxnSpPr>
+            <p:cNvPr id="152" name="Connettore 1 74">
+              <a:extLst>
+                <a:ext uri="{FF2B5EF4-FFF2-40B4-BE49-F238E27FC236}">
+                  <a16:creationId xmlns:a16="http://schemas.microsoft.com/office/drawing/2014/main" id="{4EB0D786-2BFE-4AA4-A083-EEDE6D66BA02}"/>
+                </a:ext>
+              </a:extLst>
+            </p:cNvPr>
+            <p:cNvCxnSpPr>
+              <a:endCxn id="151" idx="3"/>
+            </p:cNvCxnSpPr>
+            <p:nvPr/>
+          </p:nvCxnSpPr>
+          <p:spPr>
+            <a:xfrm>
+              <a:off x="3452446" y="4219627"/>
+              <a:ext cx="648072" cy="206"/>
+            </a:xfrm>
+            <a:prstGeom prst="line">
+              <a:avLst/>
+            </a:prstGeom>
+          </p:spPr>
+          <p:style>
+            <a:lnRef idx="1">
+              <a:schemeClr val="accent1"/>
+            </a:lnRef>
+            <a:fillRef idx="0">
+              <a:schemeClr val="accent1"/>
+            </a:fillRef>
+            <a:effectRef idx="0">
+              <a:schemeClr val="accent1"/>
+            </a:effectRef>
+            <a:fontRef idx="minor">
+              <a:schemeClr val="tx1"/>
+            </a:fontRef>
+          </p:style>
+        </p:cxnSp>
+      </p:grpSp>
+      <p:grpSp>
+        <p:nvGrpSpPr>
+          <p:cNvPr id="153" name="Gruppo 152">
+            <a:extLst>
+              <a:ext uri="{FF2B5EF4-FFF2-40B4-BE49-F238E27FC236}">
+                <a16:creationId xmlns:a16="http://schemas.microsoft.com/office/drawing/2014/main" id="{62D460A9-61A5-4129-95CE-A2842F26D120}"/>
+              </a:ext>
+            </a:extLst>
+          </p:cNvPr>
+          <p:cNvGrpSpPr/>
+          <p:nvPr/>
+        </p:nvGrpSpPr>
+        <p:grpSpPr>
+          <a:xfrm>
+            <a:off x="1702040" y="3231059"/>
+            <a:ext cx="666895" cy="86434"/>
+            <a:chOff x="4592177" y="4419530"/>
+            <a:chExt cx="666895" cy="86434"/>
+          </a:xfrm>
+        </p:grpSpPr>
+        <p:cxnSp>
+          <p:nvCxnSpPr>
+            <p:cNvPr id="154" name="Connettore 1 76">
+              <a:extLst>
+                <a:ext uri="{FF2B5EF4-FFF2-40B4-BE49-F238E27FC236}">
+                  <a16:creationId xmlns:a16="http://schemas.microsoft.com/office/drawing/2014/main" id="{177B2193-64F0-424F-B63C-A23D136FD357}"/>
+                </a:ext>
+              </a:extLst>
+            </p:cNvPr>
+            <p:cNvCxnSpPr/>
+            <p:nvPr/>
+          </p:nvCxnSpPr>
+          <p:spPr>
+            <a:xfrm>
+              <a:off x="4611000" y="4462747"/>
+              <a:ext cx="648072" cy="0"/>
+            </a:xfrm>
+            <a:prstGeom prst="line">
+              <a:avLst/>
+            </a:prstGeom>
+            <a:ln>
+              <a:prstDash val="dash"/>
+            </a:ln>
+          </p:spPr>
+          <p:style>
+            <a:lnRef idx="1">
+              <a:schemeClr val="accent1"/>
+            </a:lnRef>
+            <a:fillRef idx="0">
+              <a:schemeClr val="accent1"/>
+            </a:fillRef>
+            <a:effectRef idx="0">
+              <a:schemeClr val="accent1"/>
+            </a:effectRef>
+            <a:fontRef idx="minor">
+              <a:schemeClr val="tx1"/>
+            </a:fontRef>
+          </p:style>
+        </p:cxnSp>
+        <p:sp>
+          <p:nvSpPr>
+            <p:cNvPr id="155" name="Triangolo isoscele 154">
+              <a:extLst>
+                <a:ext uri="{FF2B5EF4-FFF2-40B4-BE49-F238E27FC236}">
+                  <a16:creationId xmlns:a16="http://schemas.microsoft.com/office/drawing/2014/main" id="{D5F848F4-F5B7-4F5B-8AA9-EEAA881F34EE}"/>
+                </a:ext>
+              </a:extLst>
+            </p:cNvPr>
+            <p:cNvSpPr/>
+            <p:nvPr/>
+          </p:nvSpPr>
+          <p:spPr>
+            <a:xfrm rot="16200000">
+              <a:off x="4618592" y="4393115"/>
+              <a:ext cx="86434" cy="139263"/>
+            </a:xfrm>
+            <a:prstGeom prst="triangle">
+              <a:avLst/>
+            </a:prstGeom>
+            <a:solidFill>
+              <a:schemeClr val="bg1"/>
+            </a:solidFill>
+            <a:ln/>
+          </p:spPr>
+          <p:style>
+            <a:lnRef idx="1">
+              <a:schemeClr val="accent5"/>
+            </a:lnRef>
+            <a:fillRef idx="2">
+              <a:schemeClr val="accent5"/>
+            </a:fillRef>
+            <a:effectRef idx="1">
+              <a:schemeClr val="accent5"/>
+            </a:effectRef>
+            <a:fontRef idx="minor">
+              <a:schemeClr val="dk1"/>
+            </a:fontRef>
+          </p:style>
+          <p:txBody>
+            <a:bodyPr rtlCol="0" anchor="ctr"/>
+            <a:lstStyle/>
+            <a:p>
+              <a:pPr algn="ctr"/>
+              <a:endParaRPr lang="en-GB" sz="1200"/>
+            </a:p>
+          </p:txBody>
+        </p:sp>
+      </p:grpSp>
+      <p:sp>
+        <p:nvSpPr>
+          <p:cNvPr id="2" name="Triangolo isoscele 45">
+            <a:extLst>
+              <a:ext uri="{FF2B5EF4-FFF2-40B4-BE49-F238E27FC236}">
+                <a16:creationId xmlns:a16="http://schemas.microsoft.com/office/drawing/2014/main" id="{97ECAE60-B7E4-4F64-8C20-403298F91C6E}"/>
+              </a:ext>
+            </a:extLst>
+          </p:cNvPr>
+          <p:cNvSpPr/>
+          <p:nvPr/>
+        </p:nvSpPr>
+        <p:spPr>
+          <a:xfrm rot="5400000">
+            <a:off x="4595029" y="1510615"/>
+            <a:ext cx="998084" cy="875019"/>
+          </a:xfrm>
+          <a:prstGeom prst="triangle">
+            <a:avLst/>
+          </a:prstGeom>
+          <a:solidFill>
+            <a:srgbClr val="CCFF66"/>
+          </a:solidFill>
+          <a:ln/>
+        </p:spPr>
+        <p:style>
+          <a:lnRef idx="1">
+            <a:schemeClr val="accent5"/>
+          </a:lnRef>
+          <a:fillRef idx="2">
+            <a:schemeClr val="accent5"/>
+          </a:fillRef>
+          <a:effectRef idx="1">
+            <a:schemeClr val="accent5"/>
+          </a:effectRef>
+          <a:fontRef idx="minor">
+            <a:schemeClr val="dk1"/>
+          </a:fontRef>
+        </p:style>
+        <p:txBody>
+          <a:bodyPr rtlCol="0" anchor="ctr"/>
+          <a:lstStyle/>
+          <a:p>
+            <a:pPr algn="ctr"/>
+            <a:endParaRPr lang="en-GB" sz="1200">
+              <a:solidFill>
+                <a:schemeClr val="dk1"/>
+              </a:solidFill>
+            </a:endParaRPr>
+          </a:p>
+        </p:txBody>
+      </p:sp>
+      <p:sp>
+        <p:nvSpPr>
+          <p:cNvPr id="3" name="Ovale 38">
+            <a:extLst>
+              <a:ext uri="{FF2B5EF4-FFF2-40B4-BE49-F238E27FC236}">
+                <a16:creationId xmlns:a16="http://schemas.microsoft.com/office/drawing/2014/main" id="{36CCACCD-B7CA-41C1-87E9-649D69E8B2D3}"/>
+              </a:ext>
+            </a:extLst>
+          </p:cNvPr>
+          <p:cNvSpPr/>
+          <p:nvPr/>
+        </p:nvSpPr>
+        <p:spPr>
+          <a:xfrm>
+            <a:off x="4024147" y="1341746"/>
+            <a:ext cx="1219752" cy="1164750"/>
+          </a:xfrm>
+          <a:prstGeom prst="ellipse">
+            <a:avLst/>
+          </a:prstGeom>
+          <a:solidFill>
+            <a:srgbClr val="FFCCFF"/>
+          </a:solidFill>
+          <a:ln/>
+        </p:spPr>
+        <p:style>
+          <a:lnRef idx="1">
+            <a:schemeClr val="accent5"/>
+          </a:lnRef>
+          <a:fillRef idx="2">
+            <a:schemeClr val="accent5"/>
+          </a:fillRef>
+          <a:effectRef idx="1">
+            <a:schemeClr val="accent5"/>
+          </a:effectRef>
+          <a:fontRef idx="minor">
+            <a:schemeClr val="dk1"/>
+          </a:fontRef>
+        </p:style>
+        <p:txBody>
+          <a:bodyPr rtlCol="0" anchor="ctr"/>
+          <a:lstStyle/>
+          <a:p>
+            <a:pPr algn="ctr"/>
+            <a:r>
+              <a:rPr lang="en-GB" sz="1200" dirty="0"/>
+              <a:t> </a:t>
+            </a:r>
+          </a:p>
+        </p:txBody>
+      </p:sp>
+      <p:sp>
+        <p:nvSpPr>
+          <p:cNvPr id="10" name="Rettangolo 39">
+            <a:extLst>
+              <a:ext uri="{FF2B5EF4-FFF2-40B4-BE49-F238E27FC236}">
+                <a16:creationId xmlns:a16="http://schemas.microsoft.com/office/drawing/2014/main" id="{6525DCC6-0B24-4CF6-BCD7-DD17146883CA}"/>
+              </a:ext>
+            </a:extLst>
+          </p:cNvPr>
+          <p:cNvSpPr/>
+          <p:nvPr/>
+        </p:nvSpPr>
+        <p:spPr>
+          <a:xfrm>
+            <a:off x="3834714" y="1727887"/>
+            <a:ext cx="457875" cy="342838"/>
+          </a:xfrm>
+          <a:prstGeom prst="rect">
+            <a:avLst/>
+          </a:prstGeom>
+          <a:solidFill>
+            <a:srgbClr val="FFCCFF"/>
+          </a:solidFill>
+          <a:ln/>
+        </p:spPr>
+        <p:style>
+          <a:lnRef idx="1">
+            <a:schemeClr val="accent5"/>
+          </a:lnRef>
+          <a:fillRef idx="2">
+            <a:schemeClr val="accent5"/>
+          </a:fillRef>
+          <a:effectRef idx="1">
+            <a:schemeClr val="accent5"/>
+          </a:effectRef>
+          <a:fontRef idx="minor">
+            <a:schemeClr val="dk1"/>
+          </a:fontRef>
+        </p:style>
+        <p:txBody>
+          <a:bodyPr rtlCol="0" anchor="ctr"/>
+          <a:lstStyle/>
+          <a:p>
+            <a:pPr algn="ctr"/>
+            <a:endParaRPr lang="en-GB" sz="1200"/>
+          </a:p>
+        </p:txBody>
+      </p:sp>
+      <p:sp>
+        <p:nvSpPr>
+          <p:cNvPr id="12" name="Triangolo isoscele 42">
+            <a:extLst>
+              <a:ext uri="{FF2B5EF4-FFF2-40B4-BE49-F238E27FC236}">
+                <a16:creationId xmlns:a16="http://schemas.microsoft.com/office/drawing/2014/main" id="{A6AF89CC-D021-40BD-94B1-4527B95012D3}"/>
+              </a:ext>
+            </a:extLst>
+          </p:cNvPr>
+          <p:cNvSpPr/>
+          <p:nvPr/>
+        </p:nvSpPr>
+        <p:spPr>
+          <a:xfrm rot="16200000">
+            <a:off x="4524739" y="1228459"/>
+            <a:ext cx="139809" cy="226573"/>
+          </a:xfrm>
+          <a:prstGeom prst="triangle">
+            <a:avLst/>
+          </a:prstGeom>
+          <a:solidFill>
+            <a:srgbClr val="FF0000"/>
+          </a:solidFill>
+          <a:ln/>
+        </p:spPr>
+        <p:style>
+          <a:lnRef idx="1">
+            <a:schemeClr val="accent5"/>
+          </a:lnRef>
+          <a:fillRef idx="2">
+            <a:schemeClr val="accent5"/>
+          </a:fillRef>
+          <a:effectRef idx="1">
+            <a:schemeClr val="accent5"/>
+          </a:effectRef>
+          <a:fontRef idx="minor">
+            <a:schemeClr val="dk1"/>
+          </a:fontRef>
+        </p:style>
+        <p:txBody>
+          <a:bodyPr rtlCol="0" anchor="ctr"/>
+          <a:lstStyle/>
+          <a:p>
+            <a:pPr algn="ctr"/>
+            <a:endParaRPr lang="en-GB" sz="1200">
+              <a:solidFill>
+                <a:schemeClr val="dk1"/>
+              </a:solidFill>
+            </a:endParaRPr>
+          </a:p>
+        </p:txBody>
+      </p:sp>
+      <p:sp>
+        <p:nvSpPr>
+          <p:cNvPr id="14" name="Rettangolo 47">
+            <a:extLst>
+              <a:ext uri="{FF2B5EF4-FFF2-40B4-BE49-F238E27FC236}">
+                <a16:creationId xmlns:a16="http://schemas.microsoft.com/office/drawing/2014/main" id="{32EE7D8C-E584-48CD-853E-4F8699C67D7C}"/>
+              </a:ext>
+            </a:extLst>
+          </p:cNvPr>
+          <p:cNvSpPr/>
+          <p:nvPr/>
+        </p:nvSpPr>
+        <p:spPr>
+          <a:xfrm>
+            <a:off x="4056887" y="1660431"/>
+            <a:ext cx="1213409" cy="646331"/>
+          </a:xfrm>
+          <a:prstGeom prst="rect">
+            <a:avLst/>
+          </a:prstGeom>
+        </p:spPr>
+        <p:txBody>
+          <a:bodyPr wrap="none">
+            <a:spAutoFit/>
+          </a:bodyPr>
+          <a:lstStyle/>
+          <a:p>
+            <a:r>
+              <a:rPr lang="en-GB" dirty="0"/>
+              <a:t>Tearoom</a:t>
+            </a:r>
+          </a:p>
+          <a:p>
+            <a:r>
+              <a:rPr lang="en-GB" dirty="0" err="1"/>
+              <a:t>globalstate</a:t>
+            </a:r>
+            <a:endParaRPr lang="en-GB" dirty="0"/>
+          </a:p>
+        </p:txBody>
+      </p:sp>
+      <p:cxnSp>
+        <p:nvCxnSpPr>
+          <p:cNvPr id="117" name="Connettore 2 116">
+            <a:extLst>
+              <a:ext uri="{FF2B5EF4-FFF2-40B4-BE49-F238E27FC236}">
+                <a16:creationId xmlns:a16="http://schemas.microsoft.com/office/drawing/2014/main" id="{D1F9F0B0-C835-4011-9655-8604F9CE7CEF}"/>
+              </a:ext>
+            </a:extLst>
+          </p:cNvPr>
+          <p:cNvCxnSpPr>
+            <a:cxnSpLocks/>
+          </p:cNvCxnSpPr>
+          <p:nvPr/>
+        </p:nvCxnSpPr>
+        <p:spPr>
+          <a:xfrm flipV="1">
+            <a:off x="3732786" y="2494979"/>
+            <a:ext cx="509572" cy="705445"/>
+          </a:xfrm>
+          <a:prstGeom prst="straightConnector1">
+            <a:avLst/>
+          </a:prstGeom>
+          <a:ln>
+            <a:prstDash val="lgDash"/>
+            <a:tailEnd type="arrow"/>
+          </a:ln>
+        </p:spPr>
+        <p:style>
+          <a:lnRef idx="1">
+            <a:schemeClr val="accent1"/>
+          </a:lnRef>
+          <a:fillRef idx="0">
+            <a:schemeClr val="accent1"/>
+          </a:fillRef>
+          <a:effectRef idx="0">
+            <a:schemeClr val="accent1"/>
+          </a:effectRef>
+          <a:fontRef idx="minor">
+            <a:schemeClr val="tx1"/>
+          </a:fontRef>
+        </p:style>
+      </p:cxnSp>
+      <p:cxnSp>
+        <p:nvCxnSpPr>
+          <p:cNvPr id="119" name="Connettore 2 118">
+            <a:extLst>
+              <a:ext uri="{FF2B5EF4-FFF2-40B4-BE49-F238E27FC236}">
+                <a16:creationId xmlns:a16="http://schemas.microsoft.com/office/drawing/2014/main" id="{F3D68482-32A2-4E15-A2CE-8C667A017DC4}"/>
+              </a:ext>
+            </a:extLst>
+          </p:cNvPr>
+          <p:cNvCxnSpPr>
+            <a:cxnSpLocks/>
+          </p:cNvCxnSpPr>
+          <p:nvPr/>
+        </p:nvCxnSpPr>
+        <p:spPr>
+          <a:xfrm flipH="1" flipV="1">
+            <a:off x="5228198" y="1271843"/>
+            <a:ext cx="3592274" cy="2081"/>
+          </a:xfrm>
+          <a:prstGeom prst="straightConnector1">
+            <a:avLst/>
+          </a:prstGeom>
+          <a:ln>
+            <a:prstDash val="lgDash"/>
+            <a:tailEnd type="arrow"/>
+          </a:ln>
+        </p:spPr>
+        <p:style>
+          <a:lnRef idx="1">
+            <a:schemeClr val="accent1"/>
+          </a:lnRef>
+          <a:fillRef idx="0">
+            <a:schemeClr val="accent1"/>
+          </a:fillRef>
+          <a:effectRef idx="0">
+            <a:schemeClr val="accent1"/>
+          </a:effectRef>
+          <a:fontRef idx="minor">
+            <a:schemeClr val="tx1"/>
+          </a:fontRef>
+        </p:style>
+      </p:cxnSp>
+      <p:cxnSp>
+        <p:nvCxnSpPr>
+          <p:cNvPr id="131" name="Connettore 2 130">
+            <a:extLst>
+              <a:ext uri="{FF2B5EF4-FFF2-40B4-BE49-F238E27FC236}">
+                <a16:creationId xmlns:a16="http://schemas.microsoft.com/office/drawing/2014/main" id="{4EC75340-7F41-48D0-B0A3-AE5985911366}"/>
+              </a:ext>
+            </a:extLst>
+          </p:cNvPr>
+          <p:cNvCxnSpPr>
+            <a:cxnSpLocks/>
+          </p:cNvCxnSpPr>
+          <p:nvPr/>
+        </p:nvCxnSpPr>
+        <p:spPr>
+          <a:xfrm flipV="1">
+            <a:off x="1318694" y="1893691"/>
+            <a:ext cx="2408798" cy="953891"/>
+          </a:xfrm>
+          <a:prstGeom prst="straightConnector1">
+            <a:avLst/>
+          </a:prstGeom>
+          <a:ln>
+            <a:prstDash val="lgDash"/>
+            <a:tailEnd type="arrow"/>
+          </a:ln>
+        </p:spPr>
+        <p:style>
+          <a:lnRef idx="1">
+            <a:schemeClr val="accent1"/>
+          </a:lnRef>
+          <a:fillRef idx="0">
+            <a:schemeClr val="accent1"/>
+          </a:fillRef>
+          <a:effectRef idx="0">
+            <a:schemeClr val="accent1"/>
+          </a:effectRef>
+          <a:fontRef idx="minor">
+            <a:schemeClr val="tx1"/>
+          </a:fontRef>
+        </p:style>
+      </p:cxnSp>
+      <p:grpSp>
+        <p:nvGrpSpPr>
+          <p:cNvPr id="132" name="Gruppo 131">
+            <a:extLst>
+              <a:ext uri="{FF2B5EF4-FFF2-40B4-BE49-F238E27FC236}">
+                <a16:creationId xmlns:a16="http://schemas.microsoft.com/office/drawing/2014/main" id="{A4B4460F-87ED-4722-A1D0-E04D3016C3B4}"/>
+              </a:ext>
+            </a:extLst>
+          </p:cNvPr>
+          <p:cNvGrpSpPr/>
+          <p:nvPr/>
+        </p:nvGrpSpPr>
+        <p:grpSpPr>
+          <a:xfrm rot="18561419">
+            <a:off x="3218043" y="2418557"/>
+            <a:ext cx="787334" cy="86434"/>
+            <a:chOff x="3452446" y="4176616"/>
+            <a:chExt cx="787334" cy="86434"/>
+          </a:xfrm>
+        </p:grpSpPr>
+        <p:sp>
+          <p:nvSpPr>
+            <p:cNvPr id="133" name="Triangolo isoscele 132">
+              <a:extLst>
+                <a:ext uri="{FF2B5EF4-FFF2-40B4-BE49-F238E27FC236}">
+                  <a16:creationId xmlns:a16="http://schemas.microsoft.com/office/drawing/2014/main" id="{2BCD1474-B3C5-4736-B5C6-18E34B8FF14F}"/>
+                </a:ext>
+              </a:extLst>
+            </p:cNvPr>
+            <p:cNvSpPr/>
+            <p:nvPr/>
+          </p:nvSpPr>
+          <p:spPr>
+            <a:xfrm rot="5400000" flipH="1">
+              <a:off x="4126932" y="4150201"/>
+              <a:ext cx="86434" cy="139263"/>
+            </a:xfrm>
+            <a:prstGeom prst="triangle">
+              <a:avLst/>
+            </a:prstGeom>
+            <a:solidFill>
+              <a:schemeClr val="bg1"/>
+            </a:solidFill>
+            <a:ln/>
+          </p:spPr>
+          <p:style>
+            <a:lnRef idx="1">
+              <a:schemeClr val="accent5"/>
+            </a:lnRef>
+            <a:fillRef idx="2">
+              <a:schemeClr val="accent5"/>
+            </a:fillRef>
+            <a:effectRef idx="1">
+              <a:schemeClr val="accent5"/>
+            </a:effectRef>
+            <a:fontRef idx="minor">
+              <a:schemeClr val="dk1"/>
+            </a:fontRef>
+          </p:style>
+          <p:txBody>
+            <a:bodyPr rtlCol="0" anchor="ctr"/>
+            <a:lstStyle/>
+            <a:p>
+              <a:pPr algn="ctr"/>
+              <a:endParaRPr lang="en-GB" sz="1200"/>
+            </a:p>
+          </p:txBody>
+        </p:sp>
+        <p:cxnSp>
+          <p:nvCxnSpPr>
+            <p:cNvPr id="135" name="Connettore 1 74">
+              <a:extLst>
+                <a:ext uri="{FF2B5EF4-FFF2-40B4-BE49-F238E27FC236}">
+                  <a16:creationId xmlns:a16="http://schemas.microsoft.com/office/drawing/2014/main" id="{B511420F-7D12-4217-BA0A-28170F1F1601}"/>
+                </a:ext>
+              </a:extLst>
+            </p:cNvPr>
+            <p:cNvCxnSpPr>
+              <a:endCxn id="133" idx="3"/>
+            </p:cNvCxnSpPr>
+            <p:nvPr/>
+          </p:nvCxnSpPr>
+          <p:spPr>
+            <a:xfrm>
+              <a:off x="3452446" y="4219627"/>
+              <a:ext cx="648072" cy="206"/>
+            </a:xfrm>
+            <a:prstGeom prst="line">
+              <a:avLst/>
+            </a:prstGeom>
+          </p:spPr>
+          <p:style>
+            <a:lnRef idx="1">
+              <a:schemeClr val="accent1"/>
+            </a:lnRef>
+            <a:fillRef idx="0">
+              <a:schemeClr val="accent1"/>
+            </a:fillRef>
+            <a:effectRef idx="0">
+              <a:schemeClr val="accent1"/>
+            </a:effectRef>
+            <a:fontRef idx="minor">
+              <a:schemeClr val="tx1"/>
+            </a:fontRef>
+          </p:style>
+        </p:cxnSp>
+      </p:grpSp>
+      <p:grpSp>
+        <p:nvGrpSpPr>
+          <p:cNvPr id="136" name="Gruppo 135">
+            <a:extLst>
+              <a:ext uri="{FF2B5EF4-FFF2-40B4-BE49-F238E27FC236}">
+                <a16:creationId xmlns:a16="http://schemas.microsoft.com/office/drawing/2014/main" id="{79D683A3-B269-47F7-BB11-0A370470C096}"/>
+              </a:ext>
+            </a:extLst>
+          </p:cNvPr>
+          <p:cNvGrpSpPr/>
+          <p:nvPr/>
+        </p:nvGrpSpPr>
+        <p:grpSpPr>
+          <a:xfrm rot="18561419">
+            <a:off x="3258140" y="2707069"/>
+            <a:ext cx="666895" cy="86434"/>
+            <a:chOff x="4592177" y="4419530"/>
+            <a:chExt cx="666895" cy="86434"/>
+          </a:xfrm>
+        </p:grpSpPr>
+        <p:cxnSp>
+          <p:nvCxnSpPr>
+            <p:cNvPr id="137" name="Connettore 1 76">
+              <a:extLst>
+                <a:ext uri="{FF2B5EF4-FFF2-40B4-BE49-F238E27FC236}">
+                  <a16:creationId xmlns:a16="http://schemas.microsoft.com/office/drawing/2014/main" id="{B066137A-BB1A-49C8-BFAF-F046E5D30760}"/>
+                </a:ext>
+              </a:extLst>
+            </p:cNvPr>
+            <p:cNvCxnSpPr/>
+            <p:nvPr/>
+          </p:nvCxnSpPr>
+          <p:spPr>
+            <a:xfrm>
+              <a:off x="4611000" y="4462747"/>
+              <a:ext cx="648072" cy="0"/>
+            </a:xfrm>
+            <a:prstGeom prst="line">
+              <a:avLst/>
+            </a:prstGeom>
+            <a:ln>
+              <a:prstDash val="dash"/>
+            </a:ln>
+          </p:spPr>
+          <p:style>
+            <a:lnRef idx="1">
+              <a:schemeClr val="accent1"/>
+            </a:lnRef>
+            <a:fillRef idx="0">
+              <a:schemeClr val="accent1"/>
+            </a:fillRef>
+            <a:effectRef idx="0">
+              <a:schemeClr val="accent1"/>
+            </a:effectRef>
+            <a:fontRef idx="minor">
+              <a:schemeClr val="tx1"/>
+            </a:fontRef>
+          </p:style>
+        </p:cxnSp>
+        <p:sp>
+          <p:nvSpPr>
+            <p:cNvPr id="138" name="Triangolo isoscele 137">
+              <a:extLst>
+                <a:ext uri="{FF2B5EF4-FFF2-40B4-BE49-F238E27FC236}">
+                  <a16:creationId xmlns:a16="http://schemas.microsoft.com/office/drawing/2014/main" id="{8906584F-305F-4655-9FA1-53CBF7994FDD}"/>
+                </a:ext>
+              </a:extLst>
+            </p:cNvPr>
+            <p:cNvSpPr/>
+            <p:nvPr/>
+          </p:nvSpPr>
+          <p:spPr>
+            <a:xfrm rot="16200000">
+              <a:off x="4618592" y="4393115"/>
+              <a:ext cx="86434" cy="139263"/>
+            </a:xfrm>
+            <a:prstGeom prst="triangle">
+              <a:avLst/>
+            </a:prstGeom>
+            <a:solidFill>
+              <a:schemeClr val="bg1"/>
+            </a:solidFill>
+            <a:ln/>
+          </p:spPr>
+          <p:style>
+            <a:lnRef idx="1">
+              <a:schemeClr val="accent5"/>
+            </a:lnRef>
+            <a:fillRef idx="2">
+              <a:schemeClr val="accent5"/>
+            </a:fillRef>
+            <a:effectRef idx="1">
+              <a:schemeClr val="accent5"/>
+            </a:effectRef>
+            <a:fontRef idx="minor">
+              <a:schemeClr val="dk1"/>
+            </a:fontRef>
+          </p:style>
+          <p:txBody>
+            <a:bodyPr rtlCol="0" anchor="ctr"/>
+            <a:lstStyle/>
+            <a:p>
+              <a:pPr algn="ctr"/>
+              <a:endParaRPr lang="en-GB" sz="1200"/>
+            </a:p>
+          </p:txBody>
+        </p:sp>
+      </p:grpSp>
+      <p:sp>
+        <p:nvSpPr>
+          <p:cNvPr id="95" name="Triangolo isoscele 45">
+            <a:extLst>
+              <a:ext uri="{FF2B5EF4-FFF2-40B4-BE49-F238E27FC236}">
+                <a16:creationId xmlns:a16="http://schemas.microsoft.com/office/drawing/2014/main" id="{1B58ED03-A376-4D21-AAE0-19BC3A1CCEEF}"/>
+              </a:ext>
+            </a:extLst>
+          </p:cNvPr>
+          <p:cNvSpPr/>
+          <p:nvPr/>
+        </p:nvSpPr>
+        <p:spPr>
+          <a:xfrm rot="5400000">
+            <a:off x="7740010" y="1682032"/>
+            <a:ext cx="998084" cy="875019"/>
+          </a:xfrm>
+          <a:prstGeom prst="triangle">
+            <a:avLst/>
+          </a:prstGeom>
+          <a:solidFill>
+            <a:srgbClr val="CCFF66"/>
+          </a:solidFill>
+          <a:ln/>
+        </p:spPr>
+        <p:style>
+          <a:lnRef idx="1">
+            <a:schemeClr val="accent5"/>
+          </a:lnRef>
+          <a:fillRef idx="2">
+            <a:schemeClr val="accent5"/>
+          </a:fillRef>
+          <a:effectRef idx="1">
+            <a:schemeClr val="accent5"/>
+          </a:effectRef>
+          <a:fontRef idx="minor">
+            <a:schemeClr val="dk1"/>
+          </a:fontRef>
+        </p:style>
+        <p:txBody>
+          <a:bodyPr rtlCol="0" anchor="ctr"/>
+          <a:lstStyle/>
+          <a:p>
+            <a:pPr algn="ctr"/>
+            <a:endParaRPr lang="en-GB" sz="1200">
+              <a:solidFill>
+                <a:schemeClr val="dk1"/>
+              </a:solidFill>
+            </a:endParaRPr>
+          </a:p>
+        </p:txBody>
+      </p:sp>
+      <p:sp>
+        <p:nvSpPr>
+          <p:cNvPr id="96" name="Ovale 38">
+            <a:extLst>
+              <a:ext uri="{FF2B5EF4-FFF2-40B4-BE49-F238E27FC236}">
+                <a16:creationId xmlns:a16="http://schemas.microsoft.com/office/drawing/2014/main" id="{5FC7A434-8F43-4949-9E46-BF8B01280A4F}"/>
+              </a:ext>
+            </a:extLst>
+          </p:cNvPr>
+          <p:cNvSpPr/>
+          <p:nvPr/>
+        </p:nvSpPr>
+        <p:spPr>
+          <a:xfrm>
+            <a:off x="7169128" y="1513167"/>
+            <a:ext cx="1219751" cy="1164751"/>
+          </a:xfrm>
+          <a:prstGeom prst="ellipse">
+            <a:avLst/>
+          </a:prstGeom>
+          <a:solidFill>
+            <a:srgbClr val="FFCCFF"/>
+          </a:solidFill>
+          <a:ln/>
+        </p:spPr>
+        <p:style>
+          <a:lnRef idx="1">
+            <a:schemeClr val="accent5"/>
+          </a:lnRef>
+          <a:fillRef idx="2">
+            <a:schemeClr val="accent5"/>
+          </a:fillRef>
+          <a:effectRef idx="1">
+            <a:schemeClr val="accent5"/>
+          </a:effectRef>
+          <a:fontRef idx="minor">
+            <a:schemeClr val="dk1"/>
+          </a:fontRef>
+        </p:style>
+        <p:txBody>
+          <a:bodyPr rtlCol="0" anchor="ctr"/>
+          <a:lstStyle/>
+          <a:p>
+            <a:pPr algn="ctr"/>
+            <a:r>
+              <a:rPr lang="en-GB" sz="1200" dirty="0"/>
+              <a:t> </a:t>
+            </a:r>
+          </a:p>
+        </p:txBody>
+      </p:sp>
+      <p:sp>
+        <p:nvSpPr>
+          <p:cNvPr id="97" name="Rettangolo 39">
+            <a:extLst>
+              <a:ext uri="{FF2B5EF4-FFF2-40B4-BE49-F238E27FC236}">
+                <a16:creationId xmlns:a16="http://schemas.microsoft.com/office/drawing/2014/main" id="{77CAAC5C-742A-48D2-83A7-9B7678BACDED}"/>
+              </a:ext>
+            </a:extLst>
+          </p:cNvPr>
+          <p:cNvSpPr/>
+          <p:nvPr/>
+        </p:nvSpPr>
+        <p:spPr>
+          <a:xfrm>
+            <a:off x="6979695" y="1899305"/>
+            <a:ext cx="457875" cy="342839"/>
+          </a:xfrm>
+          <a:prstGeom prst="rect">
+            <a:avLst/>
+          </a:prstGeom>
+          <a:solidFill>
+            <a:srgbClr val="FFCCFF"/>
+          </a:solidFill>
+          <a:ln/>
+        </p:spPr>
+        <p:style>
+          <a:lnRef idx="1">
+            <a:schemeClr val="accent5"/>
+          </a:lnRef>
+          <a:fillRef idx="2">
+            <a:schemeClr val="accent5"/>
+          </a:fillRef>
+          <a:effectRef idx="1">
+            <a:schemeClr val="accent5"/>
+          </a:effectRef>
+          <a:fontRef idx="minor">
+            <a:schemeClr val="dk1"/>
+          </a:fontRef>
+        </p:style>
+        <p:txBody>
+          <a:bodyPr rtlCol="0" anchor="ctr"/>
+          <a:lstStyle/>
+          <a:p>
+            <a:pPr algn="ctr"/>
+            <a:endParaRPr lang="en-GB" sz="1200"/>
+          </a:p>
+        </p:txBody>
+      </p:sp>
+      <p:sp>
+        <p:nvSpPr>
+          <p:cNvPr id="98" name="Triangolo isoscele 42">
+            <a:extLst>
+              <a:ext uri="{FF2B5EF4-FFF2-40B4-BE49-F238E27FC236}">
+                <a16:creationId xmlns:a16="http://schemas.microsoft.com/office/drawing/2014/main" id="{35F9185D-F347-4700-9EA4-BC01FC8CAA40}"/>
+              </a:ext>
+            </a:extLst>
+          </p:cNvPr>
+          <p:cNvSpPr/>
+          <p:nvPr/>
+        </p:nvSpPr>
+        <p:spPr>
+          <a:xfrm rot="16200000">
+            <a:off x="7669718" y="1399877"/>
+            <a:ext cx="139810" cy="226573"/>
+          </a:xfrm>
+          <a:prstGeom prst="triangle">
+            <a:avLst/>
+          </a:prstGeom>
+          <a:solidFill>
+            <a:srgbClr val="FF0000"/>
+          </a:solidFill>
+          <a:ln/>
+        </p:spPr>
+        <p:style>
+          <a:lnRef idx="1">
+            <a:schemeClr val="accent5"/>
+          </a:lnRef>
+          <a:fillRef idx="2">
+            <a:schemeClr val="accent5"/>
+          </a:fillRef>
+          <a:effectRef idx="1">
+            <a:schemeClr val="accent5"/>
+          </a:effectRef>
+          <a:fontRef idx="minor">
+            <a:schemeClr val="dk1"/>
+          </a:fontRef>
+        </p:style>
+        <p:txBody>
+          <a:bodyPr rtlCol="0" anchor="ctr"/>
+          <a:lstStyle/>
+          <a:p>
+            <a:pPr algn="ctr"/>
+            <a:endParaRPr lang="en-GB" sz="1200">
+              <a:solidFill>
+                <a:schemeClr val="dk1"/>
+              </a:solidFill>
+            </a:endParaRPr>
+          </a:p>
+        </p:txBody>
+      </p:sp>
+      <p:sp>
+        <p:nvSpPr>
+          <p:cNvPr id="106" name="Rettangolo 47">
+            <a:extLst>
+              <a:ext uri="{FF2B5EF4-FFF2-40B4-BE49-F238E27FC236}">
+                <a16:creationId xmlns:a16="http://schemas.microsoft.com/office/drawing/2014/main" id="{80F276BD-BD81-4230-8592-DF2F57C74372}"/>
+              </a:ext>
+            </a:extLst>
+          </p:cNvPr>
+          <p:cNvSpPr/>
+          <p:nvPr/>
+        </p:nvSpPr>
+        <p:spPr>
+          <a:xfrm>
+            <a:off x="7185050" y="1910876"/>
+            <a:ext cx="1473288" cy="369332"/>
+          </a:xfrm>
+          <a:prstGeom prst="rect">
+            <a:avLst/>
+          </a:prstGeom>
+        </p:spPr>
+        <p:txBody>
+          <a:bodyPr wrap="none">
+            <a:spAutoFit/>
+          </a:bodyPr>
+          <a:lstStyle/>
+          <a:p>
+            <a:r>
+              <a:rPr lang="en-GB" dirty="0" err="1"/>
+              <a:t>timercleaning</a:t>
+            </a:r>
+            <a:endParaRPr lang="en-GB" dirty="0"/>
+          </a:p>
+        </p:txBody>
+      </p:sp>
+      <p:grpSp>
+        <p:nvGrpSpPr>
+          <p:cNvPr id="147" name="Gruppo 146">
+            <a:extLst>
+              <a:ext uri="{FF2B5EF4-FFF2-40B4-BE49-F238E27FC236}">
+                <a16:creationId xmlns:a16="http://schemas.microsoft.com/office/drawing/2014/main" id="{36E42AEC-0D62-4CF4-808F-D92943377B77}"/>
+              </a:ext>
+            </a:extLst>
+          </p:cNvPr>
+          <p:cNvGrpSpPr/>
+          <p:nvPr/>
+        </p:nvGrpSpPr>
+        <p:grpSpPr>
+          <a:xfrm rot="18974897">
+            <a:off x="6318141" y="2602875"/>
+            <a:ext cx="787334" cy="86434"/>
+            <a:chOff x="3452446" y="4176616"/>
+            <a:chExt cx="787334" cy="86434"/>
+          </a:xfrm>
+        </p:grpSpPr>
+        <p:sp>
+          <p:nvSpPr>
+            <p:cNvPr id="148" name="Triangolo isoscele 147">
+              <a:extLst>
+                <a:ext uri="{FF2B5EF4-FFF2-40B4-BE49-F238E27FC236}">
+                  <a16:creationId xmlns:a16="http://schemas.microsoft.com/office/drawing/2014/main" id="{305AF1BA-907E-4CF5-8FD8-DAC7CB81B228}"/>
+                </a:ext>
+              </a:extLst>
+            </p:cNvPr>
+            <p:cNvSpPr/>
+            <p:nvPr/>
+          </p:nvSpPr>
+          <p:spPr>
+            <a:xfrm rot="5400000" flipH="1">
+              <a:off x="4126932" y="4150201"/>
+              <a:ext cx="86434" cy="139263"/>
+            </a:xfrm>
+            <a:prstGeom prst="triangle">
+              <a:avLst/>
+            </a:prstGeom>
+            <a:solidFill>
+              <a:schemeClr val="bg1"/>
+            </a:solidFill>
+            <a:ln/>
+          </p:spPr>
+          <p:style>
+            <a:lnRef idx="1">
+              <a:schemeClr val="accent5"/>
+            </a:lnRef>
+            <a:fillRef idx="2">
+              <a:schemeClr val="accent5"/>
+            </a:fillRef>
+            <a:effectRef idx="1">
+              <a:schemeClr val="accent5"/>
+            </a:effectRef>
+            <a:fontRef idx="minor">
+              <a:schemeClr val="dk1"/>
+            </a:fontRef>
+          </p:style>
+          <p:txBody>
+            <a:bodyPr rtlCol="0" anchor="ctr"/>
+            <a:lstStyle/>
+            <a:p>
+              <a:pPr algn="ctr"/>
+              <a:endParaRPr lang="en-GB" sz="1200"/>
+            </a:p>
+          </p:txBody>
+        </p:sp>
+        <p:cxnSp>
+          <p:nvCxnSpPr>
+            <p:cNvPr id="149" name="Connettore 1 74">
+              <a:extLst>
+                <a:ext uri="{FF2B5EF4-FFF2-40B4-BE49-F238E27FC236}">
+                  <a16:creationId xmlns:a16="http://schemas.microsoft.com/office/drawing/2014/main" id="{6C30620E-2CAD-4353-9749-20448102B95B}"/>
+                </a:ext>
+              </a:extLst>
+            </p:cNvPr>
+            <p:cNvCxnSpPr>
+              <a:endCxn id="148" idx="3"/>
+            </p:cNvCxnSpPr>
+            <p:nvPr/>
+          </p:nvCxnSpPr>
+          <p:spPr>
+            <a:xfrm>
+              <a:off x="3452446" y="4219627"/>
+              <a:ext cx="648072" cy="206"/>
+            </a:xfrm>
+            <a:prstGeom prst="line">
+              <a:avLst/>
+            </a:prstGeom>
+          </p:spPr>
+          <p:style>
+            <a:lnRef idx="1">
+              <a:schemeClr val="accent1"/>
+            </a:lnRef>
+            <a:fillRef idx="0">
+              <a:schemeClr val="accent1"/>
+            </a:fillRef>
+            <a:effectRef idx="0">
+              <a:schemeClr val="accent1"/>
+            </a:effectRef>
+            <a:fontRef idx="minor">
+              <a:schemeClr val="tx1"/>
+            </a:fontRef>
+          </p:style>
+        </p:cxnSp>
+      </p:grpSp>
+      <p:grpSp>
+        <p:nvGrpSpPr>
+          <p:cNvPr id="156" name="Gruppo 155">
+            <a:extLst>
+              <a:ext uri="{FF2B5EF4-FFF2-40B4-BE49-F238E27FC236}">
+                <a16:creationId xmlns:a16="http://schemas.microsoft.com/office/drawing/2014/main" id="{E45D93BF-0C9C-4335-8B22-8EA59DF1D1FD}"/>
+              </a:ext>
+            </a:extLst>
+          </p:cNvPr>
+          <p:cNvGrpSpPr/>
+          <p:nvPr/>
+        </p:nvGrpSpPr>
+        <p:grpSpPr>
+          <a:xfrm rot="18974897">
+            <a:off x="6358238" y="2891387"/>
+            <a:ext cx="666895" cy="86434"/>
+            <a:chOff x="4592177" y="4419530"/>
+            <a:chExt cx="666895" cy="86434"/>
+          </a:xfrm>
+        </p:grpSpPr>
+        <p:cxnSp>
+          <p:nvCxnSpPr>
+            <p:cNvPr id="157" name="Connettore 1 76">
+              <a:extLst>
+                <a:ext uri="{FF2B5EF4-FFF2-40B4-BE49-F238E27FC236}">
+                  <a16:creationId xmlns:a16="http://schemas.microsoft.com/office/drawing/2014/main" id="{95CE7B5C-8553-4110-BDAA-53FC672082DD}"/>
+                </a:ext>
+              </a:extLst>
+            </p:cNvPr>
+            <p:cNvCxnSpPr/>
+            <p:nvPr/>
+          </p:nvCxnSpPr>
+          <p:spPr>
+            <a:xfrm>
+              <a:off x="4611000" y="4462747"/>
+              <a:ext cx="648072" cy="0"/>
+            </a:xfrm>
+            <a:prstGeom prst="line">
+              <a:avLst/>
+            </a:prstGeom>
+            <a:ln>
+              <a:prstDash val="dash"/>
+            </a:ln>
+          </p:spPr>
+          <p:style>
+            <a:lnRef idx="1">
+              <a:schemeClr val="accent1"/>
+            </a:lnRef>
+            <a:fillRef idx="0">
+              <a:schemeClr val="accent1"/>
+            </a:fillRef>
+            <a:effectRef idx="0">
+              <a:schemeClr val="accent1"/>
+            </a:effectRef>
+            <a:fontRef idx="minor">
+              <a:schemeClr val="tx1"/>
+            </a:fontRef>
+          </p:style>
+        </p:cxnSp>
+        <p:sp>
+          <p:nvSpPr>
+            <p:cNvPr id="158" name="Triangolo isoscele 157">
+              <a:extLst>
+                <a:ext uri="{FF2B5EF4-FFF2-40B4-BE49-F238E27FC236}">
+                  <a16:creationId xmlns:a16="http://schemas.microsoft.com/office/drawing/2014/main" id="{9F316BF9-BD16-4AAC-ACBF-DFAEB7C65152}"/>
+                </a:ext>
+              </a:extLst>
+            </p:cNvPr>
+            <p:cNvSpPr/>
+            <p:nvPr/>
+          </p:nvSpPr>
+          <p:spPr>
+            <a:xfrm rot="16200000">
+              <a:off x="4618592" y="4393115"/>
+              <a:ext cx="86434" cy="139263"/>
+            </a:xfrm>
+            <a:prstGeom prst="triangle">
+              <a:avLst/>
+            </a:prstGeom>
+            <a:solidFill>
+              <a:schemeClr val="bg1"/>
+            </a:solidFill>
+            <a:ln/>
+          </p:spPr>
+          <p:style>
+            <a:lnRef idx="1">
+              <a:schemeClr val="accent5"/>
+            </a:lnRef>
+            <a:fillRef idx="2">
+              <a:schemeClr val="accent5"/>
+            </a:fillRef>
+            <a:effectRef idx="1">
+              <a:schemeClr val="accent5"/>
+            </a:effectRef>
+            <a:fontRef idx="minor">
+              <a:schemeClr val="dk1"/>
+            </a:fontRef>
+          </p:style>
+          <p:txBody>
+            <a:bodyPr rtlCol="0" anchor="ctr"/>
+            <a:lstStyle/>
+            <a:p>
+              <a:pPr algn="ctr"/>
+              <a:endParaRPr lang="en-GB" sz="1200"/>
+            </a:p>
+          </p:txBody>
+        </p:sp>
+      </p:grpSp>
+      <p:cxnSp>
+        <p:nvCxnSpPr>
+          <p:cNvPr id="159" name="Connettore 2 158">
+            <a:extLst>
+              <a:ext uri="{FF2B5EF4-FFF2-40B4-BE49-F238E27FC236}">
+                <a16:creationId xmlns:a16="http://schemas.microsoft.com/office/drawing/2014/main" id="{1DCF1E66-7AA4-4858-A99A-1A32727A07C6}"/>
+              </a:ext>
+            </a:extLst>
+          </p:cNvPr>
+          <p:cNvCxnSpPr>
+            <a:cxnSpLocks/>
+          </p:cNvCxnSpPr>
+          <p:nvPr/>
+        </p:nvCxnSpPr>
+        <p:spPr>
+          <a:xfrm flipV="1">
+            <a:off x="6612090" y="2601876"/>
+            <a:ext cx="734907" cy="735366"/>
+          </a:xfrm>
+          <a:prstGeom prst="straightConnector1">
+            <a:avLst/>
+          </a:prstGeom>
+          <a:ln>
+            <a:prstDash val="lgDash"/>
+            <a:tailEnd type="arrow"/>
+          </a:ln>
+        </p:spPr>
+        <p:style>
+          <a:lnRef idx="1">
+            <a:schemeClr val="accent1"/>
+          </a:lnRef>
+          <a:fillRef idx="0">
+            <a:schemeClr val="accent1"/>
+          </a:fillRef>
+          <a:effectRef idx="0">
+            <a:schemeClr val="accent1"/>
+          </a:effectRef>
+          <a:fontRef idx="minor">
+            <a:schemeClr val="tx1"/>
+          </a:fontRef>
+        </p:style>
+      </p:cxnSp>
+      <p:cxnSp>
+        <p:nvCxnSpPr>
+          <p:cNvPr id="163" name="Connettore 1 20">
+            <a:extLst>
+              <a:ext uri="{FF2B5EF4-FFF2-40B4-BE49-F238E27FC236}">
+                <a16:creationId xmlns:a16="http://schemas.microsoft.com/office/drawing/2014/main" id="{33BF3817-14AF-4985-B3F1-BE527AFAE4B6}"/>
+              </a:ext>
+            </a:extLst>
+          </p:cNvPr>
+          <p:cNvCxnSpPr>
+            <a:cxnSpLocks/>
+          </p:cNvCxnSpPr>
+          <p:nvPr/>
+        </p:nvCxnSpPr>
+        <p:spPr>
+          <a:xfrm>
+            <a:off x="8820472" y="1316563"/>
+            <a:ext cx="0" cy="2355611"/>
+          </a:xfrm>
+          <a:prstGeom prst="line">
+            <a:avLst/>
+          </a:prstGeom>
+          <a:ln>
+            <a:prstDash val="dash"/>
+          </a:ln>
+        </p:spPr>
+        <p:style>
+          <a:lnRef idx="1">
+            <a:schemeClr val="accent1"/>
+          </a:lnRef>
+          <a:fillRef idx="0">
+            <a:schemeClr val="accent1"/>
+          </a:fillRef>
+          <a:effectRef idx="0">
+            <a:schemeClr val="accent1"/>
+          </a:effectRef>
+          <a:fontRef idx="minor">
+            <a:schemeClr val="tx1"/>
+          </a:fontRef>
+        </p:style>
+      </p:cxnSp>
+    </p:spTree>
+    <p:extLst>
+      <p:ext uri="{BB962C8B-B14F-4D97-AF65-F5344CB8AC3E}">
+        <p14:creationId xmlns:p14="http://schemas.microsoft.com/office/powerpoint/2010/main" val="3365032267"/>
+      </p:ext>
+    </p:extLst>
+  </p:cSld>
+  <p:clrMapOvr>
+    <a:masterClrMapping/>
+  </p:clrMapOvr>
+  <p:timing>
+    <p:tnLst>
+      <p:par>
+        <p:cTn id="1" dur="indefinite" restart="never" nodeType="tmRoot">
+          <p:childTnLst>
+            <p:seq concurrent="1" nextAc="seek">
+              <p:cTn id="2" dur="indefinite" nodeType="mainSeq">
+                <p:childTnLst>
+                  <p:par>
+                    <p:cTn id="3" fill="hold">
+                      <p:stCondLst>
+                        <p:cond delay="indefinite"/>
+                        <p:cond evt="onBegin" delay="0">
+                          <p:tn val="2"/>
+                        </p:cond>
+                      </p:stCondLst>
+                      <p:childTnLst>
+                        <p:par>
+                          <p:cTn id="4" fill="hold">
+                            <p:stCondLst>
+                              <p:cond delay="0"/>
+                            </p:stCondLst>
+                            <p:childTnLst>
+                              <p:par>
+                                <p:cTn id="5" presetID="2" presetClass="entr" presetSubtype="4" fill="hold" nodeType="withEffect">
+                                  <p:stCondLst>
+                                    <p:cond delay="0"/>
+                                  </p:stCondLst>
+                                  <p:childTnLst>
+                                    <p:set>
+                                      <p:cBhvr>
+                                        <p:cTn id="6" dur="1" fill="hold">
+                                          <p:stCondLst>
+                                            <p:cond delay="0"/>
+                                          </p:stCondLst>
+                                        </p:cTn>
+                                        <p:tgtEl>
+                                          <p:spTgt spid="48"/>
+                                        </p:tgtEl>
+                                        <p:attrNameLst>
+                                          <p:attrName>style.visibility</p:attrName>
+                                        </p:attrNameLst>
+                                      </p:cBhvr>
+                                      <p:to>
+                                        <p:strVal val="visible"/>
+                                      </p:to>
+                                    </p:set>
+                                    <p:anim calcmode="lin" valueType="num">
+                                      <p:cBhvr additive="base">
+                                        <p:cTn id="7" dur="500" fill="hold"/>
+                                        <p:tgtEl>
+                                          <p:spTgt spid="48"/>
+                                        </p:tgtEl>
+                                        <p:attrNameLst>
+                                          <p:attrName>ppt_x</p:attrName>
+                                        </p:attrNameLst>
+                                      </p:cBhvr>
+                                      <p:tavLst>
+                                        <p:tav tm="0">
+                                          <p:val>
+                                            <p:strVal val="#ppt_x"/>
+                                          </p:val>
+                                        </p:tav>
+                                        <p:tav tm="100000">
+                                          <p:val>
+                                            <p:strVal val="#ppt_x"/>
+                                          </p:val>
+                                        </p:tav>
+                                      </p:tavLst>
+                                    </p:anim>
+                                    <p:anim calcmode="lin" valueType="num">
+                                      <p:cBhvr additive="base">
+                                        <p:cTn id="8" dur="500" fill="hold"/>
+                                        <p:tgtEl>
+                                          <p:spTgt spid="48"/>
+                                        </p:tgtEl>
+                                        <p:attrNameLst>
+                                          <p:attrName>ppt_y</p:attrName>
+                                        </p:attrNameLst>
+                                      </p:cBhvr>
+                                      <p:tavLst>
+                                        <p:tav tm="0">
+                                          <p:val>
+                                            <p:strVal val="1+#ppt_h/2"/>
+                                          </p:val>
+                                        </p:tav>
+                                        <p:tav tm="100000">
+                                          <p:val>
+                                            <p:strVal val="#ppt_y"/>
+                                          </p:val>
+                                        </p:tav>
+                                      </p:tavLst>
+                                    </p:anim>
+                                  </p:childTnLst>
+                                </p:cTn>
+                              </p:par>
+                            </p:childTnLst>
+                          </p:cTn>
+                        </p:par>
+                      </p:childTnLst>
+                    </p:cTn>
+                  </p:par>
+                </p:childTnLst>
+              </p:cTn>
+              <p:prevCondLst>
+                <p:cond evt="onPrev" delay="0">
+                  <p:tgtEl>
+                    <p:sldTgt/>
+                  </p:tgtEl>
+                </p:cond>
+              </p:prevCondLst>
+              <p:nextCondLst>
+                <p:cond evt="onNext" delay="0">
+                  <p:tgtEl>
+                    <p:sldTgt/>
+                  </p:tgtEl>
+                </p:cond>
+              </p:nextCondLst>
+            </p:seq>
+          </p:childTnLst>
+        </p:cTn>
+      </p:par>
+    </p:tnLst>
+  </p:timing>
+</p:sld>
+</file>
+
+<file path=ppt/slides/slide3.xml><?xml version="1.0" encoding="utf-8"?>
+<p:sld xmlns:a="http://schemas.openxmlformats.org/drawingml/2006/main" xmlns:r="http://schemas.openxmlformats.org/officeDocument/2006/relationships" xmlns:p="http://schemas.openxmlformats.org/presentationml/2006/main">
+  <p:cSld>
+    <p:spTree>
+      <p:nvGrpSpPr>
+        <p:cNvPr id="1" name=""/>
+        <p:cNvGrpSpPr/>
+        <p:nvPr/>
+      </p:nvGrpSpPr>
+      <p:grpSpPr>
+        <a:xfrm>
+          <a:off x="0" y="0"/>
+          <a:ext cx="0" cy="0"/>
+          <a:chOff x="0" y="0"/>
+          <a:chExt cx="0" cy="0"/>
+        </a:xfrm>
+      </p:grpSpPr>
+      <p:grpSp>
+        <p:nvGrpSpPr>
           <p:cNvPr id="4" name="Gruppo 3">
             <a:extLst>
               <a:ext uri="{FF2B5EF4-FFF2-40B4-BE49-F238E27FC236}">
@@ -8069,7 +11120,7 @@
         </p:nvGrpSpPr>
         <p:grpSpPr>
           <a:xfrm>
-            <a:off x="3590303" y="2796589"/>
+            <a:off x="3419872" y="2708920"/>
             <a:ext cx="5437602" cy="3626017"/>
             <a:chOff x="3815997" y="3059550"/>
             <a:chExt cx="5437602" cy="3626017"/>
@@ -9544,752 +12595,6 @@
       </p:grpSp>
       <p:grpSp>
         <p:nvGrpSpPr>
-          <p:cNvPr id="48" name="Gruppo 47">
-            <a:extLst>
-              <a:ext uri="{FF2B5EF4-FFF2-40B4-BE49-F238E27FC236}">
-                <a16:creationId xmlns:a16="http://schemas.microsoft.com/office/drawing/2014/main" id="{C19CC479-F4E9-4314-BA11-758CEE641E1E}"/>
-              </a:ext>
-            </a:extLst>
-          </p:cNvPr>
-          <p:cNvGrpSpPr/>
-          <p:nvPr/>
-        </p:nvGrpSpPr>
-        <p:grpSpPr>
-          <a:xfrm>
-            <a:off x="120980" y="569441"/>
-            <a:ext cx="8906922" cy="2455748"/>
-            <a:chOff x="527808" y="1369800"/>
-            <a:chExt cx="8906922" cy="2455748"/>
-          </a:xfrm>
-        </p:grpSpPr>
-        <p:sp>
-          <p:nvSpPr>
-            <p:cNvPr id="49" name="Rettangolo arrotondato 3">
-              <a:extLst>
-                <a:ext uri="{FF2B5EF4-FFF2-40B4-BE49-F238E27FC236}">
-                  <a16:creationId xmlns:a16="http://schemas.microsoft.com/office/drawing/2014/main" id="{B923C003-5168-42BA-92DA-88ECF6778CE6}"/>
-                </a:ext>
-              </a:extLst>
-            </p:cNvPr>
-            <p:cNvSpPr/>
-            <p:nvPr/>
-          </p:nvSpPr>
-          <p:spPr>
-            <a:xfrm>
-              <a:off x="527808" y="1549820"/>
-              <a:ext cx="8906922" cy="2016224"/>
-            </a:xfrm>
-            <a:prstGeom prst="roundRect">
-              <a:avLst/>
-            </a:prstGeom>
-            <a:solidFill>
-              <a:srgbClr val="CCFFCC"/>
-            </a:solidFill>
-          </p:spPr>
-          <p:style>
-            <a:lnRef idx="2">
-              <a:schemeClr val="accent1">
-                <a:shade val="50000"/>
-              </a:schemeClr>
-            </a:lnRef>
-            <a:fillRef idx="1">
-              <a:schemeClr val="accent1"/>
-            </a:fillRef>
-            <a:effectRef idx="0">
-              <a:schemeClr val="accent1"/>
-            </a:effectRef>
-            <a:fontRef idx="minor">
-              <a:schemeClr val="lt1"/>
-            </a:fontRef>
-          </p:style>
-          <p:txBody>
-            <a:bodyPr rot="0" spcFirstLastPara="0" vertOverflow="overflow" horzOverflow="overflow" vert="horz" wrap="square" lIns="91440" tIns="45720" rIns="91440" bIns="45720" numCol="1" spcCol="0" rtlCol="0" fromWordArt="0" anchor="ctr" anchorCtr="0" forceAA="0" compatLnSpc="1">
-              <a:prstTxWarp prst="textNoShape">
-                <a:avLst/>
-              </a:prstTxWarp>
-              <a:noAutofit/>
-            </a:bodyPr>
-            <a:lstStyle/>
-            <a:p>
-              <a:pPr algn="ctr"/>
-              <a:endParaRPr lang="it-IT">
-                <a:solidFill>
-                  <a:schemeClr val="lt1"/>
-                </a:solidFill>
-              </a:endParaRPr>
-            </a:p>
-          </p:txBody>
-        </p:sp>
-        <p:sp>
-          <p:nvSpPr>
-            <p:cNvPr id="50" name="Rettangolo 11">
-              <a:extLst>
-                <a:ext uri="{FF2B5EF4-FFF2-40B4-BE49-F238E27FC236}">
-                  <a16:creationId xmlns:a16="http://schemas.microsoft.com/office/drawing/2014/main" id="{383CC4A9-CE0A-4720-973D-9659000D0AA6}"/>
-                </a:ext>
-              </a:extLst>
-            </p:cNvPr>
-            <p:cNvSpPr/>
-            <p:nvPr/>
-          </p:nvSpPr>
-          <p:spPr>
-            <a:xfrm>
-              <a:off x="727963" y="3368348"/>
-              <a:ext cx="1922512" cy="457200"/>
-            </a:xfrm>
-            <a:prstGeom prst="rect">
-              <a:avLst/>
-            </a:prstGeom>
-            <a:solidFill>
-              <a:srgbClr val="FFFF99"/>
-            </a:solidFill>
-          </p:spPr>
-          <p:style>
-            <a:lnRef idx="1">
-              <a:schemeClr val="accent1"/>
-            </a:lnRef>
-            <a:fillRef idx="2">
-              <a:schemeClr val="accent1"/>
-            </a:fillRef>
-            <a:effectRef idx="1">
-              <a:schemeClr val="accent1"/>
-            </a:effectRef>
-            <a:fontRef idx="minor">
-              <a:schemeClr val="dk1"/>
-            </a:fontRef>
-          </p:style>
-          <p:txBody>
-            <a:bodyPr rtlCol="0" anchor="ctr"/>
-            <a:lstStyle/>
-            <a:p>
-              <a:pPr algn="ctr"/>
-              <a:r>
-                <a:rPr lang="en-GB" dirty="0" err="1"/>
-                <a:t>ctxtearoom</a:t>
-              </a:r>
-              <a:endParaRPr lang="en-GB" dirty="0">
-                <a:solidFill>
-                  <a:schemeClr val="tx1"/>
-                </a:solidFill>
-              </a:endParaRPr>
-            </a:p>
-          </p:txBody>
-        </p:sp>
-        <p:grpSp>
-          <p:nvGrpSpPr>
-            <p:cNvPr id="51" name="Gruppo 44">
-              <a:extLst>
-                <a:ext uri="{FF2B5EF4-FFF2-40B4-BE49-F238E27FC236}">
-                  <a16:creationId xmlns:a16="http://schemas.microsoft.com/office/drawing/2014/main" id="{144BAD91-6384-4D55-B20C-060B0178345D}"/>
-                </a:ext>
-              </a:extLst>
-            </p:cNvPr>
-            <p:cNvGrpSpPr/>
-            <p:nvPr/>
-          </p:nvGrpSpPr>
-          <p:grpSpPr>
-            <a:xfrm>
-              <a:off x="2345862" y="1926394"/>
-              <a:ext cx="1696861" cy="1234655"/>
-              <a:chOff x="3966376" y="2004003"/>
-              <a:chExt cx="1696861" cy="1234655"/>
-            </a:xfrm>
-          </p:grpSpPr>
-          <p:sp>
-            <p:nvSpPr>
-              <p:cNvPr id="61" name="Triangolo isoscele 45">
-                <a:extLst>
-                  <a:ext uri="{FF2B5EF4-FFF2-40B4-BE49-F238E27FC236}">
-                    <a16:creationId xmlns:a16="http://schemas.microsoft.com/office/drawing/2014/main" id="{206448AB-96DA-44B5-8260-80A9E9F0890B}"/>
-                  </a:ext>
-                </a:extLst>
-              </p:cNvPr>
-              <p:cNvSpPr/>
-              <p:nvPr/>
-            </p:nvSpPr>
-            <p:spPr>
-              <a:xfrm rot="5400000">
-                <a:off x="4726686" y="2242777"/>
-                <a:ext cx="998084" cy="875019"/>
-              </a:xfrm>
-              <a:prstGeom prst="triangle">
-                <a:avLst/>
-              </a:prstGeom>
-              <a:solidFill>
-                <a:srgbClr val="CCFF66"/>
-              </a:solidFill>
-              <a:ln/>
-            </p:spPr>
-            <p:style>
-              <a:lnRef idx="1">
-                <a:schemeClr val="accent5"/>
-              </a:lnRef>
-              <a:fillRef idx="2">
-                <a:schemeClr val="accent5"/>
-              </a:fillRef>
-              <a:effectRef idx="1">
-                <a:schemeClr val="accent5"/>
-              </a:effectRef>
-              <a:fontRef idx="minor">
-                <a:schemeClr val="dk1"/>
-              </a:fontRef>
-            </p:style>
-            <p:txBody>
-              <a:bodyPr rtlCol="0" anchor="ctr"/>
-              <a:lstStyle/>
-              <a:p>
-                <a:pPr algn="ctr"/>
-                <a:endParaRPr lang="en-GB" sz="1200">
-                  <a:solidFill>
-                    <a:schemeClr val="dk1"/>
-                  </a:solidFill>
-                </a:endParaRPr>
-              </a:p>
-            </p:txBody>
-          </p:sp>
-          <p:grpSp>
-            <p:nvGrpSpPr>
-              <p:cNvPr id="62" name="Gruppo 82">
-                <a:extLst>
-                  <a:ext uri="{FF2B5EF4-FFF2-40B4-BE49-F238E27FC236}">
-                    <a16:creationId xmlns:a16="http://schemas.microsoft.com/office/drawing/2014/main" id="{9DEC8258-2582-4AA0-9EE3-BC3D22F712DA}"/>
-                  </a:ext>
-                </a:extLst>
-              </p:cNvPr>
-              <p:cNvGrpSpPr/>
-              <p:nvPr/>
-            </p:nvGrpSpPr>
-            <p:grpSpPr>
-              <a:xfrm>
-                <a:off x="3966376" y="2004003"/>
-                <a:ext cx="1409180" cy="1234655"/>
-                <a:chOff x="2120427" y="2417771"/>
-                <a:chExt cx="866152" cy="763297"/>
-              </a:xfrm>
-            </p:grpSpPr>
-            <p:sp>
-              <p:nvSpPr>
-                <p:cNvPr id="64" name="Ovale 38">
-                  <a:extLst>
-                    <a:ext uri="{FF2B5EF4-FFF2-40B4-BE49-F238E27FC236}">
-                      <a16:creationId xmlns:a16="http://schemas.microsoft.com/office/drawing/2014/main" id="{34630462-9805-489C-B2D1-3DBA8D510510}"/>
-                    </a:ext>
-                  </a:extLst>
-                </p:cNvPr>
-                <p:cNvSpPr/>
-                <p:nvPr/>
-              </p:nvSpPr>
-              <p:spPr>
-                <a:xfrm>
-                  <a:off x="2236858" y="2460988"/>
-                  <a:ext cx="749721" cy="720080"/>
-                </a:xfrm>
-                <a:prstGeom prst="ellipse">
-                  <a:avLst/>
-                </a:prstGeom>
-                <a:solidFill>
-                  <a:srgbClr val="FFCCFF"/>
-                </a:solidFill>
-                <a:ln/>
-              </p:spPr>
-              <p:style>
-                <a:lnRef idx="1">
-                  <a:schemeClr val="accent5"/>
-                </a:lnRef>
-                <a:fillRef idx="2">
-                  <a:schemeClr val="accent5"/>
-                </a:fillRef>
-                <a:effectRef idx="1">
-                  <a:schemeClr val="accent5"/>
-                </a:effectRef>
-                <a:fontRef idx="minor">
-                  <a:schemeClr val="dk1"/>
-                </a:fontRef>
-              </p:style>
-              <p:txBody>
-                <a:bodyPr rtlCol="0" anchor="ctr"/>
-                <a:lstStyle/>
-                <a:p>
-                  <a:pPr algn="ctr"/>
-                  <a:r>
-                    <a:rPr lang="en-GB" sz="1200" dirty="0"/>
-                    <a:t> </a:t>
-                  </a:r>
-                </a:p>
-              </p:txBody>
-            </p:sp>
-            <p:sp>
-              <p:nvSpPr>
-                <p:cNvPr id="65" name="Rettangolo 39">
-                  <a:extLst>
-                    <a:ext uri="{FF2B5EF4-FFF2-40B4-BE49-F238E27FC236}">
-                      <a16:creationId xmlns:a16="http://schemas.microsoft.com/office/drawing/2014/main" id="{D6B95D0E-43AD-4DBD-A321-15C72421B4B1}"/>
-                    </a:ext>
-                  </a:extLst>
-                </p:cNvPr>
-                <p:cNvSpPr/>
-                <p:nvPr/>
-              </p:nvSpPr>
-              <p:spPr>
-                <a:xfrm>
-                  <a:off x="2120427" y="2699711"/>
-                  <a:ext cx="281433" cy="211952"/>
-                </a:xfrm>
-                <a:prstGeom prst="rect">
-                  <a:avLst/>
-                </a:prstGeom>
-                <a:solidFill>
-                  <a:srgbClr val="FFCCFF"/>
-                </a:solidFill>
-                <a:ln/>
-              </p:spPr>
-              <p:style>
-                <a:lnRef idx="1">
-                  <a:schemeClr val="accent5"/>
-                </a:lnRef>
-                <a:fillRef idx="2">
-                  <a:schemeClr val="accent5"/>
-                </a:fillRef>
-                <a:effectRef idx="1">
-                  <a:schemeClr val="accent5"/>
-                </a:effectRef>
-                <a:fontRef idx="minor">
-                  <a:schemeClr val="dk1"/>
-                </a:fontRef>
-              </p:style>
-              <p:txBody>
-                <a:bodyPr rtlCol="0" anchor="ctr"/>
-                <a:lstStyle/>
-                <a:p>
-                  <a:pPr algn="ctr"/>
-                  <a:endParaRPr lang="en-GB" sz="1200"/>
-                </a:p>
-              </p:txBody>
-            </p:sp>
-            <p:sp>
-              <p:nvSpPr>
-                <p:cNvPr id="66" name="Triangolo isoscele 42">
-                  <a:extLst>
-                    <a:ext uri="{FF2B5EF4-FFF2-40B4-BE49-F238E27FC236}">
-                      <a16:creationId xmlns:a16="http://schemas.microsoft.com/office/drawing/2014/main" id="{EC6AB80B-AC8E-453A-830B-6925FEBFEE56}"/>
-                    </a:ext>
-                  </a:extLst>
-                </p:cNvPr>
-                <p:cNvSpPr/>
-                <p:nvPr/>
-              </p:nvSpPr>
-              <p:spPr>
-                <a:xfrm rot="16200000">
-                  <a:off x="2544300" y="2391356"/>
-                  <a:ext cx="86434" cy="139263"/>
-                </a:xfrm>
-                <a:prstGeom prst="triangle">
-                  <a:avLst/>
-                </a:prstGeom>
-                <a:solidFill>
-                  <a:srgbClr val="FF0000"/>
-                </a:solidFill>
-                <a:ln/>
-              </p:spPr>
-              <p:style>
-                <a:lnRef idx="1">
-                  <a:schemeClr val="accent5"/>
-                </a:lnRef>
-                <a:fillRef idx="2">
-                  <a:schemeClr val="accent5"/>
-                </a:fillRef>
-                <a:effectRef idx="1">
-                  <a:schemeClr val="accent5"/>
-                </a:effectRef>
-                <a:fontRef idx="minor">
-                  <a:schemeClr val="dk1"/>
-                </a:fontRef>
-              </p:style>
-              <p:txBody>
-                <a:bodyPr rtlCol="0" anchor="ctr"/>
-                <a:lstStyle/>
-                <a:p>
-                  <a:pPr algn="ctr"/>
-                  <a:endParaRPr lang="en-GB" sz="1200">
-                    <a:solidFill>
-                      <a:schemeClr val="dk1"/>
-                    </a:solidFill>
-                  </a:endParaRPr>
-                </a:p>
-              </p:txBody>
-            </p:sp>
-          </p:grpSp>
-          <p:sp>
-            <p:nvSpPr>
-              <p:cNvPr id="63" name="Rettangolo 47">
-                <a:extLst>
-                  <a:ext uri="{FF2B5EF4-FFF2-40B4-BE49-F238E27FC236}">
-                    <a16:creationId xmlns:a16="http://schemas.microsoft.com/office/drawing/2014/main" id="{9CC3BBA5-C4AB-42DD-BFD2-08A42B55894A}"/>
-                  </a:ext>
-                </a:extLst>
-              </p:cNvPr>
-              <p:cNvSpPr/>
-              <p:nvPr/>
-            </p:nvSpPr>
-            <p:spPr>
-              <a:xfrm>
-                <a:off x="4217391" y="2458538"/>
-                <a:ext cx="1069524" cy="369332"/>
-              </a:xfrm>
-              <a:prstGeom prst="rect">
-                <a:avLst/>
-              </a:prstGeom>
-            </p:spPr>
-            <p:txBody>
-              <a:bodyPr wrap="none">
-                <a:spAutoFit/>
-              </a:bodyPr>
-              <a:lstStyle/>
-              <a:p>
-                <a:r>
-                  <a:rPr lang="en-GB" dirty="0" err="1"/>
-                  <a:t>smartbell</a:t>
-                </a:r>
-                <a:endParaRPr lang="en-GB" dirty="0"/>
-              </a:p>
-            </p:txBody>
-          </p:sp>
-        </p:grpSp>
-        <p:sp>
-          <p:nvSpPr>
-            <p:cNvPr id="52" name="Rettangolo 12">
-              <a:extLst>
-                <a:ext uri="{FF2B5EF4-FFF2-40B4-BE49-F238E27FC236}">
-                  <a16:creationId xmlns:a16="http://schemas.microsoft.com/office/drawing/2014/main" id="{E793CA95-290E-45E5-8CDE-86CEE59918A3}"/>
-                </a:ext>
-              </a:extLst>
-            </p:cNvPr>
-            <p:cNvSpPr/>
-            <p:nvPr/>
-          </p:nvSpPr>
-          <p:spPr>
-            <a:xfrm>
-              <a:off x="1993257" y="1369800"/>
-              <a:ext cx="864096" cy="360040"/>
-            </a:xfrm>
-            <a:prstGeom prst="rect">
-              <a:avLst/>
-            </a:prstGeom>
-          </p:spPr>
-          <p:style>
-            <a:lnRef idx="1">
-              <a:schemeClr val="accent3"/>
-            </a:lnRef>
-            <a:fillRef idx="2">
-              <a:schemeClr val="accent3"/>
-            </a:fillRef>
-            <a:effectRef idx="1">
-              <a:schemeClr val="accent3"/>
-            </a:effectRef>
-            <a:fontRef idx="minor">
-              <a:schemeClr val="dk1"/>
-            </a:fontRef>
-          </p:style>
-          <p:txBody>
-            <a:bodyPr rot="0" spcFirstLastPara="0" vertOverflow="overflow" horzOverflow="overflow" vert="horz" wrap="square" lIns="91440" tIns="45720" rIns="91440" bIns="45720" numCol="1" spcCol="0" rtlCol="0" fromWordArt="0" anchor="ctr" anchorCtr="0" forceAA="0" compatLnSpc="1">
-              <a:prstTxWarp prst="textNoShape">
-                <a:avLst/>
-              </a:prstTxWarp>
-              <a:noAutofit/>
-            </a:bodyPr>
-            <a:lstStyle/>
-            <a:p>
-              <a:pPr algn="ctr"/>
-              <a:r>
-                <a:rPr lang="it-IT" dirty="0"/>
-                <a:t>8040</a:t>
-              </a:r>
-            </a:p>
-          </p:txBody>
-        </p:sp>
-        <p:grpSp>
-          <p:nvGrpSpPr>
-            <p:cNvPr id="53" name="Gruppo 44">
-              <a:extLst>
-                <a:ext uri="{FF2B5EF4-FFF2-40B4-BE49-F238E27FC236}">
-                  <a16:creationId xmlns:a16="http://schemas.microsoft.com/office/drawing/2014/main" id="{8C10729E-8B13-4377-BE3F-B35A946F628B}"/>
-                </a:ext>
-              </a:extLst>
-            </p:cNvPr>
-            <p:cNvGrpSpPr/>
-            <p:nvPr/>
-          </p:nvGrpSpPr>
-          <p:grpSpPr>
-            <a:xfrm>
-              <a:off x="4074049" y="1926394"/>
-              <a:ext cx="1696866" cy="1234655"/>
-              <a:chOff x="3643435" y="2004003"/>
-              <a:chExt cx="1696866" cy="1234655"/>
-            </a:xfrm>
-          </p:grpSpPr>
-          <p:sp>
-            <p:nvSpPr>
-              <p:cNvPr id="55" name="Triangolo isoscele 45">
-                <a:extLst>
-                  <a:ext uri="{FF2B5EF4-FFF2-40B4-BE49-F238E27FC236}">
-                    <a16:creationId xmlns:a16="http://schemas.microsoft.com/office/drawing/2014/main" id="{502B3E82-5BA2-4F34-8241-7C0759281391}"/>
-                  </a:ext>
-                </a:extLst>
-              </p:cNvPr>
-              <p:cNvSpPr/>
-              <p:nvPr/>
-            </p:nvSpPr>
-            <p:spPr>
-              <a:xfrm rot="5400000">
-                <a:off x="4403750" y="2242777"/>
-                <a:ext cx="998084" cy="875019"/>
-              </a:xfrm>
-              <a:prstGeom prst="triangle">
-                <a:avLst/>
-              </a:prstGeom>
-              <a:solidFill>
-                <a:srgbClr val="CCFF66"/>
-              </a:solidFill>
-              <a:ln/>
-            </p:spPr>
-            <p:style>
-              <a:lnRef idx="1">
-                <a:schemeClr val="accent5"/>
-              </a:lnRef>
-              <a:fillRef idx="2">
-                <a:schemeClr val="accent5"/>
-              </a:fillRef>
-              <a:effectRef idx="1">
-                <a:schemeClr val="accent5"/>
-              </a:effectRef>
-              <a:fontRef idx="minor">
-                <a:schemeClr val="dk1"/>
-              </a:fontRef>
-            </p:style>
-            <p:txBody>
-              <a:bodyPr rtlCol="0" anchor="ctr"/>
-              <a:lstStyle/>
-              <a:p>
-                <a:pPr algn="ctr"/>
-                <a:endParaRPr lang="en-GB" sz="1200">
-                  <a:solidFill>
-                    <a:schemeClr val="dk1"/>
-                  </a:solidFill>
-                </a:endParaRPr>
-              </a:p>
-            </p:txBody>
-          </p:sp>
-          <p:grpSp>
-            <p:nvGrpSpPr>
-              <p:cNvPr id="56" name="Gruppo 82">
-                <a:extLst>
-                  <a:ext uri="{FF2B5EF4-FFF2-40B4-BE49-F238E27FC236}">
-                    <a16:creationId xmlns:a16="http://schemas.microsoft.com/office/drawing/2014/main" id="{4A7676F6-8886-41B1-A9C6-D67A4903D89C}"/>
-                  </a:ext>
-                </a:extLst>
-              </p:cNvPr>
-              <p:cNvGrpSpPr/>
-              <p:nvPr/>
-            </p:nvGrpSpPr>
-            <p:grpSpPr>
-              <a:xfrm>
-                <a:off x="3643435" y="2004003"/>
-                <a:ext cx="1409185" cy="1234655"/>
-                <a:chOff x="1921933" y="2417771"/>
-                <a:chExt cx="866156" cy="763297"/>
-              </a:xfrm>
-            </p:grpSpPr>
-            <p:sp>
-              <p:nvSpPr>
-                <p:cNvPr id="58" name="Ovale 38">
-                  <a:extLst>
-                    <a:ext uri="{FF2B5EF4-FFF2-40B4-BE49-F238E27FC236}">
-                      <a16:creationId xmlns:a16="http://schemas.microsoft.com/office/drawing/2014/main" id="{F2781237-297D-4C01-B49C-CF2613C846BF}"/>
-                    </a:ext>
-                  </a:extLst>
-                </p:cNvPr>
-                <p:cNvSpPr/>
-                <p:nvPr/>
-              </p:nvSpPr>
-              <p:spPr>
-                <a:xfrm>
-                  <a:off x="2038368" y="2460988"/>
-                  <a:ext cx="749721" cy="720080"/>
-                </a:xfrm>
-                <a:prstGeom prst="ellipse">
-                  <a:avLst/>
-                </a:prstGeom>
-                <a:solidFill>
-                  <a:srgbClr val="FFCCFF"/>
-                </a:solidFill>
-                <a:ln/>
-              </p:spPr>
-              <p:style>
-                <a:lnRef idx="1">
-                  <a:schemeClr val="accent5"/>
-                </a:lnRef>
-                <a:fillRef idx="2">
-                  <a:schemeClr val="accent5"/>
-                </a:fillRef>
-                <a:effectRef idx="1">
-                  <a:schemeClr val="accent5"/>
-                </a:effectRef>
-                <a:fontRef idx="minor">
-                  <a:schemeClr val="dk1"/>
-                </a:fontRef>
-              </p:style>
-              <p:txBody>
-                <a:bodyPr rtlCol="0" anchor="ctr"/>
-                <a:lstStyle/>
-                <a:p>
-                  <a:pPr algn="ctr"/>
-                  <a:r>
-                    <a:rPr lang="en-GB" sz="1200" dirty="0"/>
-                    <a:t> </a:t>
-                  </a:r>
-                </a:p>
-              </p:txBody>
-            </p:sp>
-            <p:sp>
-              <p:nvSpPr>
-                <p:cNvPr id="59" name="Rettangolo 39">
-                  <a:extLst>
-                    <a:ext uri="{FF2B5EF4-FFF2-40B4-BE49-F238E27FC236}">
-                      <a16:creationId xmlns:a16="http://schemas.microsoft.com/office/drawing/2014/main" id="{AD30AFC5-6452-43B1-8FA9-BF3C88096EC5}"/>
-                    </a:ext>
-                  </a:extLst>
-                </p:cNvPr>
-                <p:cNvSpPr/>
-                <p:nvPr/>
-              </p:nvSpPr>
-              <p:spPr>
-                <a:xfrm>
-                  <a:off x="1921933" y="2699711"/>
-                  <a:ext cx="281433" cy="211952"/>
-                </a:xfrm>
-                <a:prstGeom prst="rect">
-                  <a:avLst/>
-                </a:prstGeom>
-                <a:solidFill>
-                  <a:srgbClr val="FFCCFF"/>
-                </a:solidFill>
-                <a:ln/>
-              </p:spPr>
-              <p:style>
-                <a:lnRef idx="1">
-                  <a:schemeClr val="accent5"/>
-                </a:lnRef>
-                <a:fillRef idx="2">
-                  <a:schemeClr val="accent5"/>
-                </a:fillRef>
-                <a:effectRef idx="1">
-                  <a:schemeClr val="accent5"/>
-                </a:effectRef>
-                <a:fontRef idx="minor">
-                  <a:schemeClr val="dk1"/>
-                </a:fontRef>
-              </p:style>
-              <p:txBody>
-                <a:bodyPr rtlCol="0" anchor="ctr"/>
-                <a:lstStyle/>
-                <a:p>
-                  <a:pPr algn="ctr"/>
-                  <a:endParaRPr lang="en-GB" sz="1200"/>
-                </a:p>
-              </p:txBody>
-            </p:sp>
-            <p:sp>
-              <p:nvSpPr>
-                <p:cNvPr id="60" name="Triangolo isoscele 42">
-                  <a:extLst>
-                    <a:ext uri="{FF2B5EF4-FFF2-40B4-BE49-F238E27FC236}">
-                      <a16:creationId xmlns:a16="http://schemas.microsoft.com/office/drawing/2014/main" id="{BF2032C5-9CE7-4C13-A5B8-069ECAB30232}"/>
-                    </a:ext>
-                  </a:extLst>
-                </p:cNvPr>
-                <p:cNvSpPr/>
-                <p:nvPr/>
-              </p:nvSpPr>
-              <p:spPr>
-                <a:xfrm rot="16200000">
-                  <a:off x="2345807" y="2391356"/>
-                  <a:ext cx="86434" cy="139263"/>
-                </a:xfrm>
-                <a:prstGeom prst="triangle">
-                  <a:avLst/>
-                </a:prstGeom>
-                <a:solidFill>
-                  <a:srgbClr val="FF0000"/>
-                </a:solidFill>
-                <a:ln/>
-              </p:spPr>
-              <p:style>
-                <a:lnRef idx="1">
-                  <a:schemeClr val="accent5"/>
-                </a:lnRef>
-                <a:fillRef idx="2">
-                  <a:schemeClr val="accent5"/>
-                </a:fillRef>
-                <a:effectRef idx="1">
-                  <a:schemeClr val="accent5"/>
-                </a:effectRef>
-                <a:fontRef idx="minor">
-                  <a:schemeClr val="dk1"/>
-                </a:fontRef>
-              </p:style>
-              <p:txBody>
-                <a:bodyPr rtlCol="0" anchor="ctr"/>
-                <a:lstStyle/>
-                <a:p>
-                  <a:pPr algn="ctr"/>
-                  <a:endParaRPr lang="en-GB" sz="1200">
-                    <a:solidFill>
-                      <a:schemeClr val="dk1"/>
-                    </a:solidFill>
-                  </a:endParaRPr>
-                </a:p>
-              </p:txBody>
-            </p:sp>
-          </p:grpSp>
-          <p:sp>
-            <p:nvSpPr>
-              <p:cNvPr id="57" name="Rettangolo 47">
-                <a:extLst>
-                  <a:ext uri="{FF2B5EF4-FFF2-40B4-BE49-F238E27FC236}">
-                    <a16:creationId xmlns:a16="http://schemas.microsoft.com/office/drawing/2014/main" id="{0F8015B3-B566-4291-B26A-E494EE953544}"/>
-                  </a:ext>
-                </a:extLst>
-              </p:cNvPr>
-              <p:cNvSpPr/>
-              <p:nvPr/>
-            </p:nvSpPr>
-            <p:spPr>
-              <a:xfrm>
-                <a:off x="3819725" y="2458538"/>
-                <a:ext cx="1261627" cy="369332"/>
-              </a:xfrm>
-              <a:prstGeom prst="rect">
-                <a:avLst/>
-              </a:prstGeom>
-            </p:spPr>
-            <p:txBody>
-              <a:bodyPr wrap="none">
-                <a:spAutoFit/>
-              </a:bodyPr>
-              <a:lstStyle/>
-              <a:p>
-                <a:r>
-                  <a:rPr lang="en-GB" dirty="0" err="1"/>
-                  <a:t>waitermind</a:t>
-                </a:r>
-                <a:endParaRPr lang="en-GB" dirty="0"/>
-              </a:p>
-            </p:txBody>
-          </p:sp>
-        </p:grpSp>
-      </p:grpSp>
-      <p:grpSp>
-        <p:nvGrpSpPr>
           <p:cNvPr id="67" name="Gruppo 66">
             <a:extLst>
               <a:ext uri="{FF2B5EF4-FFF2-40B4-BE49-F238E27FC236}">
@@ -10302,7 +12607,7 @@
         </p:nvGrpSpPr>
         <p:grpSpPr>
           <a:xfrm>
-            <a:off x="404838" y="4182065"/>
+            <a:off x="234407" y="4094396"/>
             <a:ext cx="2535093" cy="2455748"/>
             <a:chOff x="527810" y="1369800"/>
             <a:chExt cx="2535093" cy="2455748"/>
@@ -10769,7 +13074,7 @@
         </p:nvCxnSpPr>
         <p:spPr>
           <a:xfrm flipV="1">
-            <a:off x="1231835" y="3106709"/>
+            <a:off x="1061404" y="3019040"/>
             <a:ext cx="0" cy="1186387"/>
           </a:xfrm>
           <a:prstGeom prst="line">
@@ -10805,7 +13110,7 @@
         </p:nvSpPr>
         <p:spPr>
           <a:xfrm flipH="1">
-            <a:off x="1195957" y="3063422"/>
+            <a:off x="1025526" y="2975753"/>
             <a:ext cx="86434" cy="139263"/>
           </a:xfrm>
           <a:prstGeom prst="triangle">
@@ -10855,7 +13160,7 @@
         </p:nvCxnSpPr>
         <p:spPr>
           <a:xfrm flipV="1">
-            <a:off x="1031758" y="3077887"/>
+            <a:off x="861327" y="2990218"/>
             <a:ext cx="11705" cy="1132926"/>
           </a:xfrm>
           <a:prstGeom prst="line">
@@ -10894,7 +13199,7 @@
         </p:nvSpPr>
         <p:spPr>
           <a:xfrm rot="10800000">
-            <a:off x="988680" y="4153833"/>
+            <a:off x="818249" y="4066164"/>
             <a:ext cx="86434" cy="139263"/>
           </a:xfrm>
           <a:prstGeom prst="triangle">
@@ -10928,244 +13233,6 @@
           </a:p>
         </p:txBody>
       </p:sp>
-      <p:sp>
-        <p:nvSpPr>
-          <p:cNvPr id="108" name="Triangolo isoscele 45">
-            <a:extLst>
-              <a:ext uri="{FF2B5EF4-FFF2-40B4-BE49-F238E27FC236}">
-                <a16:creationId xmlns:a16="http://schemas.microsoft.com/office/drawing/2014/main" id="{0186883E-C08A-47A2-A0B8-F954A064FE70}"/>
-              </a:ext>
-            </a:extLst>
-          </p:cNvPr>
-          <p:cNvSpPr/>
-          <p:nvPr/>
-        </p:nvSpPr>
-        <p:spPr>
-          <a:xfrm rot="5400000">
-            <a:off x="6340427" y="1373475"/>
-            <a:ext cx="998084" cy="875019"/>
-          </a:xfrm>
-          <a:prstGeom prst="triangle">
-            <a:avLst/>
-          </a:prstGeom>
-          <a:solidFill>
-            <a:srgbClr val="CCFF66"/>
-          </a:solidFill>
-          <a:ln/>
-        </p:spPr>
-        <p:style>
-          <a:lnRef idx="1">
-            <a:schemeClr val="accent5"/>
-          </a:lnRef>
-          <a:fillRef idx="2">
-            <a:schemeClr val="accent5"/>
-          </a:fillRef>
-          <a:effectRef idx="1">
-            <a:schemeClr val="accent5"/>
-          </a:effectRef>
-          <a:fontRef idx="minor">
-            <a:schemeClr val="dk1"/>
-          </a:fontRef>
-        </p:style>
-        <p:txBody>
-          <a:bodyPr rtlCol="0" anchor="ctr"/>
-          <a:lstStyle/>
-          <a:p>
-            <a:pPr algn="ctr"/>
-            <a:endParaRPr lang="en-GB" sz="1200">
-              <a:solidFill>
-                <a:schemeClr val="dk1"/>
-              </a:solidFill>
-            </a:endParaRPr>
-          </a:p>
-        </p:txBody>
-      </p:sp>
-      <p:sp>
-        <p:nvSpPr>
-          <p:cNvPr id="109" name="Ovale 38">
-            <a:extLst>
-              <a:ext uri="{FF2B5EF4-FFF2-40B4-BE49-F238E27FC236}">
-                <a16:creationId xmlns:a16="http://schemas.microsoft.com/office/drawing/2014/main" id="{40ED0478-D247-4C31-9830-B25482326C31}"/>
-              </a:ext>
-            </a:extLst>
-          </p:cNvPr>
-          <p:cNvSpPr/>
-          <p:nvPr/>
-        </p:nvSpPr>
-        <p:spPr>
-          <a:xfrm>
-            <a:off x="5769545" y="1204610"/>
-            <a:ext cx="1219751" cy="1164751"/>
-          </a:xfrm>
-          <a:prstGeom prst="ellipse">
-            <a:avLst/>
-          </a:prstGeom>
-          <a:solidFill>
-            <a:srgbClr val="FFCCFF"/>
-          </a:solidFill>
-          <a:ln/>
-        </p:spPr>
-        <p:style>
-          <a:lnRef idx="1">
-            <a:schemeClr val="accent5"/>
-          </a:lnRef>
-          <a:fillRef idx="2">
-            <a:schemeClr val="accent5"/>
-          </a:fillRef>
-          <a:effectRef idx="1">
-            <a:schemeClr val="accent5"/>
-          </a:effectRef>
-          <a:fontRef idx="minor">
-            <a:schemeClr val="dk1"/>
-          </a:fontRef>
-        </p:style>
-        <p:txBody>
-          <a:bodyPr rtlCol="0" anchor="ctr"/>
-          <a:lstStyle/>
-          <a:p>
-            <a:pPr algn="ctr"/>
-            <a:r>
-              <a:rPr lang="en-GB" sz="1200" dirty="0"/>
-              <a:t> </a:t>
-            </a:r>
-          </a:p>
-        </p:txBody>
-      </p:sp>
-      <p:sp>
-        <p:nvSpPr>
-          <p:cNvPr id="110" name="Rettangolo 39">
-            <a:extLst>
-              <a:ext uri="{FF2B5EF4-FFF2-40B4-BE49-F238E27FC236}">
-                <a16:creationId xmlns:a16="http://schemas.microsoft.com/office/drawing/2014/main" id="{211CFC95-F277-48A8-A894-DD24A35A1571}"/>
-              </a:ext>
-            </a:extLst>
-          </p:cNvPr>
-          <p:cNvSpPr/>
-          <p:nvPr/>
-        </p:nvSpPr>
-        <p:spPr>
-          <a:xfrm>
-            <a:off x="5580112" y="1590748"/>
-            <a:ext cx="457875" cy="342839"/>
-          </a:xfrm>
-          <a:prstGeom prst="rect">
-            <a:avLst/>
-          </a:prstGeom>
-          <a:solidFill>
-            <a:srgbClr val="FFCCFF"/>
-          </a:solidFill>
-          <a:ln/>
-        </p:spPr>
-        <p:style>
-          <a:lnRef idx="1">
-            <a:schemeClr val="accent5"/>
-          </a:lnRef>
-          <a:fillRef idx="2">
-            <a:schemeClr val="accent5"/>
-          </a:fillRef>
-          <a:effectRef idx="1">
-            <a:schemeClr val="accent5"/>
-          </a:effectRef>
-          <a:fontRef idx="minor">
-            <a:schemeClr val="dk1"/>
-          </a:fontRef>
-        </p:style>
-        <p:txBody>
-          <a:bodyPr rtlCol="0" anchor="ctr"/>
-          <a:lstStyle/>
-          <a:p>
-            <a:pPr algn="ctr"/>
-            <a:endParaRPr lang="en-GB" sz="1200"/>
-          </a:p>
-        </p:txBody>
-      </p:sp>
-      <p:sp>
-        <p:nvSpPr>
-          <p:cNvPr id="111" name="Triangolo isoscele 42">
-            <a:extLst>
-              <a:ext uri="{FF2B5EF4-FFF2-40B4-BE49-F238E27FC236}">
-                <a16:creationId xmlns:a16="http://schemas.microsoft.com/office/drawing/2014/main" id="{DADF66A4-B785-49F5-A8CD-A46B56D197F2}"/>
-              </a:ext>
-            </a:extLst>
-          </p:cNvPr>
-          <p:cNvSpPr/>
-          <p:nvPr/>
-        </p:nvSpPr>
-        <p:spPr>
-          <a:xfrm rot="16200000">
-            <a:off x="6270135" y="1091320"/>
-            <a:ext cx="139810" cy="226573"/>
-          </a:xfrm>
-          <a:prstGeom prst="triangle">
-            <a:avLst/>
-          </a:prstGeom>
-          <a:solidFill>
-            <a:srgbClr val="FF0000"/>
-          </a:solidFill>
-          <a:ln/>
-        </p:spPr>
-        <p:style>
-          <a:lnRef idx="1">
-            <a:schemeClr val="accent5"/>
-          </a:lnRef>
-          <a:fillRef idx="2">
-            <a:schemeClr val="accent5"/>
-          </a:fillRef>
-          <a:effectRef idx="1">
-            <a:schemeClr val="accent5"/>
-          </a:effectRef>
-          <a:fontRef idx="minor">
-            <a:schemeClr val="dk1"/>
-          </a:fontRef>
-        </p:style>
-        <p:txBody>
-          <a:bodyPr rtlCol="0" anchor="ctr"/>
-          <a:lstStyle/>
-          <a:p>
-            <a:pPr algn="ctr"/>
-            <a:endParaRPr lang="en-GB" sz="1200">
-              <a:solidFill>
-                <a:schemeClr val="dk1"/>
-              </a:solidFill>
-            </a:endParaRPr>
-          </a:p>
-        </p:txBody>
-      </p:sp>
-      <p:sp>
-        <p:nvSpPr>
-          <p:cNvPr id="112" name="Rettangolo 47">
-            <a:extLst>
-              <a:ext uri="{FF2B5EF4-FFF2-40B4-BE49-F238E27FC236}">
-                <a16:creationId xmlns:a16="http://schemas.microsoft.com/office/drawing/2014/main" id="{F7AF52AA-26A2-4CA6-85E6-DFD767BA301D}"/>
-              </a:ext>
-            </a:extLst>
-          </p:cNvPr>
-          <p:cNvSpPr/>
-          <p:nvPr/>
-        </p:nvSpPr>
-        <p:spPr>
-          <a:xfrm>
-            <a:off x="5632987" y="1577501"/>
-            <a:ext cx="1414105" cy="369332"/>
-          </a:xfrm>
-          <a:prstGeom prst="rect">
-            <a:avLst/>
-          </a:prstGeom>
-        </p:spPr>
-        <p:txBody>
-          <a:bodyPr wrap="none">
-            <a:spAutoFit/>
-          </a:bodyPr>
-          <a:lstStyle/>
-          <a:p>
-            <a:r>
-              <a:rPr lang="en-GB" dirty="0" err="1"/>
-              <a:t>waiterengine</a:t>
-            </a:r>
-            <a:endParaRPr lang="en-GB" dirty="0"/>
-          </a:p>
-        </p:txBody>
-      </p:sp>
       <p:cxnSp>
         <p:nvCxnSpPr>
           <p:cNvPr id="116" name="Connettore 1 25">
@@ -11182,7 +13249,7 @@
         </p:nvCxnSpPr>
         <p:spPr>
           <a:xfrm>
-            <a:off x="4480169" y="4077072"/>
+            <a:off x="4309738" y="3989403"/>
             <a:ext cx="1027935" cy="0"/>
           </a:xfrm>
           <a:prstGeom prst="line">
@@ -11204,243 +13271,6 @@
           </a:fontRef>
         </p:style>
       </p:cxnSp>
-      <p:sp>
-        <p:nvSpPr>
-          <p:cNvPr id="126" name="Triangolo isoscele 45">
-            <a:extLst>
-              <a:ext uri="{FF2B5EF4-FFF2-40B4-BE49-F238E27FC236}">
-                <a16:creationId xmlns:a16="http://schemas.microsoft.com/office/drawing/2014/main" id="{68F5B5C1-6B6A-4EC0-B9F1-45ED47C44F0B}"/>
-              </a:ext>
-            </a:extLst>
-          </p:cNvPr>
-          <p:cNvSpPr/>
-          <p:nvPr/>
-        </p:nvSpPr>
-        <p:spPr>
-          <a:xfrm rot="5400000">
-            <a:off x="8062052" y="1373475"/>
-            <a:ext cx="998084" cy="875019"/>
-          </a:xfrm>
-          <a:prstGeom prst="triangle">
-            <a:avLst/>
-          </a:prstGeom>
-          <a:solidFill>
-            <a:srgbClr val="CCFF66"/>
-          </a:solidFill>
-          <a:ln/>
-        </p:spPr>
-        <p:style>
-          <a:lnRef idx="1">
-            <a:schemeClr val="accent5"/>
-          </a:lnRef>
-          <a:fillRef idx="2">
-            <a:schemeClr val="accent5"/>
-          </a:fillRef>
-          <a:effectRef idx="1">
-            <a:schemeClr val="accent5"/>
-          </a:effectRef>
-          <a:fontRef idx="minor">
-            <a:schemeClr val="dk1"/>
-          </a:fontRef>
-        </p:style>
-        <p:txBody>
-          <a:bodyPr rtlCol="0" anchor="ctr"/>
-          <a:lstStyle/>
-          <a:p>
-            <a:pPr algn="ctr"/>
-            <a:endParaRPr lang="en-GB" sz="1200">
-              <a:solidFill>
-                <a:schemeClr val="dk1"/>
-              </a:solidFill>
-            </a:endParaRPr>
-          </a:p>
-        </p:txBody>
-      </p:sp>
-      <p:sp>
-        <p:nvSpPr>
-          <p:cNvPr id="127" name="Ovale 38">
-            <a:extLst>
-              <a:ext uri="{FF2B5EF4-FFF2-40B4-BE49-F238E27FC236}">
-                <a16:creationId xmlns:a16="http://schemas.microsoft.com/office/drawing/2014/main" id="{842F7F26-5AF6-4E56-A94C-640D29817A8F}"/>
-              </a:ext>
-            </a:extLst>
-          </p:cNvPr>
-          <p:cNvSpPr/>
-          <p:nvPr/>
-        </p:nvSpPr>
-        <p:spPr>
-          <a:xfrm>
-            <a:off x="7491170" y="1204610"/>
-            <a:ext cx="1219751" cy="1164751"/>
-          </a:xfrm>
-          <a:prstGeom prst="ellipse">
-            <a:avLst/>
-          </a:prstGeom>
-          <a:solidFill>
-            <a:srgbClr val="FFCCFF"/>
-          </a:solidFill>
-          <a:ln/>
-        </p:spPr>
-        <p:style>
-          <a:lnRef idx="1">
-            <a:schemeClr val="accent5"/>
-          </a:lnRef>
-          <a:fillRef idx="2">
-            <a:schemeClr val="accent5"/>
-          </a:fillRef>
-          <a:effectRef idx="1">
-            <a:schemeClr val="accent5"/>
-          </a:effectRef>
-          <a:fontRef idx="minor">
-            <a:schemeClr val="dk1"/>
-          </a:fontRef>
-        </p:style>
-        <p:txBody>
-          <a:bodyPr rtlCol="0" anchor="ctr"/>
-          <a:lstStyle/>
-          <a:p>
-            <a:pPr algn="ctr"/>
-            <a:r>
-              <a:rPr lang="en-GB" sz="1200" dirty="0"/>
-              <a:t> </a:t>
-            </a:r>
-          </a:p>
-        </p:txBody>
-      </p:sp>
-      <p:sp>
-        <p:nvSpPr>
-          <p:cNvPr id="128" name="Rettangolo 39">
-            <a:extLst>
-              <a:ext uri="{FF2B5EF4-FFF2-40B4-BE49-F238E27FC236}">
-                <a16:creationId xmlns:a16="http://schemas.microsoft.com/office/drawing/2014/main" id="{5BB11D14-3CE3-46D8-A1EF-40113D3702EF}"/>
-              </a:ext>
-            </a:extLst>
-          </p:cNvPr>
-          <p:cNvSpPr/>
-          <p:nvPr/>
-        </p:nvSpPr>
-        <p:spPr>
-          <a:xfrm>
-            <a:off x="7301737" y="1590748"/>
-            <a:ext cx="457875" cy="342839"/>
-          </a:xfrm>
-          <a:prstGeom prst="rect">
-            <a:avLst/>
-          </a:prstGeom>
-          <a:solidFill>
-            <a:srgbClr val="FFCCFF"/>
-          </a:solidFill>
-          <a:ln/>
-        </p:spPr>
-        <p:style>
-          <a:lnRef idx="1">
-            <a:schemeClr val="accent5"/>
-          </a:lnRef>
-          <a:fillRef idx="2">
-            <a:schemeClr val="accent5"/>
-          </a:fillRef>
-          <a:effectRef idx="1">
-            <a:schemeClr val="accent5"/>
-          </a:effectRef>
-          <a:fontRef idx="minor">
-            <a:schemeClr val="dk1"/>
-          </a:fontRef>
-        </p:style>
-        <p:txBody>
-          <a:bodyPr rtlCol="0" anchor="ctr"/>
-          <a:lstStyle/>
-          <a:p>
-            <a:pPr algn="ctr"/>
-            <a:endParaRPr lang="en-GB" sz="1200"/>
-          </a:p>
-        </p:txBody>
-      </p:sp>
-      <p:sp>
-        <p:nvSpPr>
-          <p:cNvPr id="129" name="Triangolo isoscele 42">
-            <a:extLst>
-              <a:ext uri="{FF2B5EF4-FFF2-40B4-BE49-F238E27FC236}">
-                <a16:creationId xmlns:a16="http://schemas.microsoft.com/office/drawing/2014/main" id="{159DF195-F349-42C7-907F-B47D86A1A514}"/>
-              </a:ext>
-            </a:extLst>
-          </p:cNvPr>
-          <p:cNvSpPr/>
-          <p:nvPr/>
-        </p:nvSpPr>
-        <p:spPr>
-          <a:xfrm rot="16200000">
-            <a:off x="7991760" y="1091320"/>
-            <a:ext cx="139810" cy="226573"/>
-          </a:xfrm>
-          <a:prstGeom prst="triangle">
-            <a:avLst/>
-          </a:prstGeom>
-          <a:solidFill>
-            <a:srgbClr val="FF0000"/>
-          </a:solidFill>
-          <a:ln/>
-        </p:spPr>
-        <p:style>
-          <a:lnRef idx="1">
-            <a:schemeClr val="accent5"/>
-          </a:lnRef>
-          <a:fillRef idx="2">
-            <a:schemeClr val="accent5"/>
-          </a:fillRef>
-          <a:effectRef idx="1">
-            <a:schemeClr val="accent5"/>
-          </a:effectRef>
-          <a:fontRef idx="minor">
-            <a:schemeClr val="dk1"/>
-          </a:fontRef>
-        </p:style>
-        <p:txBody>
-          <a:bodyPr rtlCol="0" anchor="ctr"/>
-          <a:lstStyle/>
-          <a:p>
-            <a:pPr algn="ctr"/>
-            <a:endParaRPr lang="en-GB" sz="1200">
-              <a:solidFill>
-                <a:schemeClr val="dk1"/>
-              </a:solidFill>
-            </a:endParaRPr>
-          </a:p>
-        </p:txBody>
-      </p:sp>
-      <p:sp>
-        <p:nvSpPr>
-          <p:cNvPr id="130" name="Rettangolo 47">
-            <a:extLst>
-              <a:ext uri="{FF2B5EF4-FFF2-40B4-BE49-F238E27FC236}">
-                <a16:creationId xmlns:a16="http://schemas.microsoft.com/office/drawing/2014/main" id="{BF8F33C2-F590-430B-8BDB-003A2C513513}"/>
-              </a:ext>
-            </a:extLst>
-          </p:cNvPr>
-          <p:cNvSpPr/>
-          <p:nvPr/>
-        </p:nvSpPr>
-        <p:spPr>
-          <a:xfrm>
-            <a:off x="7585972" y="1602319"/>
-            <a:ext cx="914033" cy="369332"/>
-          </a:xfrm>
-          <a:prstGeom prst="rect">
-            <a:avLst/>
-          </a:prstGeom>
-        </p:spPr>
-        <p:txBody>
-          <a:bodyPr wrap="none">
-            <a:spAutoFit/>
-          </a:bodyPr>
-          <a:lstStyle/>
-          <a:p>
-            <a:r>
-              <a:rPr lang="en-GB" dirty="0"/>
-              <a:t>barman</a:t>
-            </a:r>
-          </a:p>
-        </p:txBody>
-      </p:sp>
       <p:cxnSp>
         <p:nvCxnSpPr>
           <p:cNvPr id="134" name="Connettore 1 20">
@@ -11457,7 +13287,7 @@
         </p:nvCxnSpPr>
         <p:spPr>
           <a:xfrm flipH="1">
-            <a:off x="3627674" y="3025189"/>
+            <a:off x="3457243" y="2937520"/>
             <a:ext cx="3031" cy="1281349"/>
           </a:xfrm>
           <a:prstGeom prst="line">
@@ -11498,7 +13328,7 @@
         </p:nvCxnSpPr>
         <p:spPr>
           <a:xfrm flipV="1">
-            <a:off x="1753422" y="3106709"/>
+            <a:off x="1582991" y="3019040"/>
             <a:ext cx="0" cy="1145521"/>
           </a:xfrm>
           <a:prstGeom prst="straightConnector1">
@@ -11524,12 +13354,160 @@
           </a:fontRef>
         </p:style>
       </p:cxnSp>
+      <p:sp>
+        <p:nvSpPr>
+          <p:cNvPr id="32" name="Rettangolo arrotondato 3">
+            <a:extLst>
+              <a:ext uri="{FF2B5EF4-FFF2-40B4-BE49-F238E27FC236}">
+                <a16:creationId xmlns:a16="http://schemas.microsoft.com/office/drawing/2014/main" id="{9059F61D-08D1-45B0-9A8D-87FB4249ED2E}"/>
+              </a:ext>
+            </a:extLst>
+          </p:cNvPr>
+          <p:cNvSpPr/>
+          <p:nvPr/>
+        </p:nvSpPr>
+        <p:spPr>
+          <a:xfrm>
+            <a:off x="234407" y="375599"/>
+            <a:ext cx="8333954" cy="2291882"/>
+          </a:xfrm>
+          <a:prstGeom prst="roundRect">
+            <a:avLst/>
+          </a:prstGeom>
+          <a:solidFill>
+            <a:srgbClr val="CCFFCC"/>
+          </a:solidFill>
+        </p:spPr>
+        <p:style>
+          <a:lnRef idx="2">
+            <a:schemeClr val="accent1">
+              <a:shade val="50000"/>
+            </a:schemeClr>
+          </a:lnRef>
+          <a:fillRef idx="1">
+            <a:schemeClr val="accent1"/>
+          </a:fillRef>
+          <a:effectRef idx="0">
+            <a:schemeClr val="accent1"/>
+          </a:effectRef>
+          <a:fontRef idx="minor">
+            <a:schemeClr val="lt1"/>
+          </a:fontRef>
+        </p:style>
+        <p:txBody>
+          <a:bodyPr rot="0" spcFirstLastPara="0" vertOverflow="overflow" horzOverflow="overflow" vert="horz" wrap="square" lIns="91440" tIns="45720" rIns="91440" bIns="45720" numCol="1" spcCol="0" rtlCol="0" fromWordArt="0" anchor="ctr" anchorCtr="0" forceAA="0" compatLnSpc="1">
+            <a:prstTxWarp prst="textNoShape">
+              <a:avLst/>
+            </a:prstTxWarp>
+            <a:noAutofit/>
+          </a:bodyPr>
+          <a:lstStyle/>
+          <a:p>
+            <a:pPr algn="ctr"/>
+            <a:endParaRPr lang="it-IT">
+              <a:solidFill>
+                <a:schemeClr val="lt1"/>
+              </a:solidFill>
+            </a:endParaRPr>
+          </a:p>
+        </p:txBody>
+      </p:sp>
+      <p:sp>
+        <p:nvSpPr>
+          <p:cNvPr id="33" name="Rettangolo 11">
+            <a:extLst>
+              <a:ext uri="{FF2B5EF4-FFF2-40B4-BE49-F238E27FC236}">
+                <a16:creationId xmlns:a16="http://schemas.microsoft.com/office/drawing/2014/main" id="{1869FB91-6887-4C1C-B8AF-7A3F0580BCEB}"/>
+              </a:ext>
+            </a:extLst>
+          </p:cNvPr>
+          <p:cNvSpPr/>
+          <p:nvPr/>
+        </p:nvSpPr>
+        <p:spPr>
+          <a:xfrm>
+            <a:off x="434560" y="2423163"/>
+            <a:ext cx="1922512" cy="457200"/>
+          </a:xfrm>
+          <a:prstGeom prst="rect">
+            <a:avLst/>
+          </a:prstGeom>
+          <a:solidFill>
+            <a:srgbClr val="FFFF99"/>
+          </a:solidFill>
+        </p:spPr>
+        <p:style>
+          <a:lnRef idx="1">
+            <a:schemeClr val="accent1"/>
+          </a:lnRef>
+          <a:fillRef idx="2">
+            <a:schemeClr val="accent1"/>
+          </a:fillRef>
+          <a:effectRef idx="1">
+            <a:schemeClr val="accent1"/>
+          </a:effectRef>
+          <a:fontRef idx="minor">
+            <a:schemeClr val="dk1"/>
+          </a:fontRef>
+        </p:style>
+        <p:txBody>
+          <a:bodyPr rtlCol="0" anchor="ctr"/>
+          <a:lstStyle/>
+          <a:p>
+            <a:pPr algn="ctr"/>
+            <a:r>
+              <a:rPr lang="en-GB" dirty="0" err="1"/>
+              <a:t>ctxtearoom</a:t>
+            </a:r>
+            <a:endParaRPr lang="en-GB" dirty="0">
+              <a:solidFill>
+                <a:schemeClr val="tx1"/>
+              </a:solidFill>
+            </a:endParaRPr>
+          </a:p>
+        </p:txBody>
+      </p:sp>
+      <p:sp>
+        <p:nvSpPr>
+          <p:cNvPr id="34" name="Rettangolo 47">
+            <a:extLst>
+              <a:ext uri="{FF2B5EF4-FFF2-40B4-BE49-F238E27FC236}">
+                <a16:creationId xmlns:a16="http://schemas.microsoft.com/office/drawing/2014/main" id="{62D9DF71-E734-4D02-AEC2-49488E4B4E54}"/>
+              </a:ext>
+            </a:extLst>
+          </p:cNvPr>
+          <p:cNvSpPr/>
+          <p:nvPr/>
+        </p:nvSpPr>
+        <p:spPr>
+          <a:xfrm>
+            <a:off x="3677339" y="998320"/>
+            <a:ext cx="1448089" cy="523220"/>
+          </a:xfrm>
+          <a:prstGeom prst="rect">
+            <a:avLst/>
+          </a:prstGeom>
+        </p:spPr>
+        <p:txBody>
+          <a:bodyPr wrap="none">
+            <a:spAutoFit/>
+          </a:bodyPr>
+          <a:lstStyle/>
+          <a:p>
+            <a:r>
+              <a:rPr lang="en-GB" sz="2800" b="1" dirty="0"/>
+              <a:t>zooming</a:t>
+            </a:r>
+            <a:endParaRPr lang="en-GB" sz="2000" b="1" dirty="0"/>
+          </a:p>
+        </p:txBody>
+      </p:sp>
       <p:grpSp>
         <p:nvGrpSpPr>
-          <p:cNvPr id="99" name="Gruppo 98">
+          <p:cNvPr id="131" name="Gruppo 130">
             <a:extLst>
               <a:ext uri="{FF2B5EF4-FFF2-40B4-BE49-F238E27FC236}">
-                <a16:creationId xmlns:a16="http://schemas.microsoft.com/office/drawing/2014/main" id="{E7C51A67-EDC9-4936-97C5-EB39827CB678}"/>
+                <a16:creationId xmlns:a16="http://schemas.microsoft.com/office/drawing/2014/main" id="{B4693F9B-072B-424C-837E-0CD6D2D5D348}"/>
               </a:ext>
             </a:extLst>
           </p:cNvPr>
@@ -11538,18 +13516,18 @@
         </p:nvGrpSpPr>
         <p:grpSpPr>
           <a:xfrm>
-            <a:off x="5009198" y="1128738"/>
-            <a:ext cx="787334" cy="86434"/>
-            <a:chOff x="3452446" y="4176616"/>
-            <a:chExt cx="787334" cy="86434"/>
+            <a:off x="3876660" y="1521540"/>
+            <a:ext cx="866156" cy="763297"/>
+            <a:chOff x="1194666" y="2417771"/>
+            <a:chExt cx="866156" cy="763297"/>
           </a:xfrm>
         </p:grpSpPr>
         <p:sp>
           <p:nvSpPr>
-            <p:cNvPr id="100" name="Triangolo isoscele 99">
+            <p:cNvPr id="132" name="Ovale 131">
               <a:extLst>
                 <a:ext uri="{FF2B5EF4-FFF2-40B4-BE49-F238E27FC236}">
-                  <a16:creationId xmlns:a16="http://schemas.microsoft.com/office/drawing/2014/main" id="{40E899B4-91B0-4BB3-B1B1-46D8A2C2F17E}"/>
+                  <a16:creationId xmlns:a16="http://schemas.microsoft.com/office/drawing/2014/main" id="{AC366031-6AD0-4D65-A1C4-5DC48AD0EFD4}"/>
                 </a:ext>
               </a:extLst>
             </p:cNvPr>
@@ -11557,15 +13535,66 @@
             <p:nvPr/>
           </p:nvSpPr>
           <p:spPr>
-            <a:xfrm rot="5400000" flipH="1">
-              <a:off x="4126932" y="4150201"/>
-              <a:ext cx="86434" cy="139263"/>
+            <a:xfrm>
+              <a:off x="1311101" y="2460988"/>
+              <a:ext cx="749721" cy="720080"/>
             </a:xfrm>
-            <a:prstGeom prst="triangle">
+            <a:prstGeom prst="ellipse">
               <a:avLst/>
             </a:prstGeom>
             <a:solidFill>
-              <a:schemeClr val="bg1"/>
+              <a:srgbClr val="FFCCFF"/>
+            </a:solidFill>
+            <a:ln/>
+          </p:spPr>
+          <p:style>
+            <a:lnRef idx="1">
+              <a:schemeClr val="accent5"/>
+            </a:lnRef>
+            <a:fillRef idx="2">
+              <a:schemeClr val="accent5"/>
+            </a:fillRef>
+            <a:effectRef idx="1">
+              <a:schemeClr val="accent5"/>
+            </a:effectRef>
+            <a:fontRef idx="minor">
+              <a:schemeClr val="dk1"/>
+            </a:fontRef>
+          </p:style>
+          <p:txBody>
+            <a:bodyPr rtlCol="0" anchor="ctr"/>
+            <a:lstStyle/>
+            <a:p>
+              <a:pPr algn="ctr"/>
+              <a:r>
+                <a:rPr lang="en-GB" sz="1200" dirty="0"/>
+                <a:t> </a:t>
+              </a:r>
+            </a:p>
+          </p:txBody>
+        </p:sp>
+        <p:sp>
+          <p:nvSpPr>
+            <p:cNvPr id="133" name="Rettangolo 132">
+              <a:extLst>
+                <a:ext uri="{FF2B5EF4-FFF2-40B4-BE49-F238E27FC236}">
+                  <a16:creationId xmlns:a16="http://schemas.microsoft.com/office/drawing/2014/main" id="{65AA39FF-2929-46F7-9A69-6AFB7CA10942}"/>
+                </a:ext>
+              </a:extLst>
+            </p:cNvPr>
+            <p:cNvSpPr/>
+            <p:nvPr/>
+          </p:nvSpPr>
+          <p:spPr>
+            <a:xfrm>
+              <a:off x="1194666" y="2699711"/>
+              <a:ext cx="281433" cy="211952"/>
+            </a:xfrm>
+            <a:prstGeom prst="rect">
+              <a:avLst/>
+            </a:prstGeom>
+            <a:solidFill>
+              <a:srgbClr val="FFCCFF"/>
             </a:solidFill>
             <a:ln/>
           </p:spPr>
@@ -11592,51 +13621,65 @@
             </a:p>
           </p:txBody>
         </p:sp>
-        <p:cxnSp>
-          <p:nvCxnSpPr>
-            <p:cNvPr id="101" name="Connettore 1 74">
+        <p:sp>
+          <p:nvSpPr>
+            <p:cNvPr id="135" name="Triangolo isoscele 134">
               <a:extLst>
                 <a:ext uri="{FF2B5EF4-FFF2-40B4-BE49-F238E27FC236}">
-                  <a16:creationId xmlns:a16="http://schemas.microsoft.com/office/drawing/2014/main" id="{C1418329-24BD-42E8-AA7B-2718DF8F8BF4}"/>
+                  <a16:creationId xmlns:a16="http://schemas.microsoft.com/office/drawing/2014/main" id="{1E54291E-13DA-46F4-B982-6EADD2C03671}"/>
                 </a:ext>
               </a:extLst>
             </p:cNvPr>
-            <p:cNvCxnSpPr>
-              <a:endCxn id="100" idx="3"/>
-            </p:cNvCxnSpPr>
+            <p:cNvSpPr/>
             <p:nvPr/>
-          </p:nvCxnSpPr>
+          </p:nvSpPr>
           <p:spPr>
-            <a:xfrm>
-              <a:off x="3452446" y="4219627"/>
-              <a:ext cx="648072" cy="206"/>
+            <a:xfrm rot="16200000">
+              <a:off x="1618539" y="2391356"/>
+              <a:ext cx="86434" cy="139263"/>
             </a:xfrm>
-            <a:prstGeom prst="line">
+            <a:prstGeom prst="triangle">
               <a:avLst/>
             </a:prstGeom>
+            <a:solidFill>
+              <a:srgbClr val="FF0000"/>
+            </a:solidFill>
+            <a:ln/>
           </p:spPr>
           <p:style>
             <a:lnRef idx="1">
-              <a:schemeClr val="accent1"/>
+              <a:schemeClr val="accent5"/>
             </a:lnRef>
-            <a:fillRef idx="0">
-              <a:schemeClr val="accent1"/>
+            <a:fillRef idx="2">
+              <a:schemeClr val="accent5"/>
             </a:fillRef>
-            <a:effectRef idx="0">
-              <a:schemeClr val="accent1"/>
+            <a:effectRef idx="1">
+              <a:schemeClr val="accent5"/>
             </a:effectRef>
             <a:fontRef idx="minor">
-              <a:schemeClr val="tx1"/>
+              <a:schemeClr val="dk1"/>
             </a:fontRef>
           </p:style>
-        </p:cxnSp>
+          <p:txBody>
+            <a:bodyPr rtlCol="0" anchor="ctr"/>
+            <a:lstStyle/>
+            <a:p>
+              <a:pPr algn="ctr"/>
+              <a:endParaRPr lang="en-GB" sz="1200">
+                <a:solidFill>
+                  <a:schemeClr val="dk1"/>
+                </a:solidFill>
+              </a:endParaRPr>
+            </a:p>
+          </p:txBody>
+        </p:sp>
       </p:grpSp>
       <p:grpSp>
         <p:nvGrpSpPr>
-          <p:cNvPr id="102" name="Gruppo 101">
+          <p:cNvPr id="136" name="Gruppo 135">
             <a:extLst>
               <a:ext uri="{FF2B5EF4-FFF2-40B4-BE49-F238E27FC236}">
-                <a16:creationId xmlns:a16="http://schemas.microsoft.com/office/drawing/2014/main" id="{03BB52C7-2A3E-44C2-893B-3941B85EBD16}"/>
+                <a16:creationId xmlns:a16="http://schemas.microsoft.com/office/drawing/2014/main" id="{04DAA7C5-6D67-4186-80D1-37239D4ADA20}"/>
               </a:ext>
             </a:extLst>
           </p:cNvPr>
@@ -11645,57 +13688,18 @@
         </p:nvGrpSpPr>
         <p:grpSpPr>
           <a:xfrm>
-            <a:off x="5049295" y="1417250"/>
-            <a:ext cx="666895" cy="86434"/>
-            <a:chOff x="4592177" y="4419530"/>
-            <a:chExt cx="666895" cy="86434"/>
+            <a:off x="4895834" y="1520253"/>
+            <a:ext cx="866156" cy="763297"/>
+            <a:chOff x="1194666" y="2417771"/>
+            <a:chExt cx="866156" cy="763297"/>
           </a:xfrm>
         </p:grpSpPr>
-        <p:cxnSp>
-          <p:nvCxnSpPr>
-            <p:cNvPr id="103" name="Connettore 1 76">
+        <p:sp>
+          <p:nvSpPr>
+            <p:cNvPr id="137" name="Ovale 136">
               <a:extLst>
                 <a:ext uri="{FF2B5EF4-FFF2-40B4-BE49-F238E27FC236}">
-                  <a16:creationId xmlns:a16="http://schemas.microsoft.com/office/drawing/2014/main" id="{98BEDA3E-3D9A-448B-9A4E-CDC0CE65C34D}"/>
-                </a:ext>
-              </a:extLst>
-            </p:cNvPr>
-            <p:cNvCxnSpPr/>
-            <p:nvPr/>
-          </p:nvCxnSpPr>
-          <p:spPr>
-            <a:xfrm>
-              <a:off x="4611000" y="4462747"/>
-              <a:ext cx="648072" cy="0"/>
-            </a:xfrm>
-            <a:prstGeom prst="line">
-              <a:avLst/>
-            </a:prstGeom>
-            <a:ln>
-              <a:prstDash val="dash"/>
-            </a:ln>
-          </p:spPr>
-          <p:style>
-            <a:lnRef idx="1">
-              <a:schemeClr val="accent1"/>
-            </a:lnRef>
-            <a:fillRef idx="0">
-              <a:schemeClr val="accent1"/>
-            </a:fillRef>
-            <a:effectRef idx="0">
-              <a:schemeClr val="accent1"/>
-            </a:effectRef>
-            <a:fontRef idx="minor">
-              <a:schemeClr val="tx1"/>
-            </a:fontRef>
-          </p:style>
-        </p:cxnSp>
-        <p:sp>
-          <p:nvSpPr>
-            <p:cNvPr id="104" name="Triangolo isoscele 103">
-              <a:extLst>
-                <a:ext uri="{FF2B5EF4-FFF2-40B4-BE49-F238E27FC236}">
-                  <a16:creationId xmlns:a16="http://schemas.microsoft.com/office/drawing/2014/main" id="{E031926D-83B2-45E2-AE58-AA5F422C3E92}"/>
+                  <a16:creationId xmlns:a16="http://schemas.microsoft.com/office/drawing/2014/main" id="{1537511E-9047-4649-9A9B-2F7F84FFAC9A}"/>
                 </a:ext>
               </a:extLst>
             </p:cNvPr>
@@ -11703,15 +13707,66 @@
             <p:nvPr/>
           </p:nvSpPr>
           <p:spPr>
-            <a:xfrm rot="16200000">
-              <a:off x="4618592" y="4393115"/>
-              <a:ext cx="86434" cy="139263"/>
+            <a:xfrm>
+              <a:off x="1311101" y="2460988"/>
+              <a:ext cx="749721" cy="720080"/>
             </a:xfrm>
-            <a:prstGeom prst="triangle">
+            <a:prstGeom prst="ellipse">
               <a:avLst/>
             </a:prstGeom>
             <a:solidFill>
-              <a:schemeClr val="bg1"/>
+              <a:srgbClr val="FFCCFF"/>
+            </a:solidFill>
+            <a:ln/>
+          </p:spPr>
+          <p:style>
+            <a:lnRef idx="1">
+              <a:schemeClr val="accent5"/>
+            </a:lnRef>
+            <a:fillRef idx="2">
+              <a:schemeClr val="accent5"/>
+            </a:fillRef>
+            <a:effectRef idx="1">
+              <a:schemeClr val="accent5"/>
+            </a:effectRef>
+            <a:fontRef idx="minor">
+              <a:schemeClr val="dk1"/>
+            </a:fontRef>
+          </p:style>
+          <p:txBody>
+            <a:bodyPr rtlCol="0" anchor="ctr"/>
+            <a:lstStyle/>
+            <a:p>
+              <a:pPr algn="ctr"/>
+              <a:r>
+                <a:rPr lang="en-GB" sz="1200" dirty="0"/>
+                <a:t> </a:t>
+              </a:r>
+            </a:p>
+          </p:txBody>
+        </p:sp>
+        <p:sp>
+          <p:nvSpPr>
+            <p:cNvPr id="138" name="Rettangolo 137">
+              <a:extLst>
+                <a:ext uri="{FF2B5EF4-FFF2-40B4-BE49-F238E27FC236}">
+                  <a16:creationId xmlns:a16="http://schemas.microsoft.com/office/drawing/2014/main" id="{0DD610DC-81D8-4217-85F4-01DE09B73B1E}"/>
+                </a:ext>
+              </a:extLst>
+            </p:cNvPr>
+            <p:cNvSpPr/>
+            <p:nvPr/>
+          </p:nvSpPr>
+          <p:spPr>
+            <a:xfrm>
+              <a:off x="1194666" y="2699711"/>
+              <a:ext cx="281433" cy="211952"/>
+            </a:xfrm>
+            <a:prstGeom prst="rect">
+              <a:avLst/>
+            </a:prstGeom>
+            <a:solidFill>
+              <a:srgbClr val="FFCCFF"/>
             </a:solidFill>
             <a:ln/>
           </p:spPr>
@@ -11738,137 +13793,65 @@
             </a:p>
           </p:txBody>
         </p:sp>
+        <p:sp>
+          <p:nvSpPr>
+            <p:cNvPr id="139" name="Triangolo isoscele 138">
+              <a:extLst>
+                <a:ext uri="{FF2B5EF4-FFF2-40B4-BE49-F238E27FC236}">
+                  <a16:creationId xmlns:a16="http://schemas.microsoft.com/office/drawing/2014/main" id="{0D1D1ADE-5C97-44F6-8B4A-918A42F6B41C}"/>
+                </a:ext>
+              </a:extLst>
+            </p:cNvPr>
+            <p:cNvSpPr/>
+            <p:nvPr/>
+          </p:nvSpPr>
+          <p:spPr>
+            <a:xfrm rot="16200000">
+              <a:off x="1618539" y="2391356"/>
+              <a:ext cx="86434" cy="139263"/>
+            </a:xfrm>
+            <a:prstGeom prst="triangle">
+              <a:avLst/>
+            </a:prstGeom>
+            <a:solidFill>
+              <a:srgbClr val="FF0000"/>
+            </a:solidFill>
+            <a:ln/>
+          </p:spPr>
+          <p:style>
+            <a:lnRef idx="1">
+              <a:schemeClr val="accent5"/>
+            </a:lnRef>
+            <a:fillRef idx="2">
+              <a:schemeClr val="accent5"/>
+            </a:fillRef>
+            <a:effectRef idx="1">
+              <a:schemeClr val="accent5"/>
+            </a:effectRef>
+            <a:fontRef idx="minor">
+              <a:schemeClr val="dk1"/>
+            </a:fontRef>
+          </p:style>
+          <p:txBody>
+            <a:bodyPr rtlCol="0" anchor="ctr"/>
+            <a:lstStyle/>
+            <a:p>
+              <a:pPr algn="ctr"/>
+              <a:endParaRPr lang="en-GB" sz="1200">
+                <a:solidFill>
+                  <a:schemeClr val="dk1"/>
+                </a:solidFill>
+              </a:endParaRPr>
+            </a:p>
+          </p:txBody>
+        </p:sp>
       </p:grpSp>
-      <p:cxnSp>
-        <p:nvCxnSpPr>
-          <p:cNvPr id="105" name="Connettore 2 104">
+      <p:grpSp>
+        <p:nvGrpSpPr>
+          <p:cNvPr id="140" name="Gruppo 139">
             <a:extLst>
               <a:ext uri="{FF2B5EF4-FFF2-40B4-BE49-F238E27FC236}">
-                <a16:creationId xmlns:a16="http://schemas.microsoft.com/office/drawing/2014/main" id="{5C5EF24C-2870-433B-8760-BA9721235F80}"/>
-              </a:ext>
-            </a:extLst>
-          </p:cNvPr>
-          <p:cNvCxnSpPr/>
-          <p:nvPr/>
-        </p:nvCxnSpPr>
-        <p:spPr>
-          <a:xfrm>
-            <a:off x="5004048" y="2132856"/>
-            <a:ext cx="783259" cy="0"/>
-          </a:xfrm>
-          <a:prstGeom prst="straightConnector1">
-            <a:avLst/>
-          </a:prstGeom>
-          <a:ln>
-            <a:prstDash val="lgDash"/>
-            <a:tailEnd type="arrow"/>
-          </a:ln>
-        </p:spPr>
-        <p:style>
-          <a:lnRef idx="1">
-            <a:schemeClr val="accent1"/>
-          </a:lnRef>
-          <a:fillRef idx="0">
-            <a:schemeClr val="accent1"/>
-          </a:fillRef>
-          <a:effectRef idx="0">
-            <a:schemeClr val="accent1"/>
-          </a:effectRef>
-          <a:fontRef idx="minor">
-            <a:schemeClr val="tx1"/>
-          </a:fontRef>
-        </p:style>
-      </p:cxnSp>
-      <p:cxnSp>
-        <p:nvCxnSpPr>
-          <p:cNvPr id="118" name="Connettore 2 117">
-            <a:extLst>
-              <a:ext uri="{FF2B5EF4-FFF2-40B4-BE49-F238E27FC236}">
-                <a16:creationId xmlns:a16="http://schemas.microsoft.com/office/drawing/2014/main" id="{F8177A06-2454-4B6B-92DA-EED7F30123BE}"/>
-              </a:ext>
-            </a:extLst>
-          </p:cNvPr>
-          <p:cNvCxnSpPr>
-            <a:cxnSpLocks/>
-          </p:cNvCxnSpPr>
-          <p:nvPr/>
-        </p:nvCxnSpPr>
-        <p:spPr>
-          <a:xfrm>
-            <a:off x="4606294" y="2441454"/>
-            <a:ext cx="3293392" cy="12373"/>
-          </a:xfrm>
-          <a:prstGeom prst="straightConnector1">
-            <a:avLst/>
-          </a:prstGeom>
-          <a:ln>
-            <a:prstDash val="lgDash"/>
-            <a:tailEnd type="arrow"/>
-          </a:ln>
-        </p:spPr>
-        <p:style>
-          <a:lnRef idx="1">
-            <a:schemeClr val="accent1"/>
-          </a:lnRef>
-          <a:fillRef idx="0">
-            <a:schemeClr val="accent1"/>
-          </a:fillRef>
-          <a:effectRef idx="0">
-            <a:schemeClr val="accent1"/>
-          </a:effectRef>
-          <a:fontRef idx="minor">
-            <a:schemeClr val="tx1"/>
-          </a:fontRef>
-        </p:style>
-      </p:cxnSp>
-      <p:cxnSp>
-        <p:nvCxnSpPr>
-          <p:cNvPr id="120" name="Connettore 2 119">
-            <a:extLst>
-              <a:ext uri="{FF2B5EF4-FFF2-40B4-BE49-F238E27FC236}">
-                <a16:creationId xmlns:a16="http://schemas.microsoft.com/office/drawing/2014/main" id="{0201EBEE-D5CB-41EC-A2EF-01235283C2C7}"/>
-              </a:ext>
-            </a:extLst>
-          </p:cNvPr>
-          <p:cNvCxnSpPr>
-            <a:cxnSpLocks/>
-          </p:cNvCxnSpPr>
-          <p:nvPr/>
-        </p:nvCxnSpPr>
-        <p:spPr>
-          <a:xfrm flipH="1" flipV="1">
-            <a:off x="4572000" y="2564124"/>
-            <a:ext cx="3292925" cy="9517"/>
-          </a:xfrm>
-          <a:prstGeom prst="straightConnector1">
-            <a:avLst/>
-          </a:prstGeom>
-          <a:ln>
-            <a:prstDash val="lgDash"/>
-            <a:tailEnd type="arrow"/>
-          </a:ln>
-        </p:spPr>
-        <p:style>
-          <a:lnRef idx="1">
-            <a:schemeClr val="accent1"/>
-          </a:lnRef>
-          <a:fillRef idx="0">
-            <a:schemeClr val="accent1"/>
-          </a:fillRef>
-          <a:effectRef idx="0">
-            <a:schemeClr val="accent1"/>
-          </a:effectRef>
-          <a:fontRef idx="minor">
-            <a:schemeClr val="tx1"/>
-          </a:fontRef>
-        </p:style>
-      </p:cxnSp>
-      <p:grpSp>
-        <p:nvGrpSpPr>
-          <p:cNvPr id="150" name="Gruppo 149">
-            <a:extLst>
-              <a:ext uri="{FF2B5EF4-FFF2-40B4-BE49-F238E27FC236}">
-                <a16:creationId xmlns:a16="http://schemas.microsoft.com/office/drawing/2014/main" id="{541BB2D0-8E95-4726-989F-7CB2E2BDD683}"/>
+                <a16:creationId xmlns:a16="http://schemas.microsoft.com/office/drawing/2014/main" id="{E050DA51-A84A-4347-8F67-CC8D17392021}"/>
               </a:ext>
             </a:extLst>
           </p:cNvPr>
@@ -11877,18 +13860,18 @@
         </p:nvGrpSpPr>
         <p:grpSpPr>
           <a:xfrm>
-            <a:off x="3208602" y="1090863"/>
-            <a:ext cx="787334" cy="86434"/>
-            <a:chOff x="3452446" y="4176616"/>
-            <a:chExt cx="787334" cy="86434"/>
+            <a:off x="2858859" y="1493701"/>
+            <a:ext cx="866156" cy="763297"/>
+            <a:chOff x="1194666" y="2417771"/>
+            <a:chExt cx="866156" cy="763297"/>
           </a:xfrm>
         </p:grpSpPr>
         <p:sp>
           <p:nvSpPr>
-            <p:cNvPr id="151" name="Triangolo isoscele 150">
+            <p:cNvPr id="141" name="Ovale 140">
               <a:extLst>
                 <a:ext uri="{FF2B5EF4-FFF2-40B4-BE49-F238E27FC236}">
-                  <a16:creationId xmlns:a16="http://schemas.microsoft.com/office/drawing/2014/main" id="{58A6645D-E146-4339-B375-2E87C50040C5}"/>
+                  <a16:creationId xmlns:a16="http://schemas.microsoft.com/office/drawing/2014/main" id="{DE63CF4D-78E6-41F4-8CAC-69CE173086BD}"/>
                 </a:ext>
               </a:extLst>
             </p:cNvPr>
@@ -11896,15 +13879,66 @@
             <p:nvPr/>
           </p:nvSpPr>
           <p:spPr>
-            <a:xfrm rot="5400000" flipH="1">
-              <a:off x="4126932" y="4150201"/>
-              <a:ext cx="86434" cy="139263"/>
+            <a:xfrm>
+              <a:off x="1311101" y="2460988"/>
+              <a:ext cx="749721" cy="720080"/>
             </a:xfrm>
-            <a:prstGeom prst="triangle">
+            <a:prstGeom prst="ellipse">
               <a:avLst/>
             </a:prstGeom>
             <a:solidFill>
-              <a:schemeClr val="bg1"/>
+              <a:srgbClr val="FFCCFF"/>
+            </a:solidFill>
+            <a:ln/>
+          </p:spPr>
+          <p:style>
+            <a:lnRef idx="1">
+              <a:schemeClr val="accent5"/>
+            </a:lnRef>
+            <a:fillRef idx="2">
+              <a:schemeClr val="accent5"/>
+            </a:fillRef>
+            <a:effectRef idx="1">
+              <a:schemeClr val="accent5"/>
+            </a:effectRef>
+            <a:fontRef idx="minor">
+              <a:schemeClr val="dk1"/>
+            </a:fontRef>
+          </p:style>
+          <p:txBody>
+            <a:bodyPr rtlCol="0" anchor="ctr"/>
+            <a:lstStyle/>
+            <a:p>
+              <a:pPr algn="ctr"/>
+              <a:r>
+                <a:rPr lang="en-GB" sz="1200" dirty="0"/>
+                <a:t> </a:t>
+              </a:r>
+            </a:p>
+          </p:txBody>
+        </p:sp>
+        <p:sp>
+          <p:nvSpPr>
+            <p:cNvPr id="142" name="Rettangolo 141">
+              <a:extLst>
+                <a:ext uri="{FF2B5EF4-FFF2-40B4-BE49-F238E27FC236}">
+                  <a16:creationId xmlns:a16="http://schemas.microsoft.com/office/drawing/2014/main" id="{4F30F8CD-7AC4-4148-BCAA-70881AF01E9A}"/>
+                </a:ext>
+              </a:extLst>
+            </p:cNvPr>
+            <p:cNvSpPr/>
+            <p:nvPr/>
+          </p:nvSpPr>
+          <p:spPr>
+            <a:xfrm>
+              <a:off x="1194666" y="2699711"/>
+              <a:ext cx="281433" cy="211952"/>
+            </a:xfrm>
+            <a:prstGeom prst="rect">
+              <a:avLst/>
+            </a:prstGeom>
+            <a:solidFill>
+              <a:srgbClr val="FFCCFF"/>
             </a:solidFill>
             <a:ln/>
           </p:spPr>
@@ -11931,110 +13965,12 @@
             </a:p>
           </p:txBody>
         </p:sp>
-        <p:cxnSp>
-          <p:nvCxnSpPr>
-            <p:cNvPr id="152" name="Connettore 1 74">
+        <p:sp>
+          <p:nvSpPr>
+            <p:cNvPr id="143" name="Triangolo isoscele 142">
               <a:extLst>
                 <a:ext uri="{FF2B5EF4-FFF2-40B4-BE49-F238E27FC236}">
-                  <a16:creationId xmlns:a16="http://schemas.microsoft.com/office/drawing/2014/main" id="{4EB0D786-2BFE-4AA4-A083-EEDE6D66BA02}"/>
-                </a:ext>
-              </a:extLst>
-            </p:cNvPr>
-            <p:cNvCxnSpPr>
-              <a:endCxn id="151" idx="3"/>
-            </p:cNvCxnSpPr>
-            <p:nvPr/>
-          </p:nvCxnSpPr>
-          <p:spPr>
-            <a:xfrm>
-              <a:off x="3452446" y="4219627"/>
-              <a:ext cx="648072" cy="206"/>
-            </a:xfrm>
-            <a:prstGeom prst="line">
-              <a:avLst/>
-            </a:prstGeom>
-          </p:spPr>
-          <p:style>
-            <a:lnRef idx="1">
-              <a:schemeClr val="accent1"/>
-            </a:lnRef>
-            <a:fillRef idx="0">
-              <a:schemeClr val="accent1"/>
-            </a:fillRef>
-            <a:effectRef idx="0">
-              <a:schemeClr val="accent1"/>
-            </a:effectRef>
-            <a:fontRef idx="minor">
-              <a:schemeClr val="tx1"/>
-            </a:fontRef>
-          </p:style>
-        </p:cxnSp>
-      </p:grpSp>
-      <p:grpSp>
-        <p:nvGrpSpPr>
-          <p:cNvPr id="153" name="Gruppo 152">
-            <a:extLst>
-              <a:ext uri="{FF2B5EF4-FFF2-40B4-BE49-F238E27FC236}">
-                <a16:creationId xmlns:a16="http://schemas.microsoft.com/office/drawing/2014/main" id="{62D460A9-61A5-4129-95CE-A2842F26D120}"/>
-              </a:ext>
-            </a:extLst>
-          </p:cNvPr>
-          <p:cNvGrpSpPr/>
-          <p:nvPr/>
-        </p:nvGrpSpPr>
-        <p:grpSpPr>
-          <a:xfrm>
-            <a:off x="3248699" y="1379375"/>
-            <a:ext cx="666895" cy="86434"/>
-            <a:chOff x="4592177" y="4419530"/>
-            <a:chExt cx="666895" cy="86434"/>
-          </a:xfrm>
-        </p:grpSpPr>
-        <p:cxnSp>
-          <p:nvCxnSpPr>
-            <p:cNvPr id="154" name="Connettore 1 76">
-              <a:extLst>
-                <a:ext uri="{FF2B5EF4-FFF2-40B4-BE49-F238E27FC236}">
-                  <a16:creationId xmlns:a16="http://schemas.microsoft.com/office/drawing/2014/main" id="{177B2193-64F0-424F-B63C-A23D136FD357}"/>
-                </a:ext>
-              </a:extLst>
-            </p:cNvPr>
-            <p:cNvCxnSpPr/>
-            <p:nvPr/>
-          </p:nvCxnSpPr>
-          <p:spPr>
-            <a:xfrm>
-              <a:off x="4611000" y="4462747"/>
-              <a:ext cx="648072" cy="0"/>
-            </a:xfrm>
-            <a:prstGeom prst="line">
-              <a:avLst/>
-            </a:prstGeom>
-            <a:ln>
-              <a:prstDash val="dash"/>
-            </a:ln>
-          </p:spPr>
-          <p:style>
-            <a:lnRef idx="1">
-              <a:schemeClr val="accent1"/>
-            </a:lnRef>
-            <a:fillRef idx="0">
-              <a:schemeClr val="accent1"/>
-            </a:fillRef>
-            <a:effectRef idx="0">
-              <a:schemeClr val="accent1"/>
-            </a:effectRef>
-            <a:fontRef idx="minor">
-              <a:schemeClr val="tx1"/>
-            </a:fontRef>
-          </p:style>
-        </p:cxnSp>
-        <p:sp>
-          <p:nvSpPr>
-            <p:cNvPr id="155" name="Triangolo isoscele 154">
-              <a:extLst>
-                <a:ext uri="{FF2B5EF4-FFF2-40B4-BE49-F238E27FC236}">
-                  <a16:creationId xmlns:a16="http://schemas.microsoft.com/office/drawing/2014/main" id="{D5F848F4-F5B7-4F5B-8AA9-EEAA881F34EE}"/>
+                  <a16:creationId xmlns:a16="http://schemas.microsoft.com/office/drawing/2014/main" id="{48271F48-8087-4677-9781-3BF36C1F66DB}"/>
                 </a:ext>
               </a:extLst>
             </p:cNvPr>
@@ -12043,14 +13979,14 @@
           </p:nvSpPr>
           <p:spPr>
             <a:xfrm rot="16200000">
-              <a:off x="4618592" y="4393115"/>
+              <a:off x="1618539" y="2391356"/>
               <a:ext cx="86434" cy="139263"/>
             </a:xfrm>
             <a:prstGeom prst="triangle">
               <a:avLst/>
             </a:prstGeom>
             <a:solidFill>
-              <a:schemeClr val="bg1"/>
+              <a:srgbClr val="FF0000"/>
             </a:solidFill>
             <a:ln/>
           </p:spPr>
@@ -12073,261 +14009,21 @@
             <a:lstStyle/>
             <a:p>
               <a:pPr algn="ctr"/>
-              <a:endParaRPr lang="en-GB" sz="1200"/>
+              <a:endParaRPr lang="en-GB" sz="1200">
+                <a:solidFill>
+                  <a:schemeClr val="dk1"/>
+                </a:solidFill>
+              </a:endParaRPr>
             </a:p>
           </p:txBody>
         </p:sp>
       </p:grpSp>
-      <p:sp>
-        <p:nvSpPr>
-          <p:cNvPr id="2" name="Triangolo isoscele 45">
+      <p:cxnSp>
+        <p:nvCxnSpPr>
+          <p:cNvPr id="144" name="Connettore 2 143">
             <a:extLst>
               <a:ext uri="{FF2B5EF4-FFF2-40B4-BE49-F238E27FC236}">
-                <a16:creationId xmlns:a16="http://schemas.microsoft.com/office/drawing/2014/main" id="{97ECAE60-B7E4-4F64-8C20-403298F91C6E}"/>
-              </a:ext>
-            </a:extLst>
-          </p:cNvPr>
-          <p:cNvSpPr/>
-          <p:nvPr/>
-        </p:nvSpPr>
-        <p:spPr>
-          <a:xfrm rot="5400000">
-            <a:off x="939827" y="1358108"/>
-            <a:ext cx="998084" cy="875019"/>
-          </a:xfrm>
-          <a:prstGeom prst="triangle">
-            <a:avLst/>
-          </a:prstGeom>
-          <a:solidFill>
-            <a:srgbClr val="CCFF66"/>
-          </a:solidFill>
-          <a:ln/>
-        </p:spPr>
-        <p:style>
-          <a:lnRef idx="1">
-            <a:schemeClr val="accent5"/>
-          </a:lnRef>
-          <a:fillRef idx="2">
-            <a:schemeClr val="accent5"/>
-          </a:fillRef>
-          <a:effectRef idx="1">
-            <a:schemeClr val="accent5"/>
-          </a:effectRef>
-          <a:fontRef idx="minor">
-            <a:schemeClr val="dk1"/>
-          </a:fontRef>
-        </p:style>
-        <p:txBody>
-          <a:bodyPr rtlCol="0" anchor="ctr"/>
-          <a:lstStyle/>
-          <a:p>
-            <a:pPr algn="ctr"/>
-            <a:endParaRPr lang="en-GB" sz="1200">
-              <a:solidFill>
-                <a:schemeClr val="dk1"/>
-              </a:solidFill>
-            </a:endParaRPr>
-          </a:p>
-        </p:txBody>
-      </p:sp>
-      <p:sp>
-        <p:nvSpPr>
-          <p:cNvPr id="3" name="Ovale 38">
-            <a:extLst>
-              <a:ext uri="{FF2B5EF4-FFF2-40B4-BE49-F238E27FC236}">
-                <a16:creationId xmlns:a16="http://schemas.microsoft.com/office/drawing/2014/main" id="{36CCACCD-B7CA-41C1-87E9-649D69E8B2D3}"/>
-              </a:ext>
-            </a:extLst>
-          </p:cNvPr>
-          <p:cNvSpPr/>
-          <p:nvPr/>
-        </p:nvSpPr>
-        <p:spPr>
-          <a:xfrm>
-            <a:off x="368945" y="1189239"/>
-            <a:ext cx="1219752" cy="1164750"/>
-          </a:xfrm>
-          <a:prstGeom prst="ellipse">
-            <a:avLst/>
-          </a:prstGeom>
-          <a:solidFill>
-            <a:srgbClr val="FFCCFF"/>
-          </a:solidFill>
-          <a:ln/>
-        </p:spPr>
-        <p:style>
-          <a:lnRef idx="1">
-            <a:schemeClr val="accent5"/>
-          </a:lnRef>
-          <a:fillRef idx="2">
-            <a:schemeClr val="accent5"/>
-          </a:fillRef>
-          <a:effectRef idx="1">
-            <a:schemeClr val="accent5"/>
-          </a:effectRef>
-          <a:fontRef idx="minor">
-            <a:schemeClr val="dk1"/>
-          </a:fontRef>
-        </p:style>
-        <p:txBody>
-          <a:bodyPr rtlCol="0" anchor="ctr"/>
-          <a:lstStyle/>
-          <a:p>
-            <a:pPr algn="ctr"/>
-            <a:r>
-              <a:rPr lang="en-GB" sz="1200" dirty="0"/>
-              <a:t> </a:t>
-            </a:r>
-          </a:p>
-        </p:txBody>
-      </p:sp>
-      <p:sp>
-        <p:nvSpPr>
-          <p:cNvPr id="10" name="Rettangolo 39">
-            <a:extLst>
-              <a:ext uri="{FF2B5EF4-FFF2-40B4-BE49-F238E27FC236}">
-                <a16:creationId xmlns:a16="http://schemas.microsoft.com/office/drawing/2014/main" id="{6525DCC6-0B24-4CF6-BCD7-DD17146883CA}"/>
-              </a:ext>
-            </a:extLst>
-          </p:cNvPr>
-          <p:cNvSpPr/>
-          <p:nvPr/>
-        </p:nvSpPr>
-        <p:spPr>
-          <a:xfrm>
-            <a:off x="179512" y="1575380"/>
-            <a:ext cx="457875" cy="342838"/>
-          </a:xfrm>
-          <a:prstGeom prst="rect">
-            <a:avLst/>
-          </a:prstGeom>
-          <a:solidFill>
-            <a:srgbClr val="FFCCFF"/>
-          </a:solidFill>
-          <a:ln/>
-        </p:spPr>
-        <p:style>
-          <a:lnRef idx="1">
-            <a:schemeClr val="accent5"/>
-          </a:lnRef>
-          <a:fillRef idx="2">
-            <a:schemeClr val="accent5"/>
-          </a:fillRef>
-          <a:effectRef idx="1">
-            <a:schemeClr val="accent5"/>
-          </a:effectRef>
-          <a:fontRef idx="minor">
-            <a:schemeClr val="dk1"/>
-          </a:fontRef>
-        </p:style>
-        <p:txBody>
-          <a:bodyPr rtlCol="0" anchor="ctr"/>
-          <a:lstStyle/>
-          <a:p>
-            <a:pPr algn="ctr"/>
-            <a:endParaRPr lang="en-GB" sz="1200"/>
-          </a:p>
-        </p:txBody>
-      </p:sp>
-      <p:sp>
-        <p:nvSpPr>
-          <p:cNvPr id="12" name="Triangolo isoscele 42">
-            <a:extLst>
-              <a:ext uri="{FF2B5EF4-FFF2-40B4-BE49-F238E27FC236}">
-                <a16:creationId xmlns:a16="http://schemas.microsoft.com/office/drawing/2014/main" id="{A6AF89CC-D021-40BD-94B1-4527B95012D3}"/>
-              </a:ext>
-            </a:extLst>
-          </p:cNvPr>
-          <p:cNvSpPr/>
-          <p:nvPr/>
-        </p:nvSpPr>
-        <p:spPr>
-          <a:xfrm rot="16200000">
-            <a:off x="869537" y="1075952"/>
-            <a:ext cx="139809" cy="226573"/>
-          </a:xfrm>
-          <a:prstGeom prst="triangle">
-            <a:avLst/>
-          </a:prstGeom>
-          <a:solidFill>
-            <a:srgbClr val="FF0000"/>
-          </a:solidFill>
-          <a:ln/>
-        </p:spPr>
-        <p:style>
-          <a:lnRef idx="1">
-            <a:schemeClr val="accent5"/>
-          </a:lnRef>
-          <a:fillRef idx="2">
-            <a:schemeClr val="accent5"/>
-          </a:fillRef>
-          <a:effectRef idx="1">
-            <a:schemeClr val="accent5"/>
-          </a:effectRef>
-          <a:fontRef idx="minor">
-            <a:schemeClr val="dk1"/>
-          </a:fontRef>
-        </p:style>
-        <p:txBody>
-          <a:bodyPr rtlCol="0" anchor="ctr"/>
-          <a:lstStyle/>
-          <a:p>
-            <a:pPr algn="ctr"/>
-            <a:endParaRPr lang="en-GB" sz="1200">
-              <a:solidFill>
-                <a:schemeClr val="dk1"/>
-              </a:solidFill>
-            </a:endParaRPr>
-          </a:p>
-        </p:txBody>
-      </p:sp>
-      <p:sp>
-        <p:nvSpPr>
-          <p:cNvPr id="14" name="Rettangolo 47">
-            <a:extLst>
-              <a:ext uri="{FF2B5EF4-FFF2-40B4-BE49-F238E27FC236}">
-                <a16:creationId xmlns:a16="http://schemas.microsoft.com/office/drawing/2014/main" id="{32EE7D8C-E584-48CD-853E-4F8699C67D7C}"/>
-              </a:ext>
-            </a:extLst>
-          </p:cNvPr>
-          <p:cNvSpPr/>
-          <p:nvPr/>
-        </p:nvSpPr>
-        <p:spPr>
-          <a:xfrm>
-            <a:off x="430532" y="1573869"/>
-            <a:ext cx="1213409" cy="646331"/>
-          </a:xfrm>
-          <a:prstGeom prst="rect">
-            <a:avLst/>
-          </a:prstGeom>
-        </p:spPr>
-        <p:txBody>
-          <a:bodyPr wrap="none">
-            <a:spAutoFit/>
-          </a:bodyPr>
-          <a:lstStyle/>
-          <a:p>
-            <a:r>
-              <a:rPr lang="en-GB" dirty="0"/>
-              <a:t>Tearoom</a:t>
-            </a:r>
-          </a:p>
-          <a:p>
-            <a:r>
-              <a:rPr lang="en-GB" dirty="0" err="1"/>
-              <a:t>globalstate</a:t>
-            </a:r>
-            <a:endParaRPr lang="en-GB" dirty="0"/>
-          </a:p>
-        </p:txBody>
-      </p:sp>
-      <p:cxnSp>
-        <p:nvCxnSpPr>
-          <p:cNvPr id="161" name="Connettore 2 160">
-            <a:extLst>
-              <a:ext uri="{FF2B5EF4-FFF2-40B4-BE49-F238E27FC236}">
-                <a16:creationId xmlns:a16="http://schemas.microsoft.com/office/drawing/2014/main" id="{F705AF19-69A4-492D-B980-C9B4197A3D51}"/>
+                <a16:creationId xmlns:a16="http://schemas.microsoft.com/office/drawing/2014/main" id="{E4E8EB7E-6475-4C2F-A345-910B0C3193B8}"/>
               </a:ext>
             </a:extLst>
           </p:cNvPr>
@@ -12337,57 +14033,17 @@
           <p:nvPr/>
         </p:nvCxnSpPr>
         <p:spPr>
-          <a:xfrm flipH="1">
-            <a:off x="1173971" y="2420888"/>
-            <a:ext cx="3049982" cy="0"/>
+          <a:xfrm flipV="1">
+            <a:off x="4343750" y="120858"/>
+            <a:ext cx="7155" cy="913006"/>
           </a:xfrm>
           <a:prstGeom prst="straightConnector1">
             <a:avLst/>
           </a:prstGeom>
-          <a:ln>
-            <a:prstDash val="lgDash"/>
-            <a:tailEnd type="arrow"/>
-          </a:ln>
-        </p:spPr>
-        <p:style>
-          <a:lnRef idx="1">
-            <a:schemeClr val="accent1"/>
-          </a:lnRef>
-          <a:fillRef idx="0">
-            <a:schemeClr val="accent1"/>
-          </a:fillRef>
-          <a:effectRef idx="0">
-            <a:schemeClr val="accent1"/>
-          </a:effectRef>
-          <a:fontRef idx="minor">
-            <a:schemeClr val="tx1"/>
-          </a:fontRef>
-        </p:style>
-      </p:cxnSp>
-      <p:cxnSp>
-        <p:nvCxnSpPr>
-          <p:cNvPr id="162" name="Connettore 2 161">
-            <a:extLst>
-              <a:ext uri="{FF2B5EF4-FFF2-40B4-BE49-F238E27FC236}">
-                <a16:creationId xmlns:a16="http://schemas.microsoft.com/office/drawing/2014/main" id="{AB16F9C6-2350-4F75-B014-D75C6B3E8DED}"/>
-              </a:ext>
-            </a:extLst>
-          </p:cNvPr>
-          <p:cNvCxnSpPr>
-            <a:cxnSpLocks/>
-          </p:cNvCxnSpPr>
-          <p:nvPr/>
-        </p:nvCxnSpPr>
-        <p:spPr>
-          <a:xfrm>
-            <a:off x="1194398" y="2519490"/>
-            <a:ext cx="3119466" cy="0"/>
-          </a:xfrm>
-          <a:prstGeom prst="straightConnector1">
-            <a:avLst/>
-          </a:prstGeom>
-          <a:ln>
-            <a:prstDash val="lgDash"/>
+          <a:ln w="38100">
+            <a:solidFill>
+              <a:srgbClr val="7030A0"/>
+            </a:solidFill>
             <a:tailEnd type="arrow"/>
           </a:ln>
         </p:spPr>
@@ -12409,7 +14065,7 @@
     </p:spTree>
     <p:extLst>
       <p:ext uri="{BB962C8B-B14F-4D97-AF65-F5344CB8AC3E}">
-        <p14:creationId xmlns:p14="http://schemas.microsoft.com/office/powerpoint/2010/main" val="3365032267"/>
+        <p14:creationId xmlns:p14="http://schemas.microsoft.com/office/powerpoint/2010/main" val="2132119376"/>
       </p:ext>
     </p:extLst>
   </p:cSld>
@@ -12526,7 +14182,7 @@
                                           </p:stCondLst>
                                         </p:cTn>
                                         <p:tgtEl>
-                                          <p:spTgt spid="48"/>
+                                          <p:spTgt spid="67"/>
                                         </p:tgtEl>
                                         <p:attrNameLst>
                                           <p:attrName>style.visibility</p:attrName>
@@ -12540,7 +14196,7 @@
                                       <p:cBhvr additive="base">
                                         <p:cTn id="11" dur="500" fill="hold"/>
                                         <p:tgtEl>
-                                          <p:spTgt spid="48"/>
+                                          <p:spTgt spid="67"/>
                                         </p:tgtEl>
                                         <p:attrNameLst>
                                           <p:attrName>ppt_x</p:attrName>
@@ -12563,7 +14219,7 @@
                                       <p:cBhvr additive="base">
                                         <p:cTn id="12" dur="500" fill="hold"/>
                                         <p:tgtEl>
-                                          <p:spTgt spid="48"/>
+                                          <p:spTgt spid="67"/>
                                         </p:tgtEl>
                                         <p:attrNameLst>
                                           <p:attrName>ppt_y</p:attrName>
@@ -12585,21 +14241,39 @@
                                   </p:childTnLst>
                                 </p:cTn>
                               </p:par>
+                            </p:childTnLst>
+                          </p:cTn>
+                        </p:par>
+                      </p:childTnLst>
+                    </p:cTn>
+                  </p:par>
+                  <p:par>
+                    <p:cTn id="13" fill="hold">
+                      <p:stCondLst>
+                        <p:cond delay="indefinite"/>
+                      </p:stCondLst>
+                      <p:childTnLst>
+                        <p:par>
+                          <p:cTn id="14" fill="hold">
+                            <p:stCondLst>
+                              <p:cond delay="0"/>
+                            </p:stCondLst>
+                            <p:childTnLst>
                               <p:par>
-                                <p:cTn id="13" presetID="2" presetClass="entr" presetSubtype="4" fill="hold" nodeType="withEffect">
+                                <p:cTn id="15" presetID="2" presetClass="entr" presetSubtype="4" fill="hold" nodeType="clickEffect">
                                   <p:stCondLst>
                                     <p:cond delay="0"/>
                                   </p:stCondLst>
                                   <p:childTnLst>
                                     <p:set>
                                       <p:cBhvr>
-                                        <p:cTn id="14" dur="1" fill="hold">
+                                        <p:cTn id="16" dur="1" fill="hold">
                                           <p:stCondLst>
                                             <p:cond delay="0"/>
                                           </p:stCondLst>
                                         </p:cTn>
                                         <p:tgtEl>
-                                          <p:spTgt spid="67"/>
+                                          <p:spTgt spid="144"/>
                                         </p:tgtEl>
                                         <p:attrNameLst>
                                           <p:attrName>style.visibility</p:attrName>
@@ -12611,9 +14285,9 @@
                                     </p:set>
                                     <p:anim calcmode="lin" valueType="num">
                                       <p:cBhvr additive="base">
-                                        <p:cTn id="15" dur="500" fill="hold"/>
+                                        <p:cTn id="17" dur="500" fill="hold"/>
                                         <p:tgtEl>
-                                          <p:spTgt spid="67"/>
+                                          <p:spTgt spid="144"/>
                                         </p:tgtEl>
                                         <p:attrNameLst>
                                           <p:attrName>ppt_x</p:attrName>
@@ -12634,9 +14308,9 @@
                                     </p:anim>
                                     <p:anim calcmode="lin" valueType="num">
                                       <p:cBhvr additive="base">
-                                        <p:cTn id="16" dur="500" fill="hold"/>
+                                        <p:cTn id="18" dur="500" fill="hold"/>
                                         <p:tgtEl>
-                                          <p:spTgt spid="67"/>
+                                          <p:spTgt spid="144"/>
                                         </p:tgtEl>
                                         <p:attrNameLst>
                                           <p:attrName>ppt_y</p:attrName>

--- a/resources/ISSM2020Figs.pptx
+++ b/resources/ISSM2020Figs.pptx
@@ -213,7 +213,7 @@
           <a:p>
             <a:fld id="{87B1E067-8CD6-47D2-8022-8E53E4BB7437}" type="datetimeFigureOut">
               <a:rPr lang="en-GB" smtClean="0"/>
-              <a:t>21/07/2020</a:t>
+              <a:t>22/07/2020</a:t>
             </a:fld>
             <a:endParaRPr lang="en-GB"/>
           </a:p>
@@ -379,7 +379,7 @@
           <a:p>
             <a:fld id="{71BD2418-2684-45EC-AEF4-BE55BBAB5B4F}" type="datetimeFigureOut">
               <a:rPr lang="en-GB" smtClean="0"/>
-              <a:t>21/07/2020</a:t>
+              <a:t>22/07/2020</a:t>
             </a:fld>
             <a:endParaRPr lang="en-GB"/>
           </a:p>
@@ -829,7 +829,7 @@
           <a:p>
             <a:fld id="{69EC26FC-4149-4381-B200-0ACC926D0C10}" type="datetime1">
               <a:rPr lang="en-GB" smtClean="0"/>
-              <a:t>21/07/2020</a:t>
+              <a:t>22/07/2020</a:t>
             </a:fld>
             <a:endParaRPr lang="en-GB"/>
           </a:p>
@@ -1003,7 +1003,7 @@
           <a:p>
             <a:fld id="{77675063-8333-41A8-A131-A42E0F0649C6}" type="datetime1">
               <a:rPr lang="en-GB" smtClean="0"/>
-              <a:t>21/07/2020</a:t>
+              <a:t>22/07/2020</a:t>
             </a:fld>
             <a:endParaRPr lang="en-GB"/>
           </a:p>
@@ -1187,7 +1187,7 @@
           <a:p>
             <a:fld id="{99167A15-39CA-42AA-A3F4-D4AAF34DD1E5}" type="datetime1">
               <a:rPr lang="en-GB" smtClean="0"/>
-              <a:t>21/07/2020</a:t>
+              <a:t>22/07/2020</a:t>
             </a:fld>
             <a:endParaRPr lang="en-GB"/>
           </a:p>
@@ -1361,7 +1361,7 @@
           <a:p>
             <a:fld id="{1A87AFF6-4C91-482D-BDF5-223514DB0B0D}" type="datetime1">
               <a:rPr lang="en-GB" smtClean="0"/>
-              <a:t>21/07/2020</a:t>
+              <a:t>22/07/2020</a:t>
             </a:fld>
             <a:endParaRPr lang="en-GB"/>
           </a:p>
@@ -1611,7 +1611,7 @@
           <a:p>
             <a:fld id="{A945ADE7-28FF-42C7-B167-7DC7A77ED2F3}" type="datetime1">
               <a:rPr lang="en-GB" smtClean="0"/>
-              <a:t>21/07/2020</a:t>
+              <a:t>22/07/2020</a:t>
             </a:fld>
             <a:endParaRPr lang="en-GB"/>
           </a:p>
@@ -1903,7 +1903,7 @@
           <a:p>
             <a:fld id="{092EA350-1E2E-41EE-BD8A-FB0D72F078C3}" type="datetime1">
               <a:rPr lang="en-GB" smtClean="0"/>
-              <a:t>21/07/2020</a:t>
+              <a:t>22/07/2020</a:t>
             </a:fld>
             <a:endParaRPr lang="en-GB"/>
           </a:p>
@@ -2329,7 +2329,7 @@
           <a:p>
             <a:fld id="{F8F1314B-6929-4AD1-B5B4-312DAFF8489C}" type="datetime1">
               <a:rPr lang="en-GB" smtClean="0"/>
-              <a:t>21/07/2020</a:t>
+              <a:t>22/07/2020</a:t>
             </a:fld>
             <a:endParaRPr lang="en-GB"/>
           </a:p>
@@ -2451,7 +2451,7 @@
           <a:p>
             <a:fld id="{CF5B218E-BA98-4F08-AFAD-55E0F9C51274}" type="datetime1">
               <a:rPr lang="en-GB" smtClean="0"/>
-              <a:t>21/07/2020</a:t>
+              <a:t>22/07/2020</a:t>
             </a:fld>
             <a:endParaRPr lang="en-GB"/>
           </a:p>
@@ -2550,7 +2550,7 @@
           <a:p>
             <a:fld id="{8AF6CE76-28A1-4CD7-9645-E1D020974391}" type="datetime1">
               <a:rPr lang="en-GB" smtClean="0"/>
-              <a:t>21/07/2020</a:t>
+              <a:t>22/07/2020</a:t>
             </a:fld>
             <a:endParaRPr lang="en-GB"/>
           </a:p>
@@ -2831,7 +2831,7 @@
           <a:p>
             <a:fld id="{BADBD3C4-D885-44D5-BC36-8CDC16C4E35A}" type="datetime1">
               <a:rPr lang="en-GB" smtClean="0"/>
-              <a:t>21/07/2020</a:t>
+              <a:t>22/07/2020</a:t>
             </a:fld>
             <a:endParaRPr lang="en-GB"/>
           </a:p>
@@ -3088,7 +3088,7 @@
           <a:p>
             <a:fld id="{D0C37988-22DC-4746-8A43-E6C6BF5D65EE}" type="datetime1">
               <a:rPr lang="en-GB" smtClean="0"/>
-              <a:t>21/07/2020</a:t>
+              <a:t>22/07/2020</a:t>
             </a:fld>
             <a:endParaRPr lang="en-GB"/>
           </a:p>
@@ -3305,7 +3305,7 @@
           <a:p>
             <a:fld id="{5A18A74E-3BE8-4B6E-81A4-95A392C53EA5}" type="datetime1">
               <a:rPr lang="en-GB" smtClean="0"/>
-              <a:t>21/07/2020</a:t>
+              <a:t>22/07/2020</a:t>
             </a:fld>
             <a:endParaRPr lang="en-GB"/>
           </a:p>
@@ -8071,9 +8071,9 @@
         <p:grpSpPr>
           <a:xfrm>
             <a:off x="120980" y="569441"/>
-            <a:ext cx="8906922" cy="4437566"/>
+            <a:ext cx="8906922" cy="5833280"/>
             <a:chOff x="527808" y="1369800"/>
-            <a:chExt cx="8906922" cy="4437566"/>
+            <a:chExt cx="8906922" cy="5833280"/>
           </a:xfrm>
         </p:grpSpPr>
         <p:sp>
@@ -8091,7 +8091,7 @@
           <p:spPr>
             <a:xfrm>
               <a:off x="527808" y="1549818"/>
-              <a:ext cx="8906922" cy="4035319"/>
+              <a:ext cx="8906922" cy="5415845"/>
             </a:xfrm>
             <a:prstGeom prst="roundRect">
               <a:avLst/>
@@ -8148,7 +8148,7 @@
           </p:nvSpPr>
           <p:spPr>
             <a:xfrm>
-              <a:off x="1107515" y="5350166"/>
+              <a:off x="1217244" y="6745880"/>
               <a:ext cx="1922512" cy="457200"/>
             </a:xfrm>
             <a:prstGeom prst="rect">
@@ -8535,10 +8535,10 @@
           </p:nvGrpSpPr>
           <p:grpSpPr>
             <a:xfrm>
-              <a:off x="2734110" y="3774825"/>
-              <a:ext cx="1696864" cy="1234655"/>
-              <a:chOff x="2303496" y="3852434"/>
-              <a:chExt cx="1696864" cy="1234655"/>
+              <a:off x="2849916" y="3774825"/>
+              <a:ext cx="1696863" cy="1234655"/>
+              <a:chOff x="2419302" y="3852434"/>
+              <a:chExt cx="1696863" cy="1234655"/>
             </a:xfrm>
           </p:grpSpPr>
           <p:sp>
@@ -8555,7 +8555,7 @@
             </p:nvSpPr>
             <p:spPr>
               <a:xfrm rot="5400000">
-                <a:off x="3063809" y="4091207"/>
+                <a:off x="3179614" y="4091207"/>
                 <a:ext cx="998084" cy="875019"/>
               </a:xfrm>
               <a:prstGeom prst="triangle">
@@ -8607,10 +8607,10 @@
             </p:nvGrpSpPr>
             <p:grpSpPr>
               <a:xfrm>
-                <a:off x="2303496" y="3852434"/>
-                <a:ext cx="1409185" cy="1234655"/>
-                <a:chOff x="1098339" y="3560521"/>
-                <a:chExt cx="866155" cy="763297"/>
+                <a:off x="2419302" y="3852434"/>
+                <a:ext cx="1409187" cy="1234655"/>
+                <a:chOff x="1169518" y="3560521"/>
+                <a:chExt cx="866156" cy="763297"/>
               </a:xfrm>
             </p:grpSpPr>
             <p:sp>
@@ -8627,7 +8627,7 @@
               </p:nvSpPr>
               <p:spPr>
                 <a:xfrm>
-                  <a:off x="1214773" y="3603738"/>
+                  <a:off x="1285953" y="3603738"/>
                   <a:ext cx="749721" cy="720080"/>
                 </a:xfrm>
                 <a:prstGeom prst="ellipse">
@@ -8678,7 +8678,7 @@
               </p:nvSpPr>
               <p:spPr>
                 <a:xfrm>
-                  <a:off x="1098339" y="3842459"/>
+                  <a:off x="1169518" y="3842459"/>
                   <a:ext cx="281433" cy="211952"/>
                 </a:xfrm>
                 <a:prstGeom prst="rect">
@@ -8726,7 +8726,7 @@
               </p:nvSpPr>
               <p:spPr>
                 <a:xfrm rot="16200000">
-                  <a:off x="1522213" y="3534106"/>
+                  <a:off x="1593393" y="3534106"/>
                   <a:ext cx="86434" cy="139263"/>
                 </a:xfrm>
                 <a:prstGeom prst="triangle">
@@ -8779,7 +8779,7 @@
             </p:nvSpPr>
             <p:spPr>
               <a:xfrm>
-                <a:off x="2479784" y="4306968"/>
+                <a:off x="2595589" y="4306968"/>
                 <a:ext cx="1261627" cy="369332"/>
               </a:xfrm>
               <a:prstGeom prst="rect">
@@ -9291,7 +9291,7 @@
         </p:nvGrpSpPr>
         <p:grpSpPr>
           <a:xfrm>
-            <a:off x="4247652" y="3095413"/>
+            <a:off x="4247399" y="3191119"/>
             <a:ext cx="787334" cy="86434"/>
             <a:chOff x="3452446" y="4176616"/>
             <a:chExt cx="787334" cy="86434"/>
@@ -9398,7 +9398,7 @@
         </p:nvGrpSpPr>
         <p:grpSpPr>
           <a:xfrm>
-            <a:off x="4287749" y="3383925"/>
+            <a:off x="4287496" y="3479631"/>
             <a:ext cx="666895" cy="86434"/>
             <a:chOff x="4592177" y="4419530"/>
             <a:chExt cx="666895" cy="86434"/>
@@ -9548,7 +9548,7 @@
         </p:nvCxnSpPr>
         <p:spPr>
           <a:xfrm>
-            <a:off x="3200499" y="4356818"/>
+            <a:off x="3200499" y="4292488"/>
             <a:ext cx="4664893" cy="19245"/>
           </a:xfrm>
           <a:prstGeom prst="straightConnector1">
@@ -9590,7 +9590,7 @@
         </p:nvCxnSpPr>
         <p:spPr>
           <a:xfrm flipH="1" flipV="1">
-            <a:off x="3200499" y="4482456"/>
+            <a:off x="3200499" y="4407690"/>
             <a:ext cx="4630133" cy="13421"/>
           </a:xfrm>
           <a:prstGeom prst="straightConnector1">
@@ -10048,7 +10048,7 @@
         </p:nvSpPr>
         <p:spPr>
           <a:xfrm>
-            <a:off x="4056887" y="1660431"/>
+            <a:off x="4037841" y="1703080"/>
             <a:ext cx="1213409" cy="646331"/>
           </a:xfrm>
           <a:prstGeom prst="rect">
@@ -10063,7 +10063,7 @@
           <a:p>
             <a:r>
               <a:rPr lang="en-GB" dirty="0"/>
-              <a:t>Tearoom</a:t>
+              <a:t>tearoom</a:t>
             </a:r>
           </a:p>
           <a:p>
@@ -10091,8 +10091,8 @@
         </p:nvCxnSpPr>
         <p:spPr>
           <a:xfrm flipV="1">
-            <a:off x="3732786" y="2494979"/>
-            <a:ext cx="509572" cy="705445"/>
+            <a:off x="4049302" y="2280311"/>
+            <a:ext cx="0" cy="993965"/>
           </a:xfrm>
           <a:prstGeom prst="straightConnector1">
             <a:avLst/>
@@ -10174,9 +10174,9 @@
           <p:nvPr/>
         </p:nvCxnSpPr>
         <p:spPr>
-          <a:xfrm flipV="1">
-            <a:off x="1318694" y="1893691"/>
-            <a:ext cx="2408798" cy="953891"/>
+          <a:xfrm>
+            <a:off x="527050" y="1275967"/>
+            <a:ext cx="3110774" cy="381"/>
           </a:xfrm>
           <a:prstGeom prst="straightConnector1">
             <a:avLst/>
@@ -10215,7 +10215,7 @@
         </p:nvGrpSpPr>
         <p:grpSpPr>
           <a:xfrm rot="18561419">
-            <a:off x="3218043" y="2418557"/>
+            <a:off x="3131686" y="2279806"/>
             <a:ext cx="787334" cy="86434"/>
             <a:chOff x="3452446" y="4176616"/>
             <a:chExt cx="787334" cy="86434"/>
@@ -10322,7 +10322,7 @@
         </p:nvGrpSpPr>
         <p:grpSpPr>
           <a:xfrm rot="18561419">
-            <a:off x="3258140" y="2707069"/>
+            <a:off x="3171783" y="2568318"/>
             <a:ext cx="666895" cy="86434"/>
             <a:chOff x="4592177" y="4419530"/>
             <a:chExt cx="666895" cy="86434"/>
@@ -10952,6 +10952,1446 @@
           </a:fontRef>
         </p:style>
       </p:cxnSp>
+      <p:cxnSp>
+        <p:nvCxnSpPr>
+          <p:cNvPr id="73" name="Connettore 2 72">
+            <a:extLst>
+              <a:ext uri="{FF2B5EF4-FFF2-40B4-BE49-F238E27FC236}">
+                <a16:creationId xmlns:a16="http://schemas.microsoft.com/office/drawing/2014/main" id="{62A785B3-C1A9-42CB-9664-FA30946D6D28}"/>
+              </a:ext>
+            </a:extLst>
+          </p:cNvPr>
+          <p:cNvCxnSpPr>
+            <a:cxnSpLocks/>
+          </p:cNvCxnSpPr>
+          <p:nvPr/>
+        </p:nvCxnSpPr>
+        <p:spPr>
+          <a:xfrm flipV="1">
+            <a:off x="5251250" y="2298736"/>
+            <a:ext cx="0" cy="940092"/>
+          </a:xfrm>
+          <a:prstGeom prst="straightConnector1">
+            <a:avLst/>
+          </a:prstGeom>
+          <a:ln>
+            <a:prstDash val="lgDash"/>
+            <a:tailEnd type="arrow"/>
+          </a:ln>
+        </p:spPr>
+        <p:style>
+          <a:lnRef idx="1">
+            <a:schemeClr val="accent1"/>
+          </a:lnRef>
+          <a:fillRef idx="0">
+            <a:schemeClr val="accent1"/>
+          </a:fillRef>
+          <a:effectRef idx="0">
+            <a:schemeClr val="accent1"/>
+          </a:effectRef>
+          <a:fontRef idx="minor">
+            <a:schemeClr val="tx1"/>
+          </a:fontRef>
+        </p:style>
+      </p:cxnSp>
+      <p:sp>
+        <p:nvSpPr>
+          <p:cNvPr id="6" name="Triangolo isoscele 45">
+            <a:extLst>
+              <a:ext uri="{FF2B5EF4-FFF2-40B4-BE49-F238E27FC236}">
+                <a16:creationId xmlns:a16="http://schemas.microsoft.com/office/drawing/2014/main" id="{AA12F857-AFB0-49C5-975A-9D08CBA9336C}"/>
+              </a:ext>
+            </a:extLst>
+          </p:cNvPr>
+          <p:cNvSpPr/>
+          <p:nvPr/>
+        </p:nvSpPr>
+        <p:spPr>
+          <a:xfrm rot="5400000">
+            <a:off x="5177643" y="4757425"/>
+            <a:ext cx="998084" cy="875019"/>
+          </a:xfrm>
+          <a:prstGeom prst="triangle">
+            <a:avLst/>
+          </a:prstGeom>
+          <a:solidFill>
+            <a:srgbClr val="CCFF66"/>
+          </a:solidFill>
+          <a:ln/>
+        </p:spPr>
+        <p:style>
+          <a:lnRef idx="1">
+            <a:schemeClr val="accent5"/>
+          </a:lnRef>
+          <a:fillRef idx="2">
+            <a:schemeClr val="accent5"/>
+          </a:fillRef>
+          <a:effectRef idx="1">
+            <a:schemeClr val="accent5"/>
+          </a:effectRef>
+          <a:fontRef idx="minor">
+            <a:schemeClr val="dk1"/>
+          </a:fontRef>
+        </p:style>
+        <p:txBody>
+          <a:bodyPr rtlCol="0" anchor="ctr"/>
+          <a:lstStyle/>
+          <a:p>
+            <a:pPr algn="ctr"/>
+            <a:endParaRPr lang="en-GB" sz="1200">
+              <a:solidFill>
+                <a:schemeClr val="dk1"/>
+              </a:solidFill>
+            </a:endParaRPr>
+          </a:p>
+        </p:txBody>
+      </p:sp>
+      <p:sp>
+        <p:nvSpPr>
+          <p:cNvPr id="7" name="Ovale 38">
+            <a:extLst>
+              <a:ext uri="{FF2B5EF4-FFF2-40B4-BE49-F238E27FC236}">
+                <a16:creationId xmlns:a16="http://schemas.microsoft.com/office/drawing/2014/main" id="{B9742784-6B24-4FE8-9A94-08EFEDF66A01}"/>
+              </a:ext>
+            </a:extLst>
+          </p:cNvPr>
+          <p:cNvSpPr/>
+          <p:nvPr/>
+        </p:nvSpPr>
+        <p:spPr>
+          <a:xfrm>
+            <a:off x="4606761" y="4588560"/>
+            <a:ext cx="1219751" cy="1164751"/>
+          </a:xfrm>
+          <a:prstGeom prst="ellipse">
+            <a:avLst/>
+          </a:prstGeom>
+          <a:solidFill>
+            <a:srgbClr val="FFCCFF"/>
+          </a:solidFill>
+          <a:ln/>
+        </p:spPr>
+        <p:style>
+          <a:lnRef idx="1">
+            <a:schemeClr val="accent5"/>
+          </a:lnRef>
+          <a:fillRef idx="2">
+            <a:schemeClr val="accent5"/>
+          </a:fillRef>
+          <a:effectRef idx="1">
+            <a:schemeClr val="accent5"/>
+          </a:effectRef>
+          <a:fontRef idx="minor">
+            <a:schemeClr val="dk1"/>
+          </a:fontRef>
+        </p:style>
+        <p:txBody>
+          <a:bodyPr rtlCol="0" anchor="ctr"/>
+          <a:lstStyle/>
+          <a:p>
+            <a:pPr algn="ctr"/>
+            <a:r>
+              <a:rPr lang="en-GB" sz="1200" dirty="0"/>
+              <a:t> </a:t>
+            </a:r>
+          </a:p>
+        </p:txBody>
+      </p:sp>
+      <p:sp>
+        <p:nvSpPr>
+          <p:cNvPr id="8" name="Rettangolo 39">
+            <a:extLst>
+              <a:ext uri="{FF2B5EF4-FFF2-40B4-BE49-F238E27FC236}">
+                <a16:creationId xmlns:a16="http://schemas.microsoft.com/office/drawing/2014/main" id="{C3E965CE-B972-4F39-A35C-B0D7080F111E}"/>
+              </a:ext>
+            </a:extLst>
+          </p:cNvPr>
+          <p:cNvSpPr/>
+          <p:nvPr/>
+        </p:nvSpPr>
+        <p:spPr>
+          <a:xfrm>
+            <a:off x="4417328" y="4974698"/>
+            <a:ext cx="457875" cy="342839"/>
+          </a:xfrm>
+          <a:prstGeom prst="rect">
+            <a:avLst/>
+          </a:prstGeom>
+          <a:solidFill>
+            <a:srgbClr val="FFCCFF"/>
+          </a:solidFill>
+          <a:ln/>
+        </p:spPr>
+        <p:style>
+          <a:lnRef idx="1">
+            <a:schemeClr val="accent5"/>
+          </a:lnRef>
+          <a:fillRef idx="2">
+            <a:schemeClr val="accent5"/>
+          </a:fillRef>
+          <a:effectRef idx="1">
+            <a:schemeClr val="accent5"/>
+          </a:effectRef>
+          <a:fontRef idx="minor">
+            <a:schemeClr val="dk1"/>
+          </a:fontRef>
+        </p:style>
+        <p:txBody>
+          <a:bodyPr rtlCol="0" anchor="ctr"/>
+          <a:lstStyle/>
+          <a:p>
+            <a:pPr algn="ctr"/>
+            <a:endParaRPr lang="en-GB" sz="1200"/>
+          </a:p>
+        </p:txBody>
+      </p:sp>
+      <p:sp>
+        <p:nvSpPr>
+          <p:cNvPr id="9" name="Triangolo isoscele 42">
+            <a:extLst>
+              <a:ext uri="{FF2B5EF4-FFF2-40B4-BE49-F238E27FC236}">
+                <a16:creationId xmlns:a16="http://schemas.microsoft.com/office/drawing/2014/main" id="{9D19EF06-EFF8-4D13-9B63-CADE9675DF10}"/>
+              </a:ext>
+            </a:extLst>
+          </p:cNvPr>
+          <p:cNvSpPr/>
+          <p:nvPr/>
+        </p:nvSpPr>
+        <p:spPr>
+          <a:xfrm rot="16200000">
+            <a:off x="5107351" y="4475270"/>
+            <a:ext cx="139810" cy="226573"/>
+          </a:xfrm>
+          <a:prstGeom prst="triangle">
+            <a:avLst/>
+          </a:prstGeom>
+          <a:solidFill>
+            <a:srgbClr val="FF0000"/>
+          </a:solidFill>
+          <a:ln/>
+        </p:spPr>
+        <p:style>
+          <a:lnRef idx="1">
+            <a:schemeClr val="accent5"/>
+          </a:lnRef>
+          <a:fillRef idx="2">
+            <a:schemeClr val="accent5"/>
+          </a:fillRef>
+          <a:effectRef idx="1">
+            <a:schemeClr val="accent5"/>
+          </a:effectRef>
+          <a:fontRef idx="minor">
+            <a:schemeClr val="dk1"/>
+          </a:fontRef>
+        </p:style>
+        <p:txBody>
+          <a:bodyPr rtlCol="0" anchor="ctr"/>
+          <a:lstStyle/>
+          <a:p>
+            <a:pPr algn="ctr"/>
+            <a:endParaRPr lang="en-GB" sz="1200">
+              <a:solidFill>
+                <a:schemeClr val="dk1"/>
+              </a:solidFill>
+            </a:endParaRPr>
+          </a:p>
+        </p:txBody>
+      </p:sp>
+      <p:sp>
+        <p:nvSpPr>
+          <p:cNvPr id="11" name="Rettangolo 47">
+            <a:extLst>
+              <a:ext uri="{FF2B5EF4-FFF2-40B4-BE49-F238E27FC236}">
+                <a16:creationId xmlns:a16="http://schemas.microsoft.com/office/drawing/2014/main" id="{FC45DF49-7E68-49AC-AA13-41580EB96599}"/>
+              </a:ext>
+            </a:extLst>
+          </p:cNvPr>
+          <p:cNvSpPr/>
+          <p:nvPr/>
+        </p:nvSpPr>
+        <p:spPr>
+          <a:xfrm>
+            <a:off x="4701563" y="4986269"/>
+            <a:ext cx="1495153" cy="369332"/>
+          </a:xfrm>
+          <a:prstGeom prst="rect">
+            <a:avLst/>
+          </a:prstGeom>
+        </p:spPr>
+        <p:txBody>
+          <a:bodyPr wrap="none">
+            <a:spAutoFit/>
+          </a:bodyPr>
+          <a:lstStyle/>
+          <a:p>
+            <a:r>
+              <a:rPr lang="en-GB" dirty="0"/>
+              <a:t>maxstaytime1</a:t>
+            </a:r>
+          </a:p>
+        </p:txBody>
+      </p:sp>
+      <p:sp>
+        <p:nvSpPr>
+          <p:cNvPr id="13" name="Triangolo isoscele 45">
+            <a:extLst>
+              <a:ext uri="{FF2B5EF4-FFF2-40B4-BE49-F238E27FC236}">
+                <a16:creationId xmlns:a16="http://schemas.microsoft.com/office/drawing/2014/main" id="{800CFB82-C499-4031-8D00-3D61D145671D}"/>
+              </a:ext>
+            </a:extLst>
+          </p:cNvPr>
+          <p:cNvSpPr/>
+          <p:nvPr/>
+        </p:nvSpPr>
+        <p:spPr>
+          <a:xfrm rot="5400000">
+            <a:off x="3136045" y="4757425"/>
+            <a:ext cx="998084" cy="875019"/>
+          </a:xfrm>
+          <a:prstGeom prst="triangle">
+            <a:avLst/>
+          </a:prstGeom>
+          <a:solidFill>
+            <a:srgbClr val="CCFF66"/>
+          </a:solidFill>
+          <a:ln/>
+        </p:spPr>
+        <p:style>
+          <a:lnRef idx="1">
+            <a:schemeClr val="accent5"/>
+          </a:lnRef>
+          <a:fillRef idx="2">
+            <a:schemeClr val="accent5"/>
+          </a:fillRef>
+          <a:effectRef idx="1">
+            <a:schemeClr val="accent5"/>
+          </a:effectRef>
+          <a:fontRef idx="minor">
+            <a:schemeClr val="dk1"/>
+          </a:fontRef>
+        </p:style>
+        <p:txBody>
+          <a:bodyPr rtlCol="0" anchor="ctr"/>
+          <a:lstStyle/>
+          <a:p>
+            <a:pPr algn="ctr"/>
+            <a:endParaRPr lang="en-GB" sz="1200">
+              <a:solidFill>
+                <a:schemeClr val="dk1"/>
+              </a:solidFill>
+            </a:endParaRPr>
+          </a:p>
+        </p:txBody>
+      </p:sp>
+      <p:sp>
+        <p:nvSpPr>
+          <p:cNvPr id="15" name="Ovale 38">
+            <a:extLst>
+              <a:ext uri="{FF2B5EF4-FFF2-40B4-BE49-F238E27FC236}">
+                <a16:creationId xmlns:a16="http://schemas.microsoft.com/office/drawing/2014/main" id="{DE39FA8E-B3B4-4DDD-A320-D923188D6F70}"/>
+              </a:ext>
+            </a:extLst>
+          </p:cNvPr>
+          <p:cNvSpPr/>
+          <p:nvPr/>
+        </p:nvSpPr>
+        <p:spPr>
+          <a:xfrm>
+            <a:off x="2565163" y="4588560"/>
+            <a:ext cx="1219751" cy="1164751"/>
+          </a:xfrm>
+          <a:prstGeom prst="ellipse">
+            <a:avLst/>
+          </a:prstGeom>
+          <a:solidFill>
+            <a:srgbClr val="FFCCFF"/>
+          </a:solidFill>
+          <a:ln/>
+        </p:spPr>
+        <p:style>
+          <a:lnRef idx="1">
+            <a:schemeClr val="accent5"/>
+          </a:lnRef>
+          <a:fillRef idx="2">
+            <a:schemeClr val="accent5"/>
+          </a:fillRef>
+          <a:effectRef idx="1">
+            <a:schemeClr val="accent5"/>
+          </a:effectRef>
+          <a:fontRef idx="minor">
+            <a:schemeClr val="dk1"/>
+          </a:fontRef>
+        </p:style>
+        <p:txBody>
+          <a:bodyPr rtlCol="0" anchor="ctr"/>
+          <a:lstStyle/>
+          <a:p>
+            <a:pPr algn="ctr"/>
+            <a:r>
+              <a:rPr lang="en-GB" sz="1200" dirty="0"/>
+              <a:t> </a:t>
+            </a:r>
+          </a:p>
+        </p:txBody>
+      </p:sp>
+      <p:sp>
+        <p:nvSpPr>
+          <p:cNvPr id="16" name="Rettangolo 39">
+            <a:extLst>
+              <a:ext uri="{FF2B5EF4-FFF2-40B4-BE49-F238E27FC236}">
+                <a16:creationId xmlns:a16="http://schemas.microsoft.com/office/drawing/2014/main" id="{16069A29-D766-4F22-8F65-FEE2112C2239}"/>
+              </a:ext>
+            </a:extLst>
+          </p:cNvPr>
+          <p:cNvSpPr/>
+          <p:nvPr/>
+        </p:nvSpPr>
+        <p:spPr>
+          <a:xfrm>
+            <a:off x="2375730" y="4974698"/>
+            <a:ext cx="457875" cy="342839"/>
+          </a:xfrm>
+          <a:prstGeom prst="rect">
+            <a:avLst/>
+          </a:prstGeom>
+          <a:solidFill>
+            <a:srgbClr val="FFCCFF"/>
+          </a:solidFill>
+          <a:ln/>
+        </p:spPr>
+        <p:style>
+          <a:lnRef idx="1">
+            <a:schemeClr val="accent5"/>
+          </a:lnRef>
+          <a:fillRef idx="2">
+            <a:schemeClr val="accent5"/>
+          </a:fillRef>
+          <a:effectRef idx="1">
+            <a:schemeClr val="accent5"/>
+          </a:effectRef>
+          <a:fontRef idx="minor">
+            <a:schemeClr val="dk1"/>
+          </a:fontRef>
+        </p:style>
+        <p:txBody>
+          <a:bodyPr rtlCol="0" anchor="ctr"/>
+          <a:lstStyle/>
+          <a:p>
+            <a:pPr algn="ctr"/>
+            <a:endParaRPr lang="en-GB" sz="1200"/>
+          </a:p>
+        </p:txBody>
+      </p:sp>
+      <p:sp>
+        <p:nvSpPr>
+          <p:cNvPr id="17" name="Triangolo isoscele 42">
+            <a:extLst>
+              <a:ext uri="{FF2B5EF4-FFF2-40B4-BE49-F238E27FC236}">
+                <a16:creationId xmlns:a16="http://schemas.microsoft.com/office/drawing/2014/main" id="{F4C0ED7B-401D-4F94-9EBF-708FF5F672B7}"/>
+              </a:ext>
+            </a:extLst>
+          </p:cNvPr>
+          <p:cNvSpPr/>
+          <p:nvPr/>
+        </p:nvSpPr>
+        <p:spPr>
+          <a:xfrm rot="16200000">
+            <a:off x="3065753" y="4475270"/>
+            <a:ext cx="139810" cy="226573"/>
+          </a:xfrm>
+          <a:prstGeom prst="triangle">
+            <a:avLst/>
+          </a:prstGeom>
+          <a:solidFill>
+            <a:srgbClr val="FF0000"/>
+          </a:solidFill>
+          <a:ln/>
+        </p:spPr>
+        <p:style>
+          <a:lnRef idx="1">
+            <a:schemeClr val="accent5"/>
+          </a:lnRef>
+          <a:fillRef idx="2">
+            <a:schemeClr val="accent5"/>
+          </a:fillRef>
+          <a:effectRef idx="1">
+            <a:schemeClr val="accent5"/>
+          </a:effectRef>
+          <a:fontRef idx="minor">
+            <a:schemeClr val="dk1"/>
+          </a:fontRef>
+        </p:style>
+        <p:txBody>
+          <a:bodyPr rtlCol="0" anchor="ctr"/>
+          <a:lstStyle/>
+          <a:p>
+            <a:pPr algn="ctr"/>
+            <a:endParaRPr lang="en-GB" sz="1200">
+              <a:solidFill>
+                <a:schemeClr val="dk1"/>
+              </a:solidFill>
+            </a:endParaRPr>
+          </a:p>
+        </p:txBody>
+      </p:sp>
+      <p:sp>
+        <p:nvSpPr>
+          <p:cNvPr id="18" name="Rettangolo 47">
+            <a:extLst>
+              <a:ext uri="{FF2B5EF4-FFF2-40B4-BE49-F238E27FC236}">
+                <a16:creationId xmlns:a16="http://schemas.microsoft.com/office/drawing/2014/main" id="{91CBCE70-19B6-4E81-B257-D758DBF6D29B}"/>
+              </a:ext>
+            </a:extLst>
+          </p:cNvPr>
+          <p:cNvSpPr/>
+          <p:nvPr/>
+        </p:nvSpPr>
+        <p:spPr>
+          <a:xfrm>
+            <a:off x="2659965" y="4986269"/>
+            <a:ext cx="1378134" cy="369332"/>
+          </a:xfrm>
+          <a:prstGeom prst="rect">
+            <a:avLst/>
+          </a:prstGeom>
+        </p:spPr>
+        <p:txBody>
+          <a:bodyPr wrap="none">
+            <a:spAutoFit/>
+          </a:bodyPr>
+          <a:lstStyle/>
+          <a:p>
+            <a:r>
+              <a:rPr lang="en-GB" dirty="0" err="1"/>
+              <a:t>maxstaytime</a:t>
+            </a:r>
+            <a:endParaRPr lang="en-GB" dirty="0"/>
+          </a:p>
+        </p:txBody>
+      </p:sp>
+      <p:sp>
+        <p:nvSpPr>
+          <p:cNvPr id="19" name="Triangolo isoscele 45">
+            <a:extLst>
+              <a:ext uri="{FF2B5EF4-FFF2-40B4-BE49-F238E27FC236}">
+                <a16:creationId xmlns:a16="http://schemas.microsoft.com/office/drawing/2014/main" id="{2A281A98-7A21-4383-9671-551A92DC0849}"/>
+              </a:ext>
+            </a:extLst>
+          </p:cNvPr>
+          <p:cNvSpPr/>
+          <p:nvPr/>
+        </p:nvSpPr>
+        <p:spPr>
+          <a:xfrm rot="5400000">
+            <a:off x="1105676" y="4757425"/>
+            <a:ext cx="998084" cy="875019"/>
+          </a:xfrm>
+          <a:prstGeom prst="triangle">
+            <a:avLst/>
+          </a:prstGeom>
+          <a:solidFill>
+            <a:srgbClr val="CCFF66"/>
+          </a:solidFill>
+          <a:ln/>
+        </p:spPr>
+        <p:style>
+          <a:lnRef idx="1">
+            <a:schemeClr val="accent5"/>
+          </a:lnRef>
+          <a:fillRef idx="2">
+            <a:schemeClr val="accent5"/>
+          </a:fillRef>
+          <a:effectRef idx="1">
+            <a:schemeClr val="accent5"/>
+          </a:effectRef>
+          <a:fontRef idx="minor">
+            <a:schemeClr val="dk1"/>
+          </a:fontRef>
+        </p:style>
+        <p:txBody>
+          <a:bodyPr rtlCol="0" anchor="ctr"/>
+          <a:lstStyle/>
+          <a:p>
+            <a:pPr algn="ctr"/>
+            <a:endParaRPr lang="en-GB" sz="1200">
+              <a:solidFill>
+                <a:schemeClr val="dk1"/>
+              </a:solidFill>
+            </a:endParaRPr>
+          </a:p>
+        </p:txBody>
+      </p:sp>
+      <p:sp>
+        <p:nvSpPr>
+          <p:cNvPr id="20" name="Ovale 38">
+            <a:extLst>
+              <a:ext uri="{FF2B5EF4-FFF2-40B4-BE49-F238E27FC236}">
+                <a16:creationId xmlns:a16="http://schemas.microsoft.com/office/drawing/2014/main" id="{2A2C9685-CA64-4F9A-896A-2598520EBFB8}"/>
+              </a:ext>
+            </a:extLst>
+          </p:cNvPr>
+          <p:cNvSpPr/>
+          <p:nvPr/>
+        </p:nvSpPr>
+        <p:spPr>
+          <a:xfrm>
+            <a:off x="534794" y="4588560"/>
+            <a:ext cx="1219751" cy="1164751"/>
+          </a:xfrm>
+          <a:prstGeom prst="ellipse">
+            <a:avLst/>
+          </a:prstGeom>
+          <a:solidFill>
+            <a:srgbClr val="FFCCFF"/>
+          </a:solidFill>
+          <a:ln/>
+        </p:spPr>
+        <p:style>
+          <a:lnRef idx="1">
+            <a:schemeClr val="accent5"/>
+          </a:lnRef>
+          <a:fillRef idx="2">
+            <a:schemeClr val="accent5"/>
+          </a:fillRef>
+          <a:effectRef idx="1">
+            <a:schemeClr val="accent5"/>
+          </a:effectRef>
+          <a:fontRef idx="minor">
+            <a:schemeClr val="dk1"/>
+          </a:fontRef>
+        </p:style>
+        <p:txBody>
+          <a:bodyPr rtlCol="0" anchor="ctr"/>
+          <a:lstStyle/>
+          <a:p>
+            <a:pPr algn="ctr"/>
+            <a:r>
+              <a:rPr lang="en-GB" sz="1200" dirty="0"/>
+              <a:t> </a:t>
+            </a:r>
+          </a:p>
+        </p:txBody>
+      </p:sp>
+      <p:sp>
+        <p:nvSpPr>
+          <p:cNvPr id="21" name="Rettangolo 39">
+            <a:extLst>
+              <a:ext uri="{FF2B5EF4-FFF2-40B4-BE49-F238E27FC236}">
+                <a16:creationId xmlns:a16="http://schemas.microsoft.com/office/drawing/2014/main" id="{384F3176-C7C1-433B-94D1-019E3D5089B5}"/>
+              </a:ext>
+            </a:extLst>
+          </p:cNvPr>
+          <p:cNvSpPr/>
+          <p:nvPr/>
+        </p:nvSpPr>
+        <p:spPr>
+          <a:xfrm>
+            <a:off x="345361" y="4974698"/>
+            <a:ext cx="457875" cy="342839"/>
+          </a:xfrm>
+          <a:prstGeom prst="rect">
+            <a:avLst/>
+          </a:prstGeom>
+          <a:solidFill>
+            <a:srgbClr val="FFCCFF"/>
+          </a:solidFill>
+          <a:ln/>
+        </p:spPr>
+        <p:style>
+          <a:lnRef idx="1">
+            <a:schemeClr val="accent5"/>
+          </a:lnRef>
+          <a:fillRef idx="2">
+            <a:schemeClr val="accent5"/>
+          </a:fillRef>
+          <a:effectRef idx="1">
+            <a:schemeClr val="accent5"/>
+          </a:effectRef>
+          <a:fontRef idx="minor">
+            <a:schemeClr val="dk1"/>
+          </a:fontRef>
+        </p:style>
+        <p:txBody>
+          <a:bodyPr rtlCol="0" anchor="ctr"/>
+          <a:lstStyle/>
+          <a:p>
+            <a:pPr algn="ctr"/>
+            <a:endParaRPr lang="en-GB" sz="1200"/>
+          </a:p>
+        </p:txBody>
+      </p:sp>
+      <p:sp>
+        <p:nvSpPr>
+          <p:cNvPr id="22" name="Triangolo isoscele 42">
+            <a:extLst>
+              <a:ext uri="{FF2B5EF4-FFF2-40B4-BE49-F238E27FC236}">
+                <a16:creationId xmlns:a16="http://schemas.microsoft.com/office/drawing/2014/main" id="{E101B254-60E7-431F-848C-AA842DFEF527}"/>
+              </a:ext>
+            </a:extLst>
+          </p:cNvPr>
+          <p:cNvSpPr/>
+          <p:nvPr/>
+        </p:nvSpPr>
+        <p:spPr>
+          <a:xfrm rot="16200000">
+            <a:off x="1035384" y="4475270"/>
+            <a:ext cx="139810" cy="226573"/>
+          </a:xfrm>
+          <a:prstGeom prst="triangle">
+            <a:avLst/>
+          </a:prstGeom>
+          <a:solidFill>
+            <a:srgbClr val="FF0000"/>
+          </a:solidFill>
+          <a:ln/>
+        </p:spPr>
+        <p:style>
+          <a:lnRef idx="1">
+            <a:schemeClr val="accent5"/>
+          </a:lnRef>
+          <a:fillRef idx="2">
+            <a:schemeClr val="accent5"/>
+          </a:fillRef>
+          <a:effectRef idx="1">
+            <a:schemeClr val="accent5"/>
+          </a:effectRef>
+          <a:fontRef idx="minor">
+            <a:schemeClr val="dk1"/>
+          </a:fontRef>
+        </p:style>
+        <p:txBody>
+          <a:bodyPr rtlCol="0" anchor="ctr"/>
+          <a:lstStyle/>
+          <a:p>
+            <a:pPr algn="ctr"/>
+            <a:endParaRPr lang="en-GB" sz="1200">
+              <a:solidFill>
+                <a:schemeClr val="dk1"/>
+              </a:solidFill>
+            </a:endParaRPr>
+          </a:p>
+        </p:txBody>
+      </p:sp>
+      <p:sp>
+        <p:nvSpPr>
+          <p:cNvPr id="23" name="Rettangolo 47">
+            <a:extLst>
+              <a:ext uri="{FF2B5EF4-FFF2-40B4-BE49-F238E27FC236}">
+                <a16:creationId xmlns:a16="http://schemas.microsoft.com/office/drawing/2014/main" id="{B03BB42C-A214-4BCA-BA45-93350BDC1DA2}"/>
+              </a:ext>
+            </a:extLst>
+          </p:cNvPr>
+          <p:cNvSpPr/>
+          <p:nvPr/>
+        </p:nvSpPr>
+        <p:spPr>
+          <a:xfrm>
+            <a:off x="629596" y="4986269"/>
+            <a:ext cx="1495153" cy="369332"/>
+          </a:xfrm>
+          <a:prstGeom prst="rect">
+            <a:avLst/>
+          </a:prstGeom>
+        </p:spPr>
+        <p:txBody>
+          <a:bodyPr wrap="none">
+            <a:spAutoFit/>
+          </a:bodyPr>
+          <a:lstStyle/>
+          <a:p>
+            <a:r>
+              <a:rPr lang="en-GB" dirty="0"/>
+              <a:t>maxstaytime2</a:t>
+            </a:r>
+          </a:p>
+        </p:txBody>
+      </p:sp>
+      <p:cxnSp>
+        <p:nvCxnSpPr>
+          <p:cNvPr id="122" name="Connettore 1 20">
+            <a:extLst>
+              <a:ext uri="{FF2B5EF4-FFF2-40B4-BE49-F238E27FC236}">
+                <a16:creationId xmlns:a16="http://schemas.microsoft.com/office/drawing/2014/main" id="{3D49ADB8-DDED-425E-87D9-F2877C698C24}"/>
+              </a:ext>
+            </a:extLst>
+          </p:cNvPr>
+          <p:cNvCxnSpPr>
+            <a:cxnSpLocks/>
+          </p:cNvCxnSpPr>
+          <p:nvPr/>
+        </p:nvCxnSpPr>
+        <p:spPr>
+          <a:xfrm>
+            <a:off x="527050" y="1286710"/>
+            <a:ext cx="0" cy="2050532"/>
+          </a:xfrm>
+          <a:prstGeom prst="line">
+            <a:avLst/>
+          </a:prstGeom>
+          <a:ln>
+            <a:prstDash val="dash"/>
+          </a:ln>
+        </p:spPr>
+        <p:style>
+          <a:lnRef idx="1">
+            <a:schemeClr val="accent1"/>
+          </a:lnRef>
+          <a:fillRef idx="0">
+            <a:schemeClr val="accent1"/>
+          </a:fillRef>
+          <a:effectRef idx="0">
+            <a:schemeClr val="accent1"/>
+          </a:effectRef>
+          <a:fontRef idx="minor">
+            <a:schemeClr val="tx1"/>
+          </a:fontRef>
+        </p:style>
+      </p:cxnSp>
+      <p:grpSp>
+        <p:nvGrpSpPr>
+          <p:cNvPr id="125" name="Gruppo 124">
+            <a:extLst>
+              <a:ext uri="{FF2B5EF4-FFF2-40B4-BE49-F238E27FC236}">
+                <a16:creationId xmlns:a16="http://schemas.microsoft.com/office/drawing/2014/main" id="{73268EA0-EC85-43BA-B2E2-21021676C2F9}"/>
+              </a:ext>
+            </a:extLst>
+          </p:cNvPr>
+          <p:cNvGrpSpPr/>
+          <p:nvPr/>
+        </p:nvGrpSpPr>
+        <p:grpSpPr>
+          <a:xfrm rot="16200000">
+            <a:off x="2243060" y="4303497"/>
+            <a:ext cx="787334" cy="86434"/>
+            <a:chOff x="3452446" y="4176616"/>
+            <a:chExt cx="787334" cy="86434"/>
+          </a:xfrm>
+        </p:grpSpPr>
+        <p:sp>
+          <p:nvSpPr>
+            <p:cNvPr id="134" name="Triangolo isoscele 133">
+              <a:extLst>
+                <a:ext uri="{FF2B5EF4-FFF2-40B4-BE49-F238E27FC236}">
+                  <a16:creationId xmlns:a16="http://schemas.microsoft.com/office/drawing/2014/main" id="{86EFD613-488D-40C8-B991-BF0BA6BEBDA5}"/>
+                </a:ext>
+              </a:extLst>
+            </p:cNvPr>
+            <p:cNvSpPr/>
+            <p:nvPr/>
+          </p:nvSpPr>
+          <p:spPr>
+            <a:xfrm rot="5400000" flipH="1">
+              <a:off x="4126932" y="4150201"/>
+              <a:ext cx="86434" cy="139263"/>
+            </a:xfrm>
+            <a:prstGeom prst="triangle">
+              <a:avLst/>
+            </a:prstGeom>
+            <a:solidFill>
+              <a:schemeClr val="bg1"/>
+            </a:solidFill>
+            <a:ln/>
+          </p:spPr>
+          <p:style>
+            <a:lnRef idx="1">
+              <a:schemeClr val="accent5"/>
+            </a:lnRef>
+            <a:fillRef idx="2">
+              <a:schemeClr val="accent5"/>
+            </a:fillRef>
+            <a:effectRef idx="1">
+              <a:schemeClr val="accent5"/>
+            </a:effectRef>
+            <a:fontRef idx="minor">
+              <a:schemeClr val="dk1"/>
+            </a:fontRef>
+          </p:style>
+          <p:txBody>
+            <a:bodyPr rtlCol="0" anchor="ctr"/>
+            <a:lstStyle/>
+            <a:p>
+              <a:pPr algn="ctr"/>
+              <a:endParaRPr lang="en-GB" sz="1200"/>
+            </a:p>
+          </p:txBody>
+        </p:sp>
+        <p:cxnSp>
+          <p:nvCxnSpPr>
+            <p:cNvPr id="139" name="Connettore 1 74">
+              <a:extLst>
+                <a:ext uri="{FF2B5EF4-FFF2-40B4-BE49-F238E27FC236}">
+                  <a16:creationId xmlns:a16="http://schemas.microsoft.com/office/drawing/2014/main" id="{03A1CC5E-7892-4377-8432-5586BFF1FB7A}"/>
+                </a:ext>
+              </a:extLst>
+            </p:cNvPr>
+            <p:cNvCxnSpPr>
+              <a:endCxn id="134" idx="3"/>
+            </p:cNvCxnSpPr>
+            <p:nvPr/>
+          </p:nvCxnSpPr>
+          <p:spPr>
+            <a:xfrm>
+              <a:off x="3452446" y="4219627"/>
+              <a:ext cx="648072" cy="206"/>
+            </a:xfrm>
+            <a:prstGeom prst="line">
+              <a:avLst/>
+            </a:prstGeom>
+          </p:spPr>
+          <p:style>
+            <a:lnRef idx="1">
+              <a:schemeClr val="accent1"/>
+            </a:lnRef>
+            <a:fillRef idx="0">
+              <a:schemeClr val="accent1"/>
+            </a:fillRef>
+            <a:effectRef idx="0">
+              <a:schemeClr val="accent1"/>
+            </a:effectRef>
+            <a:fontRef idx="minor">
+              <a:schemeClr val="tx1"/>
+            </a:fontRef>
+          </p:style>
+        </p:cxnSp>
+      </p:grpSp>
+      <p:grpSp>
+        <p:nvGrpSpPr>
+          <p:cNvPr id="140" name="Gruppo 139">
+            <a:extLst>
+              <a:ext uri="{FF2B5EF4-FFF2-40B4-BE49-F238E27FC236}">
+                <a16:creationId xmlns:a16="http://schemas.microsoft.com/office/drawing/2014/main" id="{09094155-9DC2-42A1-91BB-8DCC560BB580}"/>
+              </a:ext>
+            </a:extLst>
+          </p:cNvPr>
+          <p:cNvGrpSpPr/>
+          <p:nvPr/>
+        </p:nvGrpSpPr>
+        <p:grpSpPr>
+          <a:xfrm rot="16200000">
+            <a:off x="2154751" y="4369873"/>
+            <a:ext cx="666895" cy="86434"/>
+            <a:chOff x="4592177" y="4419530"/>
+            <a:chExt cx="666895" cy="86434"/>
+          </a:xfrm>
+        </p:grpSpPr>
+        <p:cxnSp>
+          <p:nvCxnSpPr>
+            <p:cNvPr id="141" name="Connettore 1 76">
+              <a:extLst>
+                <a:ext uri="{FF2B5EF4-FFF2-40B4-BE49-F238E27FC236}">
+                  <a16:creationId xmlns:a16="http://schemas.microsoft.com/office/drawing/2014/main" id="{F578A5CE-54C6-4B51-BEA7-2B25E56F46AB}"/>
+                </a:ext>
+              </a:extLst>
+            </p:cNvPr>
+            <p:cNvCxnSpPr/>
+            <p:nvPr/>
+          </p:nvCxnSpPr>
+          <p:spPr>
+            <a:xfrm>
+              <a:off x="4611000" y="4462747"/>
+              <a:ext cx="648072" cy="0"/>
+            </a:xfrm>
+            <a:prstGeom prst="line">
+              <a:avLst/>
+            </a:prstGeom>
+            <a:ln>
+              <a:prstDash val="dash"/>
+            </a:ln>
+          </p:spPr>
+          <p:style>
+            <a:lnRef idx="1">
+              <a:schemeClr val="accent1"/>
+            </a:lnRef>
+            <a:fillRef idx="0">
+              <a:schemeClr val="accent1"/>
+            </a:fillRef>
+            <a:effectRef idx="0">
+              <a:schemeClr val="accent1"/>
+            </a:effectRef>
+            <a:fontRef idx="minor">
+              <a:schemeClr val="tx1"/>
+            </a:fontRef>
+          </p:style>
+        </p:cxnSp>
+        <p:sp>
+          <p:nvSpPr>
+            <p:cNvPr id="142" name="Triangolo isoscele 141">
+              <a:extLst>
+                <a:ext uri="{FF2B5EF4-FFF2-40B4-BE49-F238E27FC236}">
+                  <a16:creationId xmlns:a16="http://schemas.microsoft.com/office/drawing/2014/main" id="{8495E90C-0CFE-4B99-9DC4-774E4399FB2F}"/>
+                </a:ext>
+              </a:extLst>
+            </p:cNvPr>
+            <p:cNvSpPr/>
+            <p:nvPr/>
+          </p:nvSpPr>
+          <p:spPr>
+            <a:xfrm rot="16200000">
+              <a:off x="4618592" y="4393115"/>
+              <a:ext cx="86434" cy="139263"/>
+            </a:xfrm>
+            <a:prstGeom prst="triangle">
+              <a:avLst/>
+            </a:prstGeom>
+            <a:solidFill>
+              <a:schemeClr val="bg1"/>
+            </a:solidFill>
+            <a:ln/>
+          </p:spPr>
+          <p:style>
+            <a:lnRef idx="1">
+              <a:schemeClr val="accent5"/>
+            </a:lnRef>
+            <a:fillRef idx="2">
+              <a:schemeClr val="accent5"/>
+            </a:fillRef>
+            <a:effectRef idx="1">
+              <a:schemeClr val="accent5"/>
+            </a:effectRef>
+            <a:fontRef idx="minor">
+              <a:schemeClr val="dk1"/>
+            </a:fontRef>
+          </p:style>
+          <p:txBody>
+            <a:bodyPr rtlCol="0" anchor="ctr"/>
+            <a:lstStyle/>
+            <a:p>
+              <a:pPr algn="ctr"/>
+              <a:endParaRPr lang="en-GB" sz="1200"/>
+            </a:p>
+          </p:txBody>
+        </p:sp>
+      </p:grpSp>
+      <p:grpSp>
+        <p:nvGrpSpPr>
+          <p:cNvPr id="162" name="Gruppo 161">
+            <a:extLst>
+              <a:ext uri="{FF2B5EF4-FFF2-40B4-BE49-F238E27FC236}">
+                <a16:creationId xmlns:a16="http://schemas.microsoft.com/office/drawing/2014/main" id="{7BB722F8-9504-445C-8E78-30598AE5B1FD}"/>
+              </a:ext>
+            </a:extLst>
+          </p:cNvPr>
+          <p:cNvGrpSpPr/>
+          <p:nvPr/>
+        </p:nvGrpSpPr>
+        <p:grpSpPr>
+          <a:xfrm>
+            <a:off x="3855888" y="5482319"/>
+            <a:ext cx="787334" cy="86434"/>
+            <a:chOff x="3452446" y="4176616"/>
+            <a:chExt cx="787334" cy="86434"/>
+          </a:xfrm>
+        </p:grpSpPr>
+        <p:sp>
+          <p:nvSpPr>
+            <p:cNvPr id="164" name="Triangolo isoscele 163">
+              <a:extLst>
+                <a:ext uri="{FF2B5EF4-FFF2-40B4-BE49-F238E27FC236}">
+                  <a16:creationId xmlns:a16="http://schemas.microsoft.com/office/drawing/2014/main" id="{655E9E74-7804-4E1D-BECD-6E6D4CB17129}"/>
+                </a:ext>
+              </a:extLst>
+            </p:cNvPr>
+            <p:cNvSpPr/>
+            <p:nvPr/>
+          </p:nvSpPr>
+          <p:spPr>
+            <a:xfrm rot="5400000" flipH="1">
+              <a:off x="4126932" y="4150201"/>
+              <a:ext cx="86434" cy="139263"/>
+            </a:xfrm>
+            <a:prstGeom prst="triangle">
+              <a:avLst/>
+            </a:prstGeom>
+            <a:solidFill>
+              <a:schemeClr val="bg1"/>
+            </a:solidFill>
+            <a:ln/>
+          </p:spPr>
+          <p:style>
+            <a:lnRef idx="1">
+              <a:schemeClr val="accent5"/>
+            </a:lnRef>
+            <a:fillRef idx="2">
+              <a:schemeClr val="accent5"/>
+            </a:fillRef>
+            <a:effectRef idx="1">
+              <a:schemeClr val="accent5"/>
+            </a:effectRef>
+            <a:fontRef idx="minor">
+              <a:schemeClr val="dk1"/>
+            </a:fontRef>
+          </p:style>
+          <p:txBody>
+            <a:bodyPr rtlCol="0" anchor="ctr"/>
+            <a:lstStyle/>
+            <a:p>
+              <a:pPr algn="ctr"/>
+              <a:endParaRPr lang="en-GB" sz="1200"/>
+            </a:p>
+          </p:txBody>
+        </p:sp>
+        <p:cxnSp>
+          <p:nvCxnSpPr>
+            <p:cNvPr id="165" name="Connettore 1 74">
+              <a:extLst>
+                <a:ext uri="{FF2B5EF4-FFF2-40B4-BE49-F238E27FC236}">
+                  <a16:creationId xmlns:a16="http://schemas.microsoft.com/office/drawing/2014/main" id="{5A801938-15C5-4365-9D46-517318707BB4}"/>
+                </a:ext>
+              </a:extLst>
+            </p:cNvPr>
+            <p:cNvCxnSpPr>
+              <a:endCxn id="164" idx="3"/>
+            </p:cNvCxnSpPr>
+            <p:nvPr/>
+          </p:nvCxnSpPr>
+          <p:spPr>
+            <a:xfrm>
+              <a:off x="3452446" y="4219627"/>
+              <a:ext cx="648072" cy="206"/>
+            </a:xfrm>
+            <a:prstGeom prst="line">
+              <a:avLst/>
+            </a:prstGeom>
+          </p:spPr>
+          <p:style>
+            <a:lnRef idx="1">
+              <a:schemeClr val="accent1"/>
+            </a:lnRef>
+            <a:fillRef idx="0">
+              <a:schemeClr val="accent1"/>
+            </a:fillRef>
+            <a:effectRef idx="0">
+              <a:schemeClr val="accent1"/>
+            </a:effectRef>
+            <a:fontRef idx="minor">
+              <a:schemeClr val="tx1"/>
+            </a:fontRef>
+          </p:style>
+        </p:cxnSp>
+      </p:grpSp>
+      <p:grpSp>
+        <p:nvGrpSpPr>
+          <p:cNvPr id="166" name="Gruppo 165">
+            <a:extLst>
+              <a:ext uri="{FF2B5EF4-FFF2-40B4-BE49-F238E27FC236}">
+                <a16:creationId xmlns:a16="http://schemas.microsoft.com/office/drawing/2014/main" id="{97EF60C3-9C37-4C40-915F-BFE5124E1EEF}"/>
+              </a:ext>
+            </a:extLst>
+          </p:cNvPr>
+          <p:cNvGrpSpPr/>
+          <p:nvPr/>
+        </p:nvGrpSpPr>
+        <p:grpSpPr>
+          <a:xfrm>
+            <a:off x="3895985" y="5770831"/>
+            <a:ext cx="666895" cy="86434"/>
+            <a:chOff x="4592177" y="4419530"/>
+            <a:chExt cx="666895" cy="86434"/>
+          </a:xfrm>
+        </p:grpSpPr>
+        <p:cxnSp>
+          <p:nvCxnSpPr>
+            <p:cNvPr id="167" name="Connettore 1 76">
+              <a:extLst>
+                <a:ext uri="{FF2B5EF4-FFF2-40B4-BE49-F238E27FC236}">
+                  <a16:creationId xmlns:a16="http://schemas.microsoft.com/office/drawing/2014/main" id="{FFE894B5-26B4-4436-8D89-A62259A6EB95}"/>
+                </a:ext>
+              </a:extLst>
+            </p:cNvPr>
+            <p:cNvCxnSpPr/>
+            <p:nvPr/>
+          </p:nvCxnSpPr>
+          <p:spPr>
+            <a:xfrm>
+              <a:off x="4611000" y="4462747"/>
+              <a:ext cx="648072" cy="0"/>
+            </a:xfrm>
+            <a:prstGeom prst="line">
+              <a:avLst/>
+            </a:prstGeom>
+            <a:ln>
+              <a:prstDash val="dash"/>
+            </a:ln>
+          </p:spPr>
+          <p:style>
+            <a:lnRef idx="1">
+              <a:schemeClr val="accent1"/>
+            </a:lnRef>
+            <a:fillRef idx="0">
+              <a:schemeClr val="accent1"/>
+            </a:fillRef>
+            <a:effectRef idx="0">
+              <a:schemeClr val="accent1"/>
+            </a:effectRef>
+            <a:fontRef idx="minor">
+              <a:schemeClr val="tx1"/>
+            </a:fontRef>
+          </p:style>
+        </p:cxnSp>
+        <p:sp>
+          <p:nvSpPr>
+            <p:cNvPr id="168" name="Triangolo isoscele 167">
+              <a:extLst>
+                <a:ext uri="{FF2B5EF4-FFF2-40B4-BE49-F238E27FC236}">
+                  <a16:creationId xmlns:a16="http://schemas.microsoft.com/office/drawing/2014/main" id="{4DEAED7C-4E9A-485B-A51F-F97185DC541F}"/>
+                </a:ext>
+              </a:extLst>
+            </p:cNvPr>
+            <p:cNvSpPr/>
+            <p:nvPr/>
+          </p:nvSpPr>
+          <p:spPr>
+            <a:xfrm rot="16200000">
+              <a:off x="4618592" y="4393115"/>
+              <a:ext cx="86434" cy="139263"/>
+            </a:xfrm>
+            <a:prstGeom prst="triangle">
+              <a:avLst/>
+            </a:prstGeom>
+            <a:solidFill>
+              <a:schemeClr val="bg1"/>
+            </a:solidFill>
+            <a:ln/>
+          </p:spPr>
+          <p:style>
+            <a:lnRef idx="1">
+              <a:schemeClr val="accent5"/>
+            </a:lnRef>
+            <a:fillRef idx="2">
+              <a:schemeClr val="accent5"/>
+            </a:fillRef>
+            <a:effectRef idx="1">
+              <a:schemeClr val="accent5"/>
+            </a:effectRef>
+            <a:fontRef idx="minor">
+              <a:schemeClr val="dk1"/>
+            </a:fontRef>
+          </p:style>
+          <p:txBody>
+            <a:bodyPr rtlCol="0" anchor="ctr"/>
+            <a:lstStyle/>
+            <a:p>
+              <a:pPr algn="ctr"/>
+              <a:endParaRPr lang="en-GB" sz="1200"/>
+            </a:p>
+          </p:txBody>
+        </p:sp>
+      </p:grpSp>
+      <p:grpSp>
+        <p:nvGrpSpPr>
+          <p:cNvPr id="169" name="Gruppo 168">
+            <a:extLst>
+              <a:ext uri="{FF2B5EF4-FFF2-40B4-BE49-F238E27FC236}">
+                <a16:creationId xmlns:a16="http://schemas.microsoft.com/office/drawing/2014/main" id="{11117D09-1DC9-42FE-B874-ACB4C944010F}"/>
+              </a:ext>
+            </a:extLst>
+          </p:cNvPr>
+          <p:cNvGrpSpPr/>
+          <p:nvPr/>
+        </p:nvGrpSpPr>
+        <p:grpSpPr>
+          <a:xfrm>
+            <a:off x="1763864" y="5479895"/>
+            <a:ext cx="787334" cy="86434"/>
+            <a:chOff x="3452446" y="4176616"/>
+            <a:chExt cx="787334" cy="86434"/>
+          </a:xfrm>
+        </p:grpSpPr>
+        <p:sp>
+          <p:nvSpPr>
+            <p:cNvPr id="170" name="Triangolo isoscele 169">
+              <a:extLst>
+                <a:ext uri="{FF2B5EF4-FFF2-40B4-BE49-F238E27FC236}">
+                  <a16:creationId xmlns:a16="http://schemas.microsoft.com/office/drawing/2014/main" id="{321A9743-AE0D-4EE7-999D-7395D049EA18}"/>
+                </a:ext>
+              </a:extLst>
+            </p:cNvPr>
+            <p:cNvSpPr/>
+            <p:nvPr/>
+          </p:nvSpPr>
+          <p:spPr>
+            <a:xfrm rot="5400000" flipH="1">
+              <a:off x="4126932" y="4150201"/>
+              <a:ext cx="86434" cy="139263"/>
+            </a:xfrm>
+            <a:prstGeom prst="triangle">
+              <a:avLst/>
+            </a:prstGeom>
+            <a:solidFill>
+              <a:schemeClr val="bg1"/>
+            </a:solidFill>
+            <a:ln/>
+          </p:spPr>
+          <p:style>
+            <a:lnRef idx="1">
+              <a:schemeClr val="accent5"/>
+            </a:lnRef>
+            <a:fillRef idx="2">
+              <a:schemeClr val="accent5"/>
+            </a:fillRef>
+            <a:effectRef idx="1">
+              <a:schemeClr val="accent5"/>
+            </a:effectRef>
+            <a:fontRef idx="minor">
+              <a:schemeClr val="dk1"/>
+            </a:fontRef>
+          </p:style>
+          <p:txBody>
+            <a:bodyPr rtlCol="0" anchor="ctr"/>
+            <a:lstStyle/>
+            <a:p>
+              <a:pPr algn="ctr"/>
+              <a:endParaRPr lang="en-GB" sz="1200"/>
+            </a:p>
+          </p:txBody>
+        </p:sp>
+        <p:cxnSp>
+          <p:nvCxnSpPr>
+            <p:cNvPr id="171" name="Connettore 1 74">
+              <a:extLst>
+                <a:ext uri="{FF2B5EF4-FFF2-40B4-BE49-F238E27FC236}">
+                  <a16:creationId xmlns:a16="http://schemas.microsoft.com/office/drawing/2014/main" id="{6698A53B-7F0E-4D07-9193-C16228C4DC2A}"/>
+                </a:ext>
+              </a:extLst>
+            </p:cNvPr>
+            <p:cNvCxnSpPr>
+              <a:endCxn id="170" idx="3"/>
+            </p:cNvCxnSpPr>
+            <p:nvPr/>
+          </p:nvCxnSpPr>
+          <p:spPr>
+            <a:xfrm>
+              <a:off x="3452446" y="4219627"/>
+              <a:ext cx="648072" cy="206"/>
+            </a:xfrm>
+            <a:prstGeom prst="line">
+              <a:avLst/>
+            </a:prstGeom>
+          </p:spPr>
+          <p:style>
+            <a:lnRef idx="1">
+              <a:schemeClr val="accent1"/>
+            </a:lnRef>
+            <a:fillRef idx="0">
+              <a:schemeClr val="accent1"/>
+            </a:fillRef>
+            <a:effectRef idx="0">
+              <a:schemeClr val="accent1"/>
+            </a:effectRef>
+            <a:fontRef idx="minor">
+              <a:schemeClr val="tx1"/>
+            </a:fontRef>
+          </p:style>
+        </p:cxnSp>
+      </p:grpSp>
+      <p:grpSp>
+        <p:nvGrpSpPr>
+          <p:cNvPr id="172" name="Gruppo 171">
+            <a:extLst>
+              <a:ext uri="{FF2B5EF4-FFF2-40B4-BE49-F238E27FC236}">
+                <a16:creationId xmlns:a16="http://schemas.microsoft.com/office/drawing/2014/main" id="{B0AED1D5-8F0A-4EC6-B819-F2BE4CDA9E6D}"/>
+              </a:ext>
+            </a:extLst>
+          </p:cNvPr>
+          <p:cNvGrpSpPr/>
+          <p:nvPr/>
+        </p:nvGrpSpPr>
+        <p:grpSpPr>
+          <a:xfrm>
+            <a:off x="1803961" y="5768407"/>
+            <a:ext cx="666895" cy="86434"/>
+            <a:chOff x="4592177" y="4419530"/>
+            <a:chExt cx="666895" cy="86434"/>
+          </a:xfrm>
+        </p:grpSpPr>
+        <p:cxnSp>
+          <p:nvCxnSpPr>
+            <p:cNvPr id="173" name="Connettore 1 76">
+              <a:extLst>
+                <a:ext uri="{FF2B5EF4-FFF2-40B4-BE49-F238E27FC236}">
+                  <a16:creationId xmlns:a16="http://schemas.microsoft.com/office/drawing/2014/main" id="{F738EEFA-C098-444B-8B4F-A33CDE2BDC22}"/>
+                </a:ext>
+              </a:extLst>
+            </p:cNvPr>
+            <p:cNvCxnSpPr/>
+            <p:nvPr/>
+          </p:nvCxnSpPr>
+          <p:spPr>
+            <a:xfrm>
+              <a:off x="4611000" y="4462747"/>
+              <a:ext cx="648072" cy="0"/>
+            </a:xfrm>
+            <a:prstGeom prst="line">
+              <a:avLst/>
+            </a:prstGeom>
+            <a:ln>
+              <a:prstDash val="dash"/>
+            </a:ln>
+          </p:spPr>
+          <p:style>
+            <a:lnRef idx="1">
+              <a:schemeClr val="accent1"/>
+            </a:lnRef>
+            <a:fillRef idx="0">
+              <a:schemeClr val="accent1"/>
+            </a:fillRef>
+            <a:effectRef idx="0">
+              <a:schemeClr val="accent1"/>
+            </a:effectRef>
+            <a:fontRef idx="minor">
+              <a:schemeClr val="tx1"/>
+            </a:fontRef>
+          </p:style>
+        </p:cxnSp>
+        <p:sp>
+          <p:nvSpPr>
+            <p:cNvPr id="174" name="Triangolo isoscele 173">
+              <a:extLst>
+                <a:ext uri="{FF2B5EF4-FFF2-40B4-BE49-F238E27FC236}">
+                  <a16:creationId xmlns:a16="http://schemas.microsoft.com/office/drawing/2014/main" id="{9B659F45-0B96-43E0-9321-9BB9E5131180}"/>
+                </a:ext>
+              </a:extLst>
+            </p:cNvPr>
+            <p:cNvSpPr/>
+            <p:nvPr/>
+          </p:nvSpPr>
+          <p:spPr>
+            <a:xfrm rot="16200000">
+              <a:off x="4618592" y="4393115"/>
+              <a:ext cx="86434" cy="139263"/>
+            </a:xfrm>
+            <a:prstGeom prst="triangle">
+              <a:avLst/>
+            </a:prstGeom>
+            <a:solidFill>
+              <a:schemeClr val="bg1"/>
+            </a:solidFill>
+            <a:ln/>
+          </p:spPr>
+          <p:style>
+            <a:lnRef idx="1">
+              <a:schemeClr val="accent5"/>
+            </a:lnRef>
+            <a:fillRef idx="2">
+              <a:schemeClr val="accent5"/>
+            </a:fillRef>
+            <a:effectRef idx="1">
+              <a:schemeClr val="accent5"/>
+            </a:effectRef>
+            <a:fontRef idx="minor">
+              <a:schemeClr val="dk1"/>
+            </a:fontRef>
+          </p:style>
+          <p:txBody>
+            <a:bodyPr rtlCol="0" anchor="ctr"/>
+            <a:lstStyle/>
+            <a:p>
+              <a:pPr algn="ctr"/>
+              <a:endParaRPr lang="en-GB" sz="1200"/>
+            </a:p>
+          </p:txBody>
+        </p:sp>
+      </p:grpSp>
     </p:spTree>
     <p:extLst>
       <p:ext uri="{BB962C8B-B14F-4D97-AF65-F5344CB8AC3E}">
